--- a/presentation.pptx
+++ b/presentation.pptx
@@ -198,7 +198,7 @@
           <a:p>
             <a:fld id="{BBA27C1E-2667-4943-95D8-0CA478CB9F46}" type="datetimeFigureOut">
               <a:rPr lang="en-US" smtClean="0"/>
-              <a:t>2/13/18</a:t>
+              <a:t>2/14/18</a:t>
             </a:fld>
             <a:endParaRPr lang="en-US"/>
           </a:p>
@@ -681,7 +681,7 @@
           <a:p>
             <a:fld id="{0CEE0B93-8C38-494C-9F93-47D911EC11C7}" type="datetime1">
               <a:rPr lang="en-GB" smtClean="0"/>
-              <a:t>13/02/2018</a:t>
+              <a:t>14/02/2018</a:t>
             </a:fld>
             <a:endParaRPr lang="en-US"/>
           </a:p>
@@ -850,7 +850,7 @@
           <a:p>
             <a:fld id="{194D56CE-B90F-AC4A-BFA7-F4B285B36D2E}" type="datetime1">
               <a:rPr lang="en-GB" smtClean="0"/>
-              <a:t>13/02/2018</a:t>
+              <a:t>14/02/2018</a:t>
             </a:fld>
             <a:endParaRPr lang="en-US"/>
           </a:p>
@@ -1029,7 +1029,7 @@
           <a:p>
             <a:fld id="{CBE36053-82AF-C44B-974D-496803C47CF0}" type="datetime1">
               <a:rPr lang="en-GB" smtClean="0"/>
-              <a:t>13/02/2018</a:t>
+              <a:t>14/02/2018</a:t>
             </a:fld>
             <a:endParaRPr lang="en-US"/>
           </a:p>
@@ -1198,7 +1198,7 @@
           <a:p>
             <a:fld id="{45D6BDBC-6515-0749-9F88-7E1A3C1DB638}" type="datetime1">
               <a:rPr lang="en-GB" smtClean="0"/>
-              <a:t>13/02/2018</a:t>
+              <a:t>14/02/2018</a:t>
             </a:fld>
             <a:endParaRPr lang="en-US"/>
           </a:p>
@@ -1441,7 +1441,7 @@
           <a:p>
             <a:fld id="{A5AD74D3-3A79-7949-98C0-8EA4A634FF49}" type="datetime1">
               <a:rPr lang="en-GB" smtClean="0"/>
-              <a:t>13/02/2018</a:t>
+              <a:t>14/02/2018</a:t>
             </a:fld>
             <a:endParaRPr lang="en-US"/>
           </a:p>
@@ -1672,7 +1672,7 @@
           <a:p>
             <a:fld id="{7A6F3538-5188-014D-9876-CE2456D32D0D}" type="datetime1">
               <a:rPr lang="en-GB" smtClean="0"/>
-              <a:t>13/02/2018</a:t>
+              <a:t>14/02/2018</a:t>
             </a:fld>
             <a:endParaRPr lang="en-US"/>
           </a:p>
@@ -2038,7 +2038,7 @@
           <a:p>
             <a:fld id="{492FB225-FC0C-D248-81B9-33A9244B200C}" type="datetime1">
               <a:rPr lang="en-GB" smtClean="0"/>
-              <a:t>13/02/2018</a:t>
+              <a:t>14/02/2018</a:t>
             </a:fld>
             <a:endParaRPr lang="en-US"/>
           </a:p>
@@ -2155,7 +2155,7 @@
           <a:p>
             <a:fld id="{B350C804-46E6-5B4B-89B7-100215747224}" type="datetime1">
               <a:rPr lang="en-GB" smtClean="0"/>
-              <a:t>13/02/2018</a:t>
+              <a:t>14/02/2018</a:t>
             </a:fld>
             <a:endParaRPr lang="en-US"/>
           </a:p>
@@ -2249,7 +2249,7 @@
           <a:p>
             <a:fld id="{69CDF0E8-99DC-374F-A0ED-A74A4E04384B}" type="datetime1">
               <a:rPr lang="en-GB" smtClean="0"/>
-              <a:t>13/02/2018</a:t>
+              <a:t>14/02/2018</a:t>
             </a:fld>
             <a:endParaRPr lang="en-US"/>
           </a:p>
@@ -2525,7 +2525,7 @@
           <a:p>
             <a:fld id="{10D66949-F677-5A43-AE3E-CDD8B210B4CC}" type="datetime1">
               <a:rPr lang="en-GB" smtClean="0"/>
-              <a:t>13/02/2018</a:t>
+              <a:t>14/02/2018</a:t>
             </a:fld>
             <a:endParaRPr lang="en-US"/>
           </a:p>
@@ -2781,7 +2781,7 @@
           <a:p>
             <a:fld id="{7177947E-6B5D-BF4A-B685-358FFCE17739}" type="datetime1">
               <a:rPr lang="en-GB" smtClean="0"/>
-              <a:t>13/02/2018</a:t>
+              <a:t>14/02/2018</a:t>
             </a:fld>
             <a:endParaRPr lang="en-US"/>
           </a:p>
@@ -2993,7 +2993,7 @@
           <a:p>
             <a:fld id="{4C7C2E8C-3521-6E49-909A-A9F055CAA7CC}" type="datetime1">
               <a:rPr lang="en-GB" smtClean="0"/>
-              <a:t>13/02/2018</a:t>
+              <a:t>14/02/2018</a:t>
             </a:fld>
             <a:endParaRPr lang="en-US"/>
           </a:p>
@@ -3445,7 +3445,7 @@
           <p:cNvPr id="33" name="Title 1">
             <a:extLst>
               <a:ext uri="{FF2B5EF4-FFF2-40B4-BE49-F238E27FC236}">
-                <a16:creationId xmlns:a16="http://schemas.microsoft.com/office/drawing/2014/main" xmlns="" id="{2C2BFAE1-45D3-4B3B-81D2-0BF25FA84FB8}"/>
+                <a16:creationId xmlns="" xmlns:a16="http://schemas.microsoft.com/office/drawing/2014/main" id="{2C2BFAE1-45D3-4B3B-81D2-0BF25FA84FB8}"/>
               </a:ext>
             </a:extLst>
           </p:cNvPr>
@@ -3561,7 +3561,7 @@
           <p:cNvPr id="47" name="Freeform 11">
             <a:extLst>
               <a:ext uri="{FF2B5EF4-FFF2-40B4-BE49-F238E27FC236}">
-                <a16:creationId xmlns:a16="http://schemas.microsoft.com/office/drawing/2014/main" xmlns="" id="{C0227C71-05B9-475A-96F1-6605D6A14007}"/>
+                <a16:creationId xmlns="" xmlns:a16="http://schemas.microsoft.com/office/drawing/2014/main" id="{C0227C71-05B9-475A-96F1-6605D6A14007}"/>
               </a:ext>
             </a:extLst>
           </p:cNvPr>
@@ -3698,7 +3698,7 @@
           <p:cNvPr id="48" name="Freeform 12">
             <a:extLst>
               <a:ext uri="{FF2B5EF4-FFF2-40B4-BE49-F238E27FC236}">
-                <a16:creationId xmlns:a16="http://schemas.microsoft.com/office/drawing/2014/main" xmlns="" id="{81E43D33-EBD3-402F-A3F1-041D6D7B8EAA}"/>
+                <a16:creationId xmlns="" xmlns:a16="http://schemas.microsoft.com/office/drawing/2014/main" id="{81E43D33-EBD3-402F-A3F1-041D6D7B8EAA}"/>
               </a:ext>
             </a:extLst>
           </p:cNvPr>
@@ -3835,7 +3835,7 @@
           <p:cNvPr id="49" name="Freeform 13">
             <a:extLst>
               <a:ext uri="{FF2B5EF4-FFF2-40B4-BE49-F238E27FC236}">
-                <a16:creationId xmlns:a16="http://schemas.microsoft.com/office/drawing/2014/main" xmlns="" id="{74E8FAD9-03D9-497D-B9FA-78A21CEE837E}"/>
+                <a16:creationId xmlns="" xmlns:a16="http://schemas.microsoft.com/office/drawing/2014/main" id="{74E8FAD9-03D9-497D-B9FA-78A21CEE837E}"/>
               </a:ext>
             </a:extLst>
           </p:cNvPr>
@@ -3972,7 +3972,7 @@
           <p:cNvPr id="50" name="Freeform 14">
             <a:extLst>
               <a:ext uri="{FF2B5EF4-FFF2-40B4-BE49-F238E27FC236}">
-                <a16:creationId xmlns:a16="http://schemas.microsoft.com/office/drawing/2014/main" xmlns="" id="{F7BCB902-FE28-44BB-B683-C624DF775F88}"/>
+                <a16:creationId xmlns="" xmlns:a16="http://schemas.microsoft.com/office/drawing/2014/main" id="{F7BCB902-FE28-44BB-B683-C624DF775F88}"/>
               </a:ext>
             </a:extLst>
           </p:cNvPr>
@@ -4109,7 +4109,7 @@
           <p:cNvPr id="51" name="Freeform 15">
             <a:extLst>
               <a:ext uri="{FF2B5EF4-FFF2-40B4-BE49-F238E27FC236}">
-                <a16:creationId xmlns:a16="http://schemas.microsoft.com/office/drawing/2014/main" xmlns="" id="{41C9649D-A0FA-4190-A8BF-AE344D4E7F81}"/>
+                <a16:creationId xmlns="" xmlns:a16="http://schemas.microsoft.com/office/drawing/2014/main" id="{41C9649D-A0FA-4190-A8BF-AE344D4E7F81}"/>
               </a:ext>
             </a:extLst>
           </p:cNvPr>
@@ -4246,7 +4246,7 @@
           <p:cNvPr id="52" name="Freeform 16">
             <a:extLst>
               <a:ext uri="{FF2B5EF4-FFF2-40B4-BE49-F238E27FC236}">
-                <a16:creationId xmlns:a16="http://schemas.microsoft.com/office/drawing/2014/main" xmlns="" id="{0B28BCF8-2DC0-4E2C-8F16-FF0022F644BB}"/>
+                <a16:creationId xmlns="" xmlns:a16="http://schemas.microsoft.com/office/drawing/2014/main" id="{0B28BCF8-2DC0-4E2C-8F16-FF0022F644BB}"/>
               </a:ext>
             </a:extLst>
           </p:cNvPr>
@@ -4383,7 +4383,7 @@
           <p:cNvPr id="53" name="Freeform 17">
             <a:extLst>
               <a:ext uri="{FF2B5EF4-FFF2-40B4-BE49-F238E27FC236}">
-                <a16:creationId xmlns:a16="http://schemas.microsoft.com/office/drawing/2014/main" xmlns="" id="{084FFFA1-80EA-4284-BE1D-6FFBDE80BD93}"/>
+                <a16:creationId xmlns="" xmlns:a16="http://schemas.microsoft.com/office/drawing/2014/main" id="{084FFFA1-80EA-4284-BE1D-6FFBDE80BD93}"/>
               </a:ext>
             </a:extLst>
           </p:cNvPr>
@@ -4520,7 +4520,7 @@
           <p:cNvPr id="54" name="Freeform 18">
             <a:extLst>
               <a:ext uri="{FF2B5EF4-FFF2-40B4-BE49-F238E27FC236}">
-                <a16:creationId xmlns:a16="http://schemas.microsoft.com/office/drawing/2014/main" xmlns="" id="{1E71F11F-B81F-4132-B1F5-51AEB9736360}"/>
+                <a16:creationId xmlns="" xmlns:a16="http://schemas.microsoft.com/office/drawing/2014/main" id="{1E71F11F-B81F-4132-B1F5-51AEB9736360}"/>
               </a:ext>
             </a:extLst>
           </p:cNvPr>
@@ -4657,7 +4657,7 @@
           <p:cNvPr id="55" name="Freeform 19">
             <a:extLst>
               <a:ext uri="{FF2B5EF4-FFF2-40B4-BE49-F238E27FC236}">
-                <a16:creationId xmlns:a16="http://schemas.microsoft.com/office/drawing/2014/main" xmlns="" id="{1A7D7D8F-5B94-4084-B9DF-020AAA064CE7}"/>
+                <a16:creationId xmlns="" xmlns:a16="http://schemas.microsoft.com/office/drawing/2014/main" id="{1A7D7D8F-5B94-4084-B9DF-020AAA064CE7}"/>
               </a:ext>
             </a:extLst>
           </p:cNvPr>
@@ -4794,7 +4794,7 @@
           <p:cNvPr id="56" name="Freeform 20">
             <a:extLst>
               <a:ext uri="{FF2B5EF4-FFF2-40B4-BE49-F238E27FC236}">
-                <a16:creationId xmlns:a16="http://schemas.microsoft.com/office/drawing/2014/main" xmlns="" id="{3752C920-4F9D-43F8-A592-D6E13F6E16BF}"/>
+                <a16:creationId xmlns="" xmlns:a16="http://schemas.microsoft.com/office/drawing/2014/main" id="{3752C920-4F9D-43F8-A592-D6E13F6E16BF}"/>
               </a:ext>
             </a:extLst>
           </p:cNvPr>
@@ -4931,7 +4931,7 @@
           <p:cNvPr id="57" name="Freeform 21">
             <a:extLst>
               <a:ext uri="{FF2B5EF4-FFF2-40B4-BE49-F238E27FC236}">
-                <a16:creationId xmlns:a16="http://schemas.microsoft.com/office/drawing/2014/main" xmlns="" id="{9B71C156-14DB-4751-8C9D-14730140FBB3}"/>
+                <a16:creationId xmlns="" xmlns:a16="http://schemas.microsoft.com/office/drawing/2014/main" id="{9B71C156-14DB-4751-8C9D-14730140FBB3}"/>
               </a:ext>
             </a:extLst>
           </p:cNvPr>
@@ -5068,7 +5068,7 @@
           <p:cNvPr id="58" name="Freeform 22">
             <a:extLst>
               <a:ext uri="{FF2B5EF4-FFF2-40B4-BE49-F238E27FC236}">
-                <a16:creationId xmlns:a16="http://schemas.microsoft.com/office/drawing/2014/main" xmlns="" id="{212E092B-2FBE-4338-ABB1-A4983331038D}"/>
+                <a16:creationId xmlns="" xmlns:a16="http://schemas.microsoft.com/office/drawing/2014/main" id="{212E092B-2FBE-4338-ABB1-A4983331038D}"/>
               </a:ext>
             </a:extLst>
           </p:cNvPr>
@@ -5205,7 +5205,7 @@
           <p:cNvPr id="59" name="Freeform 23">
             <a:extLst>
               <a:ext uri="{FF2B5EF4-FFF2-40B4-BE49-F238E27FC236}">
-                <a16:creationId xmlns:a16="http://schemas.microsoft.com/office/drawing/2014/main" xmlns="" id="{71BD2BEA-802C-42B3-A548-56E523A5465E}"/>
+                <a16:creationId xmlns="" xmlns:a16="http://schemas.microsoft.com/office/drawing/2014/main" id="{71BD2BEA-802C-42B3-A548-56E523A5465E}"/>
               </a:ext>
             </a:extLst>
           </p:cNvPr>
@@ -5342,7 +5342,7 @@
           <p:cNvPr id="60" name="Freeform 24">
             <a:extLst>
               <a:ext uri="{FF2B5EF4-FFF2-40B4-BE49-F238E27FC236}">
-                <a16:creationId xmlns:a16="http://schemas.microsoft.com/office/drawing/2014/main" xmlns="" id="{03C92676-DD61-4076-92E0-EE362E022105}"/>
+                <a16:creationId xmlns="" xmlns:a16="http://schemas.microsoft.com/office/drawing/2014/main" id="{03C92676-DD61-4076-92E0-EE362E022105}"/>
               </a:ext>
             </a:extLst>
           </p:cNvPr>
@@ -5479,7 +5479,7 @@
           <p:cNvPr id="61" name="Freeform 25">
             <a:extLst>
               <a:ext uri="{FF2B5EF4-FFF2-40B4-BE49-F238E27FC236}">
-                <a16:creationId xmlns:a16="http://schemas.microsoft.com/office/drawing/2014/main" xmlns="" id="{EED40B0E-2A7B-415A-B5B7-BEACDBA411A1}"/>
+                <a16:creationId xmlns="" xmlns:a16="http://schemas.microsoft.com/office/drawing/2014/main" id="{EED40B0E-2A7B-415A-B5B7-BEACDBA411A1}"/>
               </a:ext>
             </a:extLst>
           </p:cNvPr>
@@ -5616,7 +5616,7 @@
           <p:cNvPr id="62" name="Freeform 26">
             <a:extLst>
               <a:ext uri="{FF2B5EF4-FFF2-40B4-BE49-F238E27FC236}">
-                <a16:creationId xmlns:a16="http://schemas.microsoft.com/office/drawing/2014/main" xmlns="" id="{BC57EADE-16B2-4428-A432-2FEBB7152C91}"/>
+                <a16:creationId xmlns="" xmlns:a16="http://schemas.microsoft.com/office/drawing/2014/main" id="{BC57EADE-16B2-4428-A432-2FEBB7152C91}"/>
               </a:ext>
             </a:extLst>
           </p:cNvPr>
@@ -5753,7 +5753,7 @@
           <p:cNvPr id="63" name="Freeform 27">
             <a:extLst>
               <a:ext uri="{FF2B5EF4-FFF2-40B4-BE49-F238E27FC236}">
-                <a16:creationId xmlns:a16="http://schemas.microsoft.com/office/drawing/2014/main" xmlns="" id="{B1D015B4-11AB-4CE7-A315-873FE2246436}"/>
+                <a16:creationId xmlns="" xmlns:a16="http://schemas.microsoft.com/office/drawing/2014/main" id="{B1D015B4-11AB-4CE7-A315-873FE2246436}"/>
               </a:ext>
             </a:extLst>
           </p:cNvPr>
@@ -5890,7 +5890,7 @@
           <p:cNvPr id="64" name="Freeform 28">
             <a:extLst>
               <a:ext uri="{FF2B5EF4-FFF2-40B4-BE49-F238E27FC236}">
-                <a16:creationId xmlns:a16="http://schemas.microsoft.com/office/drawing/2014/main" xmlns="" id="{E3ADFBBB-8966-4606-9007-F461A30ECA02}"/>
+                <a16:creationId xmlns="" xmlns:a16="http://schemas.microsoft.com/office/drawing/2014/main" id="{E3ADFBBB-8966-4606-9007-F461A30ECA02}"/>
               </a:ext>
             </a:extLst>
           </p:cNvPr>
@@ -6027,7 +6027,7 @@
           <p:cNvPr id="65" name="Freeform 29">
             <a:extLst>
               <a:ext uri="{FF2B5EF4-FFF2-40B4-BE49-F238E27FC236}">
-                <a16:creationId xmlns:a16="http://schemas.microsoft.com/office/drawing/2014/main" xmlns="" id="{AFEB98C9-BF9E-4F95-974E-BAE1593DAD1E}"/>
+                <a16:creationId xmlns="" xmlns:a16="http://schemas.microsoft.com/office/drawing/2014/main" id="{AFEB98C9-BF9E-4F95-974E-BAE1593DAD1E}"/>
               </a:ext>
             </a:extLst>
           </p:cNvPr>
@@ -6164,7 +6164,7 @@
           <p:cNvPr id="66" name="Freeform 30">
             <a:extLst>
               <a:ext uri="{FF2B5EF4-FFF2-40B4-BE49-F238E27FC236}">
-                <a16:creationId xmlns:a16="http://schemas.microsoft.com/office/drawing/2014/main" xmlns="" id="{716928FB-569C-436B-8B47-68B7861CBD54}"/>
+                <a16:creationId xmlns="" xmlns:a16="http://schemas.microsoft.com/office/drawing/2014/main" id="{716928FB-569C-436B-8B47-68B7861CBD54}"/>
               </a:ext>
             </a:extLst>
           </p:cNvPr>
@@ -6301,7 +6301,7 @@
           <p:cNvPr id="67" name="Freeform 31">
             <a:extLst>
               <a:ext uri="{FF2B5EF4-FFF2-40B4-BE49-F238E27FC236}">
-                <a16:creationId xmlns:a16="http://schemas.microsoft.com/office/drawing/2014/main" xmlns="" id="{9EA700C0-132E-49CA-91E9-056EED54C4FA}"/>
+                <a16:creationId xmlns="" xmlns:a16="http://schemas.microsoft.com/office/drawing/2014/main" id="{9EA700C0-132E-49CA-91E9-056EED54C4FA}"/>
               </a:ext>
             </a:extLst>
           </p:cNvPr>
@@ -6438,7 +6438,7 @@
           <p:cNvPr id="68" name="Freeform 32">
             <a:extLst>
               <a:ext uri="{FF2B5EF4-FFF2-40B4-BE49-F238E27FC236}">
-                <a16:creationId xmlns:a16="http://schemas.microsoft.com/office/drawing/2014/main" xmlns="" id="{BC5AE22B-BFB1-4DE7-B583-D818545F8389}"/>
+                <a16:creationId xmlns="" xmlns:a16="http://schemas.microsoft.com/office/drawing/2014/main" id="{BC5AE22B-BFB1-4DE7-B583-D818545F8389}"/>
               </a:ext>
             </a:extLst>
           </p:cNvPr>
@@ -6575,7 +6575,7 @@
           <p:cNvPr id="69" name="Freeform 33">
             <a:extLst>
               <a:ext uri="{FF2B5EF4-FFF2-40B4-BE49-F238E27FC236}">
-                <a16:creationId xmlns:a16="http://schemas.microsoft.com/office/drawing/2014/main" xmlns="" id="{900F0987-AFC5-4B55-9E69-0A1DBA6F29FD}"/>
+                <a16:creationId xmlns="" xmlns:a16="http://schemas.microsoft.com/office/drawing/2014/main" id="{900F0987-AFC5-4B55-9E69-0A1DBA6F29FD}"/>
               </a:ext>
             </a:extLst>
           </p:cNvPr>
@@ -6712,7 +6712,7 @@
           <p:cNvPr id="70" name="Freeform 34">
             <a:extLst>
               <a:ext uri="{FF2B5EF4-FFF2-40B4-BE49-F238E27FC236}">
-                <a16:creationId xmlns:a16="http://schemas.microsoft.com/office/drawing/2014/main" xmlns="" id="{5A057BE1-07B8-42C5-8E85-E6750EC78B70}"/>
+                <a16:creationId xmlns="" xmlns:a16="http://schemas.microsoft.com/office/drawing/2014/main" id="{5A057BE1-07B8-42C5-8E85-E6750EC78B70}"/>
               </a:ext>
             </a:extLst>
           </p:cNvPr>
@@ -6849,7 +6849,7 @@
           <p:cNvPr id="71" name="Freeform 35">
             <a:extLst>
               <a:ext uri="{FF2B5EF4-FFF2-40B4-BE49-F238E27FC236}">
-                <a16:creationId xmlns:a16="http://schemas.microsoft.com/office/drawing/2014/main" xmlns="" id="{C83E70A8-89B9-4506-83D6-48C23B3695B6}"/>
+                <a16:creationId xmlns="" xmlns:a16="http://schemas.microsoft.com/office/drawing/2014/main" id="{C83E70A8-89B9-4506-83D6-48C23B3695B6}"/>
               </a:ext>
             </a:extLst>
           </p:cNvPr>
@@ -6986,7 +6986,7 @@
           <p:cNvPr id="72" name="Freeform 36">
             <a:extLst>
               <a:ext uri="{FF2B5EF4-FFF2-40B4-BE49-F238E27FC236}">
-                <a16:creationId xmlns:a16="http://schemas.microsoft.com/office/drawing/2014/main" xmlns="" id="{3600F91D-5BC5-4A10-A825-6EDDBE851604}"/>
+                <a16:creationId xmlns="" xmlns:a16="http://schemas.microsoft.com/office/drawing/2014/main" id="{3600F91D-5BC5-4A10-A825-6EDDBE851604}"/>
               </a:ext>
             </a:extLst>
           </p:cNvPr>
@@ -7123,7 +7123,7 @@
           <p:cNvPr id="73" name="Freeform 37">
             <a:extLst>
               <a:ext uri="{FF2B5EF4-FFF2-40B4-BE49-F238E27FC236}">
-                <a16:creationId xmlns:a16="http://schemas.microsoft.com/office/drawing/2014/main" xmlns="" id="{8203C899-0953-4B5B-922A-3387326CF767}"/>
+                <a16:creationId xmlns="" xmlns:a16="http://schemas.microsoft.com/office/drawing/2014/main" id="{8203C899-0953-4B5B-922A-3387326CF767}"/>
               </a:ext>
             </a:extLst>
           </p:cNvPr>
@@ -7260,7 +7260,7 @@
           <p:cNvPr id="74" name="Freeform 38">
             <a:extLst>
               <a:ext uri="{FF2B5EF4-FFF2-40B4-BE49-F238E27FC236}">
-                <a16:creationId xmlns:a16="http://schemas.microsoft.com/office/drawing/2014/main" xmlns="" id="{2A0742EF-1387-4313-8C93-6D6113E8E649}"/>
+                <a16:creationId xmlns="" xmlns:a16="http://schemas.microsoft.com/office/drawing/2014/main" id="{2A0742EF-1387-4313-8C93-6D6113E8E649}"/>
               </a:ext>
             </a:extLst>
           </p:cNvPr>
@@ -7397,7 +7397,7 @@
           <p:cNvPr id="75" name="Freeform 39">
             <a:extLst>
               <a:ext uri="{FF2B5EF4-FFF2-40B4-BE49-F238E27FC236}">
-                <a16:creationId xmlns:a16="http://schemas.microsoft.com/office/drawing/2014/main" xmlns="" id="{955567DF-858C-4A2F-B0FF-78E879F68463}"/>
+                <a16:creationId xmlns="" xmlns:a16="http://schemas.microsoft.com/office/drawing/2014/main" id="{955567DF-858C-4A2F-B0FF-78E879F68463}"/>
               </a:ext>
             </a:extLst>
           </p:cNvPr>
@@ -7534,7 +7534,7 @@
           <p:cNvPr id="76" name="Freeform 40">
             <a:extLst>
               <a:ext uri="{FF2B5EF4-FFF2-40B4-BE49-F238E27FC236}">
-                <a16:creationId xmlns:a16="http://schemas.microsoft.com/office/drawing/2014/main" xmlns="" id="{A1BBF224-8FEA-4C60-A9FE-D4600F858B76}"/>
+                <a16:creationId xmlns="" xmlns:a16="http://schemas.microsoft.com/office/drawing/2014/main" id="{A1BBF224-8FEA-4C60-A9FE-D4600F858B76}"/>
               </a:ext>
             </a:extLst>
           </p:cNvPr>
@@ -7671,7 +7671,7 @@
           <p:cNvPr id="77" name="Freeform 41">
             <a:extLst>
               <a:ext uri="{FF2B5EF4-FFF2-40B4-BE49-F238E27FC236}">
-                <a16:creationId xmlns:a16="http://schemas.microsoft.com/office/drawing/2014/main" xmlns="" id="{BF65CF00-BD8A-48D7-83F2-B2F857897722}"/>
+                <a16:creationId xmlns="" xmlns:a16="http://schemas.microsoft.com/office/drawing/2014/main" id="{BF65CF00-BD8A-48D7-83F2-B2F857897722}"/>
               </a:ext>
             </a:extLst>
           </p:cNvPr>
@@ -7808,7 +7808,7 @@
           <p:cNvPr id="78" name="Freeform 42">
             <a:extLst>
               <a:ext uri="{FF2B5EF4-FFF2-40B4-BE49-F238E27FC236}">
-                <a16:creationId xmlns:a16="http://schemas.microsoft.com/office/drawing/2014/main" xmlns="" id="{E6E2E86C-4C2A-4473-9DDD-36B5F62F6259}"/>
+                <a16:creationId xmlns="" xmlns:a16="http://schemas.microsoft.com/office/drawing/2014/main" id="{E6E2E86C-4C2A-4473-9DDD-36B5F62F6259}"/>
               </a:ext>
             </a:extLst>
           </p:cNvPr>
@@ -7945,7 +7945,7 @@
           <p:cNvPr id="79" name="Freeform 43">
             <a:extLst>
               <a:ext uri="{FF2B5EF4-FFF2-40B4-BE49-F238E27FC236}">
-                <a16:creationId xmlns:a16="http://schemas.microsoft.com/office/drawing/2014/main" xmlns="" id="{B472F8B8-C4AF-4C60-8BB4-F239FA80F3D4}"/>
+                <a16:creationId xmlns="" xmlns:a16="http://schemas.microsoft.com/office/drawing/2014/main" id="{B472F8B8-C4AF-4C60-8BB4-F239FA80F3D4}"/>
               </a:ext>
             </a:extLst>
           </p:cNvPr>
@@ -8082,7 +8082,7 @@
           <p:cNvPr id="80" name="Freeform 44">
             <a:extLst>
               <a:ext uri="{FF2B5EF4-FFF2-40B4-BE49-F238E27FC236}">
-                <a16:creationId xmlns:a16="http://schemas.microsoft.com/office/drawing/2014/main" xmlns="" id="{424AA73D-168F-4862-88C4-EF28F48FEBE9}"/>
+                <a16:creationId xmlns="" xmlns:a16="http://schemas.microsoft.com/office/drawing/2014/main" id="{424AA73D-168F-4862-88C4-EF28F48FEBE9}"/>
               </a:ext>
             </a:extLst>
           </p:cNvPr>
@@ -8219,7 +8219,7 @@
           <p:cNvPr id="81" name="Freeform 45">
             <a:extLst>
               <a:ext uri="{FF2B5EF4-FFF2-40B4-BE49-F238E27FC236}">
-                <a16:creationId xmlns:a16="http://schemas.microsoft.com/office/drawing/2014/main" xmlns="" id="{7DE4441C-2F08-426A-8815-22CF9E8BFB20}"/>
+                <a16:creationId xmlns="" xmlns:a16="http://schemas.microsoft.com/office/drawing/2014/main" id="{7DE4441C-2F08-426A-8815-22CF9E8BFB20}"/>
               </a:ext>
             </a:extLst>
           </p:cNvPr>
@@ -8356,7 +8356,7 @@
           <p:cNvPr id="82" name="Freeform 46">
             <a:extLst>
               <a:ext uri="{FF2B5EF4-FFF2-40B4-BE49-F238E27FC236}">
-                <a16:creationId xmlns:a16="http://schemas.microsoft.com/office/drawing/2014/main" xmlns="" id="{722F50D9-B6D4-47AF-96B6-44BCB13FE6BE}"/>
+                <a16:creationId xmlns="" xmlns:a16="http://schemas.microsoft.com/office/drawing/2014/main" id="{722F50D9-B6D4-47AF-96B6-44BCB13FE6BE}"/>
               </a:ext>
             </a:extLst>
           </p:cNvPr>
@@ -8493,7 +8493,7 @@
           <p:cNvPr id="83" name="Freeform 47">
             <a:extLst>
               <a:ext uri="{FF2B5EF4-FFF2-40B4-BE49-F238E27FC236}">
-                <a16:creationId xmlns:a16="http://schemas.microsoft.com/office/drawing/2014/main" xmlns="" id="{5A0CC201-81DC-4874-9BA1-D2E466075834}"/>
+                <a16:creationId xmlns="" xmlns:a16="http://schemas.microsoft.com/office/drawing/2014/main" id="{5A0CC201-81DC-4874-9BA1-D2E466075834}"/>
               </a:ext>
             </a:extLst>
           </p:cNvPr>
@@ -8630,7 +8630,7 @@
           <p:cNvPr id="84" name="Freeform 48">
             <a:extLst>
               <a:ext uri="{FF2B5EF4-FFF2-40B4-BE49-F238E27FC236}">
-                <a16:creationId xmlns:a16="http://schemas.microsoft.com/office/drawing/2014/main" xmlns="" id="{45713858-4CBF-4C1C-931C-03663E142820}"/>
+                <a16:creationId xmlns="" xmlns:a16="http://schemas.microsoft.com/office/drawing/2014/main" id="{45713858-4CBF-4C1C-931C-03663E142820}"/>
               </a:ext>
             </a:extLst>
           </p:cNvPr>
@@ -8767,7 +8767,7 @@
           <p:cNvPr id="85" name="Freeform 49">
             <a:extLst>
               <a:ext uri="{FF2B5EF4-FFF2-40B4-BE49-F238E27FC236}">
-                <a16:creationId xmlns:a16="http://schemas.microsoft.com/office/drawing/2014/main" xmlns="" id="{B7A58364-A49F-4D97-AB18-81317BC8D7CB}"/>
+                <a16:creationId xmlns="" xmlns:a16="http://schemas.microsoft.com/office/drawing/2014/main" id="{B7A58364-A49F-4D97-AB18-81317BC8D7CB}"/>
               </a:ext>
             </a:extLst>
           </p:cNvPr>
@@ -8904,7 +8904,7 @@
           <p:cNvPr id="86" name="Freeform 50">
             <a:extLst>
               <a:ext uri="{FF2B5EF4-FFF2-40B4-BE49-F238E27FC236}">
-                <a16:creationId xmlns:a16="http://schemas.microsoft.com/office/drawing/2014/main" xmlns="" id="{DE383370-0C85-4E8E-98E3-A5411EBDB257}"/>
+                <a16:creationId xmlns="" xmlns:a16="http://schemas.microsoft.com/office/drawing/2014/main" id="{DE383370-0C85-4E8E-98E3-A5411EBDB257}"/>
               </a:ext>
             </a:extLst>
           </p:cNvPr>
@@ -9041,7 +9041,7 @@
           <p:cNvPr id="87" name="Freeform 51">
             <a:extLst>
               <a:ext uri="{FF2B5EF4-FFF2-40B4-BE49-F238E27FC236}">
-                <a16:creationId xmlns:a16="http://schemas.microsoft.com/office/drawing/2014/main" xmlns="" id="{93581CD4-D3C5-41E5-A2C0-E3C54218AB33}"/>
+                <a16:creationId xmlns="" xmlns:a16="http://schemas.microsoft.com/office/drawing/2014/main" id="{93581CD4-D3C5-41E5-A2C0-E3C54218AB33}"/>
               </a:ext>
             </a:extLst>
           </p:cNvPr>
@@ -9178,7 +9178,7 @@
           <p:cNvPr id="88" name="Freeform 52">
             <a:extLst>
               <a:ext uri="{FF2B5EF4-FFF2-40B4-BE49-F238E27FC236}">
-                <a16:creationId xmlns:a16="http://schemas.microsoft.com/office/drawing/2014/main" xmlns="" id="{66AC322C-CFDD-4843-8FBA-82842038DE7B}"/>
+                <a16:creationId xmlns="" xmlns:a16="http://schemas.microsoft.com/office/drawing/2014/main" id="{66AC322C-CFDD-4843-8FBA-82842038DE7B}"/>
               </a:ext>
             </a:extLst>
           </p:cNvPr>
@@ -9315,7 +9315,7 @@
           <p:cNvPr id="89" name="Freeform 53">
             <a:extLst>
               <a:ext uri="{FF2B5EF4-FFF2-40B4-BE49-F238E27FC236}">
-                <a16:creationId xmlns:a16="http://schemas.microsoft.com/office/drawing/2014/main" xmlns="" id="{6FDF99A4-060E-42FC-A5E7-422B767EE583}"/>
+                <a16:creationId xmlns="" xmlns:a16="http://schemas.microsoft.com/office/drawing/2014/main" id="{6FDF99A4-060E-42FC-A5E7-422B767EE583}"/>
               </a:ext>
             </a:extLst>
           </p:cNvPr>
@@ -9452,7 +9452,7 @@
           <p:cNvPr id="90" name="Freeform 54">
             <a:extLst>
               <a:ext uri="{FF2B5EF4-FFF2-40B4-BE49-F238E27FC236}">
-                <a16:creationId xmlns:a16="http://schemas.microsoft.com/office/drawing/2014/main" xmlns="" id="{5862385B-C5EC-4B00-9752-F4F252672080}"/>
+                <a16:creationId xmlns="" xmlns:a16="http://schemas.microsoft.com/office/drawing/2014/main" id="{5862385B-C5EC-4B00-9752-F4F252672080}"/>
               </a:ext>
             </a:extLst>
           </p:cNvPr>
@@ -9589,7 +9589,7 @@
           <p:cNvPr id="91" name="Freeform 55">
             <a:extLst>
               <a:ext uri="{FF2B5EF4-FFF2-40B4-BE49-F238E27FC236}">
-                <a16:creationId xmlns:a16="http://schemas.microsoft.com/office/drawing/2014/main" xmlns="" id="{D7D3846E-4D2F-4A20-B990-24BD9A567F02}"/>
+                <a16:creationId xmlns="" xmlns:a16="http://schemas.microsoft.com/office/drawing/2014/main" id="{D7D3846E-4D2F-4A20-B990-24BD9A567F02}"/>
               </a:ext>
             </a:extLst>
           </p:cNvPr>
@@ -9726,7 +9726,7 @@
           <p:cNvPr id="92" name="Freeform 56">
             <a:extLst>
               <a:ext uri="{FF2B5EF4-FFF2-40B4-BE49-F238E27FC236}">
-                <a16:creationId xmlns:a16="http://schemas.microsoft.com/office/drawing/2014/main" xmlns="" id="{6DD9375F-CB5C-4D79-B268-FCBFA604EA3A}"/>
+                <a16:creationId xmlns="" xmlns:a16="http://schemas.microsoft.com/office/drawing/2014/main" id="{6DD9375F-CB5C-4D79-B268-FCBFA604EA3A}"/>
               </a:ext>
             </a:extLst>
           </p:cNvPr>
@@ -9863,7 +9863,7 @@
           <p:cNvPr id="93" name="Freeform 57">
             <a:extLst>
               <a:ext uri="{FF2B5EF4-FFF2-40B4-BE49-F238E27FC236}">
-                <a16:creationId xmlns:a16="http://schemas.microsoft.com/office/drawing/2014/main" xmlns="" id="{24E715C4-9F57-4C0C-BAB6-B88F1E177990}"/>
+                <a16:creationId xmlns="" xmlns:a16="http://schemas.microsoft.com/office/drawing/2014/main" id="{24E715C4-9F57-4C0C-BAB6-B88F1E177990}"/>
               </a:ext>
             </a:extLst>
           </p:cNvPr>
@@ -10000,7 +10000,7 @@
           <p:cNvPr id="94" name="Freeform 58">
             <a:extLst>
               <a:ext uri="{FF2B5EF4-FFF2-40B4-BE49-F238E27FC236}">
-                <a16:creationId xmlns:a16="http://schemas.microsoft.com/office/drawing/2014/main" xmlns="" id="{59799601-C522-4FE9-BBBF-64FF0E8B29A7}"/>
+                <a16:creationId xmlns="" xmlns:a16="http://schemas.microsoft.com/office/drawing/2014/main" id="{59799601-C522-4FE9-BBBF-64FF0E8B29A7}"/>
               </a:ext>
             </a:extLst>
           </p:cNvPr>
@@ -10137,7 +10137,7 @@
           <p:cNvPr id="95" name="Freeform 59">
             <a:extLst>
               <a:ext uri="{FF2B5EF4-FFF2-40B4-BE49-F238E27FC236}">
-                <a16:creationId xmlns:a16="http://schemas.microsoft.com/office/drawing/2014/main" xmlns="" id="{08D8E61A-A793-4A70-B9AB-1ED1B5E5CFDF}"/>
+                <a16:creationId xmlns="" xmlns:a16="http://schemas.microsoft.com/office/drawing/2014/main" id="{08D8E61A-A793-4A70-B9AB-1ED1B5E5CFDF}"/>
               </a:ext>
             </a:extLst>
           </p:cNvPr>
@@ -10274,7 +10274,7 @@
           <p:cNvPr id="96" name="Freeform 60">
             <a:extLst>
               <a:ext uri="{FF2B5EF4-FFF2-40B4-BE49-F238E27FC236}">
-                <a16:creationId xmlns:a16="http://schemas.microsoft.com/office/drawing/2014/main" xmlns="" id="{8B3AD150-3071-4D04-A88C-A9D8C3B0C94D}"/>
+                <a16:creationId xmlns="" xmlns:a16="http://schemas.microsoft.com/office/drawing/2014/main" id="{8B3AD150-3071-4D04-A88C-A9D8C3B0C94D}"/>
               </a:ext>
             </a:extLst>
           </p:cNvPr>
@@ -10411,7 +10411,7 @@
           <p:cNvPr id="97" name="Freeform 61">
             <a:extLst>
               <a:ext uri="{FF2B5EF4-FFF2-40B4-BE49-F238E27FC236}">
-                <a16:creationId xmlns:a16="http://schemas.microsoft.com/office/drawing/2014/main" xmlns="" id="{3ACFCBE5-D7F5-4D4B-BD76-B134549DC6C9}"/>
+                <a16:creationId xmlns="" xmlns:a16="http://schemas.microsoft.com/office/drawing/2014/main" id="{3ACFCBE5-D7F5-4D4B-BD76-B134549DC6C9}"/>
               </a:ext>
             </a:extLst>
           </p:cNvPr>
@@ -10548,7 +10548,7 @@
           <p:cNvPr id="98" name="Freeform 62">
             <a:extLst>
               <a:ext uri="{FF2B5EF4-FFF2-40B4-BE49-F238E27FC236}">
-                <a16:creationId xmlns:a16="http://schemas.microsoft.com/office/drawing/2014/main" xmlns="" id="{B1C06549-9A72-4B67-B167-53D1B0B2A834}"/>
+                <a16:creationId xmlns="" xmlns:a16="http://schemas.microsoft.com/office/drawing/2014/main" id="{B1C06549-9A72-4B67-B167-53D1B0B2A834}"/>
               </a:ext>
             </a:extLst>
           </p:cNvPr>
@@ -10685,7 +10685,7 @@
           <p:cNvPr id="99" name="Freeform 63">
             <a:extLst>
               <a:ext uri="{FF2B5EF4-FFF2-40B4-BE49-F238E27FC236}">
-                <a16:creationId xmlns:a16="http://schemas.microsoft.com/office/drawing/2014/main" xmlns="" id="{28297C6B-1A17-4D31-BE2A-F2B873EDEFA2}"/>
+                <a16:creationId xmlns="" xmlns:a16="http://schemas.microsoft.com/office/drawing/2014/main" id="{28297C6B-1A17-4D31-BE2A-F2B873EDEFA2}"/>
               </a:ext>
             </a:extLst>
           </p:cNvPr>
@@ -10822,7 +10822,7 @@
           <p:cNvPr id="100" name="Freeform 64">
             <a:extLst>
               <a:ext uri="{FF2B5EF4-FFF2-40B4-BE49-F238E27FC236}">
-                <a16:creationId xmlns:a16="http://schemas.microsoft.com/office/drawing/2014/main" xmlns="" id="{BA270C65-50B5-4B1B-B72F-699B745FA287}"/>
+                <a16:creationId xmlns="" xmlns:a16="http://schemas.microsoft.com/office/drawing/2014/main" id="{BA270C65-50B5-4B1B-B72F-699B745FA287}"/>
               </a:ext>
             </a:extLst>
           </p:cNvPr>
@@ -10959,7 +10959,7 @@
           <p:cNvPr id="101" name="Freeform 65">
             <a:extLst>
               <a:ext uri="{FF2B5EF4-FFF2-40B4-BE49-F238E27FC236}">
-                <a16:creationId xmlns:a16="http://schemas.microsoft.com/office/drawing/2014/main" xmlns="" id="{2BA50BBD-2CAA-4C1F-9FD3-FE2A31351D0B}"/>
+                <a16:creationId xmlns="" xmlns:a16="http://schemas.microsoft.com/office/drawing/2014/main" id="{2BA50BBD-2CAA-4C1F-9FD3-FE2A31351D0B}"/>
               </a:ext>
             </a:extLst>
           </p:cNvPr>
@@ -11096,7 +11096,7 @@
           <p:cNvPr id="102" name="Freeform 67">
             <a:extLst>
               <a:ext uri="{FF2B5EF4-FFF2-40B4-BE49-F238E27FC236}">
-                <a16:creationId xmlns:a16="http://schemas.microsoft.com/office/drawing/2014/main" xmlns="" id="{76DE0259-A2AB-4CAE-81B2-3B27C07154C8}"/>
+                <a16:creationId xmlns="" xmlns:a16="http://schemas.microsoft.com/office/drawing/2014/main" id="{76DE0259-A2AB-4CAE-81B2-3B27C07154C8}"/>
               </a:ext>
             </a:extLst>
           </p:cNvPr>
@@ -11233,7 +11233,7 @@
           <p:cNvPr id="103" name="Freeform 69">
             <a:extLst>
               <a:ext uri="{FF2B5EF4-FFF2-40B4-BE49-F238E27FC236}">
-                <a16:creationId xmlns:a16="http://schemas.microsoft.com/office/drawing/2014/main" xmlns="" id="{C1212D1B-19B7-4939-892A-5D0DF3605881}"/>
+                <a16:creationId xmlns="" xmlns:a16="http://schemas.microsoft.com/office/drawing/2014/main" id="{C1212D1B-19B7-4939-892A-5D0DF3605881}"/>
               </a:ext>
             </a:extLst>
           </p:cNvPr>
@@ -11370,7 +11370,7 @@
           <p:cNvPr id="104" name="Freeform 72">
             <a:extLst>
               <a:ext uri="{FF2B5EF4-FFF2-40B4-BE49-F238E27FC236}">
-                <a16:creationId xmlns:a16="http://schemas.microsoft.com/office/drawing/2014/main" xmlns="" id="{0D91C8C7-1CE5-4250-B97A-8EC25472E729}"/>
+                <a16:creationId xmlns="" xmlns:a16="http://schemas.microsoft.com/office/drawing/2014/main" id="{0D91C8C7-1CE5-4250-B97A-8EC25472E729}"/>
               </a:ext>
             </a:extLst>
           </p:cNvPr>
@@ -11507,7 +11507,7 @@
           <p:cNvPr id="105" name="Freeform 73">
             <a:extLst>
               <a:ext uri="{FF2B5EF4-FFF2-40B4-BE49-F238E27FC236}">
-                <a16:creationId xmlns:a16="http://schemas.microsoft.com/office/drawing/2014/main" xmlns="" id="{FAE08F99-FC16-41CA-80D6-135D4B029773}"/>
+                <a16:creationId xmlns="" xmlns:a16="http://schemas.microsoft.com/office/drawing/2014/main" id="{FAE08F99-FC16-41CA-80D6-135D4B029773}"/>
               </a:ext>
             </a:extLst>
           </p:cNvPr>
@@ -11644,7 +11644,7 @@
           <p:cNvPr id="106" name="Freeform 74">
             <a:extLst>
               <a:ext uri="{FF2B5EF4-FFF2-40B4-BE49-F238E27FC236}">
-                <a16:creationId xmlns:a16="http://schemas.microsoft.com/office/drawing/2014/main" xmlns="" id="{DAF047F2-9959-4EF5-BF92-C5CACDB76645}"/>
+                <a16:creationId xmlns="" xmlns:a16="http://schemas.microsoft.com/office/drawing/2014/main" id="{DAF047F2-9959-4EF5-BF92-C5CACDB76645}"/>
               </a:ext>
             </a:extLst>
           </p:cNvPr>
@@ -11781,7 +11781,7 @@
           <p:cNvPr id="107" name="Freeform 75">
             <a:extLst>
               <a:ext uri="{FF2B5EF4-FFF2-40B4-BE49-F238E27FC236}">
-                <a16:creationId xmlns:a16="http://schemas.microsoft.com/office/drawing/2014/main" xmlns="" id="{A9D152CA-04C0-4502-ADA3-09C99B7529C3}"/>
+                <a16:creationId xmlns="" xmlns:a16="http://schemas.microsoft.com/office/drawing/2014/main" id="{A9D152CA-04C0-4502-ADA3-09C99B7529C3}"/>
               </a:ext>
             </a:extLst>
           </p:cNvPr>
@@ -11918,7 +11918,7 @@
           <p:cNvPr id="108" name="Freeform 76">
             <a:extLst>
               <a:ext uri="{FF2B5EF4-FFF2-40B4-BE49-F238E27FC236}">
-                <a16:creationId xmlns:a16="http://schemas.microsoft.com/office/drawing/2014/main" xmlns="" id="{F444F08A-74BF-4491-B72D-7FEF08CBC09B}"/>
+                <a16:creationId xmlns="" xmlns:a16="http://schemas.microsoft.com/office/drawing/2014/main" id="{F444F08A-74BF-4491-B72D-7FEF08CBC09B}"/>
               </a:ext>
             </a:extLst>
           </p:cNvPr>
@@ -12055,7 +12055,7 @@
           <p:cNvPr id="109" name="Freeform 77">
             <a:extLst>
               <a:ext uri="{FF2B5EF4-FFF2-40B4-BE49-F238E27FC236}">
-                <a16:creationId xmlns:a16="http://schemas.microsoft.com/office/drawing/2014/main" xmlns="" id="{7557F8CA-A796-4127-9F15-F365209EB618}"/>
+                <a16:creationId xmlns="" xmlns:a16="http://schemas.microsoft.com/office/drawing/2014/main" id="{7557F8CA-A796-4127-9F15-F365209EB618}"/>
               </a:ext>
             </a:extLst>
           </p:cNvPr>
@@ -12192,7 +12192,7 @@
           <p:cNvPr id="110" name="Freeform 78">
             <a:extLst>
               <a:ext uri="{FF2B5EF4-FFF2-40B4-BE49-F238E27FC236}">
-                <a16:creationId xmlns:a16="http://schemas.microsoft.com/office/drawing/2014/main" xmlns="" id="{6D67BEAA-8313-443B-9C05-C49CA60D66EF}"/>
+                <a16:creationId xmlns="" xmlns:a16="http://schemas.microsoft.com/office/drawing/2014/main" id="{6D67BEAA-8313-443B-9C05-C49CA60D66EF}"/>
               </a:ext>
             </a:extLst>
           </p:cNvPr>
@@ -12329,7 +12329,7 @@
           <p:cNvPr id="111" name="Freeform 86">
             <a:extLst>
               <a:ext uri="{FF2B5EF4-FFF2-40B4-BE49-F238E27FC236}">
-                <a16:creationId xmlns:a16="http://schemas.microsoft.com/office/drawing/2014/main" xmlns="" id="{B9E775DE-B6F8-4BAD-B403-4AD805BC0E12}"/>
+                <a16:creationId xmlns="" xmlns:a16="http://schemas.microsoft.com/office/drawing/2014/main" id="{B9E775DE-B6F8-4BAD-B403-4AD805BC0E12}"/>
               </a:ext>
             </a:extLst>
           </p:cNvPr>
@@ -12466,7 +12466,7 @@
           <p:cNvPr id="112" name="Freeform 87">
             <a:extLst>
               <a:ext uri="{FF2B5EF4-FFF2-40B4-BE49-F238E27FC236}">
-                <a16:creationId xmlns:a16="http://schemas.microsoft.com/office/drawing/2014/main" xmlns="" id="{4CA5E202-206D-4573-A078-31D19282F8C5}"/>
+                <a16:creationId xmlns="" xmlns:a16="http://schemas.microsoft.com/office/drawing/2014/main" id="{4CA5E202-206D-4573-A078-31D19282F8C5}"/>
               </a:ext>
             </a:extLst>
           </p:cNvPr>
@@ -12603,7 +12603,7 @@
           <p:cNvPr id="113" name="Freeform 88">
             <a:extLst>
               <a:ext uri="{FF2B5EF4-FFF2-40B4-BE49-F238E27FC236}">
-                <a16:creationId xmlns:a16="http://schemas.microsoft.com/office/drawing/2014/main" xmlns="" id="{D26FCD0F-8B16-46B2-8FC9-C733E7B708C4}"/>
+                <a16:creationId xmlns="" xmlns:a16="http://schemas.microsoft.com/office/drawing/2014/main" id="{D26FCD0F-8B16-46B2-8FC9-C733E7B708C4}"/>
               </a:ext>
             </a:extLst>
           </p:cNvPr>
@@ -12740,7 +12740,7 @@
           <p:cNvPr id="114" name="Freeform 89">
             <a:extLst>
               <a:ext uri="{FF2B5EF4-FFF2-40B4-BE49-F238E27FC236}">
-                <a16:creationId xmlns:a16="http://schemas.microsoft.com/office/drawing/2014/main" xmlns="" id="{15F3C892-C0B2-4170-B41F-B71E76F3FA20}"/>
+                <a16:creationId xmlns="" xmlns:a16="http://schemas.microsoft.com/office/drawing/2014/main" id="{15F3C892-C0B2-4170-B41F-B71E76F3FA20}"/>
               </a:ext>
             </a:extLst>
           </p:cNvPr>
@@ -12877,7 +12877,7 @@
           <p:cNvPr id="115" name="Freeform 90">
             <a:extLst>
               <a:ext uri="{FF2B5EF4-FFF2-40B4-BE49-F238E27FC236}">
-                <a16:creationId xmlns:a16="http://schemas.microsoft.com/office/drawing/2014/main" xmlns="" id="{95C38DAC-5942-4D87-A386-F94D74C0C5D4}"/>
+                <a16:creationId xmlns="" xmlns:a16="http://schemas.microsoft.com/office/drawing/2014/main" id="{95C38DAC-5942-4D87-A386-F94D74C0C5D4}"/>
               </a:ext>
             </a:extLst>
           </p:cNvPr>
@@ -13014,7 +13014,7 @@
           <p:cNvPr id="116" name="Freeform 91">
             <a:extLst>
               <a:ext uri="{FF2B5EF4-FFF2-40B4-BE49-F238E27FC236}">
-                <a16:creationId xmlns:a16="http://schemas.microsoft.com/office/drawing/2014/main" xmlns="" id="{C33A8596-6231-49E3-9990-BC7909DD4D35}"/>
+                <a16:creationId xmlns="" xmlns:a16="http://schemas.microsoft.com/office/drawing/2014/main" id="{C33A8596-6231-49E3-9990-BC7909DD4D35}"/>
               </a:ext>
             </a:extLst>
           </p:cNvPr>
@@ -13151,7 +13151,7 @@
           <p:cNvPr id="117" name="Freeform 112">
             <a:extLst>
               <a:ext uri="{FF2B5EF4-FFF2-40B4-BE49-F238E27FC236}">
-                <a16:creationId xmlns:a16="http://schemas.microsoft.com/office/drawing/2014/main" xmlns="" id="{8AECDF9D-F684-4540-A490-8C7618668CB2}"/>
+                <a16:creationId xmlns="" xmlns:a16="http://schemas.microsoft.com/office/drawing/2014/main" id="{8AECDF9D-F684-4540-A490-8C7618668CB2}"/>
               </a:ext>
             </a:extLst>
           </p:cNvPr>
@@ -13288,7 +13288,7 @@
           <p:cNvPr id="118" name="Freeform 113">
             <a:extLst>
               <a:ext uri="{FF2B5EF4-FFF2-40B4-BE49-F238E27FC236}">
-                <a16:creationId xmlns:a16="http://schemas.microsoft.com/office/drawing/2014/main" xmlns="" id="{D8F22DE2-BA68-4010-B57C-96191BFA646B}"/>
+                <a16:creationId xmlns="" xmlns:a16="http://schemas.microsoft.com/office/drawing/2014/main" id="{D8F22DE2-BA68-4010-B57C-96191BFA646B}"/>
               </a:ext>
             </a:extLst>
           </p:cNvPr>
@@ -13425,7 +13425,7 @@
           <p:cNvPr id="119" name="Freeform 114">
             <a:extLst>
               <a:ext uri="{FF2B5EF4-FFF2-40B4-BE49-F238E27FC236}">
-                <a16:creationId xmlns:a16="http://schemas.microsoft.com/office/drawing/2014/main" xmlns="" id="{287EFE0B-F30F-4CD9-8E2B-A7853C56C2EB}"/>
+                <a16:creationId xmlns="" xmlns:a16="http://schemas.microsoft.com/office/drawing/2014/main" id="{287EFE0B-F30F-4CD9-8E2B-A7853C56C2EB}"/>
               </a:ext>
             </a:extLst>
           </p:cNvPr>
@@ -13562,7 +13562,7 @@
           <p:cNvPr id="120" name="Rectangle 165">
             <a:extLst>
               <a:ext uri="{FF2B5EF4-FFF2-40B4-BE49-F238E27FC236}">
-                <a16:creationId xmlns:a16="http://schemas.microsoft.com/office/drawing/2014/main" xmlns="" id="{10417BC5-8655-4DDA-9A19-9A5AA08842CC}"/>
+                <a16:creationId xmlns="" xmlns:a16="http://schemas.microsoft.com/office/drawing/2014/main" id="{10417BC5-8655-4DDA-9A19-9A5AA08842CC}"/>
               </a:ext>
             </a:extLst>
           </p:cNvPr>
@@ -13621,7 +13621,7 @@
           <p:cNvPr id="121" name="Freeform 11">
             <a:extLst>
               <a:ext uri="{FF2B5EF4-FFF2-40B4-BE49-F238E27FC236}">
-                <a16:creationId xmlns:a16="http://schemas.microsoft.com/office/drawing/2014/main" xmlns="" id="{38992279-3911-46AA-AD23-42F2B06F5846}"/>
+                <a16:creationId xmlns="" xmlns:a16="http://schemas.microsoft.com/office/drawing/2014/main" id="{38992279-3911-46AA-AD23-42F2B06F5846}"/>
               </a:ext>
             </a:extLst>
           </p:cNvPr>
@@ -13758,7 +13758,7 @@
           <p:cNvPr id="122" name="Freeform 12">
             <a:extLst>
               <a:ext uri="{FF2B5EF4-FFF2-40B4-BE49-F238E27FC236}">
-                <a16:creationId xmlns:a16="http://schemas.microsoft.com/office/drawing/2014/main" xmlns="" id="{8862C676-E4B7-498E-814E-5C866DA21556}"/>
+                <a16:creationId xmlns="" xmlns:a16="http://schemas.microsoft.com/office/drawing/2014/main" id="{8862C676-E4B7-498E-814E-5C866DA21556}"/>
               </a:ext>
             </a:extLst>
           </p:cNvPr>
@@ -13895,7 +13895,7 @@
           <p:cNvPr id="123" name="Freeform 13">
             <a:extLst>
               <a:ext uri="{FF2B5EF4-FFF2-40B4-BE49-F238E27FC236}">
-                <a16:creationId xmlns:a16="http://schemas.microsoft.com/office/drawing/2014/main" xmlns="" id="{4DF18CBC-37BB-48A2-91BC-4D017F15888F}"/>
+                <a16:creationId xmlns="" xmlns:a16="http://schemas.microsoft.com/office/drawing/2014/main" id="{4DF18CBC-37BB-48A2-91BC-4D017F15888F}"/>
               </a:ext>
             </a:extLst>
           </p:cNvPr>
@@ -14032,7 +14032,7 @@
           <p:cNvPr id="124" name="Freeform 14">
             <a:extLst>
               <a:ext uri="{FF2B5EF4-FFF2-40B4-BE49-F238E27FC236}">
-                <a16:creationId xmlns:a16="http://schemas.microsoft.com/office/drawing/2014/main" xmlns="" id="{FECCC4E1-3B74-4D21-8BA7-90848F6323DD}"/>
+                <a16:creationId xmlns="" xmlns:a16="http://schemas.microsoft.com/office/drawing/2014/main" id="{FECCC4E1-3B74-4D21-8BA7-90848F6323DD}"/>
               </a:ext>
             </a:extLst>
           </p:cNvPr>
@@ -14169,7 +14169,7 @@
           <p:cNvPr id="125" name="Freeform 15">
             <a:extLst>
               <a:ext uri="{FF2B5EF4-FFF2-40B4-BE49-F238E27FC236}">
-                <a16:creationId xmlns:a16="http://schemas.microsoft.com/office/drawing/2014/main" xmlns="" id="{0E6962E1-D556-4D3A-8812-E02E4CE817B0}"/>
+                <a16:creationId xmlns="" xmlns:a16="http://schemas.microsoft.com/office/drawing/2014/main" id="{0E6962E1-D556-4D3A-8812-E02E4CE817B0}"/>
               </a:ext>
             </a:extLst>
           </p:cNvPr>
@@ -14306,7 +14306,7 @@
           <p:cNvPr id="126" name="Freeform 16">
             <a:extLst>
               <a:ext uri="{FF2B5EF4-FFF2-40B4-BE49-F238E27FC236}">
-                <a16:creationId xmlns:a16="http://schemas.microsoft.com/office/drawing/2014/main" xmlns="" id="{48F5685D-A5BB-45A2-ACF7-B63445C0FE01}"/>
+                <a16:creationId xmlns="" xmlns:a16="http://schemas.microsoft.com/office/drawing/2014/main" id="{48F5685D-A5BB-45A2-ACF7-B63445C0FE01}"/>
               </a:ext>
             </a:extLst>
           </p:cNvPr>
@@ -14443,7 +14443,7 @@
           <p:cNvPr id="127" name="Freeform 17">
             <a:extLst>
               <a:ext uri="{FF2B5EF4-FFF2-40B4-BE49-F238E27FC236}">
-                <a16:creationId xmlns:a16="http://schemas.microsoft.com/office/drawing/2014/main" xmlns="" id="{01B230A3-CC6C-4EEE-BDAC-36190BC330E4}"/>
+                <a16:creationId xmlns="" xmlns:a16="http://schemas.microsoft.com/office/drawing/2014/main" id="{01B230A3-CC6C-4EEE-BDAC-36190BC330E4}"/>
               </a:ext>
             </a:extLst>
           </p:cNvPr>
@@ -14580,7 +14580,7 @@
           <p:cNvPr id="128" name="Freeform 18">
             <a:extLst>
               <a:ext uri="{FF2B5EF4-FFF2-40B4-BE49-F238E27FC236}">
-                <a16:creationId xmlns:a16="http://schemas.microsoft.com/office/drawing/2014/main" xmlns="" id="{02ECC3F7-3E8A-4219-BC19-D0EBB31A9F4B}"/>
+                <a16:creationId xmlns="" xmlns:a16="http://schemas.microsoft.com/office/drawing/2014/main" id="{02ECC3F7-3E8A-4219-BC19-D0EBB31A9F4B}"/>
               </a:ext>
             </a:extLst>
           </p:cNvPr>
@@ -14717,7 +14717,7 @@
           <p:cNvPr id="129" name="Freeform 19">
             <a:extLst>
               <a:ext uri="{FF2B5EF4-FFF2-40B4-BE49-F238E27FC236}">
-                <a16:creationId xmlns:a16="http://schemas.microsoft.com/office/drawing/2014/main" xmlns="" id="{B257BC3F-9406-4D8B-89BA-6E9E2F049CFF}"/>
+                <a16:creationId xmlns="" xmlns:a16="http://schemas.microsoft.com/office/drawing/2014/main" id="{B257BC3F-9406-4D8B-89BA-6E9E2F049CFF}"/>
               </a:ext>
             </a:extLst>
           </p:cNvPr>
@@ -14854,7 +14854,7 @@
           <p:cNvPr id="130" name="Freeform 20">
             <a:extLst>
               <a:ext uri="{FF2B5EF4-FFF2-40B4-BE49-F238E27FC236}">
-                <a16:creationId xmlns:a16="http://schemas.microsoft.com/office/drawing/2014/main" xmlns="" id="{C854CC37-4F48-4D9E-B949-E6D7CEE55D46}"/>
+                <a16:creationId xmlns="" xmlns:a16="http://schemas.microsoft.com/office/drawing/2014/main" id="{C854CC37-4F48-4D9E-B949-E6D7CEE55D46}"/>
               </a:ext>
             </a:extLst>
           </p:cNvPr>
@@ -14991,7 +14991,7 @@
           <p:cNvPr id="131" name="Freeform 27">
             <a:extLst>
               <a:ext uri="{FF2B5EF4-FFF2-40B4-BE49-F238E27FC236}">
-                <a16:creationId xmlns:a16="http://schemas.microsoft.com/office/drawing/2014/main" xmlns="" id="{A9660831-9140-4DE7-AE5A-D930FF653457}"/>
+                <a16:creationId xmlns="" xmlns:a16="http://schemas.microsoft.com/office/drawing/2014/main" id="{A9660831-9140-4DE7-AE5A-D930FF653457}"/>
               </a:ext>
             </a:extLst>
           </p:cNvPr>
@@ -15128,7 +15128,7 @@
           <p:cNvPr id="132" name="Freeform 28">
             <a:extLst>
               <a:ext uri="{FF2B5EF4-FFF2-40B4-BE49-F238E27FC236}">
-                <a16:creationId xmlns:a16="http://schemas.microsoft.com/office/drawing/2014/main" xmlns="" id="{DAED48BB-B7FB-48FD-A565-2C3A57BF64BC}"/>
+                <a16:creationId xmlns="" xmlns:a16="http://schemas.microsoft.com/office/drawing/2014/main" id="{DAED48BB-B7FB-48FD-A565-2C3A57BF64BC}"/>
               </a:ext>
             </a:extLst>
           </p:cNvPr>
@@ -15265,7 +15265,7 @@
           <p:cNvPr id="133" name="Freeform 29">
             <a:extLst>
               <a:ext uri="{FF2B5EF4-FFF2-40B4-BE49-F238E27FC236}">
-                <a16:creationId xmlns:a16="http://schemas.microsoft.com/office/drawing/2014/main" xmlns="" id="{DE455874-CE9F-4D35-884A-1A5B73D29EBE}"/>
+                <a16:creationId xmlns="" xmlns:a16="http://schemas.microsoft.com/office/drawing/2014/main" id="{DE455874-CE9F-4D35-884A-1A5B73D29EBE}"/>
               </a:ext>
             </a:extLst>
           </p:cNvPr>
@@ -15402,7 +15402,7 @@
           <p:cNvPr id="134" name="Freeform 30">
             <a:extLst>
               <a:ext uri="{FF2B5EF4-FFF2-40B4-BE49-F238E27FC236}">
-                <a16:creationId xmlns:a16="http://schemas.microsoft.com/office/drawing/2014/main" xmlns="" id="{A64420F5-4E4B-4898-8173-5361AC05A8C9}"/>
+                <a16:creationId xmlns="" xmlns:a16="http://schemas.microsoft.com/office/drawing/2014/main" id="{A64420F5-4E4B-4898-8173-5361AC05A8C9}"/>
               </a:ext>
             </a:extLst>
           </p:cNvPr>
@@ -15539,7 +15539,7 @@
           <p:cNvPr id="135" name="Freeform 31">
             <a:extLst>
               <a:ext uri="{FF2B5EF4-FFF2-40B4-BE49-F238E27FC236}">
-                <a16:creationId xmlns:a16="http://schemas.microsoft.com/office/drawing/2014/main" xmlns="" id="{CB3540A5-7B88-45CD-B2FE-43ECA99BEC0A}"/>
+                <a16:creationId xmlns="" xmlns:a16="http://schemas.microsoft.com/office/drawing/2014/main" id="{CB3540A5-7B88-45CD-B2FE-43ECA99BEC0A}"/>
               </a:ext>
             </a:extLst>
           </p:cNvPr>
@@ -15676,7 +15676,7 @@
           <p:cNvPr id="136" name="Freeform 32">
             <a:extLst>
               <a:ext uri="{FF2B5EF4-FFF2-40B4-BE49-F238E27FC236}">
-                <a16:creationId xmlns:a16="http://schemas.microsoft.com/office/drawing/2014/main" xmlns="" id="{E4188CFC-B737-4C9D-809B-280A05166B75}"/>
+                <a16:creationId xmlns="" xmlns:a16="http://schemas.microsoft.com/office/drawing/2014/main" id="{E4188CFC-B737-4C9D-809B-280A05166B75}"/>
               </a:ext>
             </a:extLst>
           </p:cNvPr>
@@ -15813,7 +15813,7 @@
           <p:cNvPr id="137" name="Freeform 33">
             <a:extLst>
               <a:ext uri="{FF2B5EF4-FFF2-40B4-BE49-F238E27FC236}">
-                <a16:creationId xmlns:a16="http://schemas.microsoft.com/office/drawing/2014/main" xmlns="" id="{27EB01F4-3B41-4C04-BF26-20E2D8D7A9DD}"/>
+                <a16:creationId xmlns="" xmlns:a16="http://schemas.microsoft.com/office/drawing/2014/main" id="{27EB01F4-3B41-4C04-BF26-20E2D8D7A9DD}"/>
               </a:ext>
             </a:extLst>
           </p:cNvPr>
@@ -15950,7 +15950,7 @@
           <p:cNvPr id="138" name="Freeform 34">
             <a:extLst>
               <a:ext uri="{FF2B5EF4-FFF2-40B4-BE49-F238E27FC236}">
-                <a16:creationId xmlns:a16="http://schemas.microsoft.com/office/drawing/2014/main" xmlns="" id="{94DB3273-35D3-4BA7-A91F-7BC4AE89250F}"/>
+                <a16:creationId xmlns="" xmlns:a16="http://schemas.microsoft.com/office/drawing/2014/main" id="{94DB3273-35D3-4BA7-A91F-7BC4AE89250F}"/>
               </a:ext>
             </a:extLst>
           </p:cNvPr>
@@ -16087,7 +16087,7 @@
           <p:cNvPr id="139" name="Freeform 35">
             <a:extLst>
               <a:ext uri="{FF2B5EF4-FFF2-40B4-BE49-F238E27FC236}">
-                <a16:creationId xmlns:a16="http://schemas.microsoft.com/office/drawing/2014/main" xmlns="" id="{2BDE7953-2168-4F58-A49B-06DCA63F16B7}"/>
+                <a16:creationId xmlns="" xmlns:a16="http://schemas.microsoft.com/office/drawing/2014/main" id="{2BDE7953-2168-4F58-A49B-06DCA63F16B7}"/>
               </a:ext>
             </a:extLst>
           </p:cNvPr>
@@ -16224,7 +16224,7 @@
           <p:cNvPr id="140" name="Freeform 36">
             <a:extLst>
               <a:ext uri="{FF2B5EF4-FFF2-40B4-BE49-F238E27FC236}">
-                <a16:creationId xmlns:a16="http://schemas.microsoft.com/office/drawing/2014/main" xmlns="" id="{CB754567-D496-4353-8568-F2DB0B465F20}"/>
+                <a16:creationId xmlns="" xmlns:a16="http://schemas.microsoft.com/office/drawing/2014/main" id="{CB754567-D496-4353-8568-F2DB0B465F20}"/>
               </a:ext>
             </a:extLst>
           </p:cNvPr>
@@ -16361,7 +16361,7 @@
           <p:cNvPr id="141" name="Freeform 37">
             <a:extLst>
               <a:ext uri="{FF2B5EF4-FFF2-40B4-BE49-F238E27FC236}">
-                <a16:creationId xmlns:a16="http://schemas.microsoft.com/office/drawing/2014/main" xmlns="" id="{6A9EE009-94C9-4C2E-ADC4-76F6363B1241}"/>
+                <a16:creationId xmlns="" xmlns:a16="http://schemas.microsoft.com/office/drawing/2014/main" id="{6A9EE009-94C9-4C2E-ADC4-76F6363B1241}"/>
               </a:ext>
             </a:extLst>
           </p:cNvPr>
@@ -16498,7 +16498,7 @@
           <p:cNvPr id="142" name="Freeform 38">
             <a:extLst>
               <a:ext uri="{FF2B5EF4-FFF2-40B4-BE49-F238E27FC236}">
-                <a16:creationId xmlns:a16="http://schemas.microsoft.com/office/drawing/2014/main" xmlns="" id="{9B6214D6-04FE-4528-99A0-80FEDC048524}"/>
+                <a16:creationId xmlns="" xmlns:a16="http://schemas.microsoft.com/office/drawing/2014/main" id="{9B6214D6-04FE-4528-99A0-80FEDC048524}"/>
               </a:ext>
             </a:extLst>
           </p:cNvPr>
@@ -16635,7 +16635,7 @@
           <p:cNvPr id="143" name="Freeform 39">
             <a:extLst>
               <a:ext uri="{FF2B5EF4-FFF2-40B4-BE49-F238E27FC236}">
-                <a16:creationId xmlns:a16="http://schemas.microsoft.com/office/drawing/2014/main" xmlns="" id="{4573CD9D-06E1-4098-B188-2087987DB6E5}"/>
+                <a16:creationId xmlns="" xmlns:a16="http://schemas.microsoft.com/office/drawing/2014/main" id="{4573CD9D-06E1-4098-B188-2087987DB6E5}"/>
               </a:ext>
             </a:extLst>
           </p:cNvPr>
@@ -16772,7 +16772,7 @@
           <p:cNvPr id="144" name="Freeform 40">
             <a:extLst>
               <a:ext uri="{FF2B5EF4-FFF2-40B4-BE49-F238E27FC236}">
-                <a16:creationId xmlns:a16="http://schemas.microsoft.com/office/drawing/2014/main" xmlns="" id="{8F9A3DD1-676C-4B24-9D93-7FF259180D82}"/>
+                <a16:creationId xmlns="" xmlns:a16="http://schemas.microsoft.com/office/drawing/2014/main" id="{8F9A3DD1-676C-4B24-9D93-7FF259180D82}"/>
               </a:ext>
             </a:extLst>
           </p:cNvPr>
@@ -16909,7 +16909,7 @@
           <p:cNvPr id="145" name="Freeform 41">
             <a:extLst>
               <a:ext uri="{FF2B5EF4-FFF2-40B4-BE49-F238E27FC236}">
-                <a16:creationId xmlns:a16="http://schemas.microsoft.com/office/drawing/2014/main" xmlns="" id="{484236C9-1387-4141-8D6D-784A7C30062E}"/>
+                <a16:creationId xmlns="" xmlns:a16="http://schemas.microsoft.com/office/drawing/2014/main" id="{484236C9-1387-4141-8D6D-784A7C30062E}"/>
               </a:ext>
             </a:extLst>
           </p:cNvPr>
@@ -17046,7 +17046,7 @@
           <p:cNvPr id="146" name="Freeform 42">
             <a:extLst>
               <a:ext uri="{FF2B5EF4-FFF2-40B4-BE49-F238E27FC236}">
-                <a16:creationId xmlns:a16="http://schemas.microsoft.com/office/drawing/2014/main" xmlns="" id="{8FBA33AA-A2D8-4DF7-8E17-F37658C8DE03}"/>
+                <a16:creationId xmlns="" xmlns:a16="http://schemas.microsoft.com/office/drawing/2014/main" id="{8FBA33AA-A2D8-4DF7-8E17-F37658C8DE03}"/>
               </a:ext>
             </a:extLst>
           </p:cNvPr>
@@ -17183,7 +17183,7 @@
           <p:cNvPr id="147" name="Freeform 43">
             <a:extLst>
               <a:ext uri="{FF2B5EF4-FFF2-40B4-BE49-F238E27FC236}">
-                <a16:creationId xmlns:a16="http://schemas.microsoft.com/office/drawing/2014/main" xmlns="" id="{E0E7CDF9-1F8B-49D1-ADFA-FA564ADFFE48}"/>
+                <a16:creationId xmlns="" xmlns:a16="http://schemas.microsoft.com/office/drawing/2014/main" id="{E0E7CDF9-1F8B-49D1-ADFA-FA564ADFFE48}"/>
               </a:ext>
             </a:extLst>
           </p:cNvPr>
@@ -17320,7 +17320,7 @@
           <p:cNvPr id="148" name="Freeform 44">
             <a:extLst>
               <a:ext uri="{FF2B5EF4-FFF2-40B4-BE49-F238E27FC236}">
-                <a16:creationId xmlns:a16="http://schemas.microsoft.com/office/drawing/2014/main" xmlns="" id="{45C0F1DD-9C39-465A-BB54-E6052C1A110C}"/>
+                <a16:creationId xmlns="" xmlns:a16="http://schemas.microsoft.com/office/drawing/2014/main" id="{45C0F1DD-9C39-465A-BB54-E6052C1A110C}"/>
               </a:ext>
             </a:extLst>
           </p:cNvPr>
@@ -17457,7 +17457,7 @@
           <p:cNvPr id="149" name="Freeform 45">
             <a:extLst>
               <a:ext uri="{FF2B5EF4-FFF2-40B4-BE49-F238E27FC236}">
-                <a16:creationId xmlns:a16="http://schemas.microsoft.com/office/drawing/2014/main" xmlns="" id="{4A50BD20-573B-410B-8357-65D005D3DBEE}"/>
+                <a16:creationId xmlns="" xmlns:a16="http://schemas.microsoft.com/office/drawing/2014/main" id="{4A50BD20-573B-410B-8357-65D005D3DBEE}"/>
               </a:ext>
             </a:extLst>
           </p:cNvPr>
@@ -17594,7 +17594,7 @@
           <p:cNvPr id="150" name="Freeform 46">
             <a:extLst>
               <a:ext uri="{FF2B5EF4-FFF2-40B4-BE49-F238E27FC236}">
-                <a16:creationId xmlns:a16="http://schemas.microsoft.com/office/drawing/2014/main" xmlns="" id="{65D3A984-8EE1-4438-AF9D-B66C96F4F703}"/>
+                <a16:creationId xmlns="" xmlns:a16="http://schemas.microsoft.com/office/drawing/2014/main" id="{65D3A984-8EE1-4438-AF9D-B66C96F4F703}"/>
               </a:ext>
             </a:extLst>
           </p:cNvPr>
@@ -17731,7 +17731,7 @@
           <p:cNvPr id="151" name="Freeform 53">
             <a:extLst>
               <a:ext uri="{FF2B5EF4-FFF2-40B4-BE49-F238E27FC236}">
-                <a16:creationId xmlns:a16="http://schemas.microsoft.com/office/drawing/2014/main" xmlns="" id="{5A3A56FE-4BC2-41AC-A0FD-A2F259552F4E}"/>
+                <a16:creationId xmlns="" xmlns:a16="http://schemas.microsoft.com/office/drawing/2014/main" id="{5A3A56FE-4BC2-41AC-A0FD-A2F259552F4E}"/>
               </a:ext>
             </a:extLst>
           </p:cNvPr>
@@ -17868,7 +17868,7 @@
           <p:cNvPr id="152" name="Freeform 55">
             <a:extLst>
               <a:ext uri="{FF2B5EF4-FFF2-40B4-BE49-F238E27FC236}">
-                <a16:creationId xmlns:a16="http://schemas.microsoft.com/office/drawing/2014/main" xmlns="" id="{67AC6AED-EB0C-4609-A6C1-8FCC3D7B248B}"/>
+                <a16:creationId xmlns="" xmlns:a16="http://schemas.microsoft.com/office/drawing/2014/main" id="{67AC6AED-EB0C-4609-A6C1-8FCC3D7B248B}"/>
               </a:ext>
             </a:extLst>
           </p:cNvPr>
@@ -18005,7 +18005,7 @@
           <p:cNvPr id="153" name="Freeform 56">
             <a:extLst>
               <a:ext uri="{FF2B5EF4-FFF2-40B4-BE49-F238E27FC236}">
-                <a16:creationId xmlns:a16="http://schemas.microsoft.com/office/drawing/2014/main" xmlns="" id="{2D857DFD-F4AB-4AD2-8275-67D8836B4C30}"/>
+                <a16:creationId xmlns="" xmlns:a16="http://schemas.microsoft.com/office/drawing/2014/main" id="{2D857DFD-F4AB-4AD2-8275-67D8836B4C30}"/>
               </a:ext>
             </a:extLst>
           </p:cNvPr>
@@ -18142,7 +18142,7 @@
           <p:cNvPr id="154" name="Freeform 57">
             <a:extLst>
               <a:ext uri="{FF2B5EF4-FFF2-40B4-BE49-F238E27FC236}">
-                <a16:creationId xmlns:a16="http://schemas.microsoft.com/office/drawing/2014/main" xmlns="" id="{A6636674-F3B2-426E-A1E3-D80D15699987}"/>
+                <a16:creationId xmlns="" xmlns:a16="http://schemas.microsoft.com/office/drawing/2014/main" id="{A6636674-F3B2-426E-A1E3-D80D15699987}"/>
               </a:ext>
             </a:extLst>
           </p:cNvPr>
@@ -18279,7 +18279,7 @@
           <p:cNvPr id="155" name="Freeform 58">
             <a:extLst>
               <a:ext uri="{FF2B5EF4-FFF2-40B4-BE49-F238E27FC236}">
-                <a16:creationId xmlns:a16="http://schemas.microsoft.com/office/drawing/2014/main" xmlns="" id="{49A41194-1FE9-45DC-B0DA-399E22DE4293}"/>
+                <a16:creationId xmlns="" xmlns:a16="http://schemas.microsoft.com/office/drawing/2014/main" id="{49A41194-1FE9-45DC-B0DA-399E22DE4293}"/>
               </a:ext>
             </a:extLst>
           </p:cNvPr>
@@ -18416,7 +18416,7 @@
           <p:cNvPr id="156" name="Freeform 59">
             <a:extLst>
               <a:ext uri="{FF2B5EF4-FFF2-40B4-BE49-F238E27FC236}">
-                <a16:creationId xmlns:a16="http://schemas.microsoft.com/office/drawing/2014/main" xmlns="" id="{C06C16B3-17E2-4057-8D87-5CF519CB5122}"/>
+                <a16:creationId xmlns="" xmlns:a16="http://schemas.microsoft.com/office/drawing/2014/main" id="{C06C16B3-17E2-4057-8D87-5CF519CB5122}"/>
               </a:ext>
             </a:extLst>
           </p:cNvPr>
@@ -18553,7 +18553,7 @@
           <p:cNvPr id="157" name="Freeform 60">
             <a:extLst>
               <a:ext uri="{FF2B5EF4-FFF2-40B4-BE49-F238E27FC236}">
-                <a16:creationId xmlns:a16="http://schemas.microsoft.com/office/drawing/2014/main" xmlns="" id="{1D3473A9-F3D0-49E6-B7FF-EEDDE13FBDD0}"/>
+                <a16:creationId xmlns="" xmlns:a16="http://schemas.microsoft.com/office/drawing/2014/main" id="{1D3473A9-F3D0-49E6-B7FF-EEDDE13FBDD0}"/>
               </a:ext>
             </a:extLst>
           </p:cNvPr>
@@ -18690,7 +18690,7 @@
           <p:cNvPr id="158" name="Freeform 61">
             <a:extLst>
               <a:ext uri="{FF2B5EF4-FFF2-40B4-BE49-F238E27FC236}">
-                <a16:creationId xmlns:a16="http://schemas.microsoft.com/office/drawing/2014/main" xmlns="" id="{63830DAC-D550-4275-9D6D-8FEA2634CEBA}"/>
+                <a16:creationId xmlns="" xmlns:a16="http://schemas.microsoft.com/office/drawing/2014/main" id="{63830DAC-D550-4275-9D6D-8FEA2634CEBA}"/>
               </a:ext>
             </a:extLst>
           </p:cNvPr>
@@ -18827,7 +18827,7 @@
           <p:cNvPr id="159" name="Freeform 62">
             <a:extLst>
               <a:ext uri="{FF2B5EF4-FFF2-40B4-BE49-F238E27FC236}">
-                <a16:creationId xmlns:a16="http://schemas.microsoft.com/office/drawing/2014/main" xmlns="" id="{36A72667-0639-441E-A422-06150D0A2534}"/>
+                <a16:creationId xmlns="" xmlns:a16="http://schemas.microsoft.com/office/drawing/2014/main" id="{36A72667-0639-441E-A422-06150D0A2534}"/>
               </a:ext>
             </a:extLst>
           </p:cNvPr>
@@ -18964,7 +18964,7 @@
           <p:cNvPr id="160" name="Freeform 63">
             <a:extLst>
               <a:ext uri="{FF2B5EF4-FFF2-40B4-BE49-F238E27FC236}">
-                <a16:creationId xmlns:a16="http://schemas.microsoft.com/office/drawing/2014/main" xmlns="" id="{E4DDDE35-8C14-457E-A7DD-FBDAD3E29309}"/>
+                <a16:creationId xmlns="" xmlns:a16="http://schemas.microsoft.com/office/drawing/2014/main" id="{E4DDDE35-8C14-457E-A7DD-FBDAD3E29309}"/>
               </a:ext>
             </a:extLst>
           </p:cNvPr>
@@ -19101,7 +19101,7 @@
           <p:cNvPr id="161" name="Freeform 65">
             <a:extLst>
               <a:ext uri="{FF2B5EF4-FFF2-40B4-BE49-F238E27FC236}">
-                <a16:creationId xmlns:a16="http://schemas.microsoft.com/office/drawing/2014/main" xmlns="" id="{7F5B33DA-9D25-4096-8187-15007CB9BB0A}"/>
+                <a16:creationId xmlns="" xmlns:a16="http://schemas.microsoft.com/office/drawing/2014/main" id="{7F5B33DA-9D25-4096-8187-15007CB9BB0A}"/>
               </a:ext>
             </a:extLst>
           </p:cNvPr>
@@ -19238,7 +19238,7 @@
           <p:cNvPr id="162" name="Freeform 66">
             <a:extLst>
               <a:ext uri="{FF2B5EF4-FFF2-40B4-BE49-F238E27FC236}">
-                <a16:creationId xmlns:a16="http://schemas.microsoft.com/office/drawing/2014/main" xmlns="" id="{E921DC22-D0C7-474C-94BB-38F58FB9A13B}"/>
+                <a16:creationId xmlns="" xmlns:a16="http://schemas.microsoft.com/office/drawing/2014/main" id="{E921DC22-D0C7-474C-94BB-38F58FB9A13B}"/>
               </a:ext>
             </a:extLst>
           </p:cNvPr>
@@ -19375,7 +19375,7 @@
           <p:cNvPr id="163" name="Freeform 67">
             <a:extLst>
               <a:ext uri="{FF2B5EF4-FFF2-40B4-BE49-F238E27FC236}">
-                <a16:creationId xmlns:a16="http://schemas.microsoft.com/office/drawing/2014/main" xmlns="" id="{6E96CACF-3B58-4840-BD40-65634E1CB798}"/>
+                <a16:creationId xmlns="" xmlns:a16="http://schemas.microsoft.com/office/drawing/2014/main" id="{6E96CACF-3B58-4840-BD40-65634E1CB798}"/>
               </a:ext>
             </a:extLst>
           </p:cNvPr>
@@ -19512,7 +19512,7 @@
           <p:cNvPr id="164" name="Freeform 68">
             <a:extLst>
               <a:ext uri="{FF2B5EF4-FFF2-40B4-BE49-F238E27FC236}">
-                <a16:creationId xmlns:a16="http://schemas.microsoft.com/office/drawing/2014/main" xmlns="" id="{B054C700-A512-476A-84F3-63259A7508BF}"/>
+                <a16:creationId xmlns="" xmlns:a16="http://schemas.microsoft.com/office/drawing/2014/main" id="{B054C700-A512-476A-84F3-63259A7508BF}"/>
               </a:ext>
             </a:extLst>
           </p:cNvPr>
@@ -19649,7 +19649,7 @@
           <p:cNvPr id="165" name="Freeform 69">
             <a:extLst>
               <a:ext uri="{FF2B5EF4-FFF2-40B4-BE49-F238E27FC236}">
-                <a16:creationId xmlns:a16="http://schemas.microsoft.com/office/drawing/2014/main" xmlns="" id="{D8CA26FD-0C58-4D3E-ACE9-DDE79516A0E5}"/>
+                <a16:creationId xmlns="" xmlns:a16="http://schemas.microsoft.com/office/drawing/2014/main" id="{D8CA26FD-0C58-4D3E-ACE9-DDE79516A0E5}"/>
               </a:ext>
             </a:extLst>
           </p:cNvPr>
@@ -19786,7 +19786,7 @@
           <p:cNvPr id="166" name="Freeform 70">
             <a:extLst>
               <a:ext uri="{FF2B5EF4-FFF2-40B4-BE49-F238E27FC236}">
-                <a16:creationId xmlns:a16="http://schemas.microsoft.com/office/drawing/2014/main" xmlns="" id="{4F96F0BA-B086-4815-AB44-DFA0EA6BC0CC}"/>
+                <a16:creationId xmlns="" xmlns:a16="http://schemas.microsoft.com/office/drawing/2014/main" id="{4F96F0BA-B086-4815-AB44-DFA0EA6BC0CC}"/>
               </a:ext>
             </a:extLst>
           </p:cNvPr>
@@ -19923,7 +19923,7 @@
           <p:cNvPr id="167" name="Freeform 71">
             <a:extLst>
               <a:ext uri="{FF2B5EF4-FFF2-40B4-BE49-F238E27FC236}">
-                <a16:creationId xmlns:a16="http://schemas.microsoft.com/office/drawing/2014/main" xmlns="" id="{9DD91747-856A-46EF-A35E-4D68DD62FB7E}"/>
+                <a16:creationId xmlns="" xmlns:a16="http://schemas.microsoft.com/office/drawing/2014/main" id="{9DD91747-856A-46EF-A35E-4D68DD62FB7E}"/>
               </a:ext>
             </a:extLst>
           </p:cNvPr>
@@ -20060,7 +20060,7 @@
           <p:cNvPr id="168" name="Freeform 72">
             <a:extLst>
               <a:ext uri="{FF2B5EF4-FFF2-40B4-BE49-F238E27FC236}">
-                <a16:creationId xmlns:a16="http://schemas.microsoft.com/office/drawing/2014/main" xmlns="" id="{57A3AB4C-E15F-4ACE-B554-4A35F5FFE8D8}"/>
+                <a16:creationId xmlns="" xmlns:a16="http://schemas.microsoft.com/office/drawing/2014/main" id="{57A3AB4C-E15F-4ACE-B554-4A35F5FFE8D8}"/>
               </a:ext>
             </a:extLst>
           </p:cNvPr>
@@ -20197,7 +20197,7 @@
           <p:cNvPr id="169" name="Freeform 79">
             <a:extLst>
               <a:ext uri="{FF2B5EF4-FFF2-40B4-BE49-F238E27FC236}">
-                <a16:creationId xmlns:a16="http://schemas.microsoft.com/office/drawing/2014/main" xmlns="" id="{1C55B425-986C-4626-BE12-F131694209CD}"/>
+                <a16:creationId xmlns="" xmlns:a16="http://schemas.microsoft.com/office/drawing/2014/main" id="{1C55B425-986C-4626-BE12-F131694209CD}"/>
               </a:ext>
             </a:extLst>
           </p:cNvPr>
@@ -20334,7 +20334,7 @@
           <p:cNvPr id="170" name="Freeform 80">
             <a:extLst>
               <a:ext uri="{FF2B5EF4-FFF2-40B4-BE49-F238E27FC236}">
-                <a16:creationId xmlns:a16="http://schemas.microsoft.com/office/drawing/2014/main" xmlns="" id="{CD1E9D64-2185-4B4D-9F34-6AEF4620345B}"/>
+                <a16:creationId xmlns="" xmlns:a16="http://schemas.microsoft.com/office/drawing/2014/main" id="{CD1E9D64-2185-4B4D-9F34-6AEF4620345B}"/>
               </a:ext>
             </a:extLst>
           </p:cNvPr>
@@ -20471,7 +20471,7 @@
           <p:cNvPr id="171" name="Freeform 81">
             <a:extLst>
               <a:ext uri="{FF2B5EF4-FFF2-40B4-BE49-F238E27FC236}">
-                <a16:creationId xmlns:a16="http://schemas.microsoft.com/office/drawing/2014/main" xmlns="" id="{7C4E5F95-CDBA-4F46-A186-2DBAACF18A73}"/>
+                <a16:creationId xmlns="" xmlns:a16="http://schemas.microsoft.com/office/drawing/2014/main" id="{7C4E5F95-CDBA-4F46-A186-2DBAACF18A73}"/>
               </a:ext>
             </a:extLst>
           </p:cNvPr>
@@ -20608,7 +20608,7 @@
           <p:cNvPr id="172" name="Freeform 82">
             <a:extLst>
               <a:ext uri="{FF2B5EF4-FFF2-40B4-BE49-F238E27FC236}">
-                <a16:creationId xmlns:a16="http://schemas.microsoft.com/office/drawing/2014/main" xmlns="" id="{81C0B484-33A3-406B-B04E-CFC0254DBE8A}"/>
+                <a16:creationId xmlns="" xmlns:a16="http://schemas.microsoft.com/office/drawing/2014/main" id="{81C0B484-33A3-406B-B04E-CFC0254DBE8A}"/>
               </a:ext>
             </a:extLst>
           </p:cNvPr>
@@ -20745,7 +20745,7 @@
           <p:cNvPr id="173" name="Freeform 96">
             <a:extLst>
               <a:ext uri="{FF2B5EF4-FFF2-40B4-BE49-F238E27FC236}">
-                <a16:creationId xmlns:a16="http://schemas.microsoft.com/office/drawing/2014/main" xmlns="" id="{5E61593B-EADA-4BAC-84DA-293DD5F2BC3F}"/>
+                <a16:creationId xmlns="" xmlns:a16="http://schemas.microsoft.com/office/drawing/2014/main" id="{5E61593B-EADA-4BAC-84DA-293DD5F2BC3F}"/>
               </a:ext>
             </a:extLst>
           </p:cNvPr>
@@ -20882,7 +20882,7 @@
           <p:cNvPr id="174" name="Freeform 97">
             <a:extLst>
               <a:ext uri="{FF2B5EF4-FFF2-40B4-BE49-F238E27FC236}">
-                <a16:creationId xmlns:a16="http://schemas.microsoft.com/office/drawing/2014/main" xmlns="" id="{797124D9-1031-4107-83B8-D14D1A4C2FD1}"/>
+                <a16:creationId xmlns="" xmlns:a16="http://schemas.microsoft.com/office/drawing/2014/main" id="{797124D9-1031-4107-83B8-D14D1A4C2FD1}"/>
               </a:ext>
             </a:extLst>
           </p:cNvPr>
@@ -21019,7 +21019,7 @@
           <p:cNvPr id="175" name="Freeform 98">
             <a:extLst>
               <a:ext uri="{FF2B5EF4-FFF2-40B4-BE49-F238E27FC236}">
-                <a16:creationId xmlns:a16="http://schemas.microsoft.com/office/drawing/2014/main" xmlns="" id="{198BCA28-6B25-4DF9-B750-FAF04946D71E}"/>
+                <a16:creationId xmlns="" xmlns:a16="http://schemas.microsoft.com/office/drawing/2014/main" id="{198BCA28-6B25-4DF9-B750-FAF04946D71E}"/>
               </a:ext>
             </a:extLst>
           </p:cNvPr>
@@ -21156,7 +21156,7 @@
           <p:cNvPr id="176" name="Freeform 105">
             <a:extLst>
               <a:ext uri="{FF2B5EF4-FFF2-40B4-BE49-F238E27FC236}">
-                <a16:creationId xmlns:a16="http://schemas.microsoft.com/office/drawing/2014/main" xmlns="" id="{400EF1EC-AE8F-494B-9645-55D18AE3074E}"/>
+                <a16:creationId xmlns="" xmlns:a16="http://schemas.microsoft.com/office/drawing/2014/main" id="{400EF1EC-AE8F-494B-9645-55D18AE3074E}"/>
               </a:ext>
             </a:extLst>
           </p:cNvPr>
@@ -21293,7 +21293,7 @@
           <p:cNvPr id="177" name="Freeform 106">
             <a:extLst>
               <a:ext uri="{FF2B5EF4-FFF2-40B4-BE49-F238E27FC236}">
-                <a16:creationId xmlns:a16="http://schemas.microsoft.com/office/drawing/2014/main" xmlns="" id="{E6D8F28F-C449-4C12-93B3-BC41C0D28C0D}"/>
+                <a16:creationId xmlns="" xmlns:a16="http://schemas.microsoft.com/office/drawing/2014/main" id="{E6D8F28F-C449-4C12-93B3-BC41C0D28C0D}"/>
               </a:ext>
             </a:extLst>
           </p:cNvPr>
@@ -21430,7 +21430,7 @@
           <p:cNvPr id="178" name="Freeform 107">
             <a:extLst>
               <a:ext uri="{FF2B5EF4-FFF2-40B4-BE49-F238E27FC236}">
-                <a16:creationId xmlns:a16="http://schemas.microsoft.com/office/drawing/2014/main" xmlns="" id="{37E0BE0D-A46A-46BF-8679-6D73760FA001}"/>
+                <a16:creationId xmlns="" xmlns:a16="http://schemas.microsoft.com/office/drawing/2014/main" id="{37E0BE0D-A46A-46BF-8679-6D73760FA001}"/>
               </a:ext>
             </a:extLst>
           </p:cNvPr>
@@ -21567,7 +21567,7 @@
           <p:cNvPr id="179" name="Freeform 125">
             <a:extLst>
               <a:ext uri="{FF2B5EF4-FFF2-40B4-BE49-F238E27FC236}">
-                <a16:creationId xmlns:a16="http://schemas.microsoft.com/office/drawing/2014/main" xmlns="" id="{3AEC37DF-785A-4577-A4B2-BC98AEDE3463}"/>
+                <a16:creationId xmlns="" xmlns:a16="http://schemas.microsoft.com/office/drawing/2014/main" id="{3AEC37DF-785A-4577-A4B2-BC98AEDE3463}"/>
               </a:ext>
             </a:extLst>
           </p:cNvPr>
@@ -21670,7 +21670,7 @@
           <p:cNvPr id="180" name="Freeform 147">
             <a:extLst>
               <a:ext uri="{FF2B5EF4-FFF2-40B4-BE49-F238E27FC236}">
-                <a16:creationId xmlns:a16="http://schemas.microsoft.com/office/drawing/2014/main" xmlns="" id="{627F0F0D-8BD5-4CC8-93BC-E5E58C47EED9}"/>
+                <a16:creationId xmlns="" xmlns:a16="http://schemas.microsoft.com/office/drawing/2014/main" id="{627F0F0D-8BD5-4CC8-93BC-E5E58C47EED9}"/>
               </a:ext>
             </a:extLst>
           </p:cNvPr>
@@ -21772,7 +21772,7 @@
           <p:cNvPr id="181" name="Rectangle 165">
             <a:extLst>
               <a:ext uri="{FF2B5EF4-FFF2-40B4-BE49-F238E27FC236}">
-                <a16:creationId xmlns:a16="http://schemas.microsoft.com/office/drawing/2014/main" xmlns="" id="{A303FEC3-074A-4ACD-803B-553A8FD65C27}"/>
+                <a16:creationId xmlns="" xmlns:a16="http://schemas.microsoft.com/office/drawing/2014/main" id="{A303FEC3-074A-4ACD-803B-553A8FD65C27}"/>
               </a:ext>
             </a:extLst>
           </p:cNvPr>
@@ -22113,18 +22113,6 @@
               </a:rPr>
               <a:t>umbrella</a:t>
             </a:r>
-            <a:endParaRPr lang="en-US" sz="3600" dirty="0">
-              <a:solidFill>
-                <a:schemeClr val="bg1"/>
-              </a:solidFill>
-              <a:effectLst>
-                <a:glow rad="63500">
-                  <a:schemeClr val="tx1">
-                    <a:alpha val="40000"/>
-                  </a:schemeClr>
-                </a:glow>
-              </a:effectLst>
-            </a:endParaRPr>
           </a:p>
         </p:txBody>
       </p:sp>
@@ -22138,8 +22126,8 @@
   <p:clrMapOvr>
     <a:masterClrMapping/>
   </p:clrMapOvr>
-  <mc:AlternateContent xmlns:mc="http://schemas.openxmlformats.org/markup-compatibility/2006">
-    <mc:Choice xmlns:p14="http://schemas.microsoft.com/office/powerpoint/2010/main" Requires="p14">
+  <mc:AlternateContent xmlns:mc="http://schemas.openxmlformats.org/markup-compatibility/2006" xmlns:p14="http://schemas.microsoft.com/office/powerpoint/2010/main">
+    <mc:Choice Requires="p14">
       <p:timing>
         <p:tnLst>
           <p:par>
@@ -22339,7 +22327,7 @@
         </p:bldLst>
       </p:timing>
     </mc:Choice>
-    <mc:Fallback>
+    <mc:Fallback xmlns="">
       <p:timing>
         <p:tnLst>
           <p:par>
@@ -22602,7 +22590,7 @@
           <p:cNvPr id="22" name="Freeform 1010">
             <a:extLst>
               <a:ext uri="{FF2B5EF4-FFF2-40B4-BE49-F238E27FC236}">
-                <a16:creationId xmlns:a16="http://schemas.microsoft.com/office/drawing/2014/main" xmlns="" id="{F2E4948D-E59C-4C7E-99F9-9D2C540FF9EA}"/>
+                <a16:creationId xmlns="" xmlns:a16="http://schemas.microsoft.com/office/drawing/2014/main" id="{F2E4948D-E59C-4C7E-99F9-9D2C540FF9EA}"/>
               </a:ext>
             </a:extLst>
           </p:cNvPr>
@@ -22786,7 +22774,7 @@
           <p:cNvPr id="24" name="Group 23">
             <a:extLst>
               <a:ext uri="{FF2B5EF4-FFF2-40B4-BE49-F238E27FC236}">
-                <a16:creationId xmlns:a16="http://schemas.microsoft.com/office/drawing/2014/main" xmlns="" id="{069838C5-AF2E-478E-8691-FE05AA25F6D0}"/>
+                <a16:creationId xmlns="" xmlns:a16="http://schemas.microsoft.com/office/drawing/2014/main" id="{069838C5-AF2E-478E-8691-FE05AA25F6D0}"/>
               </a:ext>
             </a:extLst>
           </p:cNvPr>
@@ -22806,7 +22794,7 @@
             <p:cNvPr id="25" name="Freeform 1119">
               <a:extLst>
                 <a:ext uri="{FF2B5EF4-FFF2-40B4-BE49-F238E27FC236}">
-                  <a16:creationId xmlns:a16="http://schemas.microsoft.com/office/drawing/2014/main" xmlns="" id="{942DDB98-3B10-4A79-9C84-4C0A11BEC61B}"/>
+                  <a16:creationId xmlns="" xmlns:a16="http://schemas.microsoft.com/office/drawing/2014/main" id="{942DDB98-3B10-4A79-9C84-4C0A11BEC61B}"/>
                 </a:ext>
               </a:extLst>
             </p:cNvPr>
@@ -23441,7 +23429,7 @@
             <p:cNvPr id="26" name="Freeform: Shape 230">
               <a:extLst>
                 <a:ext uri="{FF2B5EF4-FFF2-40B4-BE49-F238E27FC236}">
-                  <a16:creationId xmlns:a16="http://schemas.microsoft.com/office/drawing/2014/main" xmlns="" id="{459D2A8C-0479-4B9F-922A-32D8C33556E9}"/>
+                  <a16:creationId xmlns="" xmlns:a16="http://schemas.microsoft.com/office/drawing/2014/main" id="{459D2A8C-0479-4B9F-922A-32D8C33556E9}"/>
                 </a:ext>
               </a:extLst>
             </p:cNvPr>
@@ -24033,7 +24021,7 @@
             <p:cNvPr id="27" name="Freeform 1128">
               <a:extLst>
                 <a:ext uri="{FF2B5EF4-FFF2-40B4-BE49-F238E27FC236}">
-                  <a16:creationId xmlns:a16="http://schemas.microsoft.com/office/drawing/2014/main" xmlns="" id="{AA59A11A-F468-4D5E-B043-0805FF9CBCA1}"/>
+                  <a16:creationId xmlns="" xmlns:a16="http://schemas.microsoft.com/office/drawing/2014/main" id="{AA59A11A-F468-4D5E-B043-0805FF9CBCA1}"/>
                 </a:ext>
               </a:extLst>
             </p:cNvPr>
@@ -24084,7 +24072,7 @@
             <p:cNvPr id="28" name="Freeform 1131">
               <a:extLst>
                 <a:ext uri="{FF2B5EF4-FFF2-40B4-BE49-F238E27FC236}">
-                  <a16:creationId xmlns:a16="http://schemas.microsoft.com/office/drawing/2014/main" xmlns="" id="{FE8A794F-8A9A-42C9-B4E9-B6FAFB027F81}"/>
+                  <a16:creationId xmlns="" xmlns:a16="http://schemas.microsoft.com/office/drawing/2014/main" id="{FE8A794F-8A9A-42C9-B4E9-B6FAFB027F81}"/>
                 </a:ext>
               </a:extLst>
             </p:cNvPr>
@@ -24135,7 +24123,7 @@
             <p:cNvPr id="29" name="Freeform 1116">
               <a:extLst>
                 <a:ext uri="{FF2B5EF4-FFF2-40B4-BE49-F238E27FC236}">
-                  <a16:creationId xmlns:a16="http://schemas.microsoft.com/office/drawing/2014/main" xmlns="" id="{B94209B6-0274-4DAE-AC4C-6F28901E7633}"/>
+                  <a16:creationId xmlns="" xmlns:a16="http://schemas.microsoft.com/office/drawing/2014/main" id="{B94209B6-0274-4DAE-AC4C-6F28901E7633}"/>
                 </a:ext>
               </a:extLst>
             </p:cNvPr>
@@ -24770,7 +24758,7 @@
             <p:cNvPr id="30" name="Freeform: Shape 234">
               <a:extLst>
                 <a:ext uri="{FF2B5EF4-FFF2-40B4-BE49-F238E27FC236}">
-                  <a16:creationId xmlns:a16="http://schemas.microsoft.com/office/drawing/2014/main" xmlns="" id="{4A385025-BABD-4FCA-A0DA-CECE78BDE0A1}"/>
+                  <a16:creationId xmlns="" xmlns:a16="http://schemas.microsoft.com/office/drawing/2014/main" id="{4A385025-BABD-4FCA-A0DA-CECE78BDE0A1}"/>
                 </a:ext>
               </a:extLst>
             </p:cNvPr>
@@ -25383,7 +25371,7 @@
             <p:cNvPr id="31" name="Freeform 1134">
               <a:extLst>
                 <a:ext uri="{FF2B5EF4-FFF2-40B4-BE49-F238E27FC236}">
-                  <a16:creationId xmlns:a16="http://schemas.microsoft.com/office/drawing/2014/main" xmlns="" id="{56C4D899-E930-439A-ADCA-E56EDF1646C1}"/>
+                  <a16:creationId xmlns="" xmlns:a16="http://schemas.microsoft.com/office/drawing/2014/main" id="{56C4D899-E930-439A-ADCA-E56EDF1646C1}"/>
                 </a:ext>
               </a:extLst>
             </p:cNvPr>
@@ -25434,7 +25422,7 @@
             <p:cNvPr id="32" name="Freeform 1137">
               <a:extLst>
                 <a:ext uri="{FF2B5EF4-FFF2-40B4-BE49-F238E27FC236}">
-                  <a16:creationId xmlns:a16="http://schemas.microsoft.com/office/drawing/2014/main" xmlns="" id="{1BEF71AE-C416-487B-8609-97F1B6FF3FEF}"/>
+                  <a16:creationId xmlns="" xmlns:a16="http://schemas.microsoft.com/office/drawing/2014/main" id="{1BEF71AE-C416-487B-8609-97F1B6FF3FEF}"/>
                 </a:ext>
               </a:extLst>
             </p:cNvPr>
@@ -25486,7 +25474,7 @@
           <p:cNvPr id="33" name="Title 1">
             <a:extLst>
               <a:ext uri="{FF2B5EF4-FFF2-40B4-BE49-F238E27FC236}">
-                <a16:creationId xmlns:a16="http://schemas.microsoft.com/office/drawing/2014/main" xmlns="" id="{2C2BFAE1-45D3-4B3B-81D2-0BF25FA84FB8}"/>
+                <a16:creationId xmlns="" xmlns:a16="http://schemas.microsoft.com/office/drawing/2014/main" id="{2C2BFAE1-45D3-4B3B-81D2-0BF25FA84FB8}"/>
               </a:ext>
             </a:extLst>
           </p:cNvPr>
@@ -25602,7 +25590,7 @@
           <p:cNvPr id="34" name="Group 33">
             <a:extLst>
               <a:ext uri="{FF2B5EF4-FFF2-40B4-BE49-F238E27FC236}">
-                <a16:creationId xmlns:a16="http://schemas.microsoft.com/office/drawing/2014/main" xmlns="" id="{B56796B2-77C0-4F7D-9C92-0A9A7861C60D}"/>
+                <a16:creationId xmlns="" xmlns:a16="http://schemas.microsoft.com/office/drawing/2014/main" id="{B56796B2-77C0-4F7D-9C92-0A9A7861C60D}"/>
               </a:ext>
             </a:extLst>
           </p:cNvPr>
@@ -25612,9 +25600,9 @@
         <p:grpSpPr>
           <a:xfrm>
             <a:off x="2331850" y="4548582"/>
-            <a:ext cx="1973442" cy="1508365"/>
+            <a:ext cx="1973442" cy="1262144"/>
             <a:chOff x="-67095" y="2617159"/>
-            <a:chExt cx="3234060" cy="1643463"/>
+            <a:chExt cx="3234060" cy="1375189"/>
           </a:xfrm>
         </p:grpSpPr>
         <p:sp>
@@ -25622,7 +25610,7 @@
             <p:cNvPr id="35" name="TextBox 34">
               <a:extLst>
                 <a:ext uri="{FF2B5EF4-FFF2-40B4-BE49-F238E27FC236}">
-                  <a16:creationId xmlns:a16="http://schemas.microsoft.com/office/drawing/2014/main" xmlns="" id="{39A702E4-97AF-4ECE-B64E-1E10976DE8F8}"/>
+                  <a16:creationId xmlns="" xmlns:a16="http://schemas.microsoft.com/office/drawing/2014/main" id="{39A702E4-97AF-4ECE-B64E-1E10976DE8F8}"/>
                 </a:ext>
               </a:extLst>
             </p:cNvPr>
@@ -25632,7 +25620,7 @@
           <p:spPr>
             <a:xfrm>
               <a:off x="-67095" y="2617159"/>
-              <a:ext cx="3205290" cy="503014"/>
+              <a:ext cx="3205289" cy="503015"/>
             </a:xfrm>
             <a:prstGeom prst="rect">
               <a:avLst/>
@@ -25652,7 +25640,7 @@
                     <a:srgbClr val="FFD966"/>
                   </a:solidFill>
                 </a:rPr>
-                <a:t>Temperature</a:t>
+                <a:t>Raspberry Pi</a:t>
               </a:r>
               <a:endParaRPr lang="en-US" sz="2400" b="1" dirty="0">
                 <a:solidFill>
@@ -25667,7 +25655,7 @@
             <p:cNvPr id="36" name="TextBox 35">
               <a:extLst>
                 <a:ext uri="{FF2B5EF4-FFF2-40B4-BE49-F238E27FC236}">
-                  <a16:creationId xmlns:a16="http://schemas.microsoft.com/office/drawing/2014/main" xmlns="" id="{F1436519-EE99-49AA-9481-02D3C72FC899}"/>
+                  <a16:creationId xmlns="" xmlns:a16="http://schemas.microsoft.com/office/drawing/2014/main" id="{F1436519-EE99-49AA-9481-02D3C72FC899}"/>
                 </a:ext>
               </a:extLst>
             </p:cNvPr>
@@ -25677,7 +25665,7 @@
           <p:spPr>
             <a:xfrm>
               <a:off x="119767" y="3086922"/>
-              <a:ext cx="3047198" cy="1173700"/>
+              <a:ext cx="3047198" cy="905426"/>
             </a:xfrm>
             <a:prstGeom prst="rect">
               <a:avLst/>
@@ -25692,28 +25680,12 @@
             <a:p>
               <a:pPr algn="just"/>
               <a:r>
-                <a:rPr lang="en-US" sz="1600" dirty="0" smtClean="0">
-                  <a:solidFill>
-                    <a:schemeClr val="bg1"/>
-                  </a:solidFill>
-                </a:rPr>
-                <a:t>Digital sensor, </a:t>
-              </a:r>
-              <a:r>
                 <a:rPr lang="en-US" sz="1600" dirty="0">
                   <a:solidFill>
                     <a:schemeClr val="bg1"/>
                   </a:solidFill>
                 </a:rPr>
-                <a:t>o</a:t>
-              </a:r>
-              <a:r>
-                <a:rPr lang="en-US" sz="1600" dirty="0" smtClean="0">
-                  <a:solidFill>
-                    <a:schemeClr val="bg1"/>
-                  </a:solidFill>
-                </a:rPr>
-                <a:t>ne wire protocol</a:t>
+                <a:t>Code written in C/C++</a:t>
               </a:r>
             </a:p>
             <a:p>
@@ -25740,7 +25712,7 @@
           <p:cNvPr id="40" name="Group 39">
             <a:extLst>
               <a:ext uri="{FF2B5EF4-FFF2-40B4-BE49-F238E27FC236}">
-                <a16:creationId xmlns:a16="http://schemas.microsoft.com/office/drawing/2014/main" xmlns="" id="{B56796B2-77C0-4F7D-9C92-0A9A7861C60D}"/>
+                <a16:creationId xmlns="" xmlns:a16="http://schemas.microsoft.com/office/drawing/2014/main" id="{B56796B2-77C0-4F7D-9C92-0A9A7861C60D}"/>
               </a:ext>
             </a:extLst>
           </p:cNvPr>
@@ -25749,10 +25721,10 @@
         </p:nvGrpSpPr>
         <p:grpSpPr>
           <a:xfrm>
-            <a:off x="4496513" y="4548582"/>
-            <a:ext cx="1544233" cy="1205721"/>
+            <a:off x="4566566" y="4544910"/>
+            <a:ext cx="1837478" cy="1782801"/>
             <a:chOff x="332936" y="2586417"/>
-            <a:chExt cx="2937088" cy="1313711"/>
+            <a:chExt cx="3152144" cy="1942478"/>
           </a:xfrm>
         </p:grpSpPr>
         <p:sp>
@@ -25760,7 +25732,7 @@
             <p:cNvPr id="41" name="TextBox 40">
               <a:extLst>
                 <a:ext uri="{FF2B5EF4-FFF2-40B4-BE49-F238E27FC236}">
-                  <a16:creationId xmlns:a16="http://schemas.microsoft.com/office/drawing/2014/main" xmlns="" id="{39A702E4-97AF-4ECE-B64E-1E10976DE8F8}"/>
+                  <a16:creationId xmlns="" xmlns:a16="http://schemas.microsoft.com/office/drawing/2014/main" id="{39A702E4-97AF-4ECE-B64E-1E10976DE8F8}"/>
                 </a:ext>
               </a:extLst>
             </p:cNvPr>
@@ -25790,7 +25762,7 @@
                     <a:srgbClr val="5B9CD5"/>
                   </a:solidFill>
                 </a:rPr>
-                <a:t>Humidity</a:t>
+                <a:t>Sensors</a:t>
               </a:r>
               <a:endParaRPr lang="en-US" sz="2000" b="1" dirty="0">
                 <a:solidFill>
@@ -25805,7 +25777,7 @@
             <p:cNvPr id="42" name="TextBox 41">
               <a:extLst>
                 <a:ext uri="{FF2B5EF4-FFF2-40B4-BE49-F238E27FC236}">
-                  <a16:creationId xmlns:a16="http://schemas.microsoft.com/office/drawing/2014/main" xmlns="" id="{F1436519-EE99-49AA-9481-02D3C72FC899}"/>
+                  <a16:creationId xmlns="" xmlns:a16="http://schemas.microsoft.com/office/drawing/2014/main" id="{F1436519-EE99-49AA-9481-02D3C72FC899}"/>
                 </a:ext>
               </a:extLst>
             </p:cNvPr>
@@ -25815,7 +25787,7 @@
           <p:spPr>
             <a:xfrm>
               <a:off x="340728" y="3086922"/>
-              <a:ext cx="2929296" cy="813206"/>
+              <a:ext cx="3144352" cy="1441973"/>
             </a:xfrm>
             <a:prstGeom prst="rect">
               <a:avLst/>
@@ -25830,31 +25802,37 @@
             <a:p>
               <a:pPr algn="just"/>
               <a:r>
-                <a:rPr lang="en-US" sz="1600" dirty="0">
+                <a:rPr lang="en-US" sz="1600" dirty="0" smtClean="0">
                   <a:solidFill>
                     <a:schemeClr val="bg1"/>
                   </a:solidFill>
                 </a:rPr>
-                <a:t>Digital </a:t>
+                <a:t>Temperature, humidity, pressure;</a:t>
               </a:r>
+            </a:p>
+            <a:p>
+              <a:pPr algn="just"/>
               <a:r>
-                <a:rPr lang="en-US" sz="1600" dirty="0">
+                <a:rPr lang="en-US" sz="1600" dirty="0" smtClean="0">
                   <a:solidFill>
                     <a:schemeClr val="bg1"/>
                   </a:solidFill>
                 </a:rPr>
-                <a:t>sensor</a:t>
+                <a:t>Digital &amp; analogue  sensors;</a:t>
               </a:r>
+            </a:p>
+            <a:p>
+              <a:pPr algn="just"/>
               <a:r>
-                <a:rPr lang="en-US" sz="1600" dirty="0">
+                <a:rPr lang="en-US" sz="1600" dirty="0" smtClean="0">
                   <a:solidFill>
                     <a:schemeClr val="bg1"/>
                   </a:solidFill>
                 </a:rPr>
-                <a:t>, I</a:t>
+                <a:t>I</a:t>
               </a:r>
               <a:r>
-                <a:rPr lang="en-US" sz="1600" baseline="30000" dirty="0">
+                <a:rPr lang="en-US" sz="1600" baseline="30000" dirty="0" smtClean="0">
                   <a:solidFill>
                     <a:schemeClr val="bg1"/>
                   </a:solidFill>
@@ -25862,21 +25840,13 @@
                 <a:t>2</a:t>
               </a:r>
               <a:r>
-                <a:rPr lang="en-US" sz="1600" dirty="0">
+                <a:rPr lang="en-US" sz="1600" dirty="0" smtClean="0">
                   <a:solidFill>
                     <a:schemeClr val="bg1"/>
                   </a:solidFill>
                 </a:rPr>
                 <a:t>C protocol</a:t>
               </a:r>
-              <a:endParaRPr lang="en-US" sz="1600" dirty="0">
-                <a:solidFill>
-                  <a:schemeClr val="bg1"/>
-                </a:solidFill>
-              </a:endParaRPr>
-            </a:p>
-            <a:p>
-              <a:pPr algn="just"/>
               <a:endParaRPr lang="en-US" sz="1050" dirty="0">
                 <a:solidFill>
                   <a:schemeClr val="bg1"/>
@@ -25891,7 +25861,7 @@
           <p:cNvPr id="44" name="TextBox 43">
             <a:extLst>
               <a:ext uri="{FF2B5EF4-FFF2-40B4-BE49-F238E27FC236}">
-                <a16:creationId xmlns:a16="http://schemas.microsoft.com/office/drawing/2014/main" xmlns="" id="{39A702E4-97AF-4ECE-B64E-1E10976DE8F8}"/>
+                <a16:creationId xmlns="" xmlns:a16="http://schemas.microsoft.com/office/drawing/2014/main" id="{39A702E4-97AF-4ECE-B64E-1E10976DE8F8}"/>
               </a:ext>
             </a:extLst>
           </p:cNvPr>
@@ -25900,7 +25870,7 @@
         </p:nvSpPr>
         <p:spPr>
           <a:xfrm>
-            <a:off x="6358507" y="4548582"/>
+            <a:off x="6506318" y="4527368"/>
             <a:ext cx="1544233" cy="461665"/>
           </a:xfrm>
           <a:prstGeom prst="rect">
@@ -25914,14 +25884,14 @@
           </a:bodyPr>
           <a:lstStyle/>
           <a:p>
-            <a:pPr algn="r"/>
+            <a:pPr algn="ctr"/>
             <a:r>
               <a:rPr lang="en-US" sz="2400" b="1" dirty="0" smtClean="0">
                 <a:solidFill>
                   <a:srgbClr val="70AD47"/>
                 </a:solidFill>
               </a:rPr>
-              <a:t>Pressure</a:t>
+              <a:t>Display</a:t>
             </a:r>
             <a:endParaRPr lang="en-US" sz="2000" b="1" dirty="0">
               <a:solidFill>
@@ -25936,7 +25906,7 @@
           <p:cNvPr id="47" name="Freeform 11">
             <a:extLst>
               <a:ext uri="{FF2B5EF4-FFF2-40B4-BE49-F238E27FC236}">
-                <a16:creationId xmlns:a16="http://schemas.microsoft.com/office/drawing/2014/main" xmlns="" id="{C0227C71-05B9-475A-96F1-6605D6A14007}"/>
+                <a16:creationId xmlns="" xmlns:a16="http://schemas.microsoft.com/office/drawing/2014/main" id="{C0227C71-05B9-475A-96F1-6605D6A14007}"/>
               </a:ext>
             </a:extLst>
           </p:cNvPr>
@@ -26073,7 +26043,7 @@
           <p:cNvPr id="48" name="Freeform 12">
             <a:extLst>
               <a:ext uri="{FF2B5EF4-FFF2-40B4-BE49-F238E27FC236}">
-                <a16:creationId xmlns:a16="http://schemas.microsoft.com/office/drawing/2014/main" xmlns="" id="{81E43D33-EBD3-402F-A3F1-041D6D7B8EAA}"/>
+                <a16:creationId xmlns="" xmlns:a16="http://schemas.microsoft.com/office/drawing/2014/main" id="{81E43D33-EBD3-402F-A3F1-041D6D7B8EAA}"/>
               </a:ext>
             </a:extLst>
           </p:cNvPr>
@@ -26210,7 +26180,7 @@
           <p:cNvPr id="49" name="Freeform 13">
             <a:extLst>
               <a:ext uri="{FF2B5EF4-FFF2-40B4-BE49-F238E27FC236}">
-                <a16:creationId xmlns:a16="http://schemas.microsoft.com/office/drawing/2014/main" xmlns="" id="{74E8FAD9-03D9-497D-B9FA-78A21CEE837E}"/>
+                <a16:creationId xmlns="" xmlns:a16="http://schemas.microsoft.com/office/drawing/2014/main" id="{74E8FAD9-03D9-497D-B9FA-78A21CEE837E}"/>
               </a:ext>
             </a:extLst>
           </p:cNvPr>
@@ -26347,7 +26317,7 @@
           <p:cNvPr id="50" name="Freeform 14">
             <a:extLst>
               <a:ext uri="{FF2B5EF4-FFF2-40B4-BE49-F238E27FC236}">
-                <a16:creationId xmlns:a16="http://schemas.microsoft.com/office/drawing/2014/main" xmlns="" id="{F7BCB902-FE28-44BB-B683-C624DF775F88}"/>
+                <a16:creationId xmlns="" xmlns:a16="http://schemas.microsoft.com/office/drawing/2014/main" id="{F7BCB902-FE28-44BB-B683-C624DF775F88}"/>
               </a:ext>
             </a:extLst>
           </p:cNvPr>
@@ -26484,7 +26454,7 @@
           <p:cNvPr id="51" name="Freeform 15">
             <a:extLst>
               <a:ext uri="{FF2B5EF4-FFF2-40B4-BE49-F238E27FC236}">
-                <a16:creationId xmlns:a16="http://schemas.microsoft.com/office/drawing/2014/main" xmlns="" id="{41C9649D-A0FA-4190-A8BF-AE344D4E7F81}"/>
+                <a16:creationId xmlns="" xmlns:a16="http://schemas.microsoft.com/office/drawing/2014/main" id="{41C9649D-A0FA-4190-A8BF-AE344D4E7F81}"/>
               </a:ext>
             </a:extLst>
           </p:cNvPr>
@@ -26621,7 +26591,7 @@
           <p:cNvPr id="52" name="Freeform 16">
             <a:extLst>
               <a:ext uri="{FF2B5EF4-FFF2-40B4-BE49-F238E27FC236}">
-                <a16:creationId xmlns:a16="http://schemas.microsoft.com/office/drawing/2014/main" xmlns="" id="{0B28BCF8-2DC0-4E2C-8F16-FF0022F644BB}"/>
+                <a16:creationId xmlns="" xmlns:a16="http://schemas.microsoft.com/office/drawing/2014/main" id="{0B28BCF8-2DC0-4E2C-8F16-FF0022F644BB}"/>
               </a:ext>
             </a:extLst>
           </p:cNvPr>
@@ -26758,7 +26728,7 @@
           <p:cNvPr id="53" name="Freeform 17">
             <a:extLst>
               <a:ext uri="{FF2B5EF4-FFF2-40B4-BE49-F238E27FC236}">
-                <a16:creationId xmlns:a16="http://schemas.microsoft.com/office/drawing/2014/main" xmlns="" id="{084FFFA1-80EA-4284-BE1D-6FFBDE80BD93}"/>
+                <a16:creationId xmlns="" xmlns:a16="http://schemas.microsoft.com/office/drawing/2014/main" id="{084FFFA1-80EA-4284-BE1D-6FFBDE80BD93}"/>
               </a:ext>
             </a:extLst>
           </p:cNvPr>
@@ -26895,7 +26865,7 @@
           <p:cNvPr id="54" name="Freeform 18">
             <a:extLst>
               <a:ext uri="{FF2B5EF4-FFF2-40B4-BE49-F238E27FC236}">
-                <a16:creationId xmlns:a16="http://schemas.microsoft.com/office/drawing/2014/main" xmlns="" id="{1E71F11F-B81F-4132-B1F5-51AEB9736360}"/>
+                <a16:creationId xmlns="" xmlns:a16="http://schemas.microsoft.com/office/drawing/2014/main" id="{1E71F11F-B81F-4132-B1F5-51AEB9736360}"/>
               </a:ext>
             </a:extLst>
           </p:cNvPr>
@@ -27032,7 +27002,7 @@
           <p:cNvPr id="55" name="Freeform 19">
             <a:extLst>
               <a:ext uri="{FF2B5EF4-FFF2-40B4-BE49-F238E27FC236}">
-                <a16:creationId xmlns:a16="http://schemas.microsoft.com/office/drawing/2014/main" xmlns="" id="{1A7D7D8F-5B94-4084-B9DF-020AAA064CE7}"/>
+                <a16:creationId xmlns="" xmlns:a16="http://schemas.microsoft.com/office/drawing/2014/main" id="{1A7D7D8F-5B94-4084-B9DF-020AAA064CE7}"/>
               </a:ext>
             </a:extLst>
           </p:cNvPr>
@@ -27169,7 +27139,7 @@
           <p:cNvPr id="56" name="Freeform 20">
             <a:extLst>
               <a:ext uri="{FF2B5EF4-FFF2-40B4-BE49-F238E27FC236}">
-                <a16:creationId xmlns:a16="http://schemas.microsoft.com/office/drawing/2014/main" xmlns="" id="{3752C920-4F9D-43F8-A592-D6E13F6E16BF}"/>
+                <a16:creationId xmlns="" xmlns:a16="http://schemas.microsoft.com/office/drawing/2014/main" id="{3752C920-4F9D-43F8-A592-D6E13F6E16BF}"/>
               </a:ext>
             </a:extLst>
           </p:cNvPr>
@@ -27306,7 +27276,7 @@
           <p:cNvPr id="57" name="Freeform 21">
             <a:extLst>
               <a:ext uri="{FF2B5EF4-FFF2-40B4-BE49-F238E27FC236}">
-                <a16:creationId xmlns:a16="http://schemas.microsoft.com/office/drawing/2014/main" xmlns="" id="{9B71C156-14DB-4751-8C9D-14730140FBB3}"/>
+                <a16:creationId xmlns="" xmlns:a16="http://schemas.microsoft.com/office/drawing/2014/main" id="{9B71C156-14DB-4751-8C9D-14730140FBB3}"/>
               </a:ext>
             </a:extLst>
           </p:cNvPr>
@@ -27443,7 +27413,7 @@
           <p:cNvPr id="58" name="Freeform 22">
             <a:extLst>
               <a:ext uri="{FF2B5EF4-FFF2-40B4-BE49-F238E27FC236}">
-                <a16:creationId xmlns:a16="http://schemas.microsoft.com/office/drawing/2014/main" xmlns="" id="{212E092B-2FBE-4338-ABB1-A4983331038D}"/>
+                <a16:creationId xmlns="" xmlns:a16="http://schemas.microsoft.com/office/drawing/2014/main" id="{212E092B-2FBE-4338-ABB1-A4983331038D}"/>
               </a:ext>
             </a:extLst>
           </p:cNvPr>
@@ -27580,7 +27550,7 @@
           <p:cNvPr id="59" name="Freeform 23">
             <a:extLst>
               <a:ext uri="{FF2B5EF4-FFF2-40B4-BE49-F238E27FC236}">
-                <a16:creationId xmlns:a16="http://schemas.microsoft.com/office/drawing/2014/main" xmlns="" id="{71BD2BEA-802C-42B3-A548-56E523A5465E}"/>
+                <a16:creationId xmlns="" xmlns:a16="http://schemas.microsoft.com/office/drawing/2014/main" id="{71BD2BEA-802C-42B3-A548-56E523A5465E}"/>
               </a:ext>
             </a:extLst>
           </p:cNvPr>
@@ -27717,7 +27687,7 @@
           <p:cNvPr id="60" name="Freeform 24">
             <a:extLst>
               <a:ext uri="{FF2B5EF4-FFF2-40B4-BE49-F238E27FC236}">
-                <a16:creationId xmlns:a16="http://schemas.microsoft.com/office/drawing/2014/main" xmlns="" id="{03C92676-DD61-4076-92E0-EE362E022105}"/>
+                <a16:creationId xmlns="" xmlns:a16="http://schemas.microsoft.com/office/drawing/2014/main" id="{03C92676-DD61-4076-92E0-EE362E022105}"/>
               </a:ext>
             </a:extLst>
           </p:cNvPr>
@@ -27854,7 +27824,7 @@
           <p:cNvPr id="61" name="Freeform 25">
             <a:extLst>
               <a:ext uri="{FF2B5EF4-FFF2-40B4-BE49-F238E27FC236}">
-                <a16:creationId xmlns:a16="http://schemas.microsoft.com/office/drawing/2014/main" xmlns="" id="{EED40B0E-2A7B-415A-B5B7-BEACDBA411A1}"/>
+                <a16:creationId xmlns="" xmlns:a16="http://schemas.microsoft.com/office/drawing/2014/main" id="{EED40B0E-2A7B-415A-B5B7-BEACDBA411A1}"/>
               </a:ext>
             </a:extLst>
           </p:cNvPr>
@@ -27991,7 +27961,7 @@
           <p:cNvPr id="62" name="Freeform 26">
             <a:extLst>
               <a:ext uri="{FF2B5EF4-FFF2-40B4-BE49-F238E27FC236}">
-                <a16:creationId xmlns:a16="http://schemas.microsoft.com/office/drawing/2014/main" xmlns="" id="{BC57EADE-16B2-4428-A432-2FEBB7152C91}"/>
+                <a16:creationId xmlns="" xmlns:a16="http://schemas.microsoft.com/office/drawing/2014/main" id="{BC57EADE-16B2-4428-A432-2FEBB7152C91}"/>
               </a:ext>
             </a:extLst>
           </p:cNvPr>
@@ -28128,7 +28098,7 @@
           <p:cNvPr id="63" name="Freeform 27">
             <a:extLst>
               <a:ext uri="{FF2B5EF4-FFF2-40B4-BE49-F238E27FC236}">
-                <a16:creationId xmlns:a16="http://schemas.microsoft.com/office/drawing/2014/main" xmlns="" id="{B1D015B4-11AB-4CE7-A315-873FE2246436}"/>
+                <a16:creationId xmlns="" xmlns:a16="http://schemas.microsoft.com/office/drawing/2014/main" id="{B1D015B4-11AB-4CE7-A315-873FE2246436}"/>
               </a:ext>
             </a:extLst>
           </p:cNvPr>
@@ -28265,7 +28235,7 @@
           <p:cNvPr id="64" name="Freeform 28">
             <a:extLst>
               <a:ext uri="{FF2B5EF4-FFF2-40B4-BE49-F238E27FC236}">
-                <a16:creationId xmlns:a16="http://schemas.microsoft.com/office/drawing/2014/main" xmlns="" id="{E3ADFBBB-8966-4606-9007-F461A30ECA02}"/>
+                <a16:creationId xmlns="" xmlns:a16="http://schemas.microsoft.com/office/drawing/2014/main" id="{E3ADFBBB-8966-4606-9007-F461A30ECA02}"/>
               </a:ext>
             </a:extLst>
           </p:cNvPr>
@@ -28402,7 +28372,7 @@
           <p:cNvPr id="65" name="Freeform 29">
             <a:extLst>
               <a:ext uri="{FF2B5EF4-FFF2-40B4-BE49-F238E27FC236}">
-                <a16:creationId xmlns:a16="http://schemas.microsoft.com/office/drawing/2014/main" xmlns="" id="{AFEB98C9-BF9E-4F95-974E-BAE1593DAD1E}"/>
+                <a16:creationId xmlns="" xmlns:a16="http://schemas.microsoft.com/office/drawing/2014/main" id="{AFEB98C9-BF9E-4F95-974E-BAE1593DAD1E}"/>
               </a:ext>
             </a:extLst>
           </p:cNvPr>
@@ -28539,7 +28509,7 @@
           <p:cNvPr id="66" name="Freeform 30">
             <a:extLst>
               <a:ext uri="{FF2B5EF4-FFF2-40B4-BE49-F238E27FC236}">
-                <a16:creationId xmlns:a16="http://schemas.microsoft.com/office/drawing/2014/main" xmlns="" id="{716928FB-569C-436B-8B47-68B7861CBD54}"/>
+                <a16:creationId xmlns="" xmlns:a16="http://schemas.microsoft.com/office/drawing/2014/main" id="{716928FB-569C-436B-8B47-68B7861CBD54}"/>
               </a:ext>
             </a:extLst>
           </p:cNvPr>
@@ -28676,7 +28646,7 @@
           <p:cNvPr id="67" name="Freeform 31">
             <a:extLst>
               <a:ext uri="{FF2B5EF4-FFF2-40B4-BE49-F238E27FC236}">
-                <a16:creationId xmlns:a16="http://schemas.microsoft.com/office/drawing/2014/main" xmlns="" id="{9EA700C0-132E-49CA-91E9-056EED54C4FA}"/>
+                <a16:creationId xmlns="" xmlns:a16="http://schemas.microsoft.com/office/drawing/2014/main" id="{9EA700C0-132E-49CA-91E9-056EED54C4FA}"/>
               </a:ext>
             </a:extLst>
           </p:cNvPr>
@@ -28813,7 +28783,7 @@
           <p:cNvPr id="68" name="Freeform 32">
             <a:extLst>
               <a:ext uri="{FF2B5EF4-FFF2-40B4-BE49-F238E27FC236}">
-                <a16:creationId xmlns:a16="http://schemas.microsoft.com/office/drawing/2014/main" xmlns="" id="{BC5AE22B-BFB1-4DE7-B583-D818545F8389}"/>
+                <a16:creationId xmlns="" xmlns:a16="http://schemas.microsoft.com/office/drawing/2014/main" id="{BC5AE22B-BFB1-4DE7-B583-D818545F8389}"/>
               </a:ext>
             </a:extLst>
           </p:cNvPr>
@@ -28950,7 +28920,7 @@
           <p:cNvPr id="69" name="Freeform 33">
             <a:extLst>
               <a:ext uri="{FF2B5EF4-FFF2-40B4-BE49-F238E27FC236}">
-                <a16:creationId xmlns:a16="http://schemas.microsoft.com/office/drawing/2014/main" xmlns="" id="{900F0987-AFC5-4B55-9E69-0A1DBA6F29FD}"/>
+                <a16:creationId xmlns="" xmlns:a16="http://schemas.microsoft.com/office/drawing/2014/main" id="{900F0987-AFC5-4B55-9E69-0A1DBA6F29FD}"/>
               </a:ext>
             </a:extLst>
           </p:cNvPr>
@@ -29087,7 +29057,7 @@
           <p:cNvPr id="70" name="Freeform 34">
             <a:extLst>
               <a:ext uri="{FF2B5EF4-FFF2-40B4-BE49-F238E27FC236}">
-                <a16:creationId xmlns:a16="http://schemas.microsoft.com/office/drawing/2014/main" xmlns="" id="{5A057BE1-07B8-42C5-8E85-E6750EC78B70}"/>
+                <a16:creationId xmlns="" xmlns:a16="http://schemas.microsoft.com/office/drawing/2014/main" id="{5A057BE1-07B8-42C5-8E85-E6750EC78B70}"/>
               </a:ext>
             </a:extLst>
           </p:cNvPr>
@@ -29224,7 +29194,7 @@
           <p:cNvPr id="71" name="Freeform 35">
             <a:extLst>
               <a:ext uri="{FF2B5EF4-FFF2-40B4-BE49-F238E27FC236}">
-                <a16:creationId xmlns:a16="http://schemas.microsoft.com/office/drawing/2014/main" xmlns="" id="{C83E70A8-89B9-4506-83D6-48C23B3695B6}"/>
+                <a16:creationId xmlns="" xmlns:a16="http://schemas.microsoft.com/office/drawing/2014/main" id="{C83E70A8-89B9-4506-83D6-48C23B3695B6}"/>
               </a:ext>
             </a:extLst>
           </p:cNvPr>
@@ -29361,7 +29331,7 @@
           <p:cNvPr id="72" name="Freeform 36">
             <a:extLst>
               <a:ext uri="{FF2B5EF4-FFF2-40B4-BE49-F238E27FC236}">
-                <a16:creationId xmlns:a16="http://schemas.microsoft.com/office/drawing/2014/main" xmlns="" id="{3600F91D-5BC5-4A10-A825-6EDDBE851604}"/>
+                <a16:creationId xmlns="" xmlns:a16="http://schemas.microsoft.com/office/drawing/2014/main" id="{3600F91D-5BC5-4A10-A825-6EDDBE851604}"/>
               </a:ext>
             </a:extLst>
           </p:cNvPr>
@@ -29498,7 +29468,7 @@
           <p:cNvPr id="73" name="Freeform 37">
             <a:extLst>
               <a:ext uri="{FF2B5EF4-FFF2-40B4-BE49-F238E27FC236}">
-                <a16:creationId xmlns:a16="http://schemas.microsoft.com/office/drawing/2014/main" xmlns="" id="{8203C899-0953-4B5B-922A-3387326CF767}"/>
+                <a16:creationId xmlns="" xmlns:a16="http://schemas.microsoft.com/office/drawing/2014/main" id="{8203C899-0953-4B5B-922A-3387326CF767}"/>
               </a:ext>
             </a:extLst>
           </p:cNvPr>
@@ -29635,7 +29605,7 @@
           <p:cNvPr id="74" name="Freeform 38">
             <a:extLst>
               <a:ext uri="{FF2B5EF4-FFF2-40B4-BE49-F238E27FC236}">
-                <a16:creationId xmlns:a16="http://schemas.microsoft.com/office/drawing/2014/main" xmlns="" id="{2A0742EF-1387-4313-8C93-6D6113E8E649}"/>
+                <a16:creationId xmlns="" xmlns:a16="http://schemas.microsoft.com/office/drawing/2014/main" id="{2A0742EF-1387-4313-8C93-6D6113E8E649}"/>
               </a:ext>
             </a:extLst>
           </p:cNvPr>
@@ -29772,7 +29742,7 @@
           <p:cNvPr id="75" name="Freeform 39">
             <a:extLst>
               <a:ext uri="{FF2B5EF4-FFF2-40B4-BE49-F238E27FC236}">
-                <a16:creationId xmlns:a16="http://schemas.microsoft.com/office/drawing/2014/main" xmlns="" id="{955567DF-858C-4A2F-B0FF-78E879F68463}"/>
+                <a16:creationId xmlns="" xmlns:a16="http://schemas.microsoft.com/office/drawing/2014/main" id="{955567DF-858C-4A2F-B0FF-78E879F68463}"/>
               </a:ext>
             </a:extLst>
           </p:cNvPr>
@@ -29909,7 +29879,7 @@
           <p:cNvPr id="76" name="Freeform 40">
             <a:extLst>
               <a:ext uri="{FF2B5EF4-FFF2-40B4-BE49-F238E27FC236}">
-                <a16:creationId xmlns:a16="http://schemas.microsoft.com/office/drawing/2014/main" xmlns="" id="{A1BBF224-8FEA-4C60-A9FE-D4600F858B76}"/>
+                <a16:creationId xmlns="" xmlns:a16="http://schemas.microsoft.com/office/drawing/2014/main" id="{A1BBF224-8FEA-4C60-A9FE-D4600F858B76}"/>
               </a:ext>
             </a:extLst>
           </p:cNvPr>
@@ -30046,7 +30016,7 @@
           <p:cNvPr id="77" name="Freeform 41">
             <a:extLst>
               <a:ext uri="{FF2B5EF4-FFF2-40B4-BE49-F238E27FC236}">
-                <a16:creationId xmlns:a16="http://schemas.microsoft.com/office/drawing/2014/main" xmlns="" id="{BF65CF00-BD8A-48D7-83F2-B2F857897722}"/>
+                <a16:creationId xmlns="" xmlns:a16="http://schemas.microsoft.com/office/drawing/2014/main" id="{BF65CF00-BD8A-48D7-83F2-B2F857897722}"/>
               </a:ext>
             </a:extLst>
           </p:cNvPr>
@@ -30183,7 +30153,7 @@
           <p:cNvPr id="78" name="Freeform 42">
             <a:extLst>
               <a:ext uri="{FF2B5EF4-FFF2-40B4-BE49-F238E27FC236}">
-                <a16:creationId xmlns:a16="http://schemas.microsoft.com/office/drawing/2014/main" xmlns="" id="{E6E2E86C-4C2A-4473-9DDD-36B5F62F6259}"/>
+                <a16:creationId xmlns="" xmlns:a16="http://schemas.microsoft.com/office/drawing/2014/main" id="{E6E2E86C-4C2A-4473-9DDD-36B5F62F6259}"/>
               </a:ext>
             </a:extLst>
           </p:cNvPr>
@@ -30320,7 +30290,7 @@
           <p:cNvPr id="79" name="Freeform 43">
             <a:extLst>
               <a:ext uri="{FF2B5EF4-FFF2-40B4-BE49-F238E27FC236}">
-                <a16:creationId xmlns:a16="http://schemas.microsoft.com/office/drawing/2014/main" xmlns="" id="{B472F8B8-C4AF-4C60-8BB4-F239FA80F3D4}"/>
+                <a16:creationId xmlns="" xmlns:a16="http://schemas.microsoft.com/office/drawing/2014/main" id="{B472F8B8-C4AF-4C60-8BB4-F239FA80F3D4}"/>
               </a:ext>
             </a:extLst>
           </p:cNvPr>
@@ -30457,7 +30427,7 @@
           <p:cNvPr id="80" name="Freeform 44">
             <a:extLst>
               <a:ext uri="{FF2B5EF4-FFF2-40B4-BE49-F238E27FC236}">
-                <a16:creationId xmlns:a16="http://schemas.microsoft.com/office/drawing/2014/main" xmlns="" id="{424AA73D-168F-4862-88C4-EF28F48FEBE9}"/>
+                <a16:creationId xmlns="" xmlns:a16="http://schemas.microsoft.com/office/drawing/2014/main" id="{424AA73D-168F-4862-88C4-EF28F48FEBE9}"/>
               </a:ext>
             </a:extLst>
           </p:cNvPr>
@@ -30594,7 +30564,7 @@
           <p:cNvPr id="81" name="Freeform 45">
             <a:extLst>
               <a:ext uri="{FF2B5EF4-FFF2-40B4-BE49-F238E27FC236}">
-                <a16:creationId xmlns:a16="http://schemas.microsoft.com/office/drawing/2014/main" xmlns="" id="{7DE4441C-2F08-426A-8815-22CF9E8BFB20}"/>
+                <a16:creationId xmlns="" xmlns:a16="http://schemas.microsoft.com/office/drawing/2014/main" id="{7DE4441C-2F08-426A-8815-22CF9E8BFB20}"/>
               </a:ext>
             </a:extLst>
           </p:cNvPr>
@@ -30731,7 +30701,7 @@
           <p:cNvPr id="82" name="Freeform 46">
             <a:extLst>
               <a:ext uri="{FF2B5EF4-FFF2-40B4-BE49-F238E27FC236}">
-                <a16:creationId xmlns:a16="http://schemas.microsoft.com/office/drawing/2014/main" xmlns="" id="{722F50D9-B6D4-47AF-96B6-44BCB13FE6BE}"/>
+                <a16:creationId xmlns="" xmlns:a16="http://schemas.microsoft.com/office/drawing/2014/main" id="{722F50D9-B6D4-47AF-96B6-44BCB13FE6BE}"/>
               </a:ext>
             </a:extLst>
           </p:cNvPr>
@@ -30868,7 +30838,7 @@
           <p:cNvPr id="83" name="Freeform 47">
             <a:extLst>
               <a:ext uri="{FF2B5EF4-FFF2-40B4-BE49-F238E27FC236}">
-                <a16:creationId xmlns:a16="http://schemas.microsoft.com/office/drawing/2014/main" xmlns="" id="{5A0CC201-81DC-4874-9BA1-D2E466075834}"/>
+                <a16:creationId xmlns="" xmlns:a16="http://schemas.microsoft.com/office/drawing/2014/main" id="{5A0CC201-81DC-4874-9BA1-D2E466075834}"/>
               </a:ext>
             </a:extLst>
           </p:cNvPr>
@@ -31005,7 +30975,7 @@
           <p:cNvPr id="84" name="Freeform 48">
             <a:extLst>
               <a:ext uri="{FF2B5EF4-FFF2-40B4-BE49-F238E27FC236}">
-                <a16:creationId xmlns:a16="http://schemas.microsoft.com/office/drawing/2014/main" xmlns="" id="{45713858-4CBF-4C1C-931C-03663E142820}"/>
+                <a16:creationId xmlns="" xmlns:a16="http://schemas.microsoft.com/office/drawing/2014/main" id="{45713858-4CBF-4C1C-931C-03663E142820}"/>
               </a:ext>
             </a:extLst>
           </p:cNvPr>
@@ -31142,7 +31112,7 @@
           <p:cNvPr id="85" name="Freeform 49">
             <a:extLst>
               <a:ext uri="{FF2B5EF4-FFF2-40B4-BE49-F238E27FC236}">
-                <a16:creationId xmlns:a16="http://schemas.microsoft.com/office/drawing/2014/main" xmlns="" id="{B7A58364-A49F-4D97-AB18-81317BC8D7CB}"/>
+                <a16:creationId xmlns="" xmlns:a16="http://schemas.microsoft.com/office/drawing/2014/main" id="{B7A58364-A49F-4D97-AB18-81317BC8D7CB}"/>
               </a:ext>
             </a:extLst>
           </p:cNvPr>
@@ -31279,7 +31249,7 @@
           <p:cNvPr id="86" name="Freeform 50">
             <a:extLst>
               <a:ext uri="{FF2B5EF4-FFF2-40B4-BE49-F238E27FC236}">
-                <a16:creationId xmlns:a16="http://schemas.microsoft.com/office/drawing/2014/main" xmlns="" id="{DE383370-0C85-4E8E-98E3-A5411EBDB257}"/>
+                <a16:creationId xmlns="" xmlns:a16="http://schemas.microsoft.com/office/drawing/2014/main" id="{DE383370-0C85-4E8E-98E3-A5411EBDB257}"/>
               </a:ext>
             </a:extLst>
           </p:cNvPr>
@@ -31416,7 +31386,7 @@
           <p:cNvPr id="87" name="Freeform 51">
             <a:extLst>
               <a:ext uri="{FF2B5EF4-FFF2-40B4-BE49-F238E27FC236}">
-                <a16:creationId xmlns:a16="http://schemas.microsoft.com/office/drawing/2014/main" xmlns="" id="{93581CD4-D3C5-41E5-A2C0-E3C54218AB33}"/>
+                <a16:creationId xmlns="" xmlns:a16="http://schemas.microsoft.com/office/drawing/2014/main" id="{93581CD4-D3C5-41E5-A2C0-E3C54218AB33}"/>
               </a:ext>
             </a:extLst>
           </p:cNvPr>
@@ -31553,7 +31523,7 @@
           <p:cNvPr id="88" name="Freeform 52">
             <a:extLst>
               <a:ext uri="{FF2B5EF4-FFF2-40B4-BE49-F238E27FC236}">
-                <a16:creationId xmlns:a16="http://schemas.microsoft.com/office/drawing/2014/main" xmlns="" id="{66AC322C-CFDD-4843-8FBA-82842038DE7B}"/>
+                <a16:creationId xmlns="" xmlns:a16="http://schemas.microsoft.com/office/drawing/2014/main" id="{66AC322C-CFDD-4843-8FBA-82842038DE7B}"/>
               </a:ext>
             </a:extLst>
           </p:cNvPr>
@@ -31690,7 +31660,7 @@
           <p:cNvPr id="89" name="Freeform 53">
             <a:extLst>
               <a:ext uri="{FF2B5EF4-FFF2-40B4-BE49-F238E27FC236}">
-                <a16:creationId xmlns:a16="http://schemas.microsoft.com/office/drawing/2014/main" xmlns="" id="{6FDF99A4-060E-42FC-A5E7-422B767EE583}"/>
+                <a16:creationId xmlns="" xmlns:a16="http://schemas.microsoft.com/office/drawing/2014/main" id="{6FDF99A4-060E-42FC-A5E7-422B767EE583}"/>
               </a:ext>
             </a:extLst>
           </p:cNvPr>
@@ -31827,7 +31797,7 @@
           <p:cNvPr id="90" name="Freeform 54">
             <a:extLst>
               <a:ext uri="{FF2B5EF4-FFF2-40B4-BE49-F238E27FC236}">
-                <a16:creationId xmlns:a16="http://schemas.microsoft.com/office/drawing/2014/main" xmlns="" id="{5862385B-C5EC-4B00-9752-F4F252672080}"/>
+                <a16:creationId xmlns="" xmlns:a16="http://schemas.microsoft.com/office/drawing/2014/main" id="{5862385B-C5EC-4B00-9752-F4F252672080}"/>
               </a:ext>
             </a:extLst>
           </p:cNvPr>
@@ -31964,7 +31934,7 @@
           <p:cNvPr id="91" name="Freeform 55">
             <a:extLst>
               <a:ext uri="{FF2B5EF4-FFF2-40B4-BE49-F238E27FC236}">
-                <a16:creationId xmlns:a16="http://schemas.microsoft.com/office/drawing/2014/main" xmlns="" id="{D7D3846E-4D2F-4A20-B990-24BD9A567F02}"/>
+                <a16:creationId xmlns="" xmlns:a16="http://schemas.microsoft.com/office/drawing/2014/main" id="{D7D3846E-4D2F-4A20-B990-24BD9A567F02}"/>
               </a:ext>
             </a:extLst>
           </p:cNvPr>
@@ -32101,7 +32071,7 @@
           <p:cNvPr id="92" name="Freeform 56">
             <a:extLst>
               <a:ext uri="{FF2B5EF4-FFF2-40B4-BE49-F238E27FC236}">
-                <a16:creationId xmlns:a16="http://schemas.microsoft.com/office/drawing/2014/main" xmlns="" id="{6DD9375F-CB5C-4D79-B268-FCBFA604EA3A}"/>
+                <a16:creationId xmlns="" xmlns:a16="http://schemas.microsoft.com/office/drawing/2014/main" id="{6DD9375F-CB5C-4D79-B268-FCBFA604EA3A}"/>
               </a:ext>
             </a:extLst>
           </p:cNvPr>
@@ -32238,7 +32208,7 @@
           <p:cNvPr id="93" name="Freeform 57">
             <a:extLst>
               <a:ext uri="{FF2B5EF4-FFF2-40B4-BE49-F238E27FC236}">
-                <a16:creationId xmlns:a16="http://schemas.microsoft.com/office/drawing/2014/main" xmlns="" id="{24E715C4-9F57-4C0C-BAB6-B88F1E177990}"/>
+                <a16:creationId xmlns="" xmlns:a16="http://schemas.microsoft.com/office/drawing/2014/main" id="{24E715C4-9F57-4C0C-BAB6-B88F1E177990}"/>
               </a:ext>
             </a:extLst>
           </p:cNvPr>
@@ -32375,7 +32345,7 @@
           <p:cNvPr id="94" name="Freeform 58">
             <a:extLst>
               <a:ext uri="{FF2B5EF4-FFF2-40B4-BE49-F238E27FC236}">
-                <a16:creationId xmlns:a16="http://schemas.microsoft.com/office/drawing/2014/main" xmlns="" id="{59799601-C522-4FE9-BBBF-64FF0E8B29A7}"/>
+                <a16:creationId xmlns="" xmlns:a16="http://schemas.microsoft.com/office/drawing/2014/main" id="{59799601-C522-4FE9-BBBF-64FF0E8B29A7}"/>
               </a:ext>
             </a:extLst>
           </p:cNvPr>
@@ -32512,7 +32482,7 @@
           <p:cNvPr id="95" name="Freeform 59">
             <a:extLst>
               <a:ext uri="{FF2B5EF4-FFF2-40B4-BE49-F238E27FC236}">
-                <a16:creationId xmlns:a16="http://schemas.microsoft.com/office/drawing/2014/main" xmlns="" id="{08D8E61A-A793-4A70-B9AB-1ED1B5E5CFDF}"/>
+                <a16:creationId xmlns="" xmlns:a16="http://schemas.microsoft.com/office/drawing/2014/main" id="{08D8E61A-A793-4A70-B9AB-1ED1B5E5CFDF}"/>
               </a:ext>
             </a:extLst>
           </p:cNvPr>
@@ -32649,7 +32619,7 @@
           <p:cNvPr id="96" name="Freeform 60">
             <a:extLst>
               <a:ext uri="{FF2B5EF4-FFF2-40B4-BE49-F238E27FC236}">
-                <a16:creationId xmlns:a16="http://schemas.microsoft.com/office/drawing/2014/main" xmlns="" id="{8B3AD150-3071-4D04-A88C-A9D8C3B0C94D}"/>
+                <a16:creationId xmlns="" xmlns:a16="http://schemas.microsoft.com/office/drawing/2014/main" id="{8B3AD150-3071-4D04-A88C-A9D8C3B0C94D}"/>
               </a:ext>
             </a:extLst>
           </p:cNvPr>
@@ -32786,7 +32756,7 @@
           <p:cNvPr id="97" name="Freeform 61">
             <a:extLst>
               <a:ext uri="{FF2B5EF4-FFF2-40B4-BE49-F238E27FC236}">
-                <a16:creationId xmlns:a16="http://schemas.microsoft.com/office/drawing/2014/main" xmlns="" id="{3ACFCBE5-D7F5-4D4B-BD76-B134549DC6C9}"/>
+                <a16:creationId xmlns="" xmlns:a16="http://schemas.microsoft.com/office/drawing/2014/main" id="{3ACFCBE5-D7F5-4D4B-BD76-B134549DC6C9}"/>
               </a:ext>
             </a:extLst>
           </p:cNvPr>
@@ -32923,7 +32893,7 @@
           <p:cNvPr id="98" name="Freeform 62">
             <a:extLst>
               <a:ext uri="{FF2B5EF4-FFF2-40B4-BE49-F238E27FC236}">
-                <a16:creationId xmlns:a16="http://schemas.microsoft.com/office/drawing/2014/main" xmlns="" id="{B1C06549-9A72-4B67-B167-53D1B0B2A834}"/>
+                <a16:creationId xmlns="" xmlns:a16="http://schemas.microsoft.com/office/drawing/2014/main" id="{B1C06549-9A72-4B67-B167-53D1B0B2A834}"/>
               </a:ext>
             </a:extLst>
           </p:cNvPr>
@@ -33060,7 +33030,7 @@
           <p:cNvPr id="99" name="Freeform 63">
             <a:extLst>
               <a:ext uri="{FF2B5EF4-FFF2-40B4-BE49-F238E27FC236}">
-                <a16:creationId xmlns:a16="http://schemas.microsoft.com/office/drawing/2014/main" xmlns="" id="{28297C6B-1A17-4D31-BE2A-F2B873EDEFA2}"/>
+                <a16:creationId xmlns="" xmlns:a16="http://schemas.microsoft.com/office/drawing/2014/main" id="{28297C6B-1A17-4D31-BE2A-F2B873EDEFA2}"/>
               </a:ext>
             </a:extLst>
           </p:cNvPr>
@@ -33197,7 +33167,7 @@
           <p:cNvPr id="100" name="Freeform 64">
             <a:extLst>
               <a:ext uri="{FF2B5EF4-FFF2-40B4-BE49-F238E27FC236}">
-                <a16:creationId xmlns:a16="http://schemas.microsoft.com/office/drawing/2014/main" xmlns="" id="{BA270C65-50B5-4B1B-B72F-699B745FA287}"/>
+                <a16:creationId xmlns="" xmlns:a16="http://schemas.microsoft.com/office/drawing/2014/main" id="{BA270C65-50B5-4B1B-B72F-699B745FA287}"/>
               </a:ext>
             </a:extLst>
           </p:cNvPr>
@@ -33334,7 +33304,7 @@
           <p:cNvPr id="101" name="Freeform 65">
             <a:extLst>
               <a:ext uri="{FF2B5EF4-FFF2-40B4-BE49-F238E27FC236}">
-                <a16:creationId xmlns:a16="http://schemas.microsoft.com/office/drawing/2014/main" xmlns="" id="{2BA50BBD-2CAA-4C1F-9FD3-FE2A31351D0B}"/>
+                <a16:creationId xmlns="" xmlns:a16="http://schemas.microsoft.com/office/drawing/2014/main" id="{2BA50BBD-2CAA-4C1F-9FD3-FE2A31351D0B}"/>
               </a:ext>
             </a:extLst>
           </p:cNvPr>
@@ -33471,7 +33441,7 @@
           <p:cNvPr id="102" name="Freeform 67">
             <a:extLst>
               <a:ext uri="{FF2B5EF4-FFF2-40B4-BE49-F238E27FC236}">
-                <a16:creationId xmlns:a16="http://schemas.microsoft.com/office/drawing/2014/main" xmlns="" id="{76DE0259-A2AB-4CAE-81B2-3B27C07154C8}"/>
+                <a16:creationId xmlns="" xmlns:a16="http://schemas.microsoft.com/office/drawing/2014/main" id="{76DE0259-A2AB-4CAE-81B2-3B27C07154C8}"/>
               </a:ext>
             </a:extLst>
           </p:cNvPr>
@@ -33608,7 +33578,7 @@
           <p:cNvPr id="103" name="Freeform 69">
             <a:extLst>
               <a:ext uri="{FF2B5EF4-FFF2-40B4-BE49-F238E27FC236}">
-                <a16:creationId xmlns:a16="http://schemas.microsoft.com/office/drawing/2014/main" xmlns="" id="{C1212D1B-19B7-4939-892A-5D0DF3605881}"/>
+                <a16:creationId xmlns="" xmlns:a16="http://schemas.microsoft.com/office/drawing/2014/main" id="{C1212D1B-19B7-4939-892A-5D0DF3605881}"/>
               </a:ext>
             </a:extLst>
           </p:cNvPr>
@@ -33745,7 +33715,7 @@
           <p:cNvPr id="104" name="Freeform 72">
             <a:extLst>
               <a:ext uri="{FF2B5EF4-FFF2-40B4-BE49-F238E27FC236}">
-                <a16:creationId xmlns:a16="http://schemas.microsoft.com/office/drawing/2014/main" xmlns="" id="{0D91C8C7-1CE5-4250-B97A-8EC25472E729}"/>
+                <a16:creationId xmlns="" xmlns:a16="http://schemas.microsoft.com/office/drawing/2014/main" id="{0D91C8C7-1CE5-4250-B97A-8EC25472E729}"/>
               </a:ext>
             </a:extLst>
           </p:cNvPr>
@@ -33882,7 +33852,7 @@
           <p:cNvPr id="105" name="Freeform 73">
             <a:extLst>
               <a:ext uri="{FF2B5EF4-FFF2-40B4-BE49-F238E27FC236}">
-                <a16:creationId xmlns:a16="http://schemas.microsoft.com/office/drawing/2014/main" xmlns="" id="{FAE08F99-FC16-41CA-80D6-135D4B029773}"/>
+                <a16:creationId xmlns="" xmlns:a16="http://schemas.microsoft.com/office/drawing/2014/main" id="{FAE08F99-FC16-41CA-80D6-135D4B029773}"/>
               </a:ext>
             </a:extLst>
           </p:cNvPr>
@@ -34019,7 +33989,7 @@
           <p:cNvPr id="106" name="Freeform 74">
             <a:extLst>
               <a:ext uri="{FF2B5EF4-FFF2-40B4-BE49-F238E27FC236}">
-                <a16:creationId xmlns:a16="http://schemas.microsoft.com/office/drawing/2014/main" xmlns="" id="{DAF047F2-9959-4EF5-BF92-C5CACDB76645}"/>
+                <a16:creationId xmlns="" xmlns:a16="http://schemas.microsoft.com/office/drawing/2014/main" id="{DAF047F2-9959-4EF5-BF92-C5CACDB76645}"/>
               </a:ext>
             </a:extLst>
           </p:cNvPr>
@@ -34156,7 +34126,7 @@
           <p:cNvPr id="107" name="Freeform 75">
             <a:extLst>
               <a:ext uri="{FF2B5EF4-FFF2-40B4-BE49-F238E27FC236}">
-                <a16:creationId xmlns:a16="http://schemas.microsoft.com/office/drawing/2014/main" xmlns="" id="{A9D152CA-04C0-4502-ADA3-09C99B7529C3}"/>
+                <a16:creationId xmlns="" xmlns:a16="http://schemas.microsoft.com/office/drawing/2014/main" id="{A9D152CA-04C0-4502-ADA3-09C99B7529C3}"/>
               </a:ext>
             </a:extLst>
           </p:cNvPr>
@@ -34293,7 +34263,7 @@
           <p:cNvPr id="108" name="Freeform 76">
             <a:extLst>
               <a:ext uri="{FF2B5EF4-FFF2-40B4-BE49-F238E27FC236}">
-                <a16:creationId xmlns:a16="http://schemas.microsoft.com/office/drawing/2014/main" xmlns="" id="{F444F08A-74BF-4491-B72D-7FEF08CBC09B}"/>
+                <a16:creationId xmlns="" xmlns:a16="http://schemas.microsoft.com/office/drawing/2014/main" id="{F444F08A-74BF-4491-B72D-7FEF08CBC09B}"/>
               </a:ext>
             </a:extLst>
           </p:cNvPr>
@@ -34430,7 +34400,7 @@
           <p:cNvPr id="109" name="Freeform 77">
             <a:extLst>
               <a:ext uri="{FF2B5EF4-FFF2-40B4-BE49-F238E27FC236}">
-                <a16:creationId xmlns:a16="http://schemas.microsoft.com/office/drawing/2014/main" xmlns="" id="{7557F8CA-A796-4127-9F15-F365209EB618}"/>
+                <a16:creationId xmlns="" xmlns:a16="http://schemas.microsoft.com/office/drawing/2014/main" id="{7557F8CA-A796-4127-9F15-F365209EB618}"/>
               </a:ext>
             </a:extLst>
           </p:cNvPr>
@@ -34567,7 +34537,7 @@
           <p:cNvPr id="110" name="Freeform 78">
             <a:extLst>
               <a:ext uri="{FF2B5EF4-FFF2-40B4-BE49-F238E27FC236}">
-                <a16:creationId xmlns:a16="http://schemas.microsoft.com/office/drawing/2014/main" xmlns="" id="{6D67BEAA-8313-443B-9C05-C49CA60D66EF}"/>
+                <a16:creationId xmlns="" xmlns:a16="http://schemas.microsoft.com/office/drawing/2014/main" id="{6D67BEAA-8313-443B-9C05-C49CA60D66EF}"/>
               </a:ext>
             </a:extLst>
           </p:cNvPr>
@@ -34704,7 +34674,7 @@
           <p:cNvPr id="111" name="Freeform 86">
             <a:extLst>
               <a:ext uri="{FF2B5EF4-FFF2-40B4-BE49-F238E27FC236}">
-                <a16:creationId xmlns:a16="http://schemas.microsoft.com/office/drawing/2014/main" xmlns="" id="{B9E775DE-B6F8-4BAD-B403-4AD805BC0E12}"/>
+                <a16:creationId xmlns="" xmlns:a16="http://schemas.microsoft.com/office/drawing/2014/main" id="{B9E775DE-B6F8-4BAD-B403-4AD805BC0E12}"/>
               </a:ext>
             </a:extLst>
           </p:cNvPr>
@@ -34841,7 +34811,7 @@
           <p:cNvPr id="112" name="Freeform 87">
             <a:extLst>
               <a:ext uri="{FF2B5EF4-FFF2-40B4-BE49-F238E27FC236}">
-                <a16:creationId xmlns:a16="http://schemas.microsoft.com/office/drawing/2014/main" xmlns="" id="{4CA5E202-206D-4573-A078-31D19282F8C5}"/>
+                <a16:creationId xmlns="" xmlns:a16="http://schemas.microsoft.com/office/drawing/2014/main" id="{4CA5E202-206D-4573-A078-31D19282F8C5}"/>
               </a:ext>
             </a:extLst>
           </p:cNvPr>
@@ -34978,7 +34948,7 @@
           <p:cNvPr id="113" name="Freeform 88">
             <a:extLst>
               <a:ext uri="{FF2B5EF4-FFF2-40B4-BE49-F238E27FC236}">
-                <a16:creationId xmlns:a16="http://schemas.microsoft.com/office/drawing/2014/main" xmlns="" id="{D26FCD0F-8B16-46B2-8FC9-C733E7B708C4}"/>
+                <a16:creationId xmlns="" xmlns:a16="http://schemas.microsoft.com/office/drawing/2014/main" id="{D26FCD0F-8B16-46B2-8FC9-C733E7B708C4}"/>
               </a:ext>
             </a:extLst>
           </p:cNvPr>
@@ -35115,7 +35085,7 @@
           <p:cNvPr id="120" name="Rectangle 165">
             <a:extLst>
               <a:ext uri="{FF2B5EF4-FFF2-40B4-BE49-F238E27FC236}">
-                <a16:creationId xmlns:a16="http://schemas.microsoft.com/office/drawing/2014/main" xmlns="" id="{10417BC5-8655-4DDA-9A19-9A5AA08842CC}"/>
+                <a16:creationId xmlns="" xmlns:a16="http://schemas.microsoft.com/office/drawing/2014/main" id="{10417BC5-8655-4DDA-9A19-9A5AA08842CC}"/>
               </a:ext>
             </a:extLst>
           </p:cNvPr>
@@ -35174,7 +35144,7 @@
           <p:cNvPr id="121" name="Freeform 11">
             <a:extLst>
               <a:ext uri="{FF2B5EF4-FFF2-40B4-BE49-F238E27FC236}">
-                <a16:creationId xmlns:a16="http://schemas.microsoft.com/office/drawing/2014/main" xmlns="" id="{38992279-3911-46AA-AD23-42F2B06F5846}"/>
+                <a16:creationId xmlns="" xmlns:a16="http://schemas.microsoft.com/office/drawing/2014/main" id="{38992279-3911-46AA-AD23-42F2B06F5846}"/>
               </a:ext>
             </a:extLst>
           </p:cNvPr>
@@ -35311,7 +35281,7 @@
           <p:cNvPr id="122" name="Freeform 12">
             <a:extLst>
               <a:ext uri="{FF2B5EF4-FFF2-40B4-BE49-F238E27FC236}">
-                <a16:creationId xmlns:a16="http://schemas.microsoft.com/office/drawing/2014/main" xmlns="" id="{8862C676-E4B7-498E-814E-5C866DA21556}"/>
+                <a16:creationId xmlns="" xmlns:a16="http://schemas.microsoft.com/office/drawing/2014/main" id="{8862C676-E4B7-498E-814E-5C866DA21556}"/>
               </a:ext>
             </a:extLst>
           </p:cNvPr>
@@ -35448,7 +35418,7 @@
           <p:cNvPr id="123" name="Freeform 13">
             <a:extLst>
               <a:ext uri="{FF2B5EF4-FFF2-40B4-BE49-F238E27FC236}">
-                <a16:creationId xmlns:a16="http://schemas.microsoft.com/office/drawing/2014/main" xmlns="" id="{4DF18CBC-37BB-48A2-91BC-4D017F15888F}"/>
+                <a16:creationId xmlns="" xmlns:a16="http://schemas.microsoft.com/office/drawing/2014/main" id="{4DF18CBC-37BB-48A2-91BC-4D017F15888F}"/>
               </a:ext>
             </a:extLst>
           </p:cNvPr>
@@ -35585,7 +35555,7 @@
           <p:cNvPr id="124" name="Freeform 14">
             <a:extLst>
               <a:ext uri="{FF2B5EF4-FFF2-40B4-BE49-F238E27FC236}">
-                <a16:creationId xmlns:a16="http://schemas.microsoft.com/office/drawing/2014/main" xmlns="" id="{FECCC4E1-3B74-4D21-8BA7-90848F6323DD}"/>
+                <a16:creationId xmlns="" xmlns:a16="http://schemas.microsoft.com/office/drawing/2014/main" id="{FECCC4E1-3B74-4D21-8BA7-90848F6323DD}"/>
               </a:ext>
             </a:extLst>
           </p:cNvPr>
@@ -35722,7 +35692,7 @@
           <p:cNvPr id="125" name="Freeform 15">
             <a:extLst>
               <a:ext uri="{FF2B5EF4-FFF2-40B4-BE49-F238E27FC236}">
-                <a16:creationId xmlns:a16="http://schemas.microsoft.com/office/drawing/2014/main" xmlns="" id="{0E6962E1-D556-4D3A-8812-E02E4CE817B0}"/>
+                <a16:creationId xmlns="" xmlns:a16="http://schemas.microsoft.com/office/drawing/2014/main" id="{0E6962E1-D556-4D3A-8812-E02E4CE817B0}"/>
               </a:ext>
             </a:extLst>
           </p:cNvPr>
@@ -35859,7 +35829,7 @@
           <p:cNvPr id="126" name="Freeform 16">
             <a:extLst>
               <a:ext uri="{FF2B5EF4-FFF2-40B4-BE49-F238E27FC236}">
-                <a16:creationId xmlns:a16="http://schemas.microsoft.com/office/drawing/2014/main" xmlns="" id="{48F5685D-A5BB-45A2-ACF7-B63445C0FE01}"/>
+                <a16:creationId xmlns="" xmlns:a16="http://schemas.microsoft.com/office/drawing/2014/main" id="{48F5685D-A5BB-45A2-ACF7-B63445C0FE01}"/>
               </a:ext>
             </a:extLst>
           </p:cNvPr>
@@ -35996,7 +35966,7 @@
           <p:cNvPr id="127" name="Freeform 17">
             <a:extLst>
               <a:ext uri="{FF2B5EF4-FFF2-40B4-BE49-F238E27FC236}">
-                <a16:creationId xmlns:a16="http://schemas.microsoft.com/office/drawing/2014/main" xmlns="" id="{01B230A3-CC6C-4EEE-BDAC-36190BC330E4}"/>
+                <a16:creationId xmlns="" xmlns:a16="http://schemas.microsoft.com/office/drawing/2014/main" id="{01B230A3-CC6C-4EEE-BDAC-36190BC330E4}"/>
               </a:ext>
             </a:extLst>
           </p:cNvPr>
@@ -36133,7 +36103,7 @@
           <p:cNvPr id="128" name="Freeform 18">
             <a:extLst>
               <a:ext uri="{FF2B5EF4-FFF2-40B4-BE49-F238E27FC236}">
-                <a16:creationId xmlns:a16="http://schemas.microsoft.com/office/drawing/2014/main" xmlns="" id="{02ECC3F7-3E8A-4219-BC19-D0EBB31A9F4B}"/>
+                <a16:creationId xmlns="" xmlns:a16="http://schemas.microsoft.com/office/drawing/2014/main" id="{02ECC3F7-3E8A-4219-BC19-D0EBB31A9F4B}"/>
               </a:ext>
             </a:extLst>
           </p:cNvPr>
@@ -36270,7 +36240,7 @@
           <p:cNvPr id="129" name="Freeform 19">
             <a:extLst>
               <a:ext uri="{FF2B5EF4-FFF2-40B4-BE49-F238E27FC236}">
-                <a16:creationId xmlns:a16="http://schemas.microsoft.com/office/drawing/2014/main" xmlns="" id="{B257BC3F-9406-4D8B-89BA-6E9E2F049CFF}"/>
+                <a16:creationId xmlns="" xmlns:a16="http://schemas.microsoft.com/office/drawing/2014/main" id="{B257BC3F-9406-4D8B-89BA-6E9E2F049CFF}"/>
               </a:ext>
             </a:extLst>
           </p:cNvPr>
@@ -36407,7 +36377,7 @@
           <p:cNvPr id="130" name="Freeform 20">
             <a:extLst>
               <a:ext uri="{FF2B5EF4-FFF2-40B4-BE49-F238E27FC236}">
-                <a16:creationId xmlns:a16="http://schemas.microsoft.com/office/drawing/2014/main" xmlns="" id="{C854CC37-4F48-4D9E-B949-E6D7CEE55D46}"/>
+                <a16:creationId xmlns="" xmlns:a16="http://schemas.microsoft.com/office/drawing/2014/main" id="{C854CC37-4F48-4D9E-B949-E6D7CEE55D46}"/>
               </a:ext>
             </a:extLst>
           </p:cNvPr>
@@ -36544,7 +36514,7 @@
           <p:cNvPr id="131" name="Freeform 27">
             <a:extLst>
               <a:ext uri="{FF2B5EF4-FFF2-40B4-BE49-F238E27FC236}">
-                <a16:creationId xmlns:a16="http://schemas.microsoft.com/office/drawing/2014/main" xmlns="" id="{A9660831-9140-4DE7-AE5A-D930FF653457}"/>
+                <a16:creationId xmlns="" xmlns:a16="http://schemas.microsoft.com/office/drawing/2014/main" id="{A9660831-9140-4DE7-AE5A-D930FF653457}"/>
               </a:ext>
             </a:extLst>
           </p:cNvPr>
@@ -36681,7 +36651,7 @@
           <p:cNvPr id="132" name="Freeform 28">
             <a:extLst>
               <a:ext uri="{FF2B5EF4-FFF2-40B4-BE49-F238E27FC236}">
-                <a16:creationId xmlns:a16="http://schemas.microsoft.com/office/drawing/2014/main" xmlns="" id="{DAED48BB-B7FB-48FD-A565-2C3A57BF64BC}"/>
+                <a16:creationId xmlns="" xmlns:a16="http://schemas.microsoft.com/office/drawing/2014/main" id="{DAED48BB-B7FB-48FD-A565-2C3A57BF64BC}"/>
               </a:ext>
             </a:extLst>
           </p:cNvPr>
@@ -36818,7 +36788,7 @@
           <p:cNvPr id="133" name="Freeform 29">
             <a:extLst>
               <a:ext uri="{FF2B5EF4-FFF2-40B4-BE49-F238E27FC236}">
-                <a16:creationId xmlns:a16="http://schemas.microsoft.com/office/drawing/2014/main" xmlns="" id="{DE455874-CE9F-4D35-884A-1A5B73D29EBE}"/>
+                <a16:creationId xmlns="" xmlns:a16="http://schemas.microsoft.com/office/drawing/2014/main" id="{DE455874-CE9F-4D35-884A-1A5B73D29EBE}"/>
               </a:ext>
             </a:extLst>
           </p:cNvPr>
@@ -36955,7 +36925,7 @@
           <p:cNvPr id="134" name="Freeform 30">
             <a:extLst>
               <a:ext uri="{FF2B5EF4-FFF2-40B4-BE49-F238E27FC236}">
-                <a16:creationId xmlns:a16="http://schemas.microsoft.com/office/drawing/2014/main" xmlns="" id="{A64420F5-4E4B-4898-8173-5361AC05A8C9}"/>
+                <a16:creationId xmlns="" xmlns:a16="http://schemas.microsoft.com/office/drawing/2014/main" id="{A64420F5-4E4B-4898-8173-5361AC05A8C9}"/>
               </a:ext>
             </a:extLst>
           </p:cNvPr>
@@ -37092,7 +37062,7 @@
           <p:cNvPr id="135" name="Freeform 31">
             <a:extLst>
               <a:ext uri="{FF2B5EF4-FFF2-40B4-BE49-F238E27FC236}">
-                <a16:creationId xmlns:a16="http://schemas.microsoft.com/office/drawing/2014/main" xmlns="" id="{CB3540A5-7B88-45CD-B2FE-43ECA99BEC0A}"/>
+                <a16:creationId xmlns="" xmlns:a16="http://schemas.microsoft.com/office/drawing/2014/main" id="{CB3540A5-7B88-45CD-B2FE-43ECA99BEC0A}"/>
               </a:ext>
             </a:extLst>
           </p:cNvPr>
@@ -37229,7 +37199,7 @@
           <p:cNvPr id="136" name="Freeform 32">
             <a:extLst>
               <a:ext uri="{FF2B5EF4-FFF2-40B4-BE49-F238E27FC236}">
-                <a16:creationId xmlns:a16="http://schemas.microsoft.com/office/drawing/2014/main" xmlns="" id="{E4188CFC-B737-4C9D-809B-280A05166B75}"/>
+                <a16:creationId xmlns="" xmlns:a16="http://schemas.microsoft.com/office/drawing/2014/main" id="{E4188CFC-B737-4C9D-809B-280A05166B75}"/>
               </a:ext>
             </a:extLst>
           </p:cNvPr>
@@ -37366,7 +37336,7 @@
           <p:cNvPr id="137" name="Freeform 33">
             <a:extLst>
               <a:ext uri="{FF2B5EF4-FFF2-40B4-BE49-F238E27FC236}">
-                <a16:creationId xmlns:a16="http://schemas.microsoft.com/office/drawing/2014/main" xmlns="" id="{27EB01F4-3B41-4C04-BF26-20E2D8D7A9DD}"/>
+                <a16:creationId xmlns="" xmlns:a16="http://schemas.microsoft.com/office/drawing/2014/main" id="{27EB01F4-3B41-4C04-BF26-20E2D8D7A9DD}"/>
               </a:ext>
             </a:extLst>
           </p:cNvPr>
@@ -37503,7 +37473,7 @@
           <p:cNvPr id="138" name="Freeform 34">
             <a:extLst>
               <a:ext uri="{FF2B5EF4-FFF2-40B4-BE49-F238E27FC236}">
-                <a16:creationId xmlns:a16="http://schemas.microsoft.com/office/drawing/2014/main" xmlns="" id="{94DB3273-35D3-4BA7-A91F-7BC4AE89250F}"/>
+                <a16:creationId xmlns="" xmlns:a16="http://schemas.microsoft.com/office/drawing/2014/main" id="{94DB3273-35D3-4BA7-A91F-7BC4AE89250F}"/>
               </a:ext>
             </a:extLst>
           </p:cNvPr>
@@ -37640,7 +37610,7 @@
           <p:cNvPr id="139" name="Freeform 35">
             <a:extLst>
               <a:ext uri="{FF2B5EF4-FFF2-40B4-BE49-F238E27FC236}">
-                <a16:creationId xmlns:a16="http://schemas.microsoft.com/office/drawing/2014/main" xmlns="" id="{2BDE7953-2168-4F58-A49B-06DCA63F16B7}"/>
+                <a16:creationId xmlns="" xmlns:a16="http://schemas.microsoft.com/office/drawing/2014/main" id="{2BDE7953-2168-4F58-A49B-06DCA63F16B7}"/>
               </a:ext>
             </a:extLst>
           </p:cNvPr>
@@ -37777,7 +37747,7 @@
           <p:cNvPr id="140" name="Freeform 36">
             <a:extLst>
               <a:ext uri="{FF2B5EF4-FFF2-40B4-BE49-F238E27FC236}">
-                <a16:creationId xmlns:a16="http://schemas.microsoft.com/office/drawing/2014/main" xmlns="" id="{CB754567-D496-4353-8568-F2DB0B465F20}"/>
+                <a16:creationId xmlns="" xmlns:a16="http://schemas.microsoft.com/office/drawing/2014/main" id="{CB754567-D496-4353-8568-F2DB0B465F20}"/>
               </a:ext>
             </a:extLst>
           </p:cNvPr>
@@ -37914,7 +37884,7 @@
           <p:cNvPr id="141" name="Freeform 37">
             <a:extLst>
               <a:ext uri="{FF2B5EF4-FFF2-40B4-BE49-F238E27FC236}">
-                <a16:creationId xmlns:a16="http://schemas.microsoft.com/office/drawing/2014/main" xmlns="" id="{6A9EE009-94C9-4C2E-ADC4-76F6363B1241}"/>
+                <a16:creationId xmlns="" xmlns:a16="http://schemas.microsoft.com/office/drawing/2014/main" id="{6A9EE009-94C9-4C2E-ADC4-76F6363B1241}"/>
               </a:ext>
             </a:extLst>
           </p:cNvPr>
@@ -38051,7 +38021,7 @@
           <p:cNvPr id="142" name="Freeform 38">
             <a:extLst>
               <a:ext uri="{FF2B5EF4-FFF2-40B4-BE49-F238E27FC236}">
-                <a16:creationId xmlns:a16="http://schemas.microsoft.com/office/drawing/2014/main" xmlns="" id="{9B6214D6-04FE-4528-99A0-80FEDC048524}"/>
+                <a16:creationId xmlns="" xmlns:a16="http://schemas.microsoft.com/office/drawing/2014/main" id="{9B6214D6-04FE-4528-99A0-80FEDC048524}"/>
               </a:ext>
             </a:extLst>
           </p:cNvPr>
@@ -38188,7 +38158,7 @@
           <p:cNvPr id="143" name="Freeform 39">
             <a:extLst>
               <a:ext uri="{FF2B5EF4-FFF2-40B4-BE49-F238E27FC236}">
-                <a16:creationId xmlns:a16="http://schemas.microsoft.com/office/drawing/2014/main" xmlns="" id="{4573CD9D-06E1-4098-B188-2087987DB6E5}"/>
+                <a16:creationId xmlns="" xmlns:a16="http://schemas.microsoft.com/office/drawing/2014/main" id="{4573CD9D-06E1-4098-B188-2087987DB6E5}"/>
               </a:ext>
             </a:extLst>
           </p:cNvPr>
@@ -38325,7 +38295,7 @@
           <p:cNvPr id="144" name="Freeform 40">
             <a:extLst>
               <a:ext uri="{FF2B5EF4-FFF2-40B4-BE49-F238E27FC236}">
-                <a16:creationId xmlns:a16="http://schemas.microsoft.com/office/drawing/2014/main" xmlns="" id="{8F9A3DD1-676C-4B24-9D93-7FF259180D82}"/>
+                <a16:creationId xmlns="" xmlns:a16="http://schemas.microsoft.com/office/drawing/2014/main" id="{8F9A3DD1-676C-4B24-9D93-7FF259180D82}"/>
               </a:ext>
             </a:extLst>
           </p:cNvPr>
@@ -38462,7 +38432,7 @@
           <p:cNvPr id="145" name="Freeform 41">
             <a:extLst>
               <a:ext uri="{FF2B5EF4-FFF2-40B4-BE49-F238E27FC236}">
-                <a16:creationId xmlns:a16="http://schemas.microsoft.com/office/drawing/2014/main" xmlns="" id="{484236C9-1387-4141-8D6D-784A7C30062E}"/>
+                <a16:creationId xmlns="" xmlns:a16="http://schemas.microsoft.com/office/drawing/2014/main" id="{484236C9-1387-4141-8D6D-784A7C30062E}"/>
               </a:ext>
             </a:extLst>
           </p:cNvPr>
@@ -38599,7 +38569,7 @@
           <p:cNvPr id="146" name="Freeform 42">
             <a:extLst>
               <a:ext uri="{FF2B5EF4-FFF2-40B4-BE49-F238E27FC236}">
-                <a16:creationId xmlns:a16="http://schemas.microsoft.com/office/drawing/2014/main" xmlns="" id="{8FBA33AA-A2D8-4DF7-8E17-F37658C8DE03}"/>
+                <a16:creationId xmlns="" xmlns:a16="http://schemas.microsoft.com/office/drawing/2014/main" id="{8FBA33AA-A2D8-4DF7-8E17-F37658C8DE03}"/>
               </a:ext>
             </a:extLst>
           </p:cNvPr>
@@ -38736,7 +38706,7 @@
           <p:cNvPr id="147" name="Freeform 43">
             <a:extLst>
               <a:ext uri="{FF2B5EF4-FFF2-40B4-BE49-F238E27FC236}">
-                <a16:creationId xmlns:a16="http://schemas.microsoft.com/office/drawing/2014/main" xmlns="" id="{E0E7CDF9-1F8B-49D1-ADFA-FA564ADFFE48}"/>
+                <a16:creationId xmlns="" xmlns:a16="http://schemas.microsoft.com/office/drawing/2014/main" id="{E0E7CDF9-1F8B-49D1-ADFA-FA564ADFFE48}"/>
               </a:ext>
             </a:extLst>
           </p:cNvPr>
@@ -38873,7 +38843,7 @@
           <p:cNvPr id="148" name="Freeform 44">
             <a:extLst>
               <a:ext uri="{FF2B5EF4-FFF2-40B4-BE49-F238E27FC236}">
-                <a16:creationId xmlns:a16="http://schemas.microsoft.com/office/drawing/2014/main" xmlns="" id="{45C0F1DD-9C39-465A-BB54-E6052C1A110C}"/>
+                <a16:creationId xmlns="" xmlns:a16="http://schemas.microsoft.com/office/drawing/2014/main" id="{45C0F1DD-9C39-465A-BB54-E6052C1A110C}"/>
               </a:ext>
             </a:extLst>
           </p:cNvPr>
@@ -39010,7 +38980,7 @@
           <p:cNvPr id="149" name="Freeform 45">
             <a:extLst>
               <a:ext uri="{FF2B5EF4-FFF2-40B4-BE49-F238E27FC236}">
-                <a16:creationId xmlns:a16="http://schemas.microsoft.com/office/drawing/2014/main" xmlns="" id="{4A50BD20-573B-410B-8357-65D005D3DBEE}"/>
+                <a16:creationId xmlns="" xmlns:a16="http://schemas.microsoft.com/office/drawing/2014/main" id="{4A50BD20-573B-410B-8357-65D005D3DBEE}"/>
               </a:ext>
             </a:extLst>
           </p:cNvPr>
@@ -39147,7 +39117,7 @@
           <p:cNvPr id="150" name="Freeform 46">
             <a:extLst>
               <a:ext uri="{FF2B5EF4-FFF2-40B4-BE49-F238E27FC236}">
-                <a16:creationId xmlns:a16="http://schemas.microsoft.com/office/drawing/2014/main" xmlns="" id="{65D3A984-8EE1-4438-AF9D-B66C96F4F703}"/>
+                <a16:creationId xmlns="" xmlns:a16="http://schemas.microsoft.com/office/drawing/2014/main" id="{65D3A984-8EE1-4438-AF9D-B66C96F4F703}"/>
               </a:ext>
             </a:extLst>
           </p:cNvPr>
@@ -39284,7 +39254,7 @@
           <p:cNvPr id="151" name="Freeform 53">
             <a:extLst>
               <a:ext uri="{FF2B5EF4-FFF2-40B4-BE49-F238E27FC236}">
-                <a16:creationId xmlns:a16="http://schemas.microsoft.com/office/drawing/2014/main" xmlns="" id="{5A3A56FE-4BC2-41AC-A0FD-A2F259552F4E}"/>
+                <a16:creationId xmlns="" xmlns:a16="http://schemas.microsoft.com/office/drawing/2014/main" id="{5A3A56FE-4BC2-41AC-A0FD-A2F259552F4E}"/>
               </a:ext>
             </a:extLst>
           </p:cNvPr>
@@ -39421,7 +39391,7 @@
           <p:cNvPr id="152" name="Freeform 55">
             <a:extLst>
               <a:ext uri="{FF2B5EF4-FFF2-40B4-BE49-F238E27FC236}">
-                <a16:creationId xmlns:a16="http://schemas.microsoft.com/office/drawing/2014/main" xmlns="" id="{67AC6AED-EB0C-4609-A6C1-8FCC3D7B248B}"/>
+                <a16:creationId xmlns="" xmlns:a16="http://schemas.microsoft.com/office/drawing/2014/main" id="{67AC6AED-EB0C-4609-A6C1-8FCC3D7B248B}"/>
               </a:ext>
             </a:extLst>
           </p:cNvPr>
@@ -39558,7 +39528,7 @@
           <p:cNvPr id="153" name="Freeform 56">
             <a:extLst>
               <a:ext uri="{FF2B5EF4-FFF2-40B4-BE49-F238E27FC236}">
-                <a16:creationId xmlns:a16="http://schemas.microsoft.com/office/drawing/2014/main" xmlns="" id="{2D857DFD-F4AB-4AD2-8275-67D8836B4C30}"/>
+                <a16:creationId xmlns="" xmlns:a16="http://schemas.microsoft.com/office/drawing/2014/main" id="{2D857DFD-F4AB-4AD2-8275-67D8836B4C30}"/>
               </a:ext>
             </a:extLst>
           </p:cNvPr>
@@ -39695,7 +39665,7 @@
           <p:cNvPr id="154" name="Freeform 57">
             <a:extLst>
               <a:ext uri="{FF2B5EF4-FFF2-40B4-BE49-F238E27FC236}">
-                <a16:creationId xmlns:a16="http://schemas.microsoft.com/office/drawing/2014/main" xmlns="" id="{A6636674-F3B2-426E-A1E3-D80D15699987}"/>
+                <a16:creationId xmlns="" xmlns:a16="http://schemas.microsoft.com/office/drawing/2014/main" id="{A6636674-F3B2-426E-A1E3-D80D15699987}"/>
               </a:ext>
             </a:extLst>
           </p:cNvPr>
@@ -39832,7 +39802,7 @@
           <p:cNvPr id="155" name="Freeform 58">
             <a:extLst>
               <a:ext uri="{FF2B5EF4-FFF2-40B4-BE49-F238E27FC236}">
-                <a16:creationId xmlns:a16="http://schemas.microsoft.com/office/drawing/2014/main" xmlns="" id="{49A41194-1FE9-45DC-B0DA-399E22DE4293}"/>
+                <a16:creationId xmlns="" xmlns:a16="http://schemas.microsoft.com/office/drawing/2014/main" id="{49A41194-1FE9-45DC-B0DA-399E22DE4293}"/>
               </a:ext>
             </a:extLst>
           </p:cNvPr>
@@ -39969,7 +39939,7 @@
           <p:cNvPr id="156" name="Freeform 59">
             <a:extLst>
               <a:ext uri="{FF2B5EF4-FFF2-40B4-BE49-F238E27FC236}">
-                <a16:creationId xmlns:a16="http://schemas.microsoft.com/office/drawing/2014/main" xmlns="" id="{C06C16B3-17E2-4057-8D87-5CF519CB5122}"/>
+                <a16:creationId xmlns="" xmlns:a16="http://schemas.microsoft.com/office/drawing/2014/main" id="{C06C16B3-17E2-4057-8D87-5CF519CB5122}"/>
               </a:ext>
             </a:extLst>
           </p:cNvPr>
@@ -40106,7 +40076,7 @@
           <p:cNvPr id="157" name="Freeform 60">
             <a:extLst>
               <a:ext uri="{FF2B5EF4-FFF2-40B4-BE49-F238E27FC236}">
-                <a16:creationId xmlns:a16="http://schemas.microsoft.com/office/drawing/2014/main" xmlns="" id="{1D3473A9-F3D0-49E6-B7FF-EEDDE13FBDD0}"/>
+                <a16:creationId xmlns="" xmlns:a16="http://schemas.microsoft.com/office/drawing/2014/main" id="{1D3473A9-F3D0-49E6-B7FF-EEDDE13FBDD0}"/>
               </a:ext>
             </a:extLst>
           </p:cNvPr>
@@ -40243,7 +40213,7 @@
           <p:cNvPr id="158" name="Freeform 61">
             <a:extLst>
               <a:ext uri="{FF2B5EF4-FFF2-40B4-BE49-F238E27FC236}">
-                <a16:creationId xmlns:a16="http://schemas.microsoft.com/office/drawing/2014/main" xmlns="" id="{63830DAC-D550-4275-9D6D-8FEA2634CEBA}"/>
+                <a16:creationId xmlns="" xmlns:a16="http://schemas.microsoft.com/office/drawing/2014/main" id="{63830DAC-D550-4275-9D6D-8FEA2634CEBA}"/>
               </a:ext>
             </a:extLst>
           </p:cNvPr>
@@ -40380,7 +40350,7 @@
           <p:cNvPr id="159" name="Freeform 62">
             <a:extLst>
               <a:ext uri="{FF2B5EF4-FFF2-40B4-BE49-F238E27FC236}">
-                <a16:creationId xmlns:a16="http://schemas.microsoft.com/office/drawing/2014/main" xmlns="" id="{36A72667-0639-441E-A422-06150D0A2534}"/>
+                <a16:creationId xmlns="" xmlns:a16="http://schemas.microsoft.com/office/drawing/2014/main" id="{36A72667-0639-441E-A422-06150D0A2534}"/>
               </a:ext>
             </a:extLst>
           </p:cNvPr>
@@ -40517,7 +40487,7 @@
           <p:cNvPr id="160" name="Freeform 63">
             <a:extLst>
               <a:ext uri="{FF2B5EF4-FFF2-40B4-BE49-F238E27FC236}">
-                <a16:creationId xmlns:a16="http://schemas.microsoft.com/office/drawing/2014/main" xmlns="" id="{E4DDDE35-8C14-457E-A7DD-FBDAD3E29309}"/>
+                <a16:creationId xmlns="" xmlns:a16="http://schemas.microsoft.com/office/drawing/2014/main" id="{E4DDDE35-8C14-457E-A7DD-FBDAD3E29309}"/>
               </a:ext>
             </a:extLst>
           </p:cNvPr>
@@ -40654,7 +40624,7 @@
           <p:cNvPr id="161" name="Freeform 65">
             <a:extLst>
               <a:ext uri="{FF2B5EF4-FFF2-40B4-BE49-F238E27FC236}">
-                <a16:creationId xmlns:a16="http://schemas.microsoft.com/office/drawing/2014/main" xmlns="" id="{7F5B33DA-9D25-4096-8187-15007CB9BB0A}"/>
+                <a16:creationId xmlns="" xmlns:a16="http://schemas.microsoft.com/office/drawing/2014/main" id="{7F5B33DA-9D25-4096-8187-15007CB9BB0A}"/>
               </a:ext>
             </a:extLst>
           </p:cNvPr>
@@ -40791,7 +40761,7 @@
           <p:cNvPr id="162" name="Freeform 66">
             <a:extLst>
               <a:ext uri="{FF2B5EF4-FFF2-40B4-BE49-F238E27FC236}">
-                <a16:creationId xmlns:a16="http://schemas.microsoft.com/office/drawing/2014/main" xmlns="" id="{E921DC22-D0C7-474C-94BB-38F58FB9A13B}"/>
+                <a16:creationId xmlns="" xmlns:a16="http://schemas.microsoft.com/office/drawing/2014/main" id="{E921DC22-D0C7-474C-94BB-38F58FB9A13B}"/>
               </a:ext>
             </a:extLst>
           </p:cNvPr>
@@ -40928,7 +40898,7 @@
           <p:cNvPr id="163" name="Freeform 67">
             <a:extLst>
               <a:ext uri="{FF2B5EF4-FFF2-40B4-BE49-F238E27FC236}">
-                <a16:creationId xmlns:a16="http://schemas.microsoft.com/office/drawing/2014/main" xmlns="" id="{6E96CACF-3B58-4840-BD40-65634E1CB798}"/>
+                <a16:creationId xmlns="" xmlns:a16="http://schemas.microsoft.com/office/drawing/2014/main" id="{6E96CACF-3B58-4840-BD40-65634E1CB798}"/>
               </a:ext>
             </a:extLst>
           </p:cNvPr>
@@ -41065,7 +41035,7 @@
           <p:cNvPr id="164" name="Freeform 68">
             <a:extLst>
               <a:ext uri="{FF2B5EF4-FFF2-40B4-BE49-F238E27FC236}">
-                <a16:creationId xmlns:a16="http://schemas.microsoft.com/office/drawing/2014/main" xmlns="" id="{B054C700-A512-476A-84F3-63259A7508BF}"/>
+                <a16:creationId xmlns="" xmlns:a16="http://schemas.microsoft.com/office/drawing/2014/main" id="{B054C700-A512-476A-84F3-63259A7508BF}"/>
               </a:ext>
             </a:extLst>
           </p:cNvPr>
@@ -41202,7 +41172,7 @@
           <p:cNvPr id="165" name="Freeform 69">
             <a:extLst>
               <a:ext uri="{FF2B5EF4-FFF2-40B4-BE49-F238E27FC236}">
-                <a16:creationId xmlns:a16="http://schemas.microsoft.com/office/drawing/2014/main" xmlns="" id="{D8CA26FD-0C58-4D3E-ACE9-DDE79516A0E5}"/>
+                <a16:creationId xmlns="" xmlns:a16="http://schemas.microsoft.com/office/drawing/2014/main" id="{D8CA26FD-0C58-4D3E-ACE9-DDE79516A0E5}"/>
               </a:ext>
             </a:extLst>
           </p:cNvPr>
@@ -41339,7 +41309,7 @@
           <p:cNvPr id="166" name="Freeform 70">
             <a:extLst>
               <a:ext uri="{FF2B5EF4-FFF2-40B4-BE49-F238E27FC236}">
-                <a16:creationId xmlns:a16="http://schemas.microsoft.com/office/drawing/2014/main" xmlns="" id="{4F96F0BA-B086-4815-AB44-DFA0EA6BC0CC}"/>
+                <a16:creationId xmlns="" xmlns:a16="http://schemas.microsoft.com/office/drawing/2014/main" id="{4F96F0BA-B086-4815-AB44-DFA0EA6BC0CC}"/>
               </a:ext>
             </a:extLst>
           </p:cNvPr>
@@ -41476,7 +41446,7 @@
           <p:cNvPr id="167" name="Freeform 71">
             <a:extLst>
               <a:ext uri="{FF2B5EF4-FFF2-40B4-BE49-F238E27FC236}">
-                <a16:creationId xmlns:a16="http://schemas.microsoft.com/office/drawing/2014/main" xmlns="" id="{9DD91747-856A-46EF-A35E-4D68DD62FB7E}"/>
+                <a16:creationId xmlns="" xmlns:a16="http://schemas.microsoft.com/office/drawing/2014/main" id="{9DD91747-856A-46EF-A35E-4D68DD62FB7E}"/>
               </a:ext>
             </a:extLst>
           </p:cNvPr>
@@ -41613,7 +41583,7 @@
           <p:cNvPr id="168" name="Freeform 72">
             <a:extLst>
               <a:ext uri="{FF2B5EF4-FFF2-40B4-BE49-F238E27FC236}">
-                <a16:creationId xmlns:a16="http://schemas.microsoft.com/office/drawing/2014/main" xmlns="" id="{57A3AB4C-E15F-4ACE-B554-4A35F5FFE8D8}"/>
+                <a16:creationId xmlns="" xmlns:a16="http://schemas.microsoft.com/office/drawing/2014/main" id="{57A3AB4C-E15F-4ACE-B554-4A35F5FFE8D8}"/>
               </a:ext>
             </a:extLst>
           </p:cNvPr>
@@ -41750,7 +41720,7 @@
           <p:cNvPr id="169" name="Freeform 79">
             <a:extLst>
               <a:ext uri="{FF2B5EF4-FFF2-40B4-BE49-F238E27FC236}">
-                <a16:creationId xmlns:a16="http://schemas.microsoft.com/office/drawing/2014/main" xmlns="" id="{1C55B425-986C-4626-BE12-F131694209CD}"/>
+                <a16:creationId xmlns="" xmlns:a16="http://schemas.microsoft.com/office/drawing/2014/main" id="{1C55B425-986C-4626-BE12-F131694209CD}"/>
               </a:ext>
             </a:extLst>
           </p:cNvPr>
@@ -41887,7 +41857,7 @@
           <p:cNvPr id="170" name="Freeform 80">
             <a:extLst>
               <a:ext uri="{FF2B5EF4-FFF2-40B4-BE49-F238E27FC236}">
-                <a16:creationId xmlns:a16="http://schemas.microsoft.com/office/drawing/2014/main" xmlns="" id="{CD1E9D64-2185-4B4D-9F34-6AEF4620345B}"/>
+                <a16:creationId xmlns="" xmlns:a16="http://schemas.microsoft.com/office/drawing/2014/main" id="{CD1E9D64-2185-4B4D-9F34-6AEF4620345B}"/>
               </a:ext>
             </a:extLst>
           </p:cNvPr>
@@ -42024,7 +41994,7 @@
           <p:cNvPr id="171" name="Freeform 81">
             <a:extLst>
               <a:ext uri="{FF2B5EF4-FFF2-40B4-BE49-F238E27FC236}">
-                <a16:creationId xmlns:a16="http://schemas.microsoft.com/office/drawing/2014/main" xmlns="" id="{7C4E5F95-CDBA-4F46-A186-2DBAACF18A73}"/>
+                <a16:creationId xmlns="" xmlns:a16="http://schemas.microsoft.com/office/drawing/2014/main" id="{7C4E5F95-CDBA-4F46-A186-2DBAACF18A73}"/>
               </a:ext>
             </a:extLst>
           </p:cNvPr>
@@ -42161,7 +42131,7 @@
           <p:cNvPr id="172" name="Freeform 82">
             <a:extLst>
               <a:ext uri="{FF2B5EF4-FFF2-40B4-BE49-F238E27FC236}">
-                <a16:creationId xmlns:a16="http://schemas.microsoft.com/office/drawing/2014/main" xmlns="" id="{81C0B484-33A3-406B-B04E-CFC0254DBE8A}"/>
+                <a16:creationId xmlns="" xmlns:a16="http://schemas.microsoft.com/office/drawing/2014/main" id="{81C0B484-33A3-406B-B04E-CFC0254DBE8A}"/>
               </a:ext>
             </a:extLst>
           </p:cNvPr>
@@ -42298,7 +42268,7 @@
           <p:cNvPr id="179" name="Freeform 125">
             <a:extLst>
               <a:ext uri="{FF2B5EF4-FFF2-40B4-BE49-F238E27FC236}">
-                <a16:creationId xmlns:a16="http://schemas.microsoft.com/office/drawing/2014/main" xmlns="" id="{3AEC37DF-785A-4577-A4B2-BC98AEDE3463}"/>
+                <a16:creationId xmlns="" xmlns:a16="http://schemas.microsoft.com/office/drawing/2014/main" id="{3AEC37DF-785A-4577-A4B2-BC98AEDE3463}"/>
               </a:ext>
             </a:extLst>
           </p:cNvPr>
@@ -42401,7 +42371,7 @@
           <p:cNvPr id="180" name="Freeform 147">
             <a:extLst>
               <a:ext uri="{FF2B5EF4-FFF2-40B4-BE49-F238E27FC236}">
-                <a16:creationId xmlns:a16="http://schemas.microsoft.com/office/drawing/2014/main" xmlns="" id="{627F0F0D-8BD5-4CC8-93BC-E5E58C47EED9}"/>
+                <a16:creationId xmlns="" xmlns:a16="http://schemas.microsoft.com/office/drawing/2014/main" id="{627F0F0D-8BD5-4CC8-93BC-E5E58C47EED9}"/>
               </a:ext>
             </a:extLst>
           </p:cNvPr>
@@ -42503,7 +42473,7 @@
           <p:cNvPr id="181" name="Rectangle 165">
             <a:extLst>
               <a:ext uri="{FF2B5EF4-FFF2-40B4-BE49-F238E27FC236}">
-                <a16:creationId xmlns:a16="http://schemas.microsoft.com/office/drawing/2014/main" xmlns="" id="{A303FEC3-074A-4ACD-803B-553A8FD65C27}"/>
+                <a16:creationId xmlns="" xmlns:a16="http://schemas.microsoft.com/office/drawing/2014/main" id="{A303FEC3-074A-4ACD-803B-553A8FD65C27}"/>
               </a:ext>
             </a:extLst>
           </p:cNvPr>
@@ -42598,7 +42568,7 @@
           <p:cNvPr id="183" name="Group 182">
             <a:extLst>
               <a:ext uri="{FF2B5EF4-FFF2-40B4-BE49-F238E27FC236}">
-                <a16:creationId xmlns:a16="http://schemas.microsoft.com/office/drawing/2014/main" xmlns="" id="{B56796B2-77C0-4F7D-9C92-0A9A7861C60D}"/>
+                <a16:creationId xmlns="" xmlns:a16="http://schemas.microsoft.com/office/drawing/2014/main" id="{B56796B2-77C0-4F7D-9C92-0A9A7861C60D}"/>
               </a:ext>
             </a:extLst>
           </p:cNvPr>
@@ -42607,10 +42577,10 @@
         </p:nvGrpSpPr>
         <p:grpSpPr>
           <a:xfrm>
-            <a:off x="472132" y="4548582"/>
-            <a:ext cx="1973442" cy="1015922"/>
-            <a:chOff x="-67095" y="2617159"/>
-            <a:chExt cx="3234060" cy="1106914"/>
+            <a:off x="292429" y="4179249"/>
+            <a:ext cx="2153145" cy="1631476"/>
+            <a:chOff x="-67095" y="2214747"/>
+            <a:chExt cx="3234060" cy="1777601"/>
           </a:xfrm>
         </p:grpSpPr>
         <p:sp>
@@ -42618,7 +42588,7 @@
             <p:cNvPr id="184" name="TextBox 183">
               <a:extLst>
                 <a:ext uri="{FF2B5EF4-FFF2-40B4-BE49-F238E27FC236}">
-                  <a16:creationId xmlns:a16="http://schemas.microsoft.com/office/drawing/2014/main" xmlns="" id="{39A702E4-97AF-4ECE-B64E-1E10976DE8F8}"/>
+                  <a16:creationId xmlns="" xmlns:a16="http://schemas.microsoft.com/office/drawing/2014/main" id="{39A702E4-97AF-4ECE-B64E-1E10976DE8F8}"/>
                 </a:ext>
               </a:extLst>
             </p:cNvPr>
@@ -42627,8 +42597,8 @@
           </p:nvSpPr>
           <p:spPr>
             <a:xfrm>
-              <a:off x="-67095" y="2617159"/>
-              <a:ext cx="3205290" cy="503014"/>
+              <a:off x="-67095" y="2214747"/>
+              <a:ext cx="3205289" cy="905426"/>
             </a:xfrm>
             <a:prstGeom prst="rect">
               <a:avLst/>
@@ -42647,7 +42617,7 @@
                     <a:srgbClr val="EE7D31"/>
                   </a:solidFill>
                 </a:rPr>
-                <a:t>Raspberry Pi</a:t>
+                <a:t>Weather station</a:t>
               </a:r>
               <a:endParaRPr lang="en-US" sz="2400" b="1" dirty="0">
                 <a:solidFill>
@@ -42662,7 +42632,7 @@
             <p:cNvPr id="185" name="TextBox 184">
               <a:extLst>
                 <a:ext uri="{FF2B5EF4-FFF2-40B4-BE49-F238E27FC236}">
-                  <a16:creationId xmlns:a16="http://schemas.microsoft.com/office/drawing/2014/main" xmlns="" id="{F1436519-EE99-49AA-9481-02D3C72FC899}"/>
+                  <a16:creationId xmlns="" xmlns:a16="http://schemas.microsoft.com/office/drawing/2014/main" id="{F1436519-EE99-49AA-9481-02D3C72FC899}"/>
                 </a:ext>
               </a:extLst>
             </p:cNvPr>
@@ -42672,7 +42642,7 @@
           <p:spPr>
             <a:xfrm>
               <a:off x="-42002" y="3086922"/>
-              <a:ext cx="3208967" cy="637151"/>
+              <a:ext cx="3208967" cy="905426"/>
             </a:xfrm>
             <a:prstGeom prst="rect">
               <a:avLst/>
@@ -42692,11 +42662,38 @@
                     <a:schemeClr val="bg1"/>
                   </a:solidFill>
                 </a:rPr>
-                <a:t>Code written in C/C++</a:t>
+                <a:t>Small and portable;</a:t>
               </a:r>
             </a:p>
             <a:p>
               <a:pPr algn="just"/>
+              <a:r>
+                <a:rPr lang="en-US" sz="1600" dirty="0" smtClean="0">
+                  <a:solidFill>
+                    <a:schemeClr val="bg1"/>
+                  </a:solidFill>
+                </a:rPr>
+                <a:t>Cheap;</a:t>
+              </a:r>
+            </a:p>
+            <a:p>
+              <a:pPr algn="just"/>
+              <a:r>
+                <a:rPr lang="en-US" sz="1600" dirty="0" smtClean="0">
+                  <a:solidFill>
+                    <a:schemeClr val="bg1"/>
+                  </a:solidFill>
+                </a:rPr>
+                <a:t>Eas</a:t>
+              </a:r>
+              <a:r>
+                <a:rPr lang="en-US" sz="1600" dirty="0" smtClean="0">
+                  <a:solidFill>
+                    <a:schemeClr val="bg1"/>
+                  </a:solidFill>
+                </a:rPr>
+                <a:t>y to create at home</a:t>
+              </a:r>
               <a:endParaRPr lang="en-US" sz="1600" dirty="0">
                 <a:solidFill>
                   <a:schemeClr val="bg1"/>
@@ -42711,7 +42708,7 @@
           <p:cNvPr id="186" name="TextBox 185">
             <a:extLst>
               <a:ext uri="{FF2B5EF4-FFF2-40B4-BE49-F238E27FC236}">
-                <a16:creationId xmlns:a16="http://schemas.microsoft.com/office/drawing/2014/main" xmlns="" id="{F1436519-EE99-49AA-9481-02D3C72FC899}"/>
+                <a16:creationId xmlns="" xmlns:a16="http://schemas.microsoft.com/office/drawing/2014/main" id="{F1436519-EE99-49AA-9481-02D3C72FC899}"/>
               </a:ext>
             </a:extLst>
           </p:cNvPr>
@@ -42720,8 +42717,8 @@
         </p:nvSpPr>
         <p:spPr>
           <a:xfrm>
-            <a:off x="6471577" y="4997699"/>
-            <a:ext cx="1540136" cy="746359"/>
+            <a:off x="6571323" y="5020136"/>
+            <a:ext cx="1540136" cy="1485022"/>
           </a:xfrm>
           <a:prstGeom prst="rect">
             <a:avLst/>
@@ -42736,45 +42733,32 @@
           <a:p>
             <a:pPr algn="just"/>
             <a:r>
-              <a:rPr lang="en-US" sz="1600" dirty="0">
+              <a:rPr lang="en-US" sz="1600" dirty="0" smtClean="0">
                 <a:solidFill>
                   <a:schemeClr val="bg1"/>
                 </a:solidFill>
               </a:rPr>
-              <a:t>Digital </a:t>
+              <a:t>JavaScript based web app;</a:t>
             </a:r>
+          </a:p>
+          <a:p>
+            <a:pPr algn="just"/>
             <a:r>
-              <a:rPr lang="en-US" sz="1600" dirty="0">
+              <a:rPr lang="en-US" sz="1600" dirty="0" smtClean="0">
                 <a:solidFill>
                   <a:schemeClr val="bg1"/>
                 </a:solidFill>
               </a:rPr>
-              <a:t>sensor</a:t>
+              <a:t>Current and historic data.</a:t>
             </a:r>
-            <a:r>
-              <a:rPr lang="en-US" sz="1600" dirty="0">
-                <a:solidFill>
-                  <a:schemeClr val="bg1"/>
-                </a:solidFill>
-              </a:rPr>
-              <a:t>, I</a:t>
-            </a:r>
-            <a:r>
-              <a:rPr lang="en-US" sz="1600" baseline="30000" dirty="0">
-                <a:solidFill>
-                  <a:schemeClr val="bg1"/>
-                </a:solidFill>
-              </a:rPr>
-              <a:t>2</a:t>
-            </a:r>
-            <a:r>
-              <a:rPr lang="en-US" sz="1600" dirty="0">
-                <a:solidFill>
-                  <a:schemeClr val="bg1"/>
-                </a:solidFill>
-              </a:rPr>
-              <a:t>C protocol</a:t>
-            </a:r>
+            <a:endParaRPr lang="en-US" sz="1600" dirty="0" smtClean="0">
+              <a:solidFill>
+                <a:schemeClr val="bg1"/>
+              </a:solidFill>
+            </a:endParaRPr>
+          </a:p>
+          <a:p>
+            <a:pPr algn="just"/>
             <a:endParaRPr lang="en-US" sz="1600" dirty="0">
               <a:solidFill>
                 <a:schemeClr val="bg1"/>

--- a/presentation.pptx
+++ b/presentation.pptx
@@ -3445,7 +3445,7 @@
           <p:cNvPr id="33" name="Title 1">
             <a:extLst>
               <a:ext uri="{FF2B5EF4-FFF2-40B4-BE49-F238E27FC236}">
-                <a16:creationId xmlns="" xmlns:a16="http://schemas.microsoft.com/office/drawing/2014/main" id="{2C2BFAE1-45D3-4B3B-81D2-0BF25FA84FB8}"/>
+                <a16:creationId xmlns:a16="http://schemas.microsoft.com/office/drawing/2014/main" xmlns="" id="{2C2BFAE1-45D3-4B3B-81D2-0BF25FA84FB8}"/>
               </a:ext>
             </a:extLst>
           </p:cNvPr>
@@ -3551,8 +3551,27 @@
                 <a:ea typeface="Helvetica" charset="0"/>
                 <a:cs typeface="Helvetica" charset="0"/>
               </a:rPr>
-              <a:t>station based on RPI</a:t>
+              <a:t>station based on </a:t>
             </a:r>
+            <a:r>
+              <a:rPr lang="en-US" sz="3200" b="1" smtClean="0">
+                <a:solidFill>
+                  <a:schemeClr val="bg1"/>
+                </a:solidFill>
+                <a:latin typeface="Helvetica" charset="0"/>
+                <a:ea typeface="Helvetica" charset="0"/>
+                <a:cs typeface="Helvetica" charset="0"/>
+              </a:rPr>
+              <a:t>RPi</a:t>
+            </a:r>
+            <a:endParaRPr lang="en-US" sz="3200" b="1" dirty="0">
+              <a:solidFill>
+                <a:schemeClr val="bg1"/>
+              </a:solidFill>
+              <a:latin typeface="Helvetica" charset="0"/>
+              <a:ea typeface="Helvetica" charset="0"/>
+              <a:cs typeface="Helvetica" charset="0"/>
+            </a:endParaRPr>
           </a:p>
         </p:txBody>
       </p:sp>
@@ -3561,7 +3580,7 @@
           <p:cNvPr id="47" name="Freeform 11">
             <a:extLst>
               <a:ext uri="{FF2B5EF4-FFF2-40B4-BE49-F238E27FC236}">
-                <a16:creationId xmlns="" xmlns:a16="http://schemas.microsoft.com/office/drawing/2014/main" id="{C0227C71-05B9-475A-96F1-6605D6A14007}"/>
+                <a16:creationId xmlns:a16="http://schemas.microsoft.com/office/drawing/2014/main" xmlns="" id="{C0227C71-05B9-475A-96F1-6605D6A14007}"/>
               </a:ext>
             </a:extLst>
           </p:cNvPr>
@@ -3698,7 +3717,7 @@
           <p:cNvPr id="48" name="Freeform 12">
             <a:extLst>
               <a:ext uri="{FF2B5EF4-FFF2-40B4-BE49-F238E27FC236}">
-                <a16:creationId xmlns="" xmlns:a16="http://schemas.microsoft.com/office/drawing/2014/main" id="{81E43D33-EBD3-402F-A3F1-041D6D7B8EAA}"/>
+                <a16:creationId xmlns:a16="http://schemas.microsoft.com/office/drawing/2014/main" xmlns="" id="{81E43D33-EBD3-402F-A3F1-041D6D7B8EAA}"/>
               </a:ext>
             </a:extLst>
           </p:cNvPr>
@@ -3835,7 +3854,7 @@
           <p:cNvPr id="49" name="Freeform 13">
             <a:extLst>
               <a:ext uri="{FF2B5EF4-FFF2-40B4-BE49-F238E27FC236}">
-                <a16:creationId xmlns="" xmlns:a16="http://schemas.microsoft.com/office/drawing/2014/main" id="{74E8FAD9-03D9-497D-B9FA-78A21CEE837E}"/>
+                <a16:creationId xmlns:a16="http://schemas.microsoft.com/office/drawing/2014/main" xmlns="" id="{74E8FAD9-03D9-497D-B9FA-78A21CEE837E}"/>
               </a:ext>
             </a:extLst>
           </p:cNvPr>
@@ -3972,7 +3991,7 @@
           <p:cNvPr id="50" name="Freeform 14">
             <a:extLst>
               <a:ext uri="{FF2B5EF4-FFF2-40B4-BE49-F238E27FC236}">
-                <a16:creationId xmlns="" xmlns:a16="http://schemas.microsoft.com/office/drawing/2014/main" id="{F7BCB902-FE28-44BB-B683-C624DF775F88}"/>
+                <a16:creationId xmlns:a16="http://schemas.microsoft.com/office/drawing/2014/main" xmlns="" id="{F7BCB902-FE28-44BB-B683-C624DF775F88}"/>
               </a:ext>
             </a:extLst>
           </p:cNvPr>
@@ -4109,7 +4128,7 @@
           <p:cNvPr id="51" name="Freeform 15">
             <a:extLst>
               <a:ext uri="{FF2B5EF4-FFF2-40B4-BE49-F238E27FC236}">
-                <a16:creationId xmlns="" xmlns:a16="http://schemas.microsoft.com/office/drawing/2014/main" id="{41C9649D-A0FA-4190-A8BF-AE344D4E7F81}"/>
+                <a16:creationId xmlns:a16="http://schemas.microsoft.com/office/drawing/2014/main" xmlns="" id="{41C9649D-A0FA-4190-A8BF-AE344D4E7F81}"/>
               </a:ext>
             </a:extLst>
           </p:cNvPr>
@@ -4246,7 +4265,7 @@
           <p:cNvPr id="52" name="Freeform 16">
             <a:extLst>
               <a:ext uri="{FF2B5EF4-FFF2-40B4-BE49-F238E27FC236}">
-                <a16:creationId xmlns="" xmlns:a16="http://schemas.microsoft.com/office/drawing/2014/main" id="{0B28BCF8-2DC0-4E2C-8F16-FF0022F644BB}"/>
+                <a16:creationId xmlns:a16="http://schemas.microsoft.com/office/drawing/2014/main" xmlns="" id="{0B28BCF8-2DC0-4E2C-8F16-FF0022F644BB}"/>
               </a:ext>
             </a:extLst>
           </p:cNvPr>
@@ -4383,7 +4402,7 @@
           <p:cNvPr id="53" name="Freeform 17">
             <a:extLst>
               <a:ext uri="{FF2B5EF4-FFF2-40B4-BE49-F238E27FC236}">
-                <a16:creationId xmlns="" xmlns:a16="http://schemas.microsoft.com/office/drawing/2014/main" id="{084FFFA1-80EA-4284-BE1D-6FFBDE80BD93}"/>
+                <a16:creationId xmlns:a16="http://schemas.microsoft.com/office/drawing/2014/main" xmlns="" id="{084FFFA1-80EA-4284-BE1D-6FFBDE80BD93}"/>
               </a:ext>
             </a:extLst>
           </p:cNvPr>
@@ -4520,7 +4539,7 @@
           <p:cNvPr id="54" name="Freeform 18">
             <a:extLst>
               <a:ext uri="{FF2B5EF4-FFF2-40B4-BE49-F238E27FC236}">
-                <a16:creationId xmlns="" xmlns:a16="http://schemas.microsoft.com/office/drawing/2014/main" id="{1E71F11F-B81F-4132-B1F5-51AEB9736360}"/>
+                <a16:creationId xmlns:a16="http://schemas.microsoft.com/office/drawing/2014/main" xmlns="" id="{1E71F11F-B81F-4132-B1F5-51AEB9736360}"/>
               </a:ext>
             </a:extLst>
           </p:cNvPr>
@@ -4657,7 +4676,7 @@
           <p:cNvPr id="55" name="Freeform 19">
             <a:extLst>
               <a:ext uri="{FF2B5EF4-FFF2-40B4-BE49-F238E27FC236}">
-                <a16:creationId xmlns="" xmlns:a16="http://schemas.microsoft.com/office/drawing/2014/main" id="{1A7D7D8F-5B94-4084-B9DF-020AAA064CE7}"/>
+                <a16:creationId xmlns:a16="http://schemas.microsoft.com/office/drawing/2014/main" xmlns="" id="{1A7D7D8F-5B94-4084-B9DF-020AAA064CE7}"/>
               </a:ext>
             </a:extLst>
           </p:cNvPr>
@@ -4794,7 +4813,7 @@
           <p:cNvPr id="56" name="Freeform 20">
             <a:extLst>
               <a:ext uri="{FF2B5EF4-FFF2-40B4-BE49-F238E27FC236}">
-                <a16:creationId xmlns="" xmlns:a16="http://schemas.microsoft.com/office/drawing/2014/main" id="{3752C920-4F9D-43F8-A592-D6E13F6E16BF}"/>
+                <a16:creationId xmlns:a16="http://schemas.microsoft.com/office/drawing/2014/main" xmlns="" id="{3752C920-4F9D-43F8-A592-D6E13F6E16BF}"/>
               </a:ext>
             </a:extLst>
           </p:cNvPr>
@@ -4931,7 +4950,7 @@
           <p:cNvPr id="57" name="Freeform 21">
             <a:extLst>
               <a:ext uri="{FF2B5EF4-FFF2-40B4-BE49-F238E27FC236}">
-                <a16:creationId xmlns="" xmlns:a16="http://schemas.microsoft.com/office/drawing/2014/main" id="{9B71C156-14DB-4751-8C9D-14730140FBB3}"/>
+                <a16:creationId xmlns:a16="http://schemas.microsoft.com/office/drawing/2014/main" xmlns="" id="{9B71C156-14DB-4751-8C9D-14730140FBB3}"/>
               </a:ext>
             </a:extLst>
           </p:cNvPr>
@@ -5068,7 +5087,7 @@
           <p:cNvPr id="58" name="Freeform 22">
             <a:extLst>
               <a:ext uri="{FF2B5EF4-FFF2-40B4-BE49-F238E27FC236}">
-                <a16:creationId xmlns="" xmlns:a16="http://schemas.microsoft.com/office/drawing/2014/main" id="{212E092B-2FBE-4338-ABB1-A4983331038D}"/>
+                <a16:creationId xmlns:a16="http://schemas.microsoft.com/office/drawing/2014/main" xmlns="" id="{212E092B-2FBE-4338-ABB1-A4983331038D}"/>
               </a:ext>
             </a:extLst>
           </p:cNvPr>
@@ -5205,7 +5224,7 @@
           <p:cNvPr id="59" name="Freeform 23">
             <a:extLst>
               <a:ext uri="{FF2B5EF4-FFF2-40B4-BE49-F238E27FC236}">
-                <a16:creationId xmlns="" xmlns:a16="http://schemas.microsoft.com/office/drawing/2014/main" id="{71BD2BEA-802C-42B3-A548-56E523A5465E}"/>
+                <a16:creationId xmlns:a16="http://schemas.microsoft.com/office/drawing/2014/main" xmlns="" id="{71BD2BEA-802C-42B3-A548-56E523A5465E}"/>
               </a:ext>
             </a:extLst>
           </p:cNvPr>
@@ -5342,7 +5361,7 @@
           <p:cNvPr id="60" name="Freeform 24">
             <a:extLst>
               <a:ext uri="{FF2B5EF4-FFF2-40B4-BE49-F238E27FC236}">
-                <a16:creationId xmlns="" xmlns:a16="http://schemas.microsoft.com/office/drawing/2014/main" id="{03C92676-DD61-4076-92E0-EE362E022105}"/>
+                <a16:creationId xmlns:a16="http://schemas.microsoft.com/office/drawing/2014/main" xmlns="" id="{03C92676-DD61-4076-92E0-EE362E022105}"/>
               </a:ext>
             </a:extLst>
           </p:cNvPr>
@@ -5479,7 +5498,7 @@
           <p:cNvPr id="61" name="Freeform 25">
             <a:extLst>
               <a:ext uri="{FF2B5EF4-FFF2-40B4-BE49-F238E27FC236}">
-                <a16:creationId xmlns="" xmlns:a16="http://schemas.microsoft.com/office/drawing/2014/main" id="{EED40B0E-2A7B-415A-B5B7-BEACDBA411A1}"/>
+                <a16:creationId xmlns:a16="http://schemas.microsoft.com/office/drawing/2014/main" xmlns="" id="{EED40B0E-2A7B-415A-B5B7-BEACDBA411A1}"/>
               </a:ext>
             </a:extLst>
           </p:cNvPr>
@@ -5616,7 +5635,7 @@
           <p:cNvPr id="62" name="Freeform 26">
             <a:extLst>
               <a:ext uri="{FF2B5EF4-FFF2-40B4-BE49-F238E27FC236}">
-                <a16:creationId xmlns="" xmlns:a16="http://schemas.microsoft.com/office/drawing/2014/main" id="{BC57EADE-16B2-4428-A432-2FEBB7152C91}"/>
+                <a16:creationId xmlns:a16="http://schemas.microsoft.com/office/drawing/2014/main" xmlns="" id="{BC57EADE-16B2-4428-A432-2FEBB7152C91}"/>
               </a:ext>
             </a:extLst>
           </p:cNvPr>
@@ -5753,7 +5772,7 @@
           <p:cNvPr id="63" name="Freeform 27">
             <a:extLst>
               <a:ext uri="{FF2B5EF4-FFF2-40B4-BE49-F238E27FC236}">
-                <a16:creationId xmlns="" xmlns:a16="http://schemas.microsoft.com/office/drawing/2014/main" id="{B1D015B4-11AB-4CE7-A315-873FE2246436}"/>
+                <a16:creationId xmlns:a16="http://schemas.microsoft.com/office/drawing/2014/main" xmlns="" id="{B1D015B4-11AB-4CE7-A315-873FE2246436}"/>
               </a:ext>
             </a:extLst>
           </p:cNvPr>
@@ -5890,7 +5909,7 @@
           <p:cNvPr id="64" name="Freeform 28">
             <a:extLst>
               <a:ext uri="{FF2B5EF4-FFF2-40B4-BE49-F238E27FC236}">
-                <a16:creationId xmlns="" xmlns:a16="http://schemas.microsoft.com/office/drawing/2014/main" id="{E3ADFBBB-8966-4606-9007-F461A30ECA02}"/>
+                <a16:creationId xmlns:a16="http://schemas.microsoft.com/office/drawing/2014/main" xmlns="" id="{E3ADFBBB-8966-4606-9007-F461A30ECA02}"/>
               </a:ext>
             </a:extLst>
           </p:cNvPr>
@@ -6027,7 +6046,7 @@
           <p:cNvPr id="65" name="Freeform 29">
             <a:extLst>
               <a:ext uri="{FF2B5EF4-FFF2-40B4-BE49-F238E27FC236}">
-                <a16:creationId xmlns="" xmlns:a16="http://schemas.microsoft.com/office/drawing/2014/main" id="{AFEB98C9-BF9E-4F95-974E-BAE1593DAD1E}"/>
+                <a16:creationId xmlns:a16="http://schemas.microsoft.com/office/drawing/2014/main" xmlns="" id="{AFEB98C9-BF9E-4F95-974E-BAE1593DAD1E}"/>
               </a:ext>
             </a:extLst>
           </p:cNvPr>
@@ -6164,7 +6183,7 @@
           <p:cNvPr id="66" name="Freeform 30">
             <a:extLst>
               <a:ext uri="{FF2B5EF4-FFF2-40B4-BE49-F238E27FC236}">
-                <a16:creationId xmlns="" xmlns:a16="http://schemas.microsoft.com/office/drawing/2014/main" id="{716928FB-569C-436B-8B47-68B7861CBD54}"/>
+                <a16:creationId xmlns:a16="http://schemas.microsoft.com/office/drawing/2014/main" xmlns="" id="{716928FB-569C-436B-8B47-68B7861CBD54}"/>
               </a:ext>
             </a:extLst>
           </p:cNvPr>
@@ -6301,7 +6320,7 @@
           <p:cNvPr id="67" name="Freeform 31">
             <a:extLst>
               <a:ext uri="{FF2B5EF4-FFF2-40B4-BE49-F238E27FC236}">
-                <a16:creationId xmlns="" xmlns:a16="http://schemas.microsoft.com/office/drawing/2014/main" id="{9EA700C0-132E-49CA-91E9-056EED54C4FA}"/>
+                <a16:creationId xmlns:a16="http://schemas.microsoft.com/office/drawing/2014/main" xmlns="" id="{9EA700C0-132E-49CA-91E9-056EED54C4FA}"/>
               </a:ext>
             </a:extLst>
           </p:cNvPr>
@@ -6438,7 +6457,7 @@
           <p:cNvPr id="68" name="Freeform 32">
             <a:extLst>
               <a:ext uri="{FF2B5EF4-FFF2-40B4-BE49-F238E27FC236}">
-                <a16:creationId xmlns="" xmlns:a16="http://schemas.microsoft.com/office/drawing/2014/main" id="{BC5AE22B-BFB1-4DE7-B583-D818545F8389}"/>
+                <a16:creationId xmlns:a16="http://schemas.microsoft.com/office/drawing/2014/main" xmlns="" id="{BC5AE22B-BFB1-4DE7-B583-D818545F8389}"/>
               </a:ext>
             </a:extLst>
           </p:cNvPr>
@@ -6575,7 +6594,7 @@
           <p:cNvPr id="69" name="Freeform 33">
             <a:extLst>
               <a:ext uri="{FF2B5EF4-FFF2-40B4-BE49-F238E27FC236}">
-                <a16:creationId xmlns="" xmlns:a16="http://schemas.microsoft.com/office/drawing/2014/main" id="{900F0987-AFC5-4B55-9E69-0A1DBA6F29FD}"/>
+                <a16:creationId xmlns:a16="http://schemas.microsoft.com/office/drawing/2014/main" xmlns="" id="{900F0987-AFC5-4B55-9E69-0A1DBA6F29FD}"/>
               </a:ext>
             </a:extLst>
           </p:cNvPr>
@@ -6712,7 +6731,7 @@
           <p:cNvPr id="70" name="Freeform 34">
             <a:extLst>
               <a:ext uri="{FF2B5EF4-FFF2-40B4-BE49-F238E27FC236}">
-                <a16:creationId xmlns="" xmlns:a16="http://schemas.microsoft.com/office/drawing/2014/main" id="{5A057BE1-07B8-42C5-8E85-E6750EC78B70}"/>
+                <a16:creationId xmlns:a16="http://schemas.microsoft.com/office/drawing/2014/main" xmlns="" id="{5A057BE1-07B8-42C5-8E85-E6750EC78B70}"/>
               </a:ext>
             </a:extLst>
           </p:cNvPr>
@@ -6849,7 +6868,7 @@
           <p:cNvPr id="71" name="Freeform 35">
             <a:extLst>
               <a:ext uri="{FF2B5EF4-FFF2-40B4-BE49-F238E27FC236}">
-                <a16:creationId xmlns="" xmlns:a16="http://schemas.microsoft.com/office/drawing/2014/main" id="{C83E70A8-89B9-4506-83D6-48C23B3695B6}"/>
+                <a16:creationId xmlns:a16="http://schemas.microsoft.com/office/drawing/2014/main" xmlns="" id="{C83E70A8-89B9-4506-83D6-48C23B3695B6}"/>
               </a:ext>
             </a:extLst>
           </p:cNvPr>
@@ -6986,7 +7005,7 @@
           <p:cNvPr id="72" name="Freeform 36">
             <a:extLst>
               <a:ext uri="{FF2B5EF4-FFF2-40B4-BE49-F238E27FC236}">
-                <a16:creationId xmlns="" xmlns:a16="http://schemas.microsoft.com/office/drawing/2014/main" id="{3600F91D-5BC5-4A10-A825-6EDDBE851604}"/>
+                <a16:creationId xmlns:a16="http://schemas.microsoft.com/office/drawing/2014/main" xmlns="" id="{3600F91D-5BC5-4A10-A825-6EDDBE851604}"/>
               </a:ext>
             </a:extLst>
           </p:cNvPr>
@@ -7123,7 +7142,7 @@
           <p:cNvPr id="73" name="Freeform 37">
             <a:extLst>
               <a:ext uri="{FF2B5EF4-FFF2-40B4-BE49-F238E27FC236}">
-                <a16:creationId xmlns="" xmlns:a16="http://schemas.microsoft.com/office/drawing/2014/main" id="{8203C899-0953-4B5B-922A-3387326CF767}"/>
+                <a16:creationId xmlns:a16="http://schemas.microsoft.com/office/drawing/2014/main" xmlns="" id="{8203C899-0953-4B5B-922A-3387326CF767}"/>
               </a:ext>
             </a:extLst>
           </p:cNvPr>
@@ -7260,7 +7279,7 @@
           <p:cNvPr id="74" name="Freeform 38">
             <a:extLst>
               <a:ext uri="{FF2B5EF4-FFF2-40B4-BE49-F238E27FC236}">
-                <a16:creationId xmlns="" xmlns:a16="http://schemas.microsoft.com/office/drawing/2014/main" id="{2A0742EF-1387-4313-8C93-6D6113E8E649}"/>
+                <a16:creationId xmlns:a16="http://schemas.microsoft.com/office/drawing/2014/main" xmlns="" id="{2A0742EF-1387-4313-8C93-6D6113E8E649}"/>
               </a:ext>
             </a:extLst>
           </p:cNvPr>
@@ -7397,7 +7416,7 @@
           <p:cNvPr id="75" name="Freeform 39">
             <a:extLst>
               <a:ext uri="{FF2B5EF4-FFF2-40B4-BE49-F238E27FC236}">
-                <a16:creationId xmlns="" xmlns:a16="http://schemas.microsoft.com/office/drawing/2014/main" id="{955567DF-858C-4A2F-B0FF-78E879F68463}"/>
+                <a16:creationId xmlns:a16="http://schemas.microsoft.com/office/drawing/2014/main" xmlns="" id="{955567DF-858C-4A2F-B0FF-78E879F68463}"/>
               </a:ext>
             </a:extLst>
           </p:cNvPr>
@@ -7534,7 +7553,7 @@
           <p:cNvPr id="76" name="Freeform 40">
             <a:extLst>
               <a:ext uri="{FF2B5EF4-FFF2-40B4-BE49-F238E27FC236}">
-                <a16:creationId xmlns="" xmlns:a16="http://schemas.microsoft.com/office/drawing/2014/main" id="{A1BBF224-8FEA-4C60-A9FE-D4600F858B76}"/>
+                <a16:creationId xmlns:a16="http://schemas.microsoft.com/office/drawing/2014/main" xmlns="" id="{A1BBF224-8FEA-4C60-A9FE-D4600F858B76}"/>
               </a:ext>
             </a:extLst>
           </p:cNvPr>
@@ -7671,7 +7690,7 @@
           <p:cNvPr id="77" name="Freeform 41">
             <a:extLst>
               <a:ext uri="{FF2B5EF4-FFF2-40B4-BE49-F238E27FC236}">
-                <a16:creationId xmlns="" xmlns:a16="http://schemas.microsoft.com/office/drawing/2014/main" id="{BF65CF00-BD8A-48D7-83F2-B2F857897722}"/>
+                <a16:creationId xmlns:a16="http://schemas.microsoft.com/office/drawing/2014/main" xmlns="" id="{BF65CF00-BD8A-48D7-83F2-B2F857897722}"/>
               </a:ext>
             </a:extLst>
           </p:cNvPr>
@@ -7808,7 +7827,7 @@
           <p:cNvPr id="78" name="Freeform 42">
             <a:extLst>
               <a:ext uri="{FF2B5EF4-FFF2-40B4-BE49-F238E27FC236}">
-                <a16:creationId xmlns="" xmlns:a16="http://schemas.microsoft.com/office/drawing/2014/main" id="{E6E2E86C-4C2A-4473-9DDD-36B5F62F6259}"/>
+                <a16:creationId xmlns:a16="http://schemas.microsoft.com/office/drawing/2014/main" xmlns="" id="{E6E2E86C-4C2A-4473-9DDD-36B5F62F6259}"/>
               </a:ext>
             </a:extLst>
           </p:cNvPr>
@@ -7945,7 +7964,7 @@
           <p:cNvPr id="79" name="Freeform 43">
             <a:extLst>
               <a:ext uri="{FF2B5EF4-FFF2-40B4-BE49-F238E27FC236}">
-                <a16:creationId xmlns="" xmlns:a16="http://schemas.microsoft.com/office/drawing/2014/main" id="{B472F8B8-C4AF-4C60-8BB4-F239FA80F3D4}"/>
+                <a16:creationId xmlns:a16="http://schemas.microsoft.com/office/drawing/2014/main" xmlns="" id="{B472F8B8-C4AF-4C60-8BB4-F239FA80F3D4}"/>
               </a:ext>
             </a:extLst>
           </p:cNvPr>
@@ -8082,7 +8101,7 @@
           <p:cNvPr id="80" name="Freeform 44">
             <a:extLst>
               <a:ext uri="{FF2B5EF4-FFF2-40B4-BE49-F238E27FC236}">
-                <a16:creationId xmlns="" xmlns:a16="http://schemas.microsoft.com/office/drawing/2014/main" id="{424AA73D-168F-4862-88C4-EF28F48FEBE9}"/>
+                <a16:creationId xmlns:a16="http://schemas.microsoft.com/office/drawing/2014/main" xmlns="" id="{424AA73D-168F-4862-88C4-EF28F48FEBE9}"/>
               </a:ext>
             </a:extLst>
           </p:cNvPr>
@@ -8219,7 +8238,7 @@
           <p:cNvPr id="81" name="Freeform 45">
             <a:extLst>
               <a:ext uri="{FF2B5EF4-FFF2-40B4-BE49-F238E27FC236}">
-                <a16:creationId xmlns="" xmlns:a16="http://schemas.microsoft.com/office/drawing/2014/main" id="{7DE4441C-2F08-426A-8815-22CF9E8BFB20}"/>
+                <a16:creationId xmlns:a16="http://schemas.microsoft.com/office/drawing/2014/main" xmlns="" id="{7DE4441C-2F08-426A-8815-22CF9E8BFB20}"/>
               </a:ext>
             </a:extLst>
           </p:cNvPr>
@@ -8356,7 +8375,7 @@
           <p:cNvPr id="82" name="Freeform 46">
             <a:extLst>
               <a:ext uri="{FF2B5EF4-FFF2-40B4-BE49-F238E27FC236}">
-                <a16:creationId xmlns="" xmlns:a16="http://schemas.microsoft.com/office/drawing/2014/main" id="{722F50D9-B6D4-47AF-96B6-44BCB13FE6BE}"/>
+                <a16:creationId xmlns:a16="http://schemas.microsoft.com/office/drawing/2014/main" xmlns="" id="{722F50D9-B6D4-47AF-96B6-44BCB13FE6BE}"/>
               </a:ext>
             </a:extLst>
           </p:cNvPr>
@@ -8493,7 +8512,7 @@
           <p:cNvPr id="83" name="Freeform 47">
             <a:extLst>
               <a:ext uri="{FF2B5EF4-FFF2-40B4-BE49-F238E27FC236}">
-                <a16:creationId xmlns="" xmlns:a16="http://schemas.microsoft.com/office/drawing/2014/main" id="{5A0CC201-81DC-4874-9BA1-D2E466075834}"/>
+                <a16:creationId xmlns:a16="http://schemas.microsoft.com/office/drawing/2014/main" xmlns="" id="{5A0CC201-81DC-4874-9BA1-D2E466075834}"/>
               </a:ext>
             </a:extLst>
           </p:cNvPr>
@@ -8630,7 +8649,7 @@
           <p:cNvPr id="84" name="Freeform 48">
             <a:extLst>
               <a:ext uri="{FF2B5EF4-FFF2-40B4-BE49-F238E27FC236}">
-                <a16:creationId xmlns="" xmlns:a16="http://schemas.microsoft.com/office/drawing/2014/main" id="{45713858-4CBF-4C1C-931C-03663E142820}"/>
+                <a16:creationId xmlns:a16="http://schemas.microsoft.com/office/drawing/2014/main" xmlns="" id="{45713858-4CBF-4C1C-931C-03663E142820}"/>
               </a:ext>
             </a:extLst>
           </p:cNvPr>
@@ -8767,7 +8786,7 @@
           <p:cNvPr id="85" name="Freeform 49">
             <a:extLst>
               <a:ext uri="{FF2B5EF4-FFF2-40B4-BE49-F238E27FC236}">
-                <a16:creationId xmlns="" xmlns:a16="http://schemas.microsoft.com/office/drawing/2014/main" id="{B7A58364-A49F-4D97-AB18-81317BC8D7CB}"/>
+                <a16:creationId xmlns:a16="http://schemas.microsoft.com/office/drawing/2014/main" xmlns="" id="{B7A58364-A49F-4D97-AB18-81317BC8D7CB}"/>
               </a:ext>
             </a:extLst>
           </p:cNvPr>
@@ -8904,7 +8923,7 @@
           <p:cNvPr id="86" name="Freeform 50">
             <a:extLst>
               <a:ext uri="{FF2B5EF4-FFF2-40B4-BE49-F238E27FC236}">
-                <a16:creationId xmlns="" xmlns:a16="http://schemas.microsoft.com/office/drawing/2014/main" id="{DE383370-0C85-4E8E-98E3-A5411EBDB257}"/>
+                <a16:creationId xmlns:a16="http://schemas.microsoft.com/office/drawing/2014/main" xmlns="" id="{DE383370-0C85-4E8E-98E3-A5411EBDB257}"/>
               </a:ext>
             </a:extLst>
           </p:cNvPr>
@@ -9041,7 +9060,7 @@
           <p:cNvPr id="87" name="Freeform 51">
             <a:extLst>
               <a:ext uri="{FF2B5EF4-FFF2-40B4-BE49-F238E27FC236}">
-                <a16:creationId xmlns="" xmlns:a16="http://schemas.microsoft.com/office/drawing/2014/main" id="{93581CD4-D3C5-41E5-A2C0-E3C54218AB33}"/>
+                <a16:creationId xmlns:a16="http://schemas.microsoft.com/office/drawing/2014/main" xmlns="" id="{93581CD4-D3C5-41E5-A2C0-E3C54218AB33}"/>
               </a:ext>
             </a:extLst>
           </p:cNvPr>
@@ -9178,7 +9197,7 @@
           <p:cNvPr id="88" name="Freeform 52">
             <a:extLst>
               <a:ext uri="{FF2B5EF4-FFF2-40B4-BE49-F238E27FC236}">
-                <a16:creationId xmlns="" xmlns:a16="http://schemas.microsoft.com/office/drawing/2014/main" id="{66AC322C-CFDD-4843-8FBA-82842038DE7B}"/>
+                <a16:creationId xmlns:a16="http://schemas.microsoft.com/office/drawing/2014/main" xmlns="" id="{66AC322C-CFDD-4843-8FBA-82842038DE7B}"/>
               </a:ext>
             </a:extLst>
           </p:cNvPr>
@@ -9315,7 +9334,7 @@
           <p:cNvPr id="89" name="Freeform 53">
             <a:extLst>
               <a:ext uri="{FF2B5EF4-FFF2-40B4-BE49-F238E27FC236}">
-                <a16:creationId xmlns="" xmlns:a16="http://schemas.microsoft.com/office/drawing/2014/main" id="{6FDF99A4-060E-42FC-A5E7-422B767EE583}"/>
+                <a16:creationId xmlns:a16="http://schemas.microsoft.com/office/drawing/2014/main" xmlns="" id="{6FDF99A4-060E-42FC-A5E7-422B767EE583}"/>
               </a:ext>
             </a:extLst>
           </p:cNvPr>
@@ -9452,7 +9471,7 @@
           <p:cNvPr id="90" name="Freeform 54">
             <a:extLst>
               <a:ext uri="{FF2B5EF4-FFF2-40B4-BE49-F238E27FC236}">
-                <a16:creationId xmlns="" xmlns:a16="http://schemas.microsoft.com/office/drawing/2014/main" id="{5862385B-C5EC-4B00-9752-F4F252672080}"/>
+                <a16:creationId xmlns:a16="http://schemas.microsoft.com/office/drawing/2014/main" xmlns="" id="{5862385B-C5EC-4B00-9752-F4F252672080}"/>
               </a:ext>
             </a:extLst>
           </p:cNvPr>
@@ -9589,7 +9608,7 @@
           <p:cNvPr id="91" name="Freeform 55">
             <a:extLst>
               <a:ext uri="{FF2B5EF4-FFF2-40B4-BE49-F238E27FC236}">
-                <a16:creationId xmlns="" xmlns:a16="http://schemas.microsoft.com/office/drawing/2014/main" id="{D7D3846E-4D2F-4A20-B990-24BD9A567F02}"/>
+                <a16:creationId xmlns:a16="http://schemas.microsoft.com/office/drawing/2014/main" xmlns="" id="{D7D3846E-4D2F-4A20-B990-24BD9A567F02}"/>
               </a:ext>
             </a:extLst>
           </p:cNvPr>
@@ -9726,7 +9745,7 @@
           <p:cNvPr id="92" name="Freeform 56">
             <a:extLst>
               <a:ext uri="{FF2B5EF4-FFF2-40B4-BE49-F238E27FC236}">
-                <a16:creationId xmlns="" xmlns:a16="http://schemas.microsoft.com/office/drawing/2014/main" id="{6DD9375F-CB5C-4D79-B268-FCBFA604EA3A}"/>
+                <a16:creationId xmlns:a16="http://schemas.microsoft.com/office/drawing/2014/main" xmlns="" id="{6DD9375F-CB5C-4D79-B268-FCBFA604EA3A}"/>
               </a:ext>
             </a:extLst>
           </p:cNvPr>
@@ -9863,7 +9882,7 @@
           <p:cNvPr id="93" name="Freeform 57">
             <a:extLst>
               <a:ext uri="{FF2B5EF4-FFF2-40B4-BE49-F238E27FC236}">
-                <a16:creationId xmlns="" xmlns:a16="http://schemas.microsoft.com/office/drawing/2014/main" id="{24E715C4-9F57-4C0C-BAB6-B88F1E177990}"/>
+                <a16:creationId xmlns:a16="http://schemas.microsoft.com/office/drawing/2014/main" xmlns="" id="{24E715C4-9F57-4C0C-BAB6-B88F1E177990}"/>
               </a:ext>
             </a:extLst>
           </p:cNvPr>
@@ -10000,7 +10019,7 @@
           <p:cNvPr id="94" name="Freeform 58">
             <a:extLst>
               <a:ext uri="{FF2B5EF4-FFF2-40B4-BE49-F238E27FC236}">
-                <a16:creationId xmlns="" xmlns:a16="http://schemas.microsoft.com/office/drawing/2014/main" id="{59799601-C522-4FE9-BBBF-64FF0E8B29A7}"/>
+                <a16:creationId xmlns:a16="http://schemas.microsoft.com/office/drawing/2014/main" xmlns="" id="{59799601-C522-4FE9-BBBF-64FF0E8B29A7}"/>
               </a:ext>
             </a:extLst>
           </p:cNvPr>
@@ -10137,7 +10156,7 @@
           <p:cNvPr id="95" name="Freeform 59">
             <a:extLst>
               <a:ext uri="{FF2B5EF4-FFF2-40B4-BE49-F238E27FC236}">
-                <a16:creationId xmlns="" xmlns:a16="http://schemas.microsoft.com/office/drawing/2014/main" id="{08D8E61A-A793-4A70-B9AB-1ED1B5E5CFDF}"/>
+                <a16:creationId xmlns:a16="http://schemas.microsoft.com/office/drawing/2014/main" xmlns="" id="{08D8E61A-A793-4A70-B9AB-1ED1B5E5CFDF}"/>
               </a:ext>
             </a:extLst>
           </p:cNvPr>
@@ -10274,7 +10293,7 @@
           <p:cNvPr id="96" name="Freeform 60">
             <a:extLst>
               <a:ext uri="{FF2B5EF4-FFF2-40B4-BE49-F238E27FC236}">
-                <a16:creationId xmlns="" xmlns:a16="http://schemas.microsoft.com/office/drawing/2014/main" id="{8B3AD150-3071-4D04-A88C-A9D8C3B0C94D}"/>
+                <a16:creationId xmlns:a16="http://schemas.microsoft.com/office/drawing/2014/main" xmlns="" id="{8B3AD150-3071-4D04-A88C-A9D8C3B0C94D}"/>
               </a:ext>
             </a:extLst>
           </p:cNvPr>
@@ -10411,7 +10430,7 @@
           <p:cNvPr id="97" name="Freeform 61">
             <a:extLst>
               <a:ext uri="{FF2B5EF4-FFF2-40B4-BE49-F238E27FC236}">
-                <a16:creationId xmlns="" xmlns:a16="http://schemas.microsoft.com/office/drawing/2014/main" id="{3ACFCBE5-D7F5-4D4B-BD76-B134549DC6C9}"/>
+                <a16:creationId xmlns:a16="http://schemas.microsoft.com/office/drawing/2014/main" xmlns="" id="{3ACFCBE5-D7F5-4D4B-BD76-B134549DC6C9}"/>
               </a:ext>
             </a:extLst>
           </p:cNvPr>
@@ -10548,7 +10567,7 @@
           <p:cNvPr id="98" name="Freeform 62">
             <a:extLst>
               <a:ext uri="{FF2B5EF4-FFF2-40B4-BE49-F238E27FC236}">
-                <a16:creationId xmlns="" xmlns:a16="http://schemas.microsoft.com/office/drawing/2014/main" id="{B1C06549-9A72-4B67-B167-53D1B0B2A834}"/>
+                <a16:creationId xmlns:a16="http://schemas.microsoft.com/office/drawing/2014/main" xmlns="" id="{B1C06549-9A72-4B67-B167-53D1B0B2A834}"/>
               </a:ext>
             </a:extLst>
           </p:cNvPr>
@@ -10685,7 +10704,7 @@
           <p:cNvPr id="99" name="Freeform 63">
             <a:extLst>
               <a:ext uri="{FF2B5EF4-FFF2-40B4-BE49-F238E27FC236}">
-                <a16:creationId xmlns="" xmlns:a16="http://schemas.microsoft.com/office/drawing/2014/main" id="{28297C6B-1A17-4D31-BE2A-F2B873EDEFA2}"/>
+                <a16:creationId xmlns:a16="http://schemas.microsoft.com/office/drawing/2014/main" xmlns="" id="{28297C6B-1A17-4D31-BE2A-F2B873EDEFA2}"/>
               </a:ext>
             </a:extLst>
           </p:cNvPr>
@@ -10822,7 +10841,7 @@
           <p:cNvPr id="100" name="Freeform 64">
             <a:extLst>
               <a:ext uri="{FF2B5EF4-FFF2-40B4-BE49-F238E27FC236}">
-                <a16:creationId xmlns="" xmlns:a16="http://schemas.microsoft.com/office/drawing/2014/main" id="{BA270C65-50B5-4B1B-B72F-699B745FA287}"/>
+                <a16:creationId xmlns:a16="http://schemas.microsoft.com/office/drawing/2014/main" xmlns="" id="{BA270C65-50B5-4B1B-B72F-699B745FA287}"/>
               </a:ext>
             </a:extLst>
           </p:cNvPr>
@@ -10959,7 +10978,7 @@
           <p:cNvPr id="101" name="Freeform 65">
             <a:extLst>
               <a:ext uri="{FF2B5EF4-FFF2-40B4-BE49-F238E27FC236}">
-                <a16:creationId xmlns="" xmlns:a16="http://schemas.microsoft.com/office/drawing/2014/main" id="{2BA50BBD-2CAA-4C1F-9FD3-FE2A31351D0B}"/>
+                <a16:creationId xmlns:a16="http://schemas.microsoft.com/office/drawing/2014/main" xmlns="" id="{2BA50BBD-2CAA-4C1F-9FD3-FE2A31351D0B}"/>
               </a:ext>
             </a:extLst>
           </p:cNvPr>
@@ -11096,7 +11115,7 @@
           <p:cNvPr id="102" name="Freeform 67">
             <a:extLst>
               <a:ext uri="{FF2B5EF4-FFF2-40B4-BE49-F238E27FC236}">
-                <a16:creationId xmlns="" xmlns:a16="http://schemas.microsoft.com/office/drawing/2014/main" id="{76DE0259-A2AB-4CAE-81B2-3B27C07154C8}"/>
+                <a16:creationId xmlns:a16="http://schemas.microsoft.com/office/drawing/2014/main" xmlns="" id="{76DE0259-A2AB-4CAE-81B2-3B27C07154C8}"/>
               </a:ext>
             </a:extLst>
           </p:cNvPr>
@@ -11233,7 +11252,7 @@
           <p:cNvPr id="103" name="Freeform 69">
             <a:extLst>
               <a:ext uri="{FF2B5EF4-FFF2-40B4-BE49-F238E27FC236}">
-                <a16:creationId xmlns="" xmlns:a16="http://schemas.microsoft.com/office/drawing/2014/main" id="{C1212D1B-19B7-4939-892A-5D0DF3605881}"/>
+                <a16:creationId xmlns:a16="http://schemas.microsoft.com/office/drawing/2014/main" xmlns="" id="{C1212D1B-19B7-4939-892A-5D0DF3605881}"/>
               </a:ext>
             </a:extLst>
           </p:cNvPr>
@@ -11370,7 +11389,7 @@
           <p:cNvPr id="104" name="Freeform 72">
             <a:extLst>
               <a:ext uri="{FF2B5EF4-FFF2-40B4-BE49-F238E27FC236}">
-                <a16:creationId xmlns="" xmlns:a16="http://schemas.microsoft.com/office/drawing/2014/main" id="{0D91C8C7-1CE5-4250-B97A-8EC25472E729}"/>
+                <a16:creationId xmlns:a16="http://schemas.microsoft.com/office/drawing/2014/main" xmlns="" id="{0D91C8C7-1CE5-4250-B97A-8EC25472E729}"/>
               </a:ext>
             </a:extLst>
           </p:cNvPr>
@@ -11507,7 +11526,7 @@
           <p:cNvPr id="105" name="Freeform 73">
             <a:extLst>
               <a:ext uri="{FF2B5EF4-FFF2-40B4-BE49-F238E27FC236}">
-                <a16:creationId xmlns="" xmlns:a16="http://schemas.microsoft.com/office/drawing/2014/main" id="{FAE08F99-FC16-41CA-80D6-135D4B029773}"/>
+                <a16:creationId xmlns:a16="http://schemas.microsoft.com/office/drawing/2014/main" xmlns="" id="{FAE08F99-FC16-41CA-80D6-135D4B029773}"/>
               </a:ext>
             </a:extLst>
           </p:cNvPr>
@@ -11644,7 +11663,7 @@
           <p:cNvPr id="106" name="Freeform 74">
             <a:extLst>
               <a:ext uri="{FF2B5EF4-FFF2-40B4-BE49-F238E27FC236}">
-                <a16:creationId xmlns="" xmlns:a16="http://schemas.microsoft.com/office/drawing/2014/main" id="{DAF047F2-9959-4EF5-BF92-C5CACDB76645}"/>
+                <a16:creationId xmlns:a16="http://schemas.microsoft.com/office/drawing/2014/main" xmlns="" id="{DAF047F2-9959-4EF5-BF92-C5CACDB76645}"/>
               </a:ext>
             </a:extLst>
           </p:cNvPr>
@@ -11781,7 +11800,7 @@
           <p:cNvPr id="107" name="Freeform 75">
             <a:extLst>
               <a:ext uri="{FF2B5EF4-FFF2-40B4-BE49-F238E27FC236}">
-                <a16:creationId xmlns="" xmlns:a16="http://schemas.microsoft.com/office/drawing/2014/main" id="{A9D152CA-04C0-4502-ADA3-09C99B7529C3}"/>
+                <a16:creationId xmlns:a16="http://schemas.microsoft.com/office/drawing/2014/main" xmlns="" id="{A9D152CA-04C0-4502-ADA3-09C99B7529C3}"/>
               </a:ext>
             </a:extLst>
           </p:cNvPr>
@@ -11918,7 +11937,7 @@
           <p:cNvPr id="108" name="Freeform 76">
             <a:extLst>
               <a:ext uri="{FF2B5EF4-FFF2-40B4-BE49-F238E27FC236}">
-                <a16:creationId xmlns="" xmlns:a16="http://schemas.microsoft.com/office/drawing/2014/main" id="{F444F08A-74BF-4491-B72D-7FEF08CBC09B}"/>
+                <a16:creationId xmlns:a16="http://schemas.microsoft.com/office/drawing/2014/main" xmlns="" id="{F444F08A-74BF-4491-B72D-7FEF08CBC09B}"/>
               </a:ext>
             </a:extLst>
           </p:cNvPr>
@@ -12055,7 +12074,7 @@
           <p:cNvPr id="109" name="Freeform 77">
             <a:extLst>
               <a:ext uri="{FF2B5EF4-FFF2-40B4-BE49-F238E27FC236}">
-                <a16:creationId xmlns="" xmlns:a16="http://schemas.microsoft.com/office/drawing/2014/main" id="{7557F8CA-A796-4127-9F15-F365209EB618}"/>
+                <a16:creationId xmlns:a16="http://schemas.microsoft.com/office/drawing/2014/main" xmlns="" id="{7557F8CA-A796-4127-9F15-F365209EB618}"/>
               </a:ext>
             </a:extLst>
           </p:cNvPr>
@@ -12192,7 +12211,7 @@
           <p:cNvPr id="110" name="Freeform 78">
             <a:extLst>
               <a:ext uri="{FF2B5EF4-FFF2-40B4-BE49-F238E27FC236}">
-                <a16:creationId xmlns="" xmlns:a16="http://schemas.microsoft.com/office/drawing/2014/main" id="{6D67BEAA-8313-443B-9C05-C49CA60D66EF}"/>
+                <a16:creationId xmlns:a16="http://schemas.microsoft.com/office/drawing/2014/main" xmlns="" id="{6D67BEAA-8313-443B-9C05-C49CA60D66EF}"/>
               </a:ext>
             </a:extLst>
           </p:cNvPr>
@@ -12329,7 +12348,7 @@
           <p:cNvPr id="111" name="Freeform 86">
             <a:extLst>
               <a:ext uri="{FF2B5EF4-FFF2-40B4-BE49-F238E27FC236}">
-                <a16:creationId xmlns="" xmlns:a16="http://schemas.microsoft.com/office/drawing/2014/main" id="{B9E775DE-B6F8-4BAD-B403-4AD805BC0E12}"/>
+                <a16:creationId xmlns:a16="http://schemas.microsoft.com/office/drawing/2014/main" xmlns="" id="{B9E775DE-B6F8-4BAD-B403-4AD805BC0E12}"/>
               </a:ext>
             </a:extLst>
           </p:cNvPr>
@@ -12466,7 +12485,7 @@
           <p:cNvPr id="112" name="Freeform 87">
             <a:extLst>
               <a:ext uri="{FF2B5EF4-FFF2-40B4-BE49-F238E27FC236}">
-                <a16:creationId xmlns="" xmlns:a16="http://schemas.microsoft.com/office/drawing/2014/main" id="{4CA5E202-206D-4573-A078-31D19282F8C5}"/>
+                <a16:creationId xmlns:a16="http://schemas.microsoft.com/office/drawing/2014/main" xmlns="" id="{4CA5E202-206D-4573-A078-31D19282F8C5}"/>
               </a:ext>
             </a:extLst>
           </p:cNvPr>
@@ -12603,7 +12622,7 @@
           <p:cNvPr id="113" name="Freeform 88">
             <a:extLst>
               <a:ext uri="{FF2B5EF4-FFF2-40B4-BE49-F238E27FC236}">
-                <a16:creationId xmlns="" xmlns:a16="http://schemas.microsoft.com/office/drawing/2014/main" id="{D26FCD0F-8B16-46B2-8FC9-C733E7B708C4}"/>
+                <a16:creationId xmlns:a16="http://schemas.microsoft.com/office/drawing/2014/main" xmlns="" id="{D26FCD0F-8B16-46B2-8FC9-C733E7B708C4}"/>
               </a:ext>
             </a:extLst>
           </p:cNvPr>
@@ -12740,7 +12759,7 @@
           <p:cNvPr id="114" name="Freeform 89">
             <a:extLst>
               <a:ext uri="{FF2B5EF4-FFF2-40B4-BE49-F238E27FC236}">
-                <a16:creationId xmlns="" xmlns:a16="http://schemas.microsoft.com/office/drawing/2014/main" id="{15F3C892-C0B2-4170-B41F-B71E76F3FA20}"/>
+                <a16:creationId xmlns:a16="http://schemas.microsoft.com/office/drawing/2014/main" xmlns="" id="{15F3C892-C0B2-4170-B41F-B71E76F3FA20}"/>
               </a:ext>
             </a:extLst>
           </p:cNvPr>
@@ -12877,7 +12896,7 @@
           <p:cNvPr id="115" name="Freeform 90">
             <a:extLst>
               <a:ext uri="{FF2B5EF4-FFF2-40B4-BE49-F238E27FC236}">
-                <a16:creationId xmlns="" xmlns:a16="http://schemas.microsoft.com/office/drawing/2014/main" id="{95C38DAC-5942-4D87-A386-F94D74C0C5D4}"/>
+                <a16:creationId xmlns:a16="http://schemas.microsoft.com/office/drawing/2014/main" xmlns="" id="{95C38DAC-5942-4D87-A386-F94D74C0C5D4}"/>
               </a:ext>
             </a:extLst>
           </p:cNvPr>
@@ -13014,7 +13033,7 @@
           <p:cNvPr id="116" name="Freeform 91">
             <a:extLst>
               <a:ext uri="{FF2B5EF4-FFF2-40B4-BE49-F238E27FC236}">
-                <a16:creationId xmlns="" xmlns:a16="http://schemas.microsoft.com/office/drawing/2014/main" id="{C33A8596-6231-49E3-9990-BC7909DD4D35}"/>
+                <a16:creationId xmlns:a16="http://schemas.microsoft.com/office/drawing/2014/main" xmlns="" id="{C33A8596-6231-49E3-9990-BC7909DD4D35}"/>
               </a:ext>
             </a:extLst>
           </p:cNvPr>
@@ -13151,7 +13170,7 @@
           <p:cNvPr id="117" name="Freeform 112">
             <a:extLst>
               <a:ext uri="{FF2B5EF4-FFF2-40B4-BE49-F238E27FC236}">
-                <a16:creationId xmlns="" xmlns:a16="http://schemas.microsoft.com/office/drawing/2014/main" id="{8AECDF9D-F684-4540-A490-8C7618668CB2}"/>
+                <a16:creationId xmlns:a16="http://schemas.microsoft.com/office/drawing/2014/main" xmlns="" id="{8AECDF9D-F684-4540-A490-8C7618668CB2}"/>
               </a:ext>
             </a:extLst>
           </p:cNvPr>
@@ -13288,7 +13307,7 @@
           <p:cNvPr id="118" name="Freeform 113">
             <a:extLst>
               <a:ext uri="{FF2B5EF4-FFF2-40B4-BE49-F238E27FC236}">
-                <a16:creationId xmlns="" xmlns:a16="http://schemas.microsoft.com/office/drawing/2014/main" id="{D8F22DE2-BA68-4010-B57C-96191BFA646B}"/>
+                <a16:creationId xmlns:a16="http://schemas.microsoft.com/office/drawing/2014/main" xmlns="" id="{D8F22DE2-BA68-4010-B57C-96191BFA646B}"/>
               </a:ext>
             </a:extLst>
           </p:cNvPr>
@@ -13425,7 +13444,7 @@
           <p:cNvPr id="119" name="Freeform 114">
             <a:extLst>
               <a:ext uri="{FF2B5EF4-FFF2-40B4-BE49-F238E27FC236}">
-                <a16:creationId xmlns="" xmlns:a16="http://schemas.microsoft.com/office/drawing/2014/main" id="{287EFE0B-F30F-4CD9-8E2B-A7853C56C2EB}"/>
+                <a16:creationId xmlns:a16="http://schemas.microsoft.com/office/drawing/2014/main" xmlns="" id="{287EFE0B-F30F-4CD9-8E2B-A7853C56C2EB}"/>
               </a:ext>
             </a:extLst>
           </p:cNvPr>
@@ -13562,7 +13581,7 @@
           <p:cNvPr id="120" name="Rectangle 165">
             <a:extLst>
               <a:ext uri="{FF2B5EF4-FFF2-40B4-BE49-F238E27FC236}">
-                <a16:creationId xmlns="" xmlns:a16="http://schemas.microsoft.com/office/drawing/2014/main" id="{10417BC5-8655-4DDA-9A19-9A5AA08842CC}"/>
+                <a16:creationId xmlns:a16="http://schemas.microsoft.com/office/drawing/2014/main" xmlns="" id="{10417BC5-8655-4DDA-9A19-9A5AA08842CC}"/>
               </a:ext>
             </a:extLst>
           </p:cNvPr>
@@ -13621,7 +13640,7 @@
           <p:cNvPr id="121" name="Freeform 11">
             <a:extLst>
               <a:ext uri="{FF2B5EF4-FFF2-40B4-BE49-F238E27FC236}">
-                <a16:creationId xmlns="" xmlns:a16="http://schemas.microsoft.com/office/drawing/2014/main" id="{38992279-3911-46AA-AD23-42F2B06F5846}"/>
+                <a16:creationId xmlns:a16="http://schemas.microsoft.com/office/drawing/2014/main" xmlns="" id="{38992279-3911-46AA-AD23-42F2B06F5846}"/>
               </a:ext>
             </a:extLst>
           </p:cNvPr>
@@ -13758,7 +13777,7 @@
           <p:cNvPr id="122" name="Freeform 12">
             <a:extLst>
               <a:ext uri="{FF2B5EF4-FFF2-40B4-BE49-F238E27FC236}">
-                <a16:creationId xmlns="" xmlns:a16="http://schemas.microsoft.com/office/drawing/2014/main" id="{8862C676-E4B7-498E-814E-5C866DA21556}"/>
+                <a16:creationId xmlns:a16="http://schemas.microsoft.com/office/drawing/2014/main" xmlns="" id="{8862C676-E4B7-498E-814E-5C866DA21556}"/>
               </a:ext>
             </a:extLst>
           </p:cNvPr>
@@ -13895,7 +13914,7 @@
           <p:cNvPr id="123" name="Freeform 13">
             <a:extLst>
               <a:ext uri="{FF2B5EF4-FFF2-40B4-BE49-F238E27FC236}">
-                <a16:creationId xmlns="" xmlns:a16="http://schemas.microsoft.com/office/drawing/2014/main" id="{4DF18CBC-37BB-48A2-91BC-4D017F15888F}"/>
+                <a16:creationId xmlns:a16="http://schemas.microsoft.com/office/drawing/2014/main" xmlns="" id="{4DF18CBC-37BB-48A2-91BC-4D017F15888F}"/>
               </a:ext>
             </a:extLst>
           </p:cNvPr>
@@ -14032,7 +14051,7 @@
           <p:cNvPr id="124" name="Freeform 14">
             <a:extLst>
               <a:ext uri="{FF2B5EF4-FFF2-40B4-BE49-F238E27FC236}">
-                <a16:creationId xmlns="" xmlns:a16="http://schemas.microsoft.com/office/drawing/2014/main" id="{FECCC4E1-3B74-4D21-8BA7-90848F6323DD}"/>
+                <a16:creationId xmlns:a16="http://schemas.microsoft.com/office/drawing/2014/main" xmlns="" id="{FECCC4E1-3B74-4D21-8BA7-90848F6323DD}"/>
               </a:ext>
             </a:extLst>
           </p:cNvPr>
@@ -14169,7 +14188,7 @@
           <p:cNvPr id="125" name="Freeform 15">
             <a:extLst>
               <a:ext uri="{FF2B5EF4-FFF2-40B4-BE49-F238E27FC236}">
-                <a16:creationId xmlns="" xmlns:a16="http://schemas.microsoft.com/office/drawing/2014/main" id="{0E6962E1-D556-4D3A-8812-E02E4CE817B0}"/>
+                <a16:creationId xmlns:a16="http://schemas.microsoft.com/office/drawing/2014/main" xmlns="" id="{0E6962E1-D556-4D3A-8812-E02E4CE817B0}"/>
               </a:ext>
             </a:extLst>
           </p:cNvPr>
@@ -14306,7 +14325,7 @@
           <p:cNvPr id="126" name="Freeform 16">
             <a:extLst>
               <a:ext uri="{FF2B5EF4-FFF2-40B4-BE49-F238E27FC236}">
-                <a16:creationId xmlns="" xmlns:a16="http://schemas.microsoft.com/office/drawing/2014/main" id="{48F5685D-A5BB-45A2-ACF7-B63445C0FE01}"/>
+                <a16:creationId xmlns:a16="http://schemas.microsoft.com/office/drawing/2014/main" xmlns="" id="{48F5685D-A5BB-45A2-ACF7-B63445C0FE01}"/>
               </a:ext>
             </a:extLst>
           </p:cNvPr>
@@ -14443,7 +14462,7 @@
           <p:cNvPr id="127" name="Freeform 17">
             <a:extLst>
               <a:ext uri="{FF2B5EF4-FFF2-40B4-BE49-F238E27FC236}">
-                <a16:creationId xmlns="" xmlns:a16="http://schemas.microsoft.com/office/drawing/2014/main" id="{01B230A3-CC6C-4EEE-BDAC-36190BC330E4}"/>
+                <a16:creationId xmlns:a16="http://schemas.microsoft.com/office/drawing/2014/main" xmlns="" id="{01B230A3-CC6C-4EEE-BDAC-36190BC330E4}"/>
               </a:ext>
             </a:extLst>
           </p:cNvPr>
@@ -14580,7 +14599,7 @@
           <p:cNvPr id="128" name="Freeform 18">
             <a:extLst>
               <a:ext uri="{FF2B5EF4-FFF2-40B4-BE49-F238E27FC236}">
-                <a16:creationId xmlns="" xmlns:a16="http://schemas.microsoft.com/office/drawing/2014/main" id="{02ECC3F7-3E8A-4219-BC19-D0EBB31A9F4B}"/>
+                <a16:creationId xmlns:a16="http://schemas.microsoft.com/office/drawing/2014/main" xmlns="" id="{02ECC3F7-3E8A-4219-BC19-D0EBB31A9F4B}"/>
               </a:ext>
             </a:extLst>
           </p:cNvPr>
@@ -14717,7 +14736,7 @@
           <p:cNvPr id="129" name="Freeform 19">
             <a:extLst>
               <a:ext uri="{FF2B5EF4-FFF2-40B4-BE49-F238E27FC236}">
-                <a16:creationId xmlns="" xmlns:a16="http://schemas.microsoft.com/office/drawing/2014/main" id="{B257BC3F-9406-4D8B-89BA-6E9E2F049CFF}"/>
+                <a16:creationId xmlns:a16="http://schemas.microsoft.com/office/drawing/2014/main" xmlns="" id="{B257BC3F-9406-4D8B-89BA-6E9E2F049CFF}"/>
               </a:ext>
             </a:extLst>
           </p:cNvPr>
@@ -14854,7 +14873,7 @@
           <p:cNvPr id="130" name="Freeform 20">
             <a:extLst>
               <a:ext uri="{FF2B5EF4-FFF2-40B4-BE49-F238E27FC236}">
-                <a16:creationId xmlns="" xmlns:a16="http://schemas.microsoft.com/office/drawing/2014/main" id="{C854CC37-4F48-4D9E-B949-E6D7CEE55D46}"/>
+                <a16:creationId xmlns:a16="http://schemas.microsoft.com/office/drawing/2014/main" xmlns="" id="{C854CC37-4F48-4D9E-B949-E6D7CEE55D46}"/>
               </a:ext>
             </a:extLst>
           </p:cNvPr>
@@ -14991,7 +15010,7 @@
           <p:cNvPr id="131" name="Freeform 27">
             <a:extLst>
               <a:ext uri="{FF2B5EF4-FFF2-40B4-BE49-F238E27FC236}">
-                <a16:creationId xmlns="" xmlns:a16="http://schemas.microsoft.com/office/drawing/2014/main" id="{A9660831-9140-4DE7-AE5A-D930FF653457}"/>
+                <a16:creationId xmlns:a16="http://schemas.microsoft.com/office/drawing/2014/main" xmlns="" id="{A9660831-9140-4DE7-AE5A-D930FF653457}"/>
               </a:ext>
             </a:extLst>
           </p:cNvPr>
@@ -15128,7 +15147,7 @@
           <p:cNvPr id="132" name="Freeform 28">
             <a:extLst>
               <a:ext uri="{FF2B5EF4-FFF2-40B4-BE49-F238E27FC236}">
-                <a16:creationId xmlns="" xmlns:a16="http://schemas.microsoft.com/office/drawing/2014/main" id="{DAED48BB-B7FB-48FD-A565-2C3A57BF64BC}"/>
+                <a16:creationId xmlns:a16="http://schemas.microsoft.com/office/drawing/2014/main" xmlns="" id="{DAED48BB-B7FB-48FD-A565-2C3A57BF64BC}"/>
               </a:ext>
             </a:extLst>
           </p:cNvPr>
@@ -15265,7 +15284,7 @@
           <p:cNvPr id="133" name="Freeform 29">
             <a:extLst>
               <a:ext uri="{FF2B5EF4-FFF2-40B4-BE49-F238E27FC236}">
-                <a16:creationId xmlns="" xmlns:a16="http://schemas.microsoft.com/office/drawing/2014/main" id="{DE455874-CE9F-4D35-884A-1A5B73D29EBE}"/>
+                <a16:creationId xmlns:a16="http://schemas.microsoft.com/office/drawing/2014/main" xmlns="" id="{DE455874-CE9F-4D35-884A-1A5B73D29EBE}"/>
               </a:ext>
             </a:extLst>
           </p:cNvPr>
@@ -15402,7 +15421,7 @@
           <p:cNvPr id="134" name="Freeform 30">
             <a:extLst>
               <a:ext uri="{FF2B5EF4-FFF2-40B4-BE49-F238E27FC236}">
-                <a16:creationId xmlns="" xmlns:a16="http://schemas.microsoft.com/office/drawing/2014/main" id="{A64420F5-4E4B-4898-8173-5361AC05A8C9}"/>
+                <a16:creationId xmlns:a16="http://schemas.microsoft.com/office/drawing/2014/main" xmlns="" id="{A64420F5-4E4B-4898-8173-5361AC05A8C9}"/>
               </a:ext>
             </a:extLst>
           </p:cNvPr>
@@ -15539,7 +15558,7 @@
           <p:cNvPr id="135" name="Freeform 31">
             <a:extLst>
               <a:ext uri="{FF2B5EF4-FFF2-40B4-BE49-F238E27FC236}">
-                <a16:creationId xmlns="" xmlns:a16="http://schemas.microsoft.com/office/drawing/2014/main" id="{CB3540A5-7B88-45CD-B2FE-43ECA99BEC0A}"/>
+                <a16:creationId xmlns:a16="http://schemas.microsoft.com/office/drawing/2014/main" xmlns="" id="{CB3540A5-7B88-45CD-B2FE-43ECA99BEC0A}"/>
               </a:ext>
             </a:extLst>
           </p:cNvPr>
@@ -15676,7 +15695,7 @@
           <p:cNvPr id="136" name="Freeform 32">
             <a:extLst>
               <a:ext uri="{FF2B5EF4-FFF2-40B4-BE49-F238E27FC236}">
-                <a16:creationId xmlns="" xmlns:a16="http://schemas.microsoft.com/office/drawing/2014/main" id="{E4188CFC-B737-4C9D-809B-280A05166B75}"/>
+                <a16:creationId xmlns:a16="http://schemas.microsoft.com/office/drawing/2014/main" xmlns="" id="{E4188CFC-B737-4C9D-809B-280A05166B75}"/>
               </a:ext>
             </a:extLst>
           </p:cNvPr>
@@ -15813,7 +15832,7 @@
           <p:cNvPr id="137" name="Freeform 33">
             <a:extLst>
               <a:ext uri="{FF2B5EF4-FFF2-40B4-BE49-F238E27FC236}">
-                <a16:creationId xmlns="" xmlns:a16="http://schemas.microsoft.com/office/drawing/2014/main" id="{27EB01F4-3B41-4C04-BF26-20E2D8D7A9DD}"/>
+                <a16:creationId xmlns:a16="http://schemas.microsoft.com/office/drawing/2014/main" xmlns="" id="{27EB01F4-3B41-4C04-BF26-20E2D8D7A9DD}"/>
               </a:ext>
             </a:extLst>
           </p:cNvPr>
@@ -15950,7 +15969,7 @@
           <p:cNvPr id="138" name="Freeform 34">
             <a:extLst>
               <a:ext uri="{FF2B5EF4-FFF2-40B4-BE49-F238E27FC236}">
-                <a16:creationId xmlns="" xmlns:a16="http://schemas.microsoft.com/office/drawing/2014/main" id="{94DB3273-35D3-4BA7-A91F-7BC4AE89250F}"/>
+                <a16:creationId xmlns:a16="http://schemas.microsoft.com/office/drawing/2014/main" xmlns="" id="{94DB3273-35D3-4BA7-A91F-7BC4AE89250F}"/>
               </a:ext>
             </a:extLst>
           </p:cNvPr>
@@ -16087,7 +16106,7 @@
           <p:cNvPr id="139" name="Freeform 35">
             <a:extLst>
               <a:ext uri="{FF2B5EF4-FFF2-40B4-BE49-F238E27FC236}">
-                <a16:creationId xmlns="" xmlns:a16="http://schemas.microsoft.com/office/drawing/2014/main" id="{2BDE7953-2168-4F58-A49B-06DCA63F16B7}"/>
+                <a16:creationId xmlns:a16="http://schemas.microsoft.com/office/drawing/2014/main" xmlns="" id="{2BDE7953-2168-4F58-A49B-06DCA63F16B7}"/>
               </a:ext>
             </a:extLst>
           </p:cNvPr>
@@ -16224,7 +16243,7 @@
           <p:cNvPr id="140" name="Freeform 36">
             <a:extLst>
               <a:ext uri="{FF2B5EF4-FFF2-40B4-BE49-F238E27FC236}">
-                <a16:creationId xmlns="" xmlns:a16="http://schemas.microsoft.com/office/drawing/2014/main" id="{CB754567-D496-4353-8568-F2DB0B465F20}"/>
+                <a16:creationId xmlns:a16="http://schemas.microsoft.com/office/drawing/2014/main" xmlns="" id="{CB754567-D496-4353-8568-F2DB0B465F20}"/>
               </a:ext>
             </a:extLst>
           </p:cNvPr>
@@ -16361,7 +16380,7 @@
           <p:cNvPr id="141" name="Freeform 37">
             <a:extLst>
               <a:ext uri="{FF2B5EF4-FFF2-40B4-BE49-F238E27FC236}">
-                <a16:creationId xmlns="" xmlns:a16="http://schemas.microsoft.com/office/drawing/2014/main" id="{6A9EE009-94C9-4C2E-ADC4-76F6363B1241}"/>
+                <a16:creationId xmlns:a16="http://schemas.microsoft.com/office/drawing/2014/main" xmlns="" id="{6A9EE009-94C9-4C2E-ADC4-76F6363B1241}"/>
               </a:ext>
             </a:extLst>
           </p:cNvPr>
@@ -16498,7 +16517,7 @@
           <p:cNvPr id="142" name="Freeform 38">
             <a:extLst>
               <a:ext uri="{FF2B5EF4-FFF2-40B4-BE49-F238E27FC236}">
-                <a16:creationId xmlns="" xmlns:a16="http://schemas.microsoft.com/office/drawing/2014/main" id="{9B6214D6-04FE-4528-99A0-80FEDC048524}"/>
+                <a16:creationId xmlns:a16="http://schemas.microsoft.com/office/drawing/2014/main" xmlns="" id="{9B6214D6-04FE-4528-99A0-80FEDC048524}"/>
               </a:ext>
             </a:extLst>
           </p:cNvPr>
@@ -16635,7 +16654,7 @@
           <p:cNvPr id="143" name="Freeform 39">
             <a:extLst>
               <a:ext uri="{FF2B5EF4-FFF2-40B4-BE49-F238E27FC236}">
-                <a16:creationId xmlns="" xmlns:a16="http://schemas.microsoft.com/office/drawing/2014/main" id="{4573CD9D-06E1-4098-B188-2087987DB6E5}"/>
+                <a16:creationId xmlns:a16="http://schemas.microsoft.com/office/drawing/2014/main" xmlns="" id="{4573CD9D-06E1-4098-B188-2087987DB6E5}"/>
               </a:ext>
             </a:extLst>
           </p:cNvPr>
@@ -16772,7 +16791,7 @@
           <p:cNvPr id="144" name="Freeform 40">
             <a:extLst>
               <a:ext uri="{FF2B5EF4-FFF2-40B4-BE49-F238E27FC236}">
-                <a16:creationId xmlns="" xmlns:a16="http://schemas.microsoft.com/office/drawing/2014/main" id="{8F9A3DD1-676C-4B24-9D93-7FF259180D82}"/>
+                <a16:creationId xmlns:a16="http://schemas.microsoft.com/office/drawing/2014/main" xmlns="" id="{8F9A3DD1-676C-4B24-9D93-7FF259180D82}"/>
               </a:ext>
             </a:extLst>
           </p:cNvPr>
@@ -16909,7 +16928,7 @@
           <p:cNvPr id="145" name="Freeform 41">
             <a:extLst>
               <a:ext uri="{FF2B5EF4-FFF2-40B4-BE49-F238E27FC236}">
-                <a16:creationId xmlns="" xmlns:a16="http://schemas.microsoft.com/office/drawing/2014/main" id="{484236C9-1387-4141-8D6D-784A7C30062E}"/>
+                <a16:creationId xmlns:a16="http://schemas.microsoft.com/office/drawing/2014/main" xmlns="" id="{484236C9-1387-4141-8D6D-784A7C30062E}"/>
               </a:ext>
             </a:extLst>
           </p:cNvPr>
@@ -17046,7 +17065,7 @@
           <p:cNvPr id="146" name="Freeform 42">
             <a:extLst>
               <a:ext uri="{FF2B5EF4-FFF2-40B4-BE49-F238E27FC236}">
-                <a16:creationId xmlns="" xmlns:a16="http://schemas.microsoft.com/office/drawing/2014/main" id="{8FBA33AA-A2D8-4DF7-8E17-F37658C8DE03}"/>
+                <a16:creationId xmlns:a16="http://schemas.microsoft.com/office/drawing/2014/main" xmlns="" id="{8FBA33AA-A2D8-4DF7-8E17-F37658C8DE03}"/>
               </a:ext>
             </a:extLst>
           </p:cNvPr>
@@ -17183,7 +17202,7 @@
           <p:cNvPr id="147" name="Freeform 43">
             <a:extLst>
               <a:ext uri="{FF2B5EF4-FFF2-40B4-BE49-F238E27FC236}">
-                <a16:creationId xmlns="" xmlns:a16="http://schemas.microsoft.com/office/drawing/2014/main" id="{E0E7CDF9-1F8B-49D1-ADFA-FA564ADFFE48}"/>
+                <a16:creationId xmlns:a16="http://schemas.microsoft.com/office/drawing/2014/main" xmlns="" id="{E0E7CDF9-1F8B-49D1-ADFA-FA564ADFFE48}"/>
               </a:ext>
             </a:extLst>
           </p:cNvPr>
@@ -17320,7 +17339,7 @@
           <p:cNvPr id="148" name="Freeform 44">
             <a:extLst>
               <a:ext uri="{FF2B5EF4-FFF2-40B4-BE49-F238E27FC236}">
-                <a16:creationId xmlns="" xmlns:a16="http://schemas.microsoft.com/office/drawing/2014/main" id="{45C0F1DD-9C39-465A-BB54-E6052C1A110C}"/>
+                <a16:creationId xmlns:a16="http://schemas.microsoft.com/office/drawing/2014/main" xmlns="" id="{45C0F1DD-9C39-465A-BB54-E6052C1A110C}"/>
               </a:ext>
             </a:extLst>
           </p:cNvPr>
@@ -17457,7 +17476,7 @@
           <p:cNvPr id="149" name="Freeform 45">
             <a:extLst>
               <a:ext uri="{FF2B5EF4-FFF2-40B4-BE49-F238E27FC236}">
-                <a16:creationId xmlns="" xmlns:a16="http://schemas.microsoft.com/office/drawing/2014/main" id="{4A50BD20-573B-410B-8357-65D005D3DBEE}"/>
+                <a16:creationId xmlns:a16="http://schemas.microsoft.com/office/drawing/2014/main" xmlns="" id="{4A50BD20-573B-410B-8357-65D005D3DBEE}"/>
               </a:ext>
             </a:extLst>
           </p:cNvPr>
@@ -17594,7 +17613,7 @@
           <p:cNvPr id="150" name="Freeform 46">
             <a:extLst>
               <a:ext uri="{FF2B5EF4-FFF2-40B4-BE49-F238E27FC236}">
-                <a16:creationId xmlns="" xmlns:a16="http://schemas.microsoft.com/office/drawing/2014/main" id="{65D3A984-8EE1-4438-AF9D-B66C96F4F703}"/>
+                <a16:creationId xmlns:a16="http://schemas.microsoft.com/office/drawing/2014/main" xmlns="" id="{65D3A984-8EE1-4438-AF9D-B66C96F4F703}"/>
               </a:ext>
             </a:extLst>
           </p:cNvPr>
@@ -17731,7 +17750,7 @@
           <p:cNvPr id="151" name="Freeform 53">
             <a:extLst>
               <a:ext uri="{FF2B5EF4-FFF2-40B4-BE49-F238E27FC236}">
-                <a16:creationId xmlns="" xmlns:a16="http://schemas.microsoft.com/office/drawing/2014/main" id="{5A3A56FE-4BC2-41AC-A0FD-A2F259552F4E}"/>
+                <a16:creationId xmlns:a16="http://schemas.microsoft.com/office/drawing/2014/main" xmlns="" id="{5A3A56FE-4BC2-41AC-A0FD-A2F259552F4E}"/>
               </a:ext>
             </a:extLst>
           </p:cNvPr>
@@ -17868,7 +17887,7 @@
           <p:cNvPr id="152" name="Freeform 55">
             <a:extLst>
               <a:ext uri="{FF2B5EF4-FFF2-40B4-BE49-F238E27FC236}">
-                <a16:creationId xmlns="" xmlns:a16="http://schemas.microsoft.com/office/drawing/2014/main" id="{67AC6AED-EB0C-4609-A6C1-8FCC3D7B248B}"/>
+                <a16:creationId xmlns:a16="http://schemas.microsoft.com/office/drawing/2014/main" xmlns="" id="{67AC6AED-EB0C-4609-A6C1-8FCC3D7B248B}"/>
               </a:ext>
             </a:extLst>
           </p:cNvPr>
@@ -18005,7 +18024,7 @@
           <p:cNvPr id="153" name="Freeform 56">
             <a:extLst>
               <a:ext uri="{FF2B5EF4-FFF2-40B4-BE49-F238E27FC236}">
-                <a16:creationId xmlns="" xmlns:a16="http://schemas.microsoft.com/office/drawing/2014/main" id="{2D857DFD-F4AB-4AD2-8275-67D8836B4C30}"/>
+                <a16:creationId xmlns:a16="http://schemas.microsoft.com/office/drawing/2014/main" xmlns="" id="{2D857DFD-F4AB-4AD2-8275-67D8836B4C30}"/>
               </a:ext>
             </a:extLst>
           </p:cNvPr>
@@ -18142,7 +18161,7 @@
           <p:cNvPr id="154" name="Freeform 57">
             <a:extLst>
               <a:ext uri="{FF2B5EF4-FFF2-40B4-BE49-F238E27FC236}">
-                <a16:creationId xmlns="" xmlns:a16="http://schemas.microsoft.com/office/drawing/2014/main" id="{A6636674-F3B2-426E-A1E3-D80D15699987}"/>
+                <a16:creationId xmlns:a16="http://schemas.microsoft.com/office/drawing/2014/main" xmlns="" id="{A6636674-F3B2-426E-A1E3-D80D15699987}"/>
               </a:ext>
             </a:extLst>
           </p:cNvPr>
@@ -18279,7 +18298,7 @@
           <p:cNvPr id="155" name="Freeform 58">
             <a:extLst>
               <a:ext uri="{FF2B5EF4-FFF2-40B4-BE49-F238E27FC236}">
-                <a16:creationId xmlns="" xmlns:a16="http://schemas.microsoft.com/office/drawing/2014/main" id="{49A41194-1FE9-45DC-B0DA-399E22DE4293}"/>
+                <a16:creationId xmlns:a16="http://schemas.microsoft.com/office/drawing/2014/main" xmlns="" id="{49A41194-1FE9-45DC-B0DA-399E22DE4293}"/>
               </a:ext>
             </a:extLst>
           </p:cNvPr>
@@ -18416,7 +18435,7 @@
           <p:cNvPr id="156" name="Freeform 59">
             <a:extLst>
               <a:ext uri="{FF2B5EF4-FFF2-40B4-BE49-F238E27FC236}">
-                <a16:creationId xmlns="" xmlns:a16="http://schemas.microsoft.com/office/drawing/2014/main" id="{C06C16B3-17E2-4057-8D87-5CF519CB5122}"/>
+                <a16:creationId xmlns:a16="http://schemas.microsoft.com/office/drawing/2014/main" xmlns="" id="{C06C16B3-17E2-4057-8D87-5CF519CB5122}"/>
               </a:ext>
             </a:extLst>
           </p:cNvPr>
@@ -18553,7 +18572,7 @@
           <p:cNvPr id="157" name="Freeform 60">
             <a:extLst>
               <a:ext uri="{FF2B5EF4-FFF2-40B4-BE49-F238E27FC236}">
-                <a16:creationId xmlns="" xmlns:a16="http://schemas.microsoft.com/office/drawing/2014/main" id="{1D3473A9-F3D0-49E6-B7FF-EEDDE13FBDD0}"/>
+                <a16:creationId xmlns:a16="http://schemas.microsoft.com/office/drawing/2014/main" xmlns="" id="{1D3473A9-F3D0-49E6-B7FF-EEDDE13FBDD0}"/>
               </a:ext>
             </a:extLst>
           </p:cNvPr>
@@ -18690,7 +18709,7 @@
           <p:cNvPr id="158" name="Freeform 61">
             <a:extLst>
               <a:ext uri="{FF2B5EF4-FFF2-40B4-BE49-F238E27FC236}">
-                <a16:creationId xmlns="" xmlns:a16="http://schemas.microsoft.com/office/drawing/2014/main" id="{63830DAC-D550-4275-9D6D-8FEA2634CEBA}"/>
+                <a16:creationId xmlns:a16="http://schemas.microsoft.com/office/drawing/2014/main" xmlns="" id="{63830DAC-D550-4275-9D6D-8FEA2634CEBA}"/>
               </a:ext>
             </a:extLst>
           </p:cNvPr>
@@ -18827,7 +18846,7 @@
           <p:cNvPr id="159" name="Freeform 62">
             <a:extLst>
               <a:ext uri="{FF2B5EF4-FFF2-40B4-BE49-F238E27FC236}">
-                <a16:creationId xmlns="" xmlns:a16="http://schemas.microsoft.com/office/drawing/2014/main" id="{36A72667-0639-441E-A422-06150D0A2534}"/>
+                <a16:creationId xmlns:a16="http://schemas.microsoft.com/office/drawing/2014/main" xmlns="" id="{36A72667-0639-441E-A422-06150D0A2534}"/>
               </a:ext>
             </a:extLst>
           </p:cNvPr>
@@ -18964,7 +18983,7 @@
           <p:cNvPr id="160" name="Freeform 63">
             <a:extLst>
               <a:ext uri="{FF2B5EF4-FFF2-40B4-BE49-F238E27FC236}">
-                <a16:creationId xmlns="" xmlns:a16="http://schemas.microsoft.com/office/drawing/2014/main" id="{E4DDDE35-8C14-457E-A7DD-FBDAD3E29309}"/>
+                <a16:creationId xmlns:a16="http://schemas.microsoft.com/office/drawing/2014/main" xmlns="" id="{E4DDDE35-8C14-457E-A7DD-FBDAD3E29309}"/>
               </a:ext>
             </a:extLst>
           </p:cNvPr>
@@ -19101,7 +19120,7 @@
           <p:cNvPr id="161" name="Freeform 65">
             <a:extLst>
               <a:ext uri="{FF2B5EF4-FFF2-40B4-BE49-F238E27FC236}">
-                <a16:creationId xmlns="" xmlns:a16="http://schemas.microsoft.com/office/drawing/2014/main" id="{7F5B33DA-9D25-4096-8187-15007CB9BB0A}"/>
+                <a16:creationId xmlns:a16="http://schemas.microsoft.com/office/drawing/2014/main" xmlns="" id="{7F5B33DA-9D25-4096-8187-15007CB9BB0A}"/>
               </a:ext>
             </a:extLst>
           </p:cNvPr>
@@ -19238,7 +19257,7 @@
           <p:cNvPr id="162" name="Freeform 66">
             <a:extLst>
               <a:ext uri="{FF2B5EF4-FFF2-40B4-BE49-F238E27FC236}">
-                <a16:creationId xmlns="" xmlns:a16="http://schemas.microsoft.com/office/drawing/2014/main" id="{E921DC22-D0C7-474C-94BB-38F58FB9A13B}"/>
+                <a16:creationId xmlns:a16="http://schemas.microsoft.com/office/drawing/2014/main" xmlns="" id="{E921DC22-D0C7-474C-94BB-38F58FB9A13B}"/>
               </a:ext>
             </a:extLst>
           </p:cNvPr>
@@ -19375,7 +19394,7 @@
           <p:cNvPr id="163" name="Freeform 67">
             <a:extLst>
               <a:ext uri="{FF2B5EF4-FFF2-40B4-BE49-F238E27FC236}">
-                <a16:creationId xmlns="" xmlns:a16="http://schemas.microsoft.com/office/drawing/2014/main" id="{6E96CACF-3B58-4840-BD40-65634E1CB798}"/>
+                <a16:creationId xmlns:a16="http://schemas.microsoft.com/office/drawing/2014/main" xmlns="" id="{6E96CACF-3B58-4840-BD40-65634E1CB798}"/>
               </a:ext>
             </a:extLst>
           </p:cNvPr>
@@ -19512,7 +19531,7 @@
           <p:cNvPr id="164" name="Freeform 68">
             <a:extLst>
               <a:ext uri="{FF2B5EF4-FFF2-40B4-BE49-F238E27FC236}">
-                <a16:creationId xmlns="" xmlns:a16="http://schemas.microsoft.com/office/drawing/2014/main" id="{B054C700-A512-476A-84F3-63259A7508BF}"/>
+                <a16:creationId xmlns:a16="http://schemas.microsoft.com/office/drawing/2014/main" xmlns="" id="{B054C700-A512-476A-84F3-63259A7508BF}"/>
               </a:ext>
             </a:extLst>
           </p:cNvPr>
@@ -19649,7 +19668,7 @@
           <p:cNvPr id="165" name="Freeform 69">
             <a:extLst>
               <a:ext uri="{FF2B5EF4-FFF2-40B4-BE49-F238E27FC236}">
-                <a16:creationId xmlns="" xmlns:a16="http://schemas.microsoft.com/office/drawing/2014/main" id="{D8CA26FD-0C58-4D3E-ACE9-DDE79516A0E5}"/>
+                <a16:creationId xmlns:a16="http://schemas.microsoft.com/office/drawing/2014/main" xmlns="" id="{D8CA26FD-0C58-4D3E-ACE9-DDE79516A0E5}"/>
               </a:ext>
             </a:extLst>
           </p:cNvPr>
@@ -19786,7 +19805,7 @@
           <p:cNvPr id="166" name="Freeform 70">
             <a:extLst>
               <a:ext uri="{FF2B5EF4-FFF2-40B4-BE49-F238E27FC236}">
-                <a16:creationId xmlns="" xmlns:a16="http://schemas.microsoft.com/office/drawing/2014/main" id="{4F96F0BA-B086-4815-AB44-DFA0EA6BC0CC}"/>
+                <a16:creationId xmlns:a16="http://schemas.microsoft.com/office/drawing/2014/main" xmlns="" id="{4F96F0BA-B086-4815-AB44-DFA0EA6BC0CC}"/>
               </a:ext>
             </a:extLst>
           </p:cNvPr>
@@ -19923,7 +19942,7 @@
           <p:cNvPr id="167" name="Freeform 71">
             <a:extLst>
               <a:ext uri="{FF2B5EF4-FFF2-40B4-BE49-F238E27FC236}">
-                <a16:creationId xmlns="" xmlns:a16="http://schemas.microsoft.com/office/drawing/2014/main" id="{9DD91747-856A-46EF-A35E-4D68DD62FB7E}"/>
+                <a16:creationId xmlns:a16="http://schemas.microsoft.com/office/drawing/2014/main" xmlns="" id="{9DD91747-856A-46EF-A35E-4D68DD62FB7E}"/>
               </a:ext>
             </a:extLst>
           </p:cNvPr>
@@ -20060,7 +20079,7 @@
           <p:cNvPr id="168" name="Freeform 72">
             <a:extLst>
               <a:ext uri="{FF2B5EF4-FFF2-40B4-BE49-F238E27FC236}">
-                <a16:creationId xmlns="" xmlns:a16="http://schemas.microsoft.com/office/drawing/2014/main" id="{57A3AB4C-E15F-4ACE-B554-4A35F5FFE8D8}"/>
+                <a16:creationId xmlns:a16="http://schemas.microsoft.com/office/drawing/2014/main" xmlns="" id="{57A3AB4C-E15F-4ACE-B554-4A35F5FFE8D8}"/>
               </a:ext>
             </a:extLst>
           </p:cNvPr>
@@ -20197,7 +20216,7 @@
           <p:cNvPr id="169" name="Freeform 79">
             <a:extLst>
               <a:ext uri="{FF2B5EF4-FFF2-40B4-BE49-F238E27FC236}">
-                <a16:creationId xmlns="" xmlns:a16="http://schemas.microsoft.com/office/drawing/2014/main" id="{1C55B425-986C-4626-BE12-F131694209CD}"/>
+                <a16:creationId xmlns:a16="http://schemas.microsoft.com/office/drawing/2014/main" xmlns="" id="{1C55B425-986C-4626-BE12-F131694209CD}"/>
               </a:ext>
             </a:extLst>
           </p:cNvPr>
@@ -20334,7 +20353,7 @@
           <p:cNvPr id="170" name="Freeform 80">
             <a:extLst>
               <a:ext uri="{FF2B5EF4-FFF2-40B4-BE49-F238E27FC236}">
-                <a16:creationId xmlns="" xmlns:a16="http://schemas.microsoft.com/office/drawing/2014/main" id="{CD1E9D64-2185-4B4D-9F34-6AEF4620345B}"/>
+                <a16:creationId xmlns:a16="http://schemas.microsoft.com/office/drawing/2014/main" xmlns="" id="{CD1E9D64-2185-4B4D-9F34-6AEF4620345B}"/>
               </a:ext>
             </a:extLst>
           </p:cNvPr>
@@ -20471,7 +20490,7 @@
           <p:cNvPr id="171" name="Freeform 81">
             <a:extLst>
               <a:ext uri="{FF2B5EF4-FFF2-40B4-BE49-F238E27FC236}">
-                <a16:creationId xmlns="" xmlns:a16="http://schemas.microsoft.com/office/drawing/2014/main" id="{7C4E5F95-CDBA-4F46-A186-2DBAACF18A73}"/>
+                <a16:creationId xmlns:a16="http://schemas.microsoft.com/office/drawing/2014/main" xmlns="" id="{7C4E5F95-CDBA-4F46-A186-2DBAACF18A73}"/>
               </a:ext>
             </a:extLst>
           </p:cNvPr>
@@ -20608,7 +20627,7 @@
           <p:cNvPr id="172" name="Freeform 82">
             <a:extLst>
               <a:ext uri="{FF2B5EF4-FFF2-40B4-BE49-F238E27FC236}">
-                <a16:creationId xmlns="" xmlns:a16="http://schemas.microsoft.com/office/drawing/2014/main" id="{81C0B484-33A3-406B-B04E-CFC0254DBE8A}"/>
+                <a16:creationId xmlns:a16="http://schemas.microsoft.com/office/drawing/2014/main" xmlns="" id="{81C0B484-33A3-406B-B04E-CFC0254DBE8A}"/>
               </a:ext>
             </a:extLst>
           </p:cNvPr>
@@ -20745,7 +20764,7 @@
           <p:cNvPr id="173" name="Freeform 96">
             <a:extLst>
               <a:ext uri="{FF2B5EF4-FFF2-40B4-BE49-F238E27FC236}">
-                <a16:creationId xmlns="" xmlns:a16="http://schemas.microsoft.com/office/drawing/2014/main" id="{5E61593B-EADA-4BAC-84DA-293DD5F2BC3F}"/>
+                <a16:creationId xmlns:a16="http://schemas.microsoft.com/office/drawing/2014/main" xmlns="" id="{5E61593B-EADA-4BAC-84DA-293DD5F2BC3F}"/>
               </a:ext>
             </a:extLst>
           </p:cNvPr>
@@ -20882,7 +20901,7 @@
           <p:cNvPr id="174" name="Freeform 97">
             <a:extLst>
               <a:ext uri="{FF2B5EF4-FFF2-40B4-BE49-F238E27FC236}">
-                <a16:creationId xmlns="" xmlns:a16="http://schemas.microsoft.com/office/drawing/2014/main" id="{797124D9-1031-4107-83B8-D14D1A4C2FD1}"/>
+                <a16:creationId xmlns:a16="http://schemas.microsoft.com/office/drawing/2014/main" xmlns="" id="{797124D9-1031-4107-83B8-D14D1A4C2FD1}"/>
               </a:ext>
             </a:extLst>
           </p:cNvPr>
@@ -21019,7 +21038,7 @@
           <p:cNvPr id="175" name="Freeform 98">
             <a:extLst>
               <a:ext uri="{FF2B5EF4-FFF2-40B4-BE49-F238E27FC236}">
-                <a16:creationId xmlns="" xmlns:a16="http://schemas.microsoft.com/office/drawing/2014/main" id="{198BCA28-6B25-4DF9-B750-FAF04946D71E}"/>
+                <a16:creationId xmlns:a16="http://schemas.microsoft.com/office/drawing/2014/main" xmlns="" id="{198BCA28-6B25-4DF9-B750-FAF04946D71E}"/>
               </a:ext>
             </a:extLst>
           </p:cNvPr>
@@ -21156,7 +21175,7 @@
           <p:cNvPr id="176" name="Freeform 105">
             <a:extLst>
               <a:ext uri="{FF2B5EF4-FFF2-40B4-BE49-F238E27FC236}">
-                <a16:creationId xmlns="" xmlns:a16="http://schemas.microsoft.com/office/drawing/2014/main" id="{400EF1EC-AE8F-494B-9645-55D18AE3074E}"/>
+                <a16:creationId xmlns:a16="http://schemas.microsoft.com/office/drawing/2014/main" xmlns="" id="{400EF1EC-AE8F-494B-9645-55D18AE3074E}"/>
               </a:ext>
             </a:extLst>
           </p:cNvPr>
@@ -21293,7 +21312,7 @@
           <p:cNvPr id="177" name="Freeform 106">
             <a:extLst>
               <a:ext uri="{FF2B5EF4-FFF2-40B4-BE49-F238E27FC236}">
-                <a16:creationId xmlns="" xmlns:a16="http://schemas.microsoft.com/office/drawing/2014/main" id="{E6D8F28F-C449-4C12-93B3-BC41C0D28C0D}"/>
+                <a16:creationId xmlns:a16="http://schemas.microsoft.com/office/drawing/2014/main" xmlns="" id="{E6D8F28F-C449-4C12-93B3-BC41C0D28C0D}"/>
               </a:ext>
             </a:extLst>
           </p:cNvPr>
@@ -21430,7 +21449,7 @@
           <p:cNvPr id="178" name="Freeform 107">
             <a:extLst>
               <a:ext uri="{FF2B5EF4-FFF2-40B4-BE49-F238E27FC236}">
-                <a16:creationId xmlns="" xmlns:a16="http://schemas.microsoft.com/office/drawing/2014/main" id="{37E0BE0D-A46A-46BF-8679-6D73760FA001}"/>
+                <a16:creationId xmlns:a16="http://schemas.microsoft.com/office/drawing/2014/main" xmlns="" id="{37E0BE0D-A46A-46BF-8679-6D73760FA001}"/>
               </a:ext>
             </a:extLst>
           </p:cNvPr>
@@ -21567,7 +21586,7 @@
           <p:cNvPr id="179" name="Freeform 125">
             <a:extLst>
               <a:ext uri="{FF2B5EF4-FFF2-40B4-BE49-F238E27FC236}">
-                <a16:creationId xmlns="" xmlns:a16="http://schemas.microsoft.com/office/drawing/2014/main" id="{3AEC37DF-785A-4577-A4B2-BC98AEDE3463}"/>
+                <a16:creationId xmlns:a16="http://schemas.microsoft.com/office/drawing/2014/main" xmlns="" id="{3AEC37DF-785A-4577-A4B2-BC98AEDE3463}"/>
               </a:ext>
             </a:extLst>
           </p:cNvPr>
@@ -21670,7 +21689,7 @@
           <p:cNvPr id="180" name="Freeform 147">
             <a:extLst>
               <a:ext uri="{FF2B5EF4-FFF2-40B4-BE49-F238E27FC236}">
-                <a16:creationId xmlns="" xmlns:a16="http://schemas.microsoft.com/office/drawing/2014/main" id="{627F0F0D-8BD5-4CC8-93BC-E5E58C47EED9}"/>
+                <a16:creationId xmlns:a16="http://schemas.microsoft.com/office/drawing/2014/main" xmlns="" id="{627F0F0D-8BD5-4CC8-93BC-E5E58C47EED9}"/>
               </a:ext>
             </a:extLst>
           </p:cNvPr>
@@ -21772,7 +21791,7 @@
           <p:cNvPr id="181" name="Rectangle 165">
             <a:extLst>
               <a:ext uri="{FF2B5EF4-FFF2-40B4-BE49-F238E27FC236}">
-                <a16:creationId xmlns="" xmlns:a16="http://schemas.microsoft.com/office/drawing/2014/main" id="{A303FEC3-074A-4ACD-803B-553A8FD65C27}"/>
+                <a16:creationId xmlns:a16="http://schemas.microsoft.com/office/drawing/2014/main" xmlns="" id="{A303FEC3-074A-4ACD-803B-553A8FD65C27}"/>
               </a:ext>
             </a:extLst>
           </p:cNvPr>
@@ -22590,7 +22609,7 @@
           <p:cNvPr id="22" name="Freeform 1010">
             <a:extLst>
               <a:ext uri="{FF2B5EF4-FFF2-40B4-BE49-F238E27FC236}">
-                <a16:creationId xmlns="" xmlns:a16="http://schemas.microsoft.com/office/drawing/2014/main" id="{F2E4948D-E59C-4C7E-99F9-9D2C540FF9EA}"/>
+                <a16:creationId xmlns:a16="http://schemas.microsoft.com/office/drawing/2014/main" xmlns="" id="{F2E4948D-E59C-4C7E-99F9-9D2C540FF9EA}"/>
               </a:ext>
             </a:extLst>
           </p:cNvPr>
@@ -22774,7 +22793,7 @@
           <p:cNvPr id="24" name="Group 23">
             <a:extLst>
               <a:ext uri="{FF2B5EF4-FFF2-40B4-BE49-F238E27FC236}">
-                <a16:creationId xmlns="" xmlns:a16="http://schemas.microsoft.com/office/drawing/2014/main" id="{069838C5-AF2E-478E-8691-FE05AA25F6D0}"/>
+                <a16:creationId xmlns:a16="http://schemas.microsoft.com/office/drawing/2014/main" xmlns="" id="{069838C5-AF2E-478E-8691-FE05AA25F6D0}"/>
               </a:ext>
             </a:extLst>
           </p:cNvPr>
@@ -22794,7 +22813,7 @@
             <p:cNvPr id="25" name="Freeform 1119">
               <a:extLst>
                 <a:ext uri="{FF2B5EF4-FFF2-40B4-BE49-F238E27FC236}">
-                  <a16:creationId xmlns="" xmlns:a16="http://schemas.microsoft.com/office/drawing/2014/main" id="{942DDB98-3B10-4A79-9C84-4C0A11BEC61B}"/>
+                  <a16:creationId xmlns:a16="http://schemas.microsoft.com/office/drawing/2014/main" xmlns="" id="{942DDB98-3B10-4A79-9C84-4C0A11BEC61B}"/>
                 </a:ext>
               </a:extLst>
             </p:cNvPr>
@@ -23429,7 +23448,7 @@
             <p:cNvPr id="26" name="Freeform: Shape 230">
               <a:extLst>
                 <a:ext uri="{FF2B5EF4-FFF2-40B4-BE49-F238E27FC236}">
-                  <a16:creationId xmlns="" xmlns:a16="http://schemas.microsoft.com/office/drawing/2014/main" id="{459D2A8C-0479-4B9F-922A-32D8C33556E9}"/>
+                  <a16:creationId xmlns:a16="http://schemas.microsoft.com/office/drawing/2014/main" xmlns="" id="{459D2A8C-0479-4B9F-922A-32D8C33556E9}"/>
                 </a:ext>
               </a:extLst>
             </p:cNvPr>
@@ -24021,7 +24040,7 @@
             <p:cNvPr id="27" name="Freeform 1128">
               <a:extLst>
                 <a:ext uri="{FF2B5EF4-FFF2-40B4-BE49-F238E27FC236}">
-                  <a16:creationId xmlns="" xmlns:a16="http://schemas.microsoft.com/office/drawing/2014/main" id="{AA59A11A-F468-4D5E-B043-0805FF9CBCA1}"/>
+                  <a16:creationId xmlns:a16="http://schemas.microsoft.com/office/drawing/2014/main" xmlns="" id="{AA59A11A-F468-4D5E-B043-0805FF9CBCA1}"/>
                 </a:ext>
               </a:extLst>
             </p:cNvPr>
@@ -24072,7 +24091,7 @@
             <p:cNvPr id="28" name="Freeform 1131">
               <a:extLst>
                 <a:ext uri="{FF2B5EF4-FFF2-40B4-BE49-F238E27FC236}">
-                  <a16:creationId xmlns="" xmlns:a16="http://schemas.microsoft.com/office/drawing/2014/main" id="{FE8A794F-8A9A-42C9-B4E9-B6FAFB027F81}"/>
+                  <a16:creationId xmlns:a16="http://schemas.microsoft.com/office/drawing/2014/main" xmlns="" id="{FE8A794F-8A9A-42C9-B4E9-B6FAFB027F81}"/>
                 </a:ext>
               </a:extLst>
             </p:cNvPr>
@@ -24123,7 +24142,7 @@
             <p:cNvPr id="29" name="Freeform 1116">
               <a:extLst>
                 <a:ext uri="{FF2B5EF4-FFF2-40B4-BE49-F238E27FC236}">
-                  <a16:creationId xmlns="" xmlns:a16="http://schemas.microsoft.com/office/drawing/2014/main" id="{B94209B6-0274-4DAE-AC4C-6F28901E7633}"/>
+                  <a16:creationId xmlns:a16="http://schemas.microsoft.com/office/drawing/2014/main" xmlns="" id="{B94209B6-0274-4DAE-AC4C-6F28901E7633}"/>
                 </a:ext>
               </a:extLst>
             </p:cNvPr>
@@ -24758,7 +24777,7 @@
             <p:cNvPr id="30" name="Freeform: Shape 234">
               <a:extLst>
                 <a:ext uri="{FF2B5EF4-FFF2-40B4-BE49-F238E27FC236}">
-                  <a16:creationId xmlns="" xmlns:a16="http://schemas.microsoft.com/office/drawing/2014/main" id="{4A385025-BABD-4FCA-A0DA-CECE78BDE0A1}"/>
+                  <a16:creationId xmlns:a16="http://schemas.microsoft.com/office/drawing/2014/main" xmlns="" id="{4A385025-BABD-4FCA-A0DA-CECE78BDE0A1}"/>
                 </a:ext>
               </a:extLst>
             </p:cNvPr>
@@ -25371,7 +25390,7 @@
             <p:cNvPr id="31" name="Freeform 1134">
               <a:extLst>
                 <a:ext uri="{FF2B5EF4-FFF2-40B4-BE49-F238E27FC236}">
-                  <a16:creationId xmlns="" xmlns:a16="http://schemas.microsoft.com/office/drawing/2014/main" id="{56C4D899-E930-439A-ADCA-E56EDF1646C1}"/>
+                  <a16:creationId xmlns:a16="http://schemas.microsoft.com/office/drawing/2014/main" xmlns="" id="{56C4D899-E930-439A-ADCA-E56EDF1646C1}"/>
                 </a:ext>
               </a:extLst>
             </p:cNvPr>
@@ -25422,7 +25441,7 @@
             <p:cNvPr id="32" name="Freeform 1137">
               <a:extLst>
                 <a:ext uri="{FF2B5EF4-FFF2-40B4-BE49-F238E27FC236}">
-                  <a16:creationId xmlns="" xmlns:a16="http://schemas.microsoft.com/office/drawing/2014/main" id="{1BEF71AE-C416-487B-8609-97F1B6FF3FEF}"/>
+                  <a16:creationId xmlns:a16="http://schemas.microsoft.com/office/drawing/2014/main" xmlns="" id="{1BEF71AE-C416-487B-8609-97F1B6FF3FEF}"/>
                 </a:ext>
               </a:extLst>
             </p:cNvPr>
@@ -25474,7 +25493,7 @@
           <p:cNvPr id="33" name="Title 1">
             <a:extLst>
               <a:ext uri="{FF2B5EF4-FFF2-40B4-BE49-F238E27FC236}">
-                <a16:creationId xmlns="" xmlns:a16="http://schemas.microsoft.com/office/drawing/2014/main" id="{2C2BFAE1-45D3-4B3B-81D2-0BF25FA84FB8}"/>
+                <a16:creationId xmlns:a16="http://schemas.microsoft.com/office/drawing/2014/main" xmlns="" id="{2C2BFAE1-45D3-4B3B-81D2-0BF25FA84FB8}"/>
               </a:ext>
             </a:extLst>
           </p:cNvPr>
@@ -25590,7 +25609,7 @@
           <p:cNvPr id="34" name="Group 33">
             <a:extLst>
               <a:ext uri="{FF2B5EF4-FFF2-40B4-BE49-F238E27FC236}">
-                <a16:creationId xmlns="" xmlns:a16="http://schemas.microsoft.com/office/drawing/2014/main" id="{B56796B2-77C0-4F7D-9C92-0A9A7861C60D}"/>
+                <a16:creationId xmlns:a16="http://schemas.microsoft.com/office/drawing/2014/main" xmlns="" id="{B56796B2-77C0-4F7D-9C92-0A9A7861C60D}"/>
               </a:ext>
             </a:extLst>
           </p:cNvPr>
@@ -25610,7 +25629,7 @@
             <p:cNvPr id="35" name="TextBox 34">
               <a:extLst>
                 <a:ext uri="{FF2B5EF4-FFF2-40B4-BE49-F238E27FC236}">
-                  <a16:creationId xmlns="" xmlns:a16="http://schemas.microsoft.com/office/drawing/2014/main" id="{39A702E4-97AF-4ECE-B64E-1E10976DE8F8}"/>
+                  <a16:creationId xmlns:a16="http://schemas.microsoft.com/office/drawing/2014/main" xmlns="" id="{39A702E4-97AF-4ECE-B64E-1E10976DE8F8}"/>
                 </a:ext>
               </a:extLst>
             </p:cNvPr>
@@ -25655,7 +25674,7 @@
             <p:cNvPr id="36" name="TextBox 35">
               <a:extLst>
                 <a:ext uri="{FF2B5EF4-FFF2-40B4-BE49-F238E27FC236}">
-                  <a16:creationId xmlns="" xmlns:a16="http://schemas.microsoft.com/office/drawing/2014/main" id="{F1436519-EE99-49AA-9481-02D3C72FC899}"/>
+                  <a16:creationId xmlns:a16="http://schemas.microsoft.com/office/drawing/2014/main" xmlns="" id="{F1436519-EE99-49AA-9481-02D3C72FC899}"/>
                 </a:ext>
               </a:extLst>
             </p:cNvPr>
@@ -25712,7 +25731,7 @@
           <p:cNvPr id="40" name="Group 39">
             <a:extLst>
               <a:ext uri="{FF2B5EF4-FFF2-40B4-BE49-F238E27FC236}">
-                <a16:creationId xmlns="" xmlns:a16="http://schemas.microsoft.com/office/drawing/2014/main" id="{B56796B2-77C0-4F7D-9C92-0A9A7861C60D}"/>
+                <a16:creationId xmlns:a16="http://schemas.microsoft.com/office/drawing/2014/main" xmlns="" id="{B56796B2-77C0-4F7D-9C92-0A9A7861C60D}"/>
               </a:ext>
             </a:extLst>
           </p:cNvPr>
@@ -25732,7 +25751,7 @@
             <p:cNvPr id="41" name="TextBox 40">
               <a:extLst>
                 <a:ext uri="{FF2B5EF4-FFF2-40B4-BE49-F238E27FC236}">
-                  <a16:creationId xmlns="" xmlns:a16="http://schemas.microsoft.com/office/drawing/2014/main" id="{39A702E4-97AF-4ECE-B64E-1E10976DE8F8}"/>
+                  <a16:creationId xmlns:a16="http://schemas.microsoft.com/office/drawing/2014/main" xmlns="" id="{39A702E4-97AF-4ECE-B64E-1E10976DE8F8}"/>
                 </a:ext>
               </a:extLst>
             </p:cNvPr>
@@ -25777,7 +25796,7 @@
             <p:cNvPr id="42" name="TextBox 41">
               <a:extLst>
                 <a:ext uri="{FF2B5EF4-FFF2-40B4-BE49-F238E27FC236}">
-                  <a16:creationId xmlns="" xmlns:a16="http://schemas.microsoft.com/office/drawing/2014/main" id="{F1436519-EE99-49AA-9481-02D3C72FC899}"/>
+                  <a16:creationId xmlns:a16="http://schemas.microsoft.com/office/drawing/2014/main" xmlns="" id="{F1436519-EE99-49AA-9481-02D3C72FC899}"/>
                 </a:ext>
               </a:extLst>
             </p:cNvPr>
@@ -25861,7 +25880,7 @@
           <p:cNvPr id="44" name="TextBox 43">
             <a:extLst>
               <a:ext uri="{FF2B5EF4-FFF2-40B4-BE49-F238E27FC236}">
-                <a16:creationId xmlns="" xmlns:a16="http://schemas.microsoft.com/office/drawing/2014/main" id="{39A702E4-97AF-4ECE-B64E-1E10976DE8F8}"/>
+                <a16:creationId xmlns:a16="http://schemas.microsoft.com/office/drawing/2014/main" xmlns="" id="{39A702E4-97AF-4ECE-B64E-1E10976DE8F8}"/>
               </a:ext>
             </a:extLst>
           </p:cNvPr>
@@ -25906,7 +25925,7 @@
           <p:cNvPr id="47" name="Freeform 11">
             <a:extLst>
               <a:ext uri="{FF2B5EF4-FFF2-40B4-BE49-F238E27FC236}">
-                <a16:creationId xmlns="" xmlns:a16="http://schemas.microsoft.com/office/drawing/2014/main" id="{C0227C71-05B9-475A-96F1-6605D6A14007}"/>
+                <a16:creationId xmlns:a16="http://schemas.microsoft.com/office/drawing/2014/main" xmlns="" id="{C0227C71-05B9-475A-96F1-6605D6A14007}"/>
               </a:ext>
             </a:extLst>
           </p:cNvPr>
@@ -26043,7 +26062,7 @@
           <p:cNvPr id="48" name="Freeform 12">
             <a:extLst>
               <a:ext uri="{FF2B5EF4-FFF2-40B4-BE49-F238E27FC236}">
-                <a16:creationId xmlns="" xmlns:a16="http://schemas.microsoft.com/office/drawing/2014/main" id="{81E43D33-EBD3-402F-A3F1-041D6D7B8EAA}"/>
+                <a16:creationId xmlns:a16="http://schemas.microsoft.com/office/drawing/2014/main" xmlns="" id="{81E43D33-EBD3-402F-A3F1-041D6D7B8EAA}"/>
               </a:ext>
             </a:extLst>
           </p:cNvPr>
@@ -26180,7 +26199,7 @@
           <p:cNvPr id="49" name="Freeform 13">
             <a:extLst>
               <a:ext uri="{FF2B5EF4-FFF2-40B4-BE49-F238E27FC236}">
-                <a16:creationId xmlns="" xmlns:a16="http://schemas.microsoft.com/office/drawing/2014/main" id="{74E8FAD9-03D9-497D-B9FA-78A21CEE837E}"/>
+                <a16:creationId xmlns:a16="http://schemas.microsoft.com/office/drawing/2014/main" xmlns="" id="{74E8FAD9-03D9-497D-B9FA-78A21CEE837E}"/>
               </a:ext>
             </a:extLst>
           </p:cNvPr>
@@ -26317,7 +26336,7 @@
           <p:cNvPr id="50" name="Freeform 14">
             <a:extLst>
               <a:ext uri="{FF2B5EF4-FFF2-40B4-BE49-F238E27FC236}">
-                <a16:creationId xmlns="" xmlns:a16="http://schemas.microsoft.com/office/drawing/2014/main" id="{F7BCB902-FE28-44BB-B683-C624DF775F88}"/>
+                <a16:creationId xmlns:a16="http://schemas.microsoft.com/office/drawing/2014/main" xmlns="" id="{F7BCB902-FE28-44BB-B683-C624DF775F88}"/>
               </a:ext>
             </a:extLst>
           </p:cNvPr>
@@ -26454,7 +26473,7 @@
           <p:cNvPr id="51" name="Freeform 15">
             <a:extLst>
               <a:ext uri="{FF2B5EF4-FFF2-40B4-BE49-F238E27FC236}">
-                <a16:creationId xmlns="" xmlns:a16="http://schemas.microsoft.com/office/drawing/2014/main" id="{41C9649D-A0FA-4190-A8BF-AE344D4E7F81}"/>
+                <a16:creationId xmlns:a16="http://schemas.microsoft.com/office/drawing/2014/main" xmlns="" id="{41C9649D-A0FA-4190-A8BF-AE344D4E7F81}"/>
               </a:ext>
             </a:extLst>
           </p:cNvPr>
@@ -26591,7 +26610,7 @@
           <p:cNvPr id="52" name="Freeform 16">
             <a:extLst>
               <a:ext uri="{FF2B5EF4-FFF2-40B4-BE49-F238E27FC236}">
-                <a16:creationId xmlns="" xmlns:a16="http://schemas.microsoft.com/office/drawing/2014/main" id="{0B28BCF8-2DC0-4E2C-8F16-FF0022F644BB}"/>
+                <a16:creationId xmlns:a16="http://schemas.microsoft.com/office/drawing/2014/main" xmlns="" id="{0B28BCF8-2DC0-4E2C-8F16-FF0022F644BB}"/>
               </a:ext>
             </a:extLst>
           </p:cNvPr>
@@ -26728,7 +26747,7 @@
           <p:cNvPr id="53" name="Freeform 17">
             <a:extLst>
               <a:ext uri="{FF2B5EF4-FFF2-40B4-BE49-F238E27FC236}">
-                <a16:creationId xmlns="" xmlns:a16="http://schemas.microsoft.com/office/drawing/2014/main" id="{084FFFA1-80EA-4284-BE1D-6FFBDE80BD93}"/>
+                <a16:creationId xmlns:a16="http://schemas.microsoft.com/office/drawing/2014/main" xmlns="" id="{084FFFA1-80EA-4284-BE1D-6FFBDE80BD93}"/>
               </a:ext>
             </a:extLst>
           </p:cNvPr>
@@ -26865,7 +26884,7 @@
           <p:cNvPr id="54" name="Freeform 18">
             <a:extLst>
               <a:ext uri="{FF2B5EF4-FFF2-40B4-BE49-F238E27FC236}">
-                <a16:creationId xmlns="" xmlns:a16="http://schemas.microsoft.com/office/drawing/2014/main" id="{1E71F11F-B81F-4132-B1F5-51AEB9736360}"/>
+                <a16:creationId xmlns:a16="http://schemas.microsoft.com/office/drawing/2014/main" xmlns="" id="{1E71F11F-B81F-4132-B1F5-51AEB9736360}"/>
               </a:ext>
             </a:extLst>
           </p:cNvPr>
@@ -27002,7 +27021,7 @@
           <p:cNvPr id="55" name="Freeform 19">
             <a:extLst>
               <a:ext uri="{FF2B5EF4-FFF2-40B4-BE49-F238E27FC236}">
-                <a16:creationId xmlns="" xmlns:a16="http://schemas.microsoft.com/office/drawing/2014/main" id="{1A7D7D8F-5B94-4084-B9DF-020AAA064CE7}"/>
+                <a16:creationId xmlns:a16="http://schemas.microsoft.com/office/drawing/2014/main" xmlns="" id="{1A7D7D8F-5B94-4084-B9DF-020AAA064CE7}"/>
               </a:ext>
             </a:extLst>
           </p:cNvPr>
@@ -27139,7 +27158,7 @@
           <p:cNvPr id="56" name="Freeform 20">
             <a:extLst>
               <a:ext uri="{FF2B5EF4-FFF2-40B4-BE49-F238E27FC236}">
-                <a16:creationId xmlns="" xmlns:a16="http://schemas.microsoft.com/office/drawing/2014/main" id="{3752C920-4F9D-43F8-A592-D6E13F6E16BF}"/>
+                <a16:creationId xmlns:a16="http://schemas.microsoft.com/office/drawing/2014/main" xmlns="" id="{3752C920-4F9D-43F8-A592-D6E13F6E16BF}"/>
               </a:ext>
             </a:extLst>
           </p:cNvPr>
@@ -27276,7 +27295,7 @@
           <p:cNvPr id="57" name="Freeform 21">
             <a:extLst>
               <a:ext uri="{FF2B5EF4-FFF2-40B4-BE49-F238E27FC236}">
-                <a16:creationId xmlns="" xmlns:a16="http://schemas.microsoft.com/office/drawing/2014/main" id="{9B71C156-14DB-4751-8C9D-14730140FBB3}"/>
+                <a16:creationId xmlns:a16="http://schemas.microsoft.com/office/drawing/2014/main" xmlns="" id="{9B71C156-14DB-4751-8C9D-14730140FBB3}"/>
               </a:ext>
             </a:extLst>
           </p:cNvPr>
@@ -27413,7 +27432,7 @@
           <p:cNvPr id="58" name="Freeform 22">
             <a:extLst>
               <a:ext uri="{FF2B5EF4-FFF2-40B4-BE49-F238E27FC236}">
-                <a16:creationId xmlns="" xmlns:a16="http://schemas.microsoft.com/office/drawing/2014/main" id="{212E092B-2FBE-4338-ABB1-A4983331038D}"/>
+                <a16:creationId xmlns:a16="http://schemas.microsoft.com/office/drawing/2014/main" xmlns="" id="{212E092B-2FBE-4338-ABB1-A4983331038D}"/>
               </a:ext>
             </a:extLst>
           </p:cNvPr>
@@ -27550,7 +27569,7 @@
           <p:cNvPr id="59" name="Freeform 23">
             <a:extLst>
               <a:ext uri="{FF2B5EF4-FFF2-40B4-BE49-F238E27FC236}">
-                <a16:creationId xmlns="" xmlns:a16="http://schemas.microsoft.com/office/drawing/2014/main" id="{71BD2BEA-802C-42B3-A548-56E523A5465E}"/>
+                <a16:creationId xmlns:a16="http://schemas.microsoft.com/office/drawing/2014/main" xmlns="" id="{71BD2BEA-802C-42B3-A548-56E523A5465E}"/>
               </a:ext>
             </a:extLst>
           </p:cNvPr>
@@ -27687,7 +27706,7 @@
           <p:cNvPr id="60" name="Freeform 24">
             <a:extLst>
               <a:ext uri="{FF2B5EF4-FFF2-40B4-BE49-F238E27FC236}">
-                <a16:creationId xmlns="" xmlns:a16="http://schemas.microsoft.com/office/drawing/2014/main" id="{03C92676-DD61-4076-92E0-EE362E022105}"/>
+                <a16:creationId xmlns:a16="http://schemas.microsoft.com/office/drawing/2014/main" xmlns="" id="{03C92676-DD61-4076-92E0-EE362E022105}"/>
               </a:ext>
             </a:extLst>
           </p:cNvPr>
@@ -27824,7 +27843,7 @@
           <p:cNvPr id="61" name="Freeform 25">
             <a:extLst>
               <a:ext uri="{FF2B5EF4-FFF2-40B4-BE49-F238E27FC236}">
-                <a16:creationId xmlns="" xmlns:a16="http://schemas.microsoft.com/office/drawing/2014/main" id="{EED40B0E-2A7B-415A-B5B7-BEACDBA411A1}"/>
+                <a16:creationId xmlns:a16="http://schemas.microsoft.com/office/drawing/2014/main" xmlns="" id="{EED40B0E-2A7B-415A-B5B7-BEACDBA411A1}"/>
               </a:ext>
             </a:extLst>
           </p:cNvPr>
@@ -27961,7 +27980,7 @@
           <p:cNvPr id="62" name="Freeform 26">
             <a:extLst>
               <a:ext uri="{FF2B5EF4-FFF2-40B4-BE49-F238E27FC236}">
-                <a16:creationId xmlns="" xmlns:a16="http://schemas.microsoft.com/office/drawing/2014/main" id="{BC57EADE-16B2-4428-A432-2FEBB7152C91}"/>
+                <a16:creationId xmlns:a16="http://schemas.microsoft.com/office/drawing/2014/main" xmlns="" id="{BC57EADE-16B2-4428-A432-2FEBB7152C91}"/>
               </a:ext>
             </a:extLst>
           </p:cNvPr>
@@ -28098,7 +28117,7 @@
           <p:cNvPr id="63" name="Freeform 27">
             <a:extLst>
               <a:ext uri="{FF2B5EF4-FFF2-40B4-BE49-F238E27FC236}">
-                <a16:creationId xmlns="" xmlns:a16="http://schemas.microsoft.com/office/drawing/2014/main" id="{B1D015B4-11AB-4CE7-A315-873FE2246436}"/>
+                <a16:creationId xmlns:a16="http://schemas.microsoft.com/office/drawing/2014/main" xmlns="" id="{B1D015B4-11AB-4CE7-A315-873FE2246436}"/>
               </a:ext>
             </a:extLst>
           </p:cNvPr>
@@ -28235,7 +28254,7 @@
           <p:cNvPr id="64" name="Freeform 28">
             <a:extLst>
               <a:ext uri="{FF2B5EF4-FFF2-40B4-BE49-F238E27FC236}">
-                <a16:creationId xmlns="" xmlns:a16="http://schemas.microsoft.com/office/drawing/2014/main" id="{E3ADFBBB-8966-4606-9007-F461A30ECA02}"/>
+                <a16:creationId xmlns:a16="http://schemas.microsoft.com/office/drawing/2014/main" xmlns="" id="{E3ADFBBB-8966-4606-9007-F461A30ECA02}"/>
               </a:ext>
             </a:extLst>
           </p:cNvPr>
@@ -28372,7 +28391,7 @@
           <p:cNvPr id="65" name="Freeform 29">
             <a:extLst>
               <a:ext uri="{FF2B5EF4-FFF2-40B4-BE49-F238E27FC236}">
-                <a16:creationId xmlns="" xmlns:a16="http://schemas.microsoft.com/office/drawing/2014/main" id="{AFEB98C9-BF9E-4F95-974E-BAE1593DAD1E}"/>
+                <a16:creationId xmlns:a16="http://schemas.microsoft.com/office/drawing/2014/main" xmlns="" id="{AFEB98C9-BF9E-4F95-974E-BAE1593DAD1E}"/>
               </a:ext>
             </a:extLst>
           </p:cNvPr>
@@ -28509,7 +28528,7 @@
           <p:cNvPr id="66" name="Freeform 30">
             <a:extLst>
               <a:ext uri="{FF2B5EF4-FFF2-40B4-BE49-F238E27FC236}">
-                <a16:creationId xmlns="" xmlns:a16="http://schemas.microsoft.com/office/drawing/2014/main" id="{716928FB-569C-436B-8B47-68B7861CBD54}"/>
+                <a16:creationId xmlns:a16="http://schemas.microsoft.com/office/drawing/2014/main" xmlns="" id="{716928FB-569C-436B-8B47-68B7861CBD54}"/>
               </a:ext>
             </a:extLst>
           </p:cNvPr>
@@ -28646,7 +28665,7 @@
           <p:cNvPr id="67" name="Freeform 31">
             <a:extLst>
               <a:ext uri="{FF2B5EF4-FFF2-40B4-BE49-F238E27FC236}">
-                <a16:creationId xmlns="" xmlns:a16="http://schemas.microsoft.com/office/drawing/2014/main" id="{9EA700C0-132E-49CA-91E9-056EED54C4FA}"/>
+                <a16:creationId xmlns:a16="http://schemas.microsoft.com/office/drawing/2014/main" xmlns="" id="{9EA700C0-132E-49CA-91E9-056EED54C4FA}"/>
               </a:ext>
             </a:extLst>
           </p:cNvPr>
@@ -28783,7 +28802,7 @@
           <p:cNvPr id="68" name="Freeform 32">
             <a:extLst>
               <a:ext uri="{FF2B5EF4-FFF2-40B4-BE49-F238E27FC236}">
-                <a16:creationId xmlns="" xmlns:a16="http://schemas.microsoft.com/office/drawing/2014/main" id="{BC5AE22B-BFB1-4DE7-B583-D818545F8389}"/>
+                <a16:creationId xmlns:a16="http://schemas.microsoft.com/office/drawing/2014/main" xmlns="" id="{BC5AE22B-BFB1-4DE7-B583-D818545F8389}"/>
               </a:ext>
             </a:extLst>
           </p:cNvPr>
@@ -28920,7 +28939,7 @@
           <p:cNvPr id="69" name="Freeform 33">
             <a:extLst>
               <a:ext uri="{FF2B5EF4-FFF2-40B4-BE49-F238E27FC236}">
-                <a16:creationId xmlns="" xmlns:a16="http://schemas.microsoft.com/office/drawing/2014/main" id="{900F0987-AFC5-4B55-9E69-0A1DBA6F29FD}"/>
+                <a16:creationId xmlns:a16="http://schemas.microsoft.com/office/drawing/2014/main" xmlns="" id="{900F0987-AFC5-4B55-9E69-0A1DBA6F29FD}"/>
               </a:ext>
             </a:extLst>
           </p:cNvPr>
@@ -29057,7 +29076,7 @@
           <p:cNvPr id="70" name="Freeform 34">
             <a:extLst>
               <a:ext uri="{FF2B5EF4-FFF2-40B4-BE49-F238E27FC236}">
-                <a16:creationId xmlns="" xmlns:a16="http://schemas.microsoft.com/office/drawing/2014/main" id="{5A057BE1-07B8-42C5-8E85-E6750EC78B70}"/>
+                <a16:creationId xmlns:a16="http://schemas.microsoft.com/office/drawing/2014/main" xmlns="" id="{5A057BE1-07B8-42C5-8E85-E6750EC78B70}"/>
               </a:ext>
             </a:extLst>
           </p:cNvPr>
@@ -29194,7 +29213,7 @@
           <p:cNvPr id="71" name="Freeform 35">
             <a:extLst>
               <a:ext uri="{FF2B5EF4-FFF2-40B4-BE49-F238E27FC236}">
-                <a16:creationId xmlns="" xmlns:a16="http://schemas.microsoft.com/office/drawing/2014/main" id="{C83E70A8-89B9-4506-83D6-48C23B3695B6}"/>
+                <a16:creationId xmlns:a16="http://schemas.microsoft.com/office/drawing/2014/main" xmlns="" id="{C83E70A8-89B9-4506-83D6-48C23B3695B6}"/>
               </a:ext>
             </a:extLst>
           </p:cNvPr>
@@ -29331,7 +29350,7 @@
           <p:cNvPr id="72" name="Freeform 36">
             <a:extLst>
               <a:ext uri="{FF2B5EF4-FFF2-40B4-BE49-F238E27FC236}">
-                <a16:creationId xmlns="" xmlns:a16="http://schemas.microsoft.com/office/drawing/2014/main" id="{3600F91D-5BC5-4A10-A825-6EDDBE851604}"/>
+                <a16:creationId xmlns:a16="http://schemas.microsoft.com/office/drawing/2014/main" xmlns="" id="{3600F91D-5BC5-4A10-A825-6EDDBE851604}"/>
               </a:ext>
             </a:extLst>
           </p:cNvPr>
@@ -29468,7 +29487,7 @@
           <p:cNvPr id="73" name="Freeform 37">
             <a:extLst>
               <a:ext uri="{FF2B5EF4-FFF2-40B4-BE49-F238E27FC236}">
-                <a16:creationId xmlns="" xmlns:a16="http://schemas.microsoft.com/office/drawing/2014/main" id="{8203C899-0953-4B5B-922A-3387326CF767}"/>
+                <a16:creationId xmlns:a16="http://schemas.microsoft.com/office/drawing/2014/main" xmlns="" id="{8203C899-0953-4B5B-922A-3387326CF767}"/>
               </a:ext>
             </a:extLst>
           </p:cNvPr>
@@ -29605,7 +29624,7 @@
           <p:cNvPr id="74" name="Freeform 38">
             <a:extLst>
               <a:ext uri="{FF2B5EF4-FFF2-40B4-BE49-F238E27FC236}">
-                <a16:creationId xmlns="" xmlns:a16="http://schemas.microsoft.com/office/drawing/2014/main" id="{2A0742EF-1387-4313-8C93-6D6113E8E649}"/>
+                <a16:creationId xmlns:a16="http://schemas.microsoft.com/office/drawing/2014/main" xmlns="" id="{2A0742EF-1387-4313-8C93-6D6113E8E649}"/>
               </a:ext>
             </a:extLst>
           </p:cNvPr>
@@ -29742,7 +29761,7 @@
           <p:cNvPr id="75" name="Freeform 39">
             <a:extLst>
               <a:ext uri="{FF2B5EF4-FFF2-40B4-BE49-F238E27FC236}">
-                <a16:creationId xmlns="" xmlns:a16="http://schemas.microsoft.com/office/drawing/2014/main" id="{955567DF-858C-4A2F-B0FF-78E879F68463}"/>
+                <a16:creationId xmlns:a16="http://schemas.microsoft.com/office/drawing/2014/main" xmlns="" id="{955567DF-858C-4A2F-B0FF-78E879F68463}"/>
               </a:ext>
             </a:extLst>
           </p:cNvPr>
@@ -29879,7 +29898,7 @@
           <p:cNvPr id="76" name="Freeform 40">
             <a:extLst>
               <a:ext uri="{FF2B5EF4-FFF2-40B4-BE49-F238E27FC236}">
-                <a16:creationId xmlns="" xmlns:a16="http://schemas.microsoft.com/office/drawing/2014/main" id="{A1BBF224-8FEA-4C60-A9FE-D4600F858B76}"/>
+                <a16:creationId xmlns:a16="http://schemas.microsoft.com/office/drawing/2014/main" xmlns="" id="{A1BBF224-8FEA-4C60-A9FE-D4600F858B76}"/>
               </a:ext>
             </a:extLst>
           </p:cNvPr>
@@ -30016,7 +30035,7 @@
           <p:cNvPr id="77" name="Freeform 41">
             <a:extLst>
               <a:ext uri="{FF2B5EF4-FFF2-40B4-BE49-F238E27FC236}">
-                <a16:creationId xmlns="" xmlns:a16="http://schemas.microsoft.com/office/drawing/2014/main" id="{BF65CF00-BD8A-48D7-83F2-B2F857897722}"/>
+                <a16:creationId xmlns:a16="http://schemas.microsoft.com/office/drawing/2014/main" xmlns="" id="{BF65CF00-BD8A-48D7-83F2-B2F857897722}"/>
               </a:ext>
             </a:extLst>
           </p:cNvPr>
@@ -30153,7 +30172,7 @@
           <p:cNvPr id="78" name="Freeform 42">
             <a:extLst>
               <a:ext uri="{FF2B5EF4-FFF2-40B4-BE49-F238E27FC236}">
-                <a16:creationId xmlns="" xmlns:a16="http://schemas.microsoft.com/office/drawing/2014/main" id="{E6E2E86C-4C2A-4473-9DDD-36B5F62F6259}"/>
+                <a16:creationId xmlns:a16="http://schemas.microsoft.com/office/drawing/2014/main" xmlns="" id="{E6E2E86C-4C2A-4473-9DDD-36B5F62F6259}"/>
               </a:ext>
             </a:extLst>
           </p:cNvPr>
@@ -30290,7 +30309,7 @@
           <p:cNvPr id="79" name="Freeform 43">
             <a:extLst>
               <a:ext uri="{FF2B5EF4-FFF2-40B4-BE49-F238E27FC236}">
-                <a16:creationId xmlns="" xmlns:a16="http://schemas.microsoft.com/office/drawing/2014/main" id="{B472F8B8-C4AF-4C60-8BB4-F239FA80F3D4}"/>
+                <a16:creationId xmlns:a16="http://schemas.microsoft.com/office/drawing/2014/main" xmlns="" id="{B472F8B8-C4AF-4C60-8BB4-F239FA80F3D4}"/>
               </a:ext>
             </a:extLst>
           </p:cNvPr>
@@ -30427,7 +30446,7 @@
           <p:cNvPr id="80" name="Freeform 44">
             <a:extLst>
               <a:ext uri="{FF2B5EF4-FFF2-40B4-BE49-F238E27FC236}">
-                <a16:creationId xmlns="" xmlns:a16="http://schemas.microsoft.com/office/drawing/2014/main" id="{424AA73D-168F-4862-88C4-EF28F48FEBE9}"/>
+                <a16:creationId xmlns:a16="http://schemas.microsoft.com/office/drawing/2014/main" xmlns="" id="{424AA73D-168F-4862-88C4-EF28F48FEBE9}"/>
               </a:ext>
             </a:extLst>
           </p:cNvPr>
@@ -30564,7 +30583,7 @@
           <p:cNvPr id="81" name="Freeform 45">
             <a:extLst>
               <a:ext uri="{FF2B5EF4-FFF2-40B4-BE49-F238E27FC236}">
-                <a16:creationId xmlns="" xmlns:a16="http://schemas.microsoft.com/office/drawing/2014/main" id="{7DE4441C-2F08-426A-8815-22CF9E8BFB20}"/>
+                <a16:creationId xmlns:a16="http://schemas.microsoft.com/office/drawing/2014/main" xmlns="" id="{7DE4441C-2F08-426A-8815-22CF9E8BFB20}"/>
               </a:ext>
             </a:extLst>
           </p:cNvPr>
@@ -30701,7 +30720,7 @@
           <p:cNvPr id="82" name="Freeform 46">
             <a:extLst>
               <a:ext uri="{FF2B5EF4-FFF2-40B4-BE49-F238E27FC236}">
-                <a16:creationId xmlns="" xmlns:a16="http://schemas.microsoft.com/office/drawing/2014/main" id="{722F50D9-B6D4-47AF-96B6-44BCB13FE6BE}"/>
+                <a16:creationId xmlns:a16="http://schemas.microsoft.com/office/drawing/2014/main" xmlns="" id="{722F50D9-B6D4-47AF-96B6-44BCB13FE6BE}"/>
               </a:ext>
             </a:extLst>
           </p:cNvPr>
@@ -30838,7 +30857,7 @@
           <p:cNvPr id="83" name="Freeform 47">
             <a:extLst>
               <a:ext uri="{FF2B5EF4-FFF2-40B4-BE49-F238E27FC236}">
-                <a16:creationId xmlns="" xmlns:a16="http://schemas.microsoft.com/office/drawing/2014/main" id="{5A0CC201-81DC-4874-9BA1-D2E466075834}"/>
+                <a16:creationId xmlns:a16="http://schemas.microsoft.com/office/drawing/2014/main" xmlns="" id="{5A0CC201-81DC-4874-9BA1-D2E466075834}"/>
               </a:ext>
             </a:extLst>
           </p:cNvPr>
@@ -30975,7 +30994,7 @@
           <p:cNvPr id="84" name="Freeform 48">
             <a:extLst>
               <a:ext uri="{FF2B5EF4-FFF2-40B4-BE49-F238E27FC236}">
-                <a16:creationId xmlns="" xmlns:a16="http://schemas.microsoft.com/office/drawing/2014/main" id="{45713858-4CBF-4C1C-931C-03663E142820}"/>
+                <a16:creationId xmlns:a16="http://schemas.microsoft.com/office/drawing/2014/main" xmlns="" id="{45713858-4CBF-4C1C-931C-03663E142820}"/>
               </a:ext>
             </a:extLst>
           </p:cNvPr>
@@ -31112,7 +31131,7 @@
           <p:cNvPr id="85" name="Freeform 49">
             <a:extLst>
               <a:ext uri="{FF2B5EF4-FFF2-40B4-BE49-F238E27FC236}">
-                <a16:creationId xmlns="" xmlns:a16="http://schemas.microsoft.com/office/drawing/2014/main" id="{B7A58364-A49F-4D97-AB18-81317BC8D7CB}"/>
+                <a16:creationId xmlns:a16="http://schemas.microsoft.com/office/drawing/2014/main" xmlns="" id="{B7A58364-A49F-4D97-AB18-81317BC8D7CB}"/>
               </a:ext>
             </a:extLst>
           </p:cNvPr>
@@ -31249,7 +31268,7 @@
           <p:cNvPr id="86" name="Freeform 50">
             <a:extLst>
               <a:ext uri="{FF2B5EF4-FFF2-40B4-BE49-F238E27FC236}">
-                <a16:creationId xmlns="" xmlns:a16="http://schemas.microsoft.com/office/drawing/2014/main" id="{DE383370-0C85-4E8E-98E3-A5411EBDB257}"/>
+                <a16:creationId xmlns:a16="http://schemas.microsoft.com/office/drawing/2014/main" xmlns="" id="{DE383370-0C85-4E8E-98E3-A5411EBDB257}"/>
               </a:ext>
             </a:extLst>
           </p:cNvPr>
@@ -31386,7 +31405,7 @@
           <p:cNvPr id="87" name="Freeform 51">
             <a:extLst>
               <a:ext uri="{FF2B5EF4-FFF2-40B4-BE49-F238E27FC236}">
-                <a16:creationId xmlns="" xmlns:a16="http://schemas.microsoft.com/office/drawing/2014/main" id="{93581CD4-D3C5-41E5-A2C0-E3C54218AB33}"/>
+                <a16:creationId xmlns:a16="http://schemas.microsoft.com/office/drawing/2014/main" xmlns="" id="{93581CD4-D3C5-41E5-A2C0-E3C54218AB33}"/>
               </a:ext>
             </a:extLst>
           </p:cNvPr>
@@ -31523,7 +31542,7 @@
           <p:cNvPr id="88" name="Freeform 52">
             <a:extLst>
               <a:ext uri="{FF2B5EF4-FFF2-40B4-BE49-F238E27FC236}">
-                <a16:creationId xmlns="" xmlns:a16="http://schemas.microsoft.com/office/drawing/2014/main" id="{66AC322C-CFDD-4843-8FBA-82842038DE7B}"/>
+                <a16:creationId xmlns:a16="http://schemas.microsoft.com/office/drawing/2014/main" xmlns="" id="{66AC322C-CFDD-4843-8FBA-82842038DE7B}"/>
               </a:ext>
             </a:extLst>
           </p:cNvPr>
@@ -31660,7 +31679,7 @@
           <p:cNvPr id="89" name="Freeform 53">
             <a:extLst>
               <a:ext uri="{FF2B5EF4-FFF2-40B4-BE49-F238E27FC236}">
-                <a16:creationId xmlns="" xmlns:a16="http://schemas.microsoft.com/office/drawing/2014/main" id="{6FDF99A4-060E-42FC-A5E7-422B767EE583}"/>
+                <a16:creationId xmlns:a16="http://schemas.microsoft.com/office/drawing/2014/main" xmlns="" id="{6FDF99A4-060E-42FC-A5E7-422B767EE583}"/>
               </a:ext>
             </a:extLst>
           </p:cNvPr>
@@ -31797,7 +31816,7 @@
           <p:cNvPr id="90" name="Freeform 54">
             <a:extLst>
               <a:ext uri="{FF2B5EF4-FFF2-40B4-BE49-F238E27FC236}">
-                <a16:creationId xmlns="" xmlns:a16="http://schemas.microsoft.com/office/drawing/2014/main" id="{5862385B-C5EC-4B00-9752-F4F252672080}"/>
+                <a16:creationId xmlns:a16="http://schemas.microsoft.com/office/drawing/2014/main" xmlns="" id="{5862385B-C5EC-4B00-9752-F4F252672080}"/>
               </a:ext>
             </a:extLst>
           </p:cNvPr>
@@ -31934,7 +31953,7 @@
           <p:cNvPr id="91" name="Freeform 55">
             <a:extLst>
               <a:ext uri="{FF2B5EF4-FFF2-40B4-BE49-F238E27FC236}">
-                <a16:creationId xmlns="" xmlns:a16="http://schemas.microsoft.com/office/drawing/2014/main" id="{D7D3846E-4D2F-4A20-B990-24BD9A567F02}"/>
+                <a16:creationId xmlns:a16="http://schemas.microsoft.com/office/drawing/2014/main" xmlns="" id="{D7D3846E-4D2F-4A20-B990-24BD9A567F02}"/>
               </a:ext>
             </a:extLst>
           </p:cNvPr>
@@ -32071,7 +32090,7 @@
           <p:cNvPr id="92" name="Freeform 56">
             <a:extLst>
               <a:ext uri="{FF2B5EF4-FFF2-40B4-BE49-F238E27FC236}">
-                <a16:creationId xmlns="" xmlns:a16="http://schemas.microsoft.com/office/drawing/2014/main" id="{6DD9375F-CB5C-4D79-B268-FCBFA604EA3A}"/>
+                <a16:creationId xmlns:a16="http://schemas.microsoft.com/office/drawing/2014/main" xmlns="" id="{6DD9375F-CB5C-4D79-B268-FCBFA604EA3A}"/>
               </a:ext>
             </a:extLst>
           </p:cNvPr>
@@ -32208,7 +32227,7 @@
           <p:cNvPr id="93" name="Freeform 57">
             <a:extLst>
               <a:ext uri="{FF2B5EF4-FFF2-40B4-BE49-F238E27FC236}">
-                <a16:creationId xmlns="" xmlns:a16="http://schemas.microsoft.com/office/drawing/2014/main" id="{24E715C4-9F57-4C0C-BAB6-B88F1E177990}"/>
+                <a16:creationId xmlns:a16="http://schemas.microsoft.com/office/drawing/2014/main" xmlns="" id="{24E715C4-9F57-4C0C-BAB6-B88F1E177990}"/>
               </a:ext>
             </a:extLst>
           </p:cNvPr>
@@ -32345,7 +32364,7 @@
           <p:cNvPr id="94" name="Freeform 58">
             <a:extLst>
               <a:ext uri="{FF2B5EF4-FFF2-40B4-BE49-F238E27FC236}">
-                <a16:creationId xmlns="" xmlns:a16="http://schemas.microsoft.com/office/drawing/2014/main" id="{59799601-C522-4FE9-BBBF-64FF0E8B29A7}"/>
+                <a16:creationId xmlns:a16="http://schemas.microsoft.com/office/drawing/2014/main" xmlns="" id="{59799601-C522-4FE9-BBBF-64FF0E8B29A7}"/>
               </a:ext>
             </a:extLst>
           </p:cNvPr>
@@ -32482,7 +32501,7 @@
           <p:cNvPr id="95" name="Freeform 59">
             <a:extLst>
               <a:ext uri="{FF2B5EF4-FFF2-40B4-BE49-F238E27FC236}">
-                <a16:creationId xmlns="" xmlns:a16="http://schemas.microsoft.com/office/drawing/2014/main" id="{08D8E61A-A793-4A70-B9AB-1ED1B5E5CFDF}"/>
+                <a16:creationId xmlns:a16="http://schemas.microsoft.com/office/drawing/2014/main" xmlns="" id="{08D8E61A-A793-4A70-B9AB-1ED1B5E5CFDF}"/>
               </a:ext>
             </a:extLst>
           </p:cNvPr>
@@ -32619,7 +32638,7 @@
           <p:cNvPr id="96" name="Freeform 60">
             <a:extLst>
               <a:ext uri="{FF2B5EF4-FFF2-40B4-BE49-F238E27FC236}">
-                <a16:creationId xmlns="" xmlns:a16="http://schemas.microsoft.com/office/drawing/2014/main" id="{8B3AD150-3071-4D04-A88C-A9D8C3B0C94D}"/>
+                <a16:creationId xmlns:a16="http://schemas.microsoft.com/office/drawing/2014/main" xmlns="" id="{8B3AD150-3071-4D04-A88C-A9D8C3B0C94D}"/>
               </a:ext>
             </a:extLst>
           </p:cNvPr>
@@ -32756,7 +32775,7 @@
           <p:cNvPr id="97" name="Freeform 61">
             <a:extLst>
               <a:ext uri="{FF2B5EF4-FFF2-40B4-BE49-F238E27FC236}">
-                <a16:creationId xmlns="" xmlns:a16="http://schemas.microsoft.com/office/drawing/2014/main" id="{3ACFCBE5-D7F5-4D4B-BD76-B134549DC6C9}"/>
+                <a16:creationId xmlns:a16="http://schemas.microsoft.com/office/drawing/2014/main" xmlns="" id="{3ACFCBE5-D7F5-4D4B-BD76-B134549DC6C9}"/>
               </a:ext>
             </a:extLst>
           </p:cNvPr>
@@ -32893,7 +32912,7 @@
           <p:cNvPr id="98" name="Freeform 62">
             <a:extLst>
               <a:ext uri="{FF2B5EF4-FFF2-40B4-BE49-F238E27FC236}">
-                <a16:creationId xmlns="" xmlns:a16="http://schemas.microsoft.com/office/drawing/2014/main" id="{B1C06549-9A72-4B67-B167-53D1B0B2A834}"/>
+                <a16:creationId xmlns:a16="http://schemas.microsoft.com/office/drawing/2014/main" xmlns="" id="{B1C06549-9A72-4B67-B167-53D1B0B2A834}"/>
               </a:ext>
             </a:extLst>
           </p:cNvPr>
@@ -33030,7 +33049,7 @@
           <p:cNvPr id="99" name="Freeform 63">
             <a:extLst>
               <a:ext uri="{FF2B5EF4-FFF2-40B4-BE49-F238E27FC236}">
-                <a16:creationId xmlns="" xmlns:a16="http://schemas.microsoft.com/office/drawing/2014/main" id="{28297C6B-1A17-4D31-BE2A-F2B873EDEFA2}"/>
+                <a16:creationId xmlns:a16="http://schemas.microsoft.com/office/drawing/2014/main" xmlns="" id="{28297C6B-1A17-4D31-BE2A-F2B873EDEFA2}"/>
               </a:ext>
             </a:extLst>
           </p:cNvPr>
@@ -33167,7 +33186,7 @@
           <p:cNvPr id="100" name="Freeform 64">
             <a:extLst>
               <a:ext uri="{FF2B5EF4-FFF2-40B4-BE49-F238E27FC236}">
-                <a16:creationId xmlns="" xmlns:a16="http://schemas.microsoft.com/office/drawing/2014/main" id="{BA270C65-50B5-4B1B-B72F-699B745FA287}"/>
+                <a16:creationId xmlns:a16="http://schemas.microsoft.com/office/drawing/2014/main" xmlns="" id="{BA270C65-50B5-4B1B-B72F-699B745FA287}"/>
               </a:ext>
             </a:extLst>
           </p:cNvPr>
@@ -33304,7 +33323,7 @@
           <p:cNvPr id="101" name="Freeform 65">
             <a:extLst>
               <a:ext uri="{FF2B5EF4-FFF2-40B4-BE49-F238E27FC236}">
-                <a16:creationId xmlns="" xmlns:a16="http://schemas.microsoft.com/office/drawing/2014/main" id="{2BA50BBD-2CAA-4C1F-9FD3-FE2A31351D0B}"/>
+                <a16:creationId xmlns:a16="http://schemas.microsoft.com/office/drawing/2014/main" xmlns="" id="{2BA50BBD-2CAA-4C1F-9FD3-FE2A31351D0B}"/>
               </a:ext>
             </a:extLst>
           </p:cNvPr>
@@ -33441,7 +33460,7 @@
           <p:cNvPr id="102" name="Freeform 67">
             <a:extLst>
               <a:ext uri="{FF2B5EF4-FFF2-40B4-BE49-F238E27FC236}">
-                <a16:creationId xmlns="" xmlns:a16="http://schemas.microsoft.com/office/drawing/2014/main" id="{76DE0259-A2AB-4CAE-81B2-3B27C07154C8}"/>
+                <a16:creationId xmlns:a16="http://schemas.microsoft.com/office/drawing/2014/main" xmlns="" id="{76DE0259-A2AB-4CAE-81B2-3B27C07154C8}"/>
               </a:ext>
             </a:extLst>
           </p:cNvPr>
@@ -33578,7 +33597,7 @@
           <p:cNvPr id="103" name="Freeform 69">
             <a:extLst>
               <a:ext uri="{FF2B5EF4-FFF2-40B4-BE49-F238E27FC236}">
-                <a16:creationId xmlns="" xmlns:a16="http://schemas.microsoft.com/office/drawing/2014/main" id="{C1212D1B-19B7-4939-892A-5D0DF3605881}"/>
+                <a16:creationId xmlns:a16="http://schemas.microsoft.com/office/drawing/2014/main" xmlns="" id="{C1212D1B-19B7-4939-892A-5D0DF3605881}"/>
               </a:ext>
             </a:extLst>
           </p:cNvPr>
@@ -33715,7 +33734,7 @@
           <p:cNvPr id="104" name="Freeform 72">
             <a:extLst>
               <a:ext uri="{FF2B5EF4-FFF2-40B4-BE49-F238E27FC236}">
-                <a16:creationId xmlns="" xmlns:a16="http://schemas.microsoft.com/office/drawing/2014/main" id="{0D91C8C7-1CE5-4250-B97A-8EC25472E729}"/>
+                <a16:creationId xmlns:a16="http://schemas.microsoft.com/office/drawing/2014/main" xmlns="" id="{0D91C8C7-1CE5-4250-B97A-8EC25472E729}"/>
               </a:ext>
             </a:extLst>
           </p:cNvPr>
@@ -33852,7 +33871,7 @@
           <p:cNvPr id="105" name="Freeform 73">
             <a:extLst>
               <a:ext uri="{FF2B5EF4-FFF2-40B4-BE49-F238E27FC236}">
-                <a16:creationId xmlns="" xmlns:a16="http://schemas.microsoft.com/office/drawing/2014/main" id="{FAE08F99-FC16-41CA-80D6-135D4B029773}"/>
+                <a16:creationId xmlns:a16="http://schemas.microsoft.com/office/drawing/2014/main" xmlns="" id="{FAE08F99-FC16-41CA-80D6-135D4B029773}"/>
               </a:ext>
             </a:extLst>
           </p:cNvPr>
@@ -33989,7 +34008,7 @@
           <p:cNvPr id="106" name="Freeform 74">
             <a:extLst>
               <a:ext uri="{FF2B5EF4-FFF2-40B4-BE49-F238E27FC236}">
-                <a16:creationId xmlns="" xmlns:a16="http://schemas.microsoft.com/office/drawing/2014/main" id="{DAF047F2-9959-4EF5-BF92-C5CACDB76645}"/>
+                <a16:creationId xmlns:a16="http://schemas.microsoft.com/office/drawing/2014/main" xmlns="" id="{DAF047F2-9959-4EF5-BF92-C5CACDB76645}"/>
               </a:ext>
             </a:extLst>
           </p:cNvPr>
@@ -34126,7 +34145,7 @@
           <p:cNvPr id="107" name="Freeform 75">
             <a:extLst>
               <a:ext uri="{FF2B5EF4-FFF2-40B4-BE49-F238E27FC236}">
-                <a16:creationId xmlns="" xmlns:a16="http://schemas.microsoft.com/office/drawing/2014/main" id="{A9D152CA-04C0-4502-ADA3-09C99B7529C3}"/>
+                <a16:creationId xmlns:a16="http://schemas.microsoft.com/office/drawing/2014/main" xmlns="" id="{A9D152CA-04C0-4502-ADA3-09C99B7529C3}"/>
               </a:ext>
             </a:extLst>
           </p:cNvPr>
@@ -34263,7 +34282,7 @@
           <p:cNvPr id="108" name="Freeform 76">
             <a:extLst>
               <a:ext uri="{FF2B5EF4-FFF2-40B4-BE49-F238E27FC236}">
-                <a16:creationId xmlns="" xmlns:a16="http://schemas.microsoft.com/office/drawing/2014/main" id="{F444F08A-74BF-4491-B72D-7FEF08CBC09B}"/>
+                <a16:creationId xmlns:a16="http://schemas.microsoft.com/office/drawing/2014/main" xmlns="" id="{F444F08A-74BF-4491-B72D-7FEF08CBC09B}"/>
               </a:ext>
             </a:extLst>
           </p:cNvPr>
@@ -34400,7 +34419,7 @@
           <p:cNvPr id="109" name="Freeform 77">
             <a:extLst>
               <a:ext uri="{FF2B5EF4-FFF2-40B4-BE49-F238E27FC236}">
-                <a16:creationId xmlns="" xmlns:a16="http://schemas.microsoft.com/office/drawing/2014/main" id="{7557F8CA-A796-4127-9F15-F365209EB618}"/>
+                <a16:creationId xmlns:a16="http://schemas.microsoft.com/office/drawing/2014/main" xmlns="" id="{7557F8CA-A796-4127-9F15-F365209EB618}"/>
               </a:ext>
             </a:extLst>
           </p:cNvPr>
@@ -34537,7 +34556,7 @@
           <p:cNvPr id="110" name="Freeform 78">
             <a:extLst>
               <a:ext uri="{FF2B5EF4-FFF2-40B4-BE49-F238E27FC236}">
-                <a16:creationId xmlns="" xmlns:a16="http://schemas.microsoft.com/office/drawing/2014/main" id="{6D67BEAA-8313-443B-9C05-C49CA60D66EF}"/>
+                <a16:creationId xmlns:a16="http://schemas.microsoft.com/office/drawing/2014/main" xmlns="" id="{6D67BEAA-8313-443B-9C05-C49CA60D66EF}"/>
               </a:ext>
             </a:extLst>
           </p:cNvPr>
@@ -34674,7 +34693,7 @@
           <p:cNvPr id="111" name="Freeform 86">
             <a:extLst>
               <a:ext uri="{FF2B5EF4-FFF2-40B4-BE49-F238E27FC236}">
-                <a16:creationId xmlns="" xmlns:a16="http://schemas.microsoft.com/office/drawing/2014/main" id="{B9E775DE-B6F8-4BAD-B403-4AD805BC0E12}"/>
+                <a16:creationId xmlns:a16="http://schemas.microsoft.com/office/drawing/2014/main" xmlns="" id="{B9E775DE-B6F8-4BAD-B403-4AD805BC0E12}"/>
               </a:ext>
             </a:extLst>
           </p:cNvPr>
@@ -34811,7 +34830,7 @@
           <p:cNvPr id="112" name="Freeform 87">
             <a:extLst>
               <a:ext uri="{FF2B5EF4-FFF2-40B4-BE49-F238E27FC236}">
-                <a16:creationId xmlns="" xmlns:a16="http://schemas.microsoft.com/office/drawing/2014/main" id="{4CA5E202-206D-4573-A078-31D19282F8C5}"/>
+                <a16:creationId xmlns:a16="http://schemas.microsoft.com/office/drawing/2014/main" xmlns="" id="{4CA5E202-206D-4573-A078-31D19282F8C5}"/>
               </a:ext>
             </a:extLst>
           </p:cNvPr>
@@ -34948,7 +34967,7 @@
           <p:cNvPr id="113" name="Freeform 88">
             <a:extLst>
               <a:ext uri="{FF2B5EF4-FFF2-40B4-BE49-F238E27FC236}">
-                <a16:creationId xmlns="" xmlns:a16="http://schemas.microsoft.com/office/drawing/2014/main" id="{D26FCD0F-8B16-46B2-8FC9-C733E7B708C4}"/>
+                <a16:creationId xmlns:a16="http://schemas.microsoft.com/office/drawing/2014/main" xmlns="" id="{D26FCD0F-8B16-46B2-8FC9-C733E7B708C4}"/>
               </a:ext>
             </a:extLst>
           </p:cNvPr>
@@ -35085,7 +35104,7 @@
           <p:cNvPr id="120" name="Rectangle 165">
             <a:extLst>
               <a:ext uri="{FF2B5EF4-FFF2-40B4-BE49-F238E27FC236}">
-                <a16:creationId xmlns="" xmlns:a16="http://schemas.microsoft.com/office/drawing/2014/main" id="{10417BC5-8655-4DDA-9A19-9A5AA08842CC}"/>
+                <a16:creationId xmlns:a16="http://schemas.microsoft.com/office/drawing/2014/main" xmlns="" id="{10417BC5-8655-4DDA-9A19-9A5AA08842CC}"/>
               </a:ext>
             </a:extLst>
           </p:cNvPr>
@@ -35144,7 +35163,7 @@
           <p:cNvPr id="121" name="Freeform 11">
             <a:extLst>
               <a:ext uri="{FF2B5EF4-FFF2-40B4-BE49-F238E27FC236}">
-                <a16:creationId xmlns="" xmlns:a16="http://schemas.microsoft.com/office/drawing/2014/main" id="{38992279-3911-46AA-AD23-42F2B06F5846}"/>
+                <a16:creationId xmlns:a16="http://schemas.microsoft.com/office/drawing/2014/main" xmlns="" id="{38992279-3911-46AA-AD23-42F2B06F5846}"/>
               </a:ext>
             </a:extLst>
           </p:cNvPr>
@@ -35281,7 +35300,7 @@
           <p:cNvPr id="122" name="Freeform 12">
             <a:extLst>
               <a:ext uri="{FF2B5EF4-FFF2-40B4-BE49-F238E27FC236}">
-                <a16:creationId xmlns="" xmlns:a16="http://schemas.microsoft.com/office/drawing/2014/main" id="{8862C676-E4B7-498E-814E-5C866DA21556}"/>
+                <a16:creationId xmlns:a16="http://schemas.microsoft.com/office/drawing/2014/main" xmlns="" id="{8862C676-E4B7-498E-814E-5C866DA21556}"/>
               </a:ext>
             </a:extLst>
           </p:cNvPr>
@@ -35418,7 +35437,7 @@
           <p:cNvPr id="123" name="Freeform 13">
             <a:extLst>
               <a:ext uri="{FF2B5EF4-FFF2-40B4-BE49-F238E27FC236}">
-                <a16:creationId xmlns="" xmlns:a16="http://schemas.microsoft.com/office/drawing/2014/main" id="{4DF18CBC-37BB-48A2-91BC-4D017F15888F}"/>
+                <a16:creationId xmlns:a16="http://schemas.microsoft.com/office/drawing/2014/main" xmlns="" id="{4DF18CBC-37BB-48A2-91BC-4D017F15888F}"/>
               </a:ext>
             </a:extLst>
           </p:cNvPr>
@@ -35555,7 +35574,7 @@
           <p:cNvPr id="124" name="Freeform 14">
             <a:extLst>
               <a:ext uri="{FF2B5EF4-FFF2-40B4-BE49-F238E27FC236}">
-                <a16:creationId xmlns="" xmlns:a16="http://schemas.microsoft.com/office/drawing/2014/main" id="{FECCC4E1-3B74-4D21-8BA7-90848F6323DD}"/>
+                <a16:creationId xmlns:a16="http://schemas.microsoft.com/office/drawing/2014/main" xmlns="" id="{FECCC4E1-3B74-4D21-8BA7-90848F6323DD}"/>
               </a:ext>
             </a:extLst>
           </p:cNvPr>
@@ -35692,7 +35711,7 @@
           <p:cNvPr id="125" name="Freeform 15">
             <a:extLst>
               <a:ext uri="{FF2B5EF4-FFF2-40B4-BE49-F238E27FC236}">
-                <a16:creationId xmlns="" xmlns:a16="http://schemas.microsoft.com/office/drawing/2014/main" id="{0E6962E1-D556-4D3A-8812-E02E4CE817B0}"/>
+                <a16:creationId xmlns:a16="http://schemas.microsoft.com/office/drawing/2014/main" xmlns="" id="{0E6962E1-D556-4D3A-8812-E02E4CE817B0}"/>
               </a:ext>
             </a:extLst>
           </p:cNvPr>
@@ -35829,7 +35848,7 @@
           <p:cNvPr id="126" name="Freeform 16">
             <a:extLst>
               <a:ext uri="{FF2B5EF4-FFF2-40B4-BE49-F238E27FC236}">
-                <a16:creationId xmlns="" xmlns:a16="http://schemas.microsoft.com/office/drawing/2014/main" id="{48F5685D-A5BB-45A2-ACF7-B63445C0FE01}"/>
+                <a16:creationId xmlns:a16="http://schemas.microsoft.com/office/drawing/2014/main" xmlns="" id="{48F5685D-A5BB-45A2-ACF7-B63445C0FE01}"/>
               </a:ext>
             </a:extLst>
           </p:cNvPr>
@@ -35966,7 +35985,7 @@
           <p:cNvPr id="127" name="Freeform 17">
             <a:extLst>
               <a:ext uri="{FF2B5EF4-FFF2-40B4-BE49-F238E27FC236}">
-                <a16:creationId xmlns="" xmlns:a16="http://schemas.microsoft.com/office/drawing/2014/main" id="{01B230A3-CC6C-4EEE-BDAC-36190BC330E4}"/>
+                <a16:creationId xmlns:a16="http://schemas.microsoft.com/office/drawing/2014/main" xmlns="" id="{01B230A3-CC6C-4EEE-BDAC-36190BC330E4}"/>
               </a:ext>
             </a:extLst>
           </p:cNvPr>
@@ -36103,7 +36122,7 @@
           <p:cNvPr id="128" name="Freeform 18">
             <a:extLst>
               <a:ext uri="{FF2B5EF4-FFF2-40B4-BE49-F238E27FC236}">
-                <a16:creationId xmlns="" xmlns:a16="http://schemas.microsoft.com/office/drawing/2014/main" id="{02ECC3F7-3E8A-4219-BC19-D0EBB31A9F4B}"/>
+                <a16:creationId xmlns:a16="http://schemas.microsoft.com/office/drawing/2014/main" xmlns="" id="{02ECC3F7-3E8A-4219-BC19-D0EBB31A9F4B}"/>
               </a:ext>
             </a:extLst>
           </p:cNvPr>
@@ -36240,7 +36259,7 @@
           <p:cNvPr id="129" name="Freeform 19">
             <a:extLst>
               <a:ext uri="{FF2B5EF4-FFF2-40B4-BE49-F238E27FC236}">
-                <a16:creationId xmlns="" xmlns:a16="http://schemas.microsoft.com/office/drawing/2014/main" id="{B257BC3F-9406-4D8B-89BA-6E9E2F049CFF}"/>
+                <a16:creationId xmlns:a16="http://schemas.microsoft.com/office/drawing/2014/main" xmlns="" id="{B257BC3F-9406-4D8B-89BA-6E9E2F049CFF}"/>
               </a:ext>
             </a:extLst>
           </p:cNvPr>
@@ -36377,7 +36396,7 @@
           <p:cNvPr id="130" name="Freeform 20">
             <a:extLst>
               <a:ext uri="{FF2B5EF4-FFF2-40B4-BE49-F238E27FC236}">
-                <a16:creationId xmlns="" xmlns:a16="http://schemas.microsoft.com/office/drawing/2014/main" id="{C854CC37-4F48-4D9E-B949-E6D7CEE55D46}"/>
+                <a16:creationId xmlns:a16="http://schemas.microsoft.com/office/drawing/2014/main" xmlns="" id="{C854CC37-4F48-4D9E-B949-E6D7CEE55D46}"/>
               </a:ext>
             </a:extLst>
           </p:cNvPr>
@@ -36514,7 +36533,7 @@
           <p:cNvPr id="131" name="Freeform 27">
             <a:extLst>
               <a:ext uri="{FF2B5EF4-FFF2-40B4-BE49-F238E27FC236}">
-                <a16:creationId xmlns="" xmlns:a16="http://schemas.microsoft.com/office/drawing/2014/main" id="{A9660831-9140-4DE7-AE5A-D930FF653457}"/>
+                <a16:creationId xmlns:a16="http://schemas.microsoft.com/office/drawing/2014/main" xmlns="" id="{A9660831-9140-4DE7-AE5A-D930FF653457}"/>
               </a:ext>
             </a:extLst>
           </p:cNvPr>
@@ -36651,7 +36670,7 @@
           <p:cNvPr id="132" name="Freeform 28">
             <a:extLst>
               <a:ext uri="{FF2B5EF4-FFF2-40B4-BE49-F238E27FC236}">
-                <a16:creationId xmlns="" xmlns:a16="http://schemas.microsoft.com/office/drawing/2014/main" id="{DAED48BB-B7FB-48FD-A565-2C3A57BF64BC}"/>
+                <a16:creationId xmlns:a16="http://schemas.microsoft.com/office/drawing/2014/main" xmlns="" id="{DAED48BB-B7FB-48FD-A565-2C3A57BF64BC}"/>
               </a:ext>
             </a:extLst>
           </p:cNvPr>
@@ -36788,7 +36807,7 @@
           <p:cNvPr id="133" name="Freeform 29">
             <a:extLst>
               <a:ext uri="{FF2B5EF4-FFF2-40B4-BE49-F238E27FC236}">
-                <a16:creationId xmlns="" xmlns:a16="http://schemas.microsoft.com/office/drawing/2014/main" id="{DE455874-CE9F-4D35-884A-1A5B73D29EBE}"/>
+                <a16:creationId xmlns:a16="http://schemas.microsoft.com/office/drawing/2014/main" xmlns="" id="{DE455874-CE9F-4D35-884A-1A5B73D29EBE}"/>
               </a:ext>
             </a:extLst>
           </p:cNvPr>
@@ -36925,7 +36944,7 @@
           <p:cNvPr id="134" name="Freeform 30">
             <a:extLst>
               <a:ext uri="{FF2B5EF4-FFF2-40B4-BE49-F238E27FC236}">
-                <a16:creationId xmlns="" xmlns:a16="http://schemas.microsoft.com/office/drawing/2014/main" id="{A64420F5-4E4B-4898-8173-5361AC05A8C9}"/>
+                <a16:creationId xmlns:a16="http://schemas.microsoft.com/office/drawing/2014/main" xmlns="" id="{A64420F5-4E4B-4898-8173-5361AC05A8C9}"/>
               </a:ext>
             </a:extLst>
           </p:cNvPr>
@@ -37062,7 +37081,7 @@
           <p:cNvPr id="135" name="Freeform 31">
             <a:extLst>
               <a:ext uri="{FF2B5EF4-FFF2-40B4-BE49-F238E27FC236}">
-                <a16:creationId xmlns="" xmlns:a16="http://schemas.microsoft.com/office/drawing/2014/main" id="{CB3540A5-7B88-45CD-B2FE-43ECA99BEC0A}"/>
+                <a16:creationId xmlns:a16="http://schemas.microsoft.com/office/drawing/2014/main" xmlns="" id="{CB3540A5-7B88-45CD-B2FE-43ECA99BEC0A}"/>
               </a:ext>
             </a:extLst>
           </p:cNvPr>
@@ -37199,7 +37218,7 @@
           <p:cNvPr id="136" name="Freeform 32">
             <a:extLst>
               <a:ext uri="{FF2B5EF4-FFF2-40B4-BE49-F238E27FC236}">
-                <a16:creationId xmlns="" xmlns:a16="http://schemas.microsoft.com/office/drawing/2014/main" id="{E4188CFC-B737-4C9D-809B-280A05166B75}"/>
+                <a16:creationId xmlns:a16="http://schemas.microsoft.com/office/drawing/2014/main" xmlns="" id="{E4188CFC-B737-4C9D-809B-280A05166B75}"/>
               </a:ext>
             </a:extLst>
           </p:cNvPr>
@@ -37336,7 +37355,7 @@
           <p:cNvPr id="137" name="Freeform 33">
             <a:extLst>
               <a:ext uri="{FF2B5EF4-FFF2-40B4-BE49-F238E27FC236}">
-                <a16:creationId xmlns="" xmlns:a16="http://schemas.microsoft.com/office/drawing/2014/main" id="{27EB01F4-3B41-4C04-BF26-20E2D8D7A9DD}"/>
+                <a16:creationId xmlns:a16="http://schemas.microsoft.com/office/drawing/2014/main" xmlns="" id="{27EB01F4-3B41-4C04-BF26-20E2D8D7A9DD}"/>
               </a:ext>
             </a:extLst>
           </p:cNvPr>
@@ -37473,7 +37492,7 @@
           <p:cNvPr id="138" name="Freeform 34">
             <a:extLst>
               <a:ext uri="{FF2B5EF4-FFF2-40B4-BE49-F238E27FC236}">
-                <a16:creationId xmlns="" xmlns:a16="http://schemas.microsoft.com/office/drawing/2014/main" id="{94DB3273-35D3-4BA7-A91F-7BC4AE89250F}"/>
+                <a16:creationId xmlns:a16="http://schemas.microsoft.com/office/drawing/2014/main" xmlns="" id="{94DB3273-35D3-4BA7-A91F-7BC4AE89250F}"/>
               </a:ext>
             </a:extLst>
           </p:cNvPr>
@@ -37610,7 +37629,7 @@
           <p:cNvPr id="139" name="Freeform 35">
             <a:extLst>
               <a:ext uri="{FF2B5EF4-FFF2-40B4-BE49-F238E27FC236}">
-                <a16:creationId xmlns="" xmlns:a16="http://schemas.microsoft.com/office/drawing/2014/main" id="{2BDE7953-2168-4F58-A49B-06DCA63F16B7}"/>
+                <a16:creationId xmlns:a16="http://schemas.microsoft.com/office/drawing/2014/main" xmlns="" id="{2BDE7953-2168-4F58-A49B-06DCA63F16B7}"/>
               </a:ext>
             </a:extLst>
           </p:cNvPr>
@@ -37747,7 +37766,7 @@
           <p:cNvPr id="140" name="Freeform 36">
             <a:extLst>
               <a:ext uri="{FF2B5EF4-FFF2-40B4-BE49-F238E27FC236}">
-                <a16:creationId xmlns="" xmlns:a16="http://schemas.microsoft.com/office/drawing/2014/main" id="{CB754567-D496-4353-8568-F2DB0B465F20}"/>
+                <a16:creationId xmlns:a16="http://schemas.microsoft.com/office/drawing/2014/main" xmlns="" id="{CB754567-D496-4353-8568-F2DB0B465F20}"/>
               </a:ext>
             </a:extLst>
           </p:cNvPr>
@@ -37884,7 +37903,7 @@
           <p:cNvPr id="141" name="Freeform 37">
             <a:extLst>
               <a:ext uri="{FF2B5EF4-FFF2-40B4-BE49-F238E27FC236}">
-                <a16:creationId xmlns="" xmlns:a16="http://schemas.microsoft.com/office/drawing/2014/main" id="{6A9EE009-94C9-4C2E-ADC4-76F6363B1241}"/>
+                <a16:creationId xmlns:a16="http://schemas.microsoft.com/office/drawing/2014/main" xmlns="" id="{6A9EE009-94C9-4C2E-ADC4-76F6363B1241}"/>
               </a:ext>
             </a:extLst>
           </p:cNvPr>
@@ -38021,7 +38040,7 @@
           <p:cNvPr id="142" name="Freeform 38">
             <a:extLst>
               <a:ext uri="{FF2B5EF4-FFF2-40B4-BE49-F238E27FC236}">
-                <a16:creationId xmlns="" xmlns:a16="http://schemas.microsoft.com/office/drawing/2014/main" id="{9B6214D6-04FE-4528-99A0-80FEDC048524}"/>
+                <a16:creationId xmlns:a16="http://schemas.microsoft.com/office/drawing/2014/main" xmlns="" id="{9B6214D6-04FE-4528-99A0-80FEDC048524}"/>
               </a:ext>
             </a:extLst>
           </p:cNvPr>
@@ -38158,7 +38177,7 @@
           <p:cNvPr id="143" name="Freeform 39">
             <a:extLst>
               <a:ext uri="{FF2B5EF4-FFF2-40B4-BE49-F238E27FC236}">
-                <a16:creationId xmlns="" xmlns:a16="http://schemas.microsoft.com/office/drawing/2014/main" id="{4573CD9D-06E1-4098-B188-2087987DB6E5}"/>
+                <a16:creationId xmlns:a16="http://schemas.microsoft.com/office/drawing/2014/main" xmlns="" id="{4573CD9D-06E1-4098-B188-2087987DB6E5}"/>
               </a:ext>
             </a:extLst>
           </p:cNvPr>
@@ -38295,7 +38314,7 @@
           <p:cNvPr id="144" name="Freeform 40">
             <a:extLst>
               <a:ext uri="{FF2B5EF4-FFF2-40B4-BE49-F238E27FC236}">
-                <a16:creationId xmlns="" xmlns:a16="http://schemas.microsoft.com/office/drawing/2014/main" id="{8F9A3DD1-676C-4B24-9D93-7FF259180D82}"/>
+                <a16:creationId xmlns:a16="http://schemas.microsoft.com/office/drawing/2014/main" xmlns="" id="{8F9A3DD1-676C-4B24-9D93-7FF259180D82}"/>
               </a:ext>
             </a:extLst>
           </p:cNvPr>
@@ -38432,7 +38451,7 @@
           <p:cNvPr id="145" name="Freeform 41">
             <a:extLst>
               <a:ext uri="{FF2B5EF4-FFF2-40B4-BE49-F238E27FC236}">
-                <a16:creationId xmlns="" xmlns:a16="http://schemas.microsoft.com/office/drawing/2014/main" id="{484236C9-1387-4141-8D6D-784A7C30062E}"/>
+                <a16:creationId xmlns:a16="http://schemas.microsoft.com/office/drawing/2014/main" xmlns="" id="{484236C9-1387-4141-8D6D-784A7C30062E}"/>
               </a:ext>
             </a:extLst>
           </p:cNvPr>
@@ -38569,7 +38588,7 @@
           <p:cNvPr id="146" name="Freeform 42">
             <a:extLst>
               <a:ext uri="{FF2B5EF4-FFF2-40B4-BE49-F238E27FC236}">
-                <a16:creationId xmlns="" xmlns:a16="http://schemas.microsoft.com/office/drawing/2014/main" id="{8FBA33AA-A2D8-4DF7-8E17-F37658C8DE03}"/>
+                <a16:creationId xmlns:a16="http://schemas.microsoft.com/office/drawing/2014/main" xmlns="" id="{8FBA33AA-A2D8-4DF7-8E17-F37658C8DE03}"/>
               </a:ext>
             </a:extLst>
           </p:cNvPr>
@@ -38706,7 +38725,7 @@
           <p:cNvPr id="147" name="Freeform 43">
             <a:extLst>
               <a:ext uri="{FF2B5EF4-FFF2-40B4-BE49-F238E27FC236}">
-                <a16:creationId xmlns="" xmlns:a16="http://schemas.microsoft.com/office/drawing/2014/main" id="{E0E7CDF9-1F8B-49D1-ADFA-FA564ADFFE48}"/>
+                <a16:creationId xmlns:a16="http://schemas.microsoft.com/office/drawing/2014/main" xmlns="" id="{E0E7CDF9-1F8B-49D1-ADFA-FA564ADFFE48}"/>
               </a:ext>
             </a:extLst>
           </p:cNvPr>
@@ -38843,7 +38862,7 @@
           <p:cNvPr id="148" name="Freeform 44">
             <a:extLst>
               <a:ext uri="{FF2B5EF4-FFF2-40B4-BE49-F238E27FC236}">
-                <a16:creationId xmlns="" xmlns:a16="http://schemas.microsoft.com/office/drawing/2014/main" id="{45C0F1DD-9C39-465A-BB54-E6052C1A110C}"/>
+                <a16:creationId xmlns:a16="http://schemas.microsoft.com/office/drawing/2014/main" xmlns="" id="{45C0F1DD-9C39-465A-BB54-E6052C1A110C}"/>
               </a:ext>
             </a:extLst>
           </p:cNvPr>
@@ -38980,7 +38999,7 @@
           <p:cNvPr id="149" name="Freeform 45">
             <a:extLst>
               <a:ext uri="{FF2B5EF4-FFF2-40B4-BE49-F238E27FC236}">
-                <a16:creationId xmlns="" xmlns:a16="http://schemas.microsoft.com/office/drawing/2014/main" id="{4A50BD20-573B-410B-8357-65D005D3DBEE}"/>
+                <a16:creationId xmlns:a16="http://schemas.microsoft.com/office/drawing/2014/main" xmlns="" id="{4A50BD20-573B-410B-8357-65D005D3DBEE}"/>
               </a:ext>
             </a:extLst>
           </p:cNvPr>
@@ -39117,7 +39136,7 @@
           <p:cNvPr id="150" name="Freeform 46">
             <a:extLst>
               <a:ext uri="{FF2B5EF4-FFF2-40B4-BE49-F238E27FC236}">
-                <a16:creationId xmlns="" xmlns:a16="http://schemas.microsoft.com/office/drawing/2014/main" id="{65D3A984-8EE1-4438-AF9D-B66C96F4F703}"/>
+                <a16:creationId xmlns:a16="http://schemas.microsoft.com/office/drawing/2014/main" xmlns="" id="{65D3A984-8EE1-4438-AF9D-B66C96F4F703}"/>
               </a:ext>
             </a:extLst>
           </p:cNvPr>
@@ -39254,7 +39273,7 @@
           <p:cNvPr id="151" name="Freeform 53">
             <a:extLst>
               <a:ext uri="{FF2B5EF4-FFF2-40B4-BE49-F238E27FC236}">
-                <a16:creationId xmlns="" xmlns:a16="http://schemas.microsoft.com/office/drawing/2014/main" id="{5A3A56FE-4BC2-41AC-A0FD-A2F259552F4E}"/>
+                <a16:creationId xmlns:a16="http://schemas.microsoft.com/office/drawing/2014/main" xmlns="" id="{5A3A56FE-4BC2-41AC-A0FD-A2F259552F4E}"/>
               </a:ext>
             </a:extLst>
           </p:cNvPr>
@@ -39391,7 +39410,7 @@
           <p:cNvPr id="152" name="Freeform 55">
             <a:extLst>
               <a:ext uri="{FF2B5EF4-FFF2-40B4-BE49-F238E27FC236}">
-                <a16:creationId xmlns="" xmlns:a16="http://schemas.microsoft.com/office/drawing/2014/main" id="{67AC6AED-EB0C-4609-A6C1-8FCC3D7B248B}"/>
+                <a16:creationId xmlns:a16="http://schemas.microsoft.com/office/drawing/2014/main" xmlns="" id="{67AC6AED-EB0C-4609-A6C1-8FCC3D7B248B}"/>
               </a:ext>
             </a:extLst>
           </p:cNvPr>
@@ -39528,7 +39547,7 @@
           <p:cNvPr id="153" name="Freeform 56">
             <a:extLst>
               <a:ext uri="{FF2B5EF4-FFF2-40B4-BE49-F238E27FC236}">
-                <a16:creationId xmlns="" xmlns:a16="http://schemas.microsoft.com/office/drawing/2014/main" id="{2D857DFD-F4AB-4AD2-8275-67D8836B4C30}"/>
+                <a16:creationId xmlns:a16="http://schemas.microsoft.com/office/drawing/2014/main" xmlns="" id="{2D857DFD-F4AB-4AD2-8275-67D8836B4C30}"/>
               </a:ext>
             </a:extLst>
           </p:cNvPr>
@@ -39665,7 +39684,7 @@
           <p:cNvPr id="154" name="Freeform 57">
             <a:extLst>
               <a:ext uri="{FF2B5EF4-FFF2-40B4-BE49-F238E27FC236}">
-                <a16:creationId xmlns="" xmlns:a16="http://schemas.microsoft.com/office/drawing/2014/main" id="{A6636674-F3B2-426E-A1E3-D80D15699987}"/>
+                <a16:creationId xmlns:a16="http://schemas.microsoft.com/office/drawing/2014/main" xmlns="" id="{A6636674-F3B2-426E-A1E3-D80D15699987}"/>
               </a:ext>
             </a:extLst>
           </p:cNvPr>
@@ -39802,7 +39821,7 @@
           <p:cNvPr id="155" name="Freeform 58">
             <a:extLst>
               <a:ext uri="{FF2B5EF4-FFF2-40B4-BE49-F238E27FC236}">
-                <a16:creationId xmlns="" xmlns:a16="http://schemas.microsoft.com/office/drawing/2014/main" id="{49A41194-1FE9-45DC-B0DA-399E22DE4293}"/>
+                <a16:creationId xmlns:a16="http://schemas.microsoft.com/office/drawing/2014/main" xmlns="" id="{49A41194-1FE9-45DC-B0DA-399E22DE4293}"/>
               </a:ext>
             </a:extLst>
           </p:cNvPr>
@@ -39939,7 +39958,7 @@
           <p:cNvPr id="156" name="Freeform 59">
             <a:extLst>
               <a:ext uri="{FF2B5EF4-FFF2-40B4-BE49-F238E27FC236}">
-                <a16:creationId xmlns="" xmlns:a16="http://schemas.microsoft.com/office/drawing/2014/main" id="{C06C16B3-17E2-4057-8D87-5CF519CB5122}"/>
+                <a16:creationId xmlns:a16="http://schemas.microsoft.com/office/drawing/2014/main" xmlns="" id="{C06C16B3-17E2-4057-8D87-5CF519CB5122}"/>
               </a:ext>
             </a:extLst>
           </p:cNvPr>
@@ -40076,7 +40095,7 @@
           <p:cNvPr id="157" name="Freeform 60">
             <a:extLst>
               <a:ext uri="{FF2B5EF4-FFF2-40B4-BE49-F238E27FC236}">
-                <a16:creationId xmlns="" xmlns:a16="http://schemas.microsoft.com/office/drawing/2014/main" id="{1D3473A9-F3D0-49E6-B7FF-EEDDE13FBDD0}"/>
+                <a16:creationId xmlns:a16="http://schemas.microsoft.com/office/drawing/2014/main" xmlns="" id="{1D3473A9-F3D0-49E6-B7FF-EEDDE13FBDD0}"/>
               </a:ext>
             </a:extLst>
           </p:cNvPr>
@@ -40213,7 +40232,7 @@
           <p:cNvPr id="158" name="Freeform 61">
             <a:extLst>
               <a:ext uri="{FF2B5EF4-FFF2-40B4-BE49-F238E27FC236}">
-                <a16:creationId xmlns="" xmlns:a16="http://schemas.microsoft.com/office/drawing/2014/main" id="{63830DAC-D550-4275-9D6D-8FEA2634CEBA}"/>
+                <a16:creationId xmlns:a16="http://schemas.microsoft.com/office/drawing/2014/main" xmlns="" id="{63830DAC-D550-4275-9D6D-8FEA2634CEBA}"/>
               </a:ext>
             </a:extLst>
           </p:cNvPr>
@@ -40350,7 +40369,7 @@
           <p:cNvPr id="159" name="Freeform 62">
             <a:extLst>
               <a:ext uri="{FF2B5EF4-FFF2-40B4-BE49-F238E27FC236}">
-                <a16:creationId xmlns="" xmlns:a16="http://schemas.microsoft.com/office/drawing/2014/main" id="{36A72667-0639-441E-A422-06150D0A2534}"/>
+                <a16:creationId xmlns:a16="http://schemas.microsoft.com/office/drawing/2014/main" xmlns="" id="{36A72667-0639-441E-A422-06150D0A2534}"/>
               </a:ext>
             </a:extLst>
           </p:cNvPr>
@@ -40487,7 +40506,7 @@
           <p:cNvPr id="160" name="Freeform 63">
             <a:extLst>
               <a:ext uri="{FF2B5EF4-FFF2-40B4-BE49-F238E27FC236}">
-                <a16:creationId xmlns="" xmlns:a16="http://schemas.microsoft.com/office/drawing/2014/main" id="{E4DDDE35-8C14-457E-A7DD-FBDAD3E29309}"/>
+                <a16:creationId xmlns:a16="http://schemas.microsoft.com/office/drawing/2014/main" xmlns="" id="{E4DDDE35-8C14-457E-A7DD-FBDAD3E29309}"/>
               </a:ext>
             </a:extLst>
           </p:cNvPr>
@@ -40624,7 +40643,7 @@
           <p:cNvPr id="161" name="Freeform 65">
             <a:extLst>
               <a:ext uri="{FF2B5EF4-FFF2-40B4-BE49-F238E27FC236}">
-                <a16:creationId xmlns="" xmlns:a16="http://schemas.microsoft.com/office/drawing/2014/main" id="{7F5B33DA-9D25-4096-8187-15007CB9BB0A}"/>
+                <a16:creationId xmlns:a16="http://schemas.microsoft.com/office/drawing/2014/main" xmlns="" id="{7F5B33DA-9D25-4096-8187-15007CB9BB0A}"/>
               </a:ext>
             </a:extLst>
           </p:cNvPr>
@@ -40761,7 +40780,7 @@
           <p:cNvPr id="162" name="Freeform 66">
             <a:extLst>
               <a:ext uri="{FF2B5EF4-FFF2-40B4-BE49-F238E27FC236}">
-                <a16:creationId xmlns="" xmlns:a16="http://schemas.microsoft.com/office/drawing/2014/main" id="{E921DC22-D0C7-474C-94BB-38F58FB9A13B}"/>
+                <a16:creationId xmlns:a16="http://schemas.microsoft.com/office/drawing/2014/main" xmlns="" id="{E921DC22-D0C7-474C-94BB-38F58FB9A13B}"/>
               </a:ext>
             </a:extLst>
           </p:cNvPr>
@@ -40898,7 +40917,7 @@
           <p:cNvPr id="163" name="Freeform 67">
             <a:extLst>
               <a:ext uri="{FF2B5EF4-FFF2-40B4-BE49-F238E27FC236}">
-                <a16:creationId xmlns="" xmlns:a16="http://schemas.microsoft.com/office/drawing/2014/main" id="{6E96CACF-3B58-4840-BD40-65634E1CB798}"/>
+                <a16:creationId xmlns:a16="http://schemas.microsoft.com/office/drawing/2014/main" xmlns="" id="{6E96CACF-3B58-4840-BD40-65634E1CB798}"/>
               </a:ext>
             </a:extLst>
           </p:cNvPr>
@@ -41035,7 +41054,7 @@
           <p:cNvPr id="164" name="Freeform 68">
             <a:extLst>
               <a:ext uri="{FF2B5EF4-FFF2-40B4-BE49-F238E27FC236}">
-                <a16:creationId xmlns="" xmlns:a16="http://schemas.microsoft.com/office/drawing/2014/main" id="{B054C700-A512-476A-84F3-63259A7508BF}"/>
+                <a16:creationId xmlns:a16="http://schemas.microsoft.com/office/drawing/2014/main" xmlns="" id="{B054C700-A512-476A-84F3-63259A7508BF}"/>
               </a:ext>
             </a:extLst>
           </p:cNvPr>
@@ -41172,7 +41191,7 @@
           <p:cNvPr id="165" name="Freeform 69">
             <a:extLst>
               <a:ext uri="{FF2B5EF4-FFF2-40B4-BE49-F238E27FC236}">
-                <a16:creationId xmlns="" xmlns:a16="http://schemas.microsoft.com/office/drawing/2014/main" id="{D8CA26FD-0C58-4D3E-ACE9-DDE79516A0E5}"/>
+                <a16:creationId xmlns:a16="http://schemas.microsoft.com/office/drawing/2014/main" xmlns="" id="{D8CA26FD-0C58-4D3E-ACE9-DDE79516A0E5}"/>
               </a:ext>
             </a:extLst>
           </p:cNvPr>
@@ -41309,7 +41328,7 @@
           <p:cNvPr id="166" name="Freeform 70">
             <a:extLst>
               <a:ext uri="{FF2B5EF4-FFF2-40B4-BE49-F238E27FC236}">
-                <a16:creationId xmlns="" xmlns:a16="http://schemas.microsoft.com/office/drawing/2014/main" id="{4F96F0BA-B086-4815-AB44-DFA0EA6BC0CC}"/>
+                <a16:creationId xmlns:a16="http://schemas.microsoft.com/office/drawing/2014/main" xmlns="" id="{4F96F0BA-B086-4815-AB44-DFA0EA6BC0CC}"/>
               </a:ext>
             </a:extLst>
           </p:cNvPr>
@@ -41446,7 +41465,7 @@
           <p:cNvPr id="167" name="Freeform 71">
             <a:extLst>
               <a:ext uri="{FF2B5EF4-FFF2-40B4-BE49-F238E27FC236}">
-                <a16:creationId xmlns="" xmlns:a16="http://schemas.microsoft.com/office/drawing/2014/main" id="{9DD91747-856A-46EF-A35E-4D68DD62FB7E}"/>
+                <a16:creationId xmlns:a16="http://schemas.microsoft.com/office/drawing/2014/main" xmlns="" id="{9DD91747-856A-46EF-A35E-4D68DD62FB7E}"/>
               </a:ext>
             </a:extLst>
           </p:cNvPr>
@@ -41583,7 +41602,7 @@
           <p:cNvPr id="168" name="Freeform 72">
             <a:extLst>
               <a:ext uri="{FF2B5EF4-FFF2-40B4-BE49-F238E27FC236}">
-                <a16:creationId xmlns="" xmlns:a16="http://schemas.microsoft.com/office/drawing/2014/main" id="{57A3AB4C-E15F-4ACE-B554-4A35F5FFE8D8}"/>
+                <a16:creationId xmlns:a16="http://schemas.microsoft.com/office/drawing/2014/main" xmlns="" id="{57A3AB4C-E15F-4ACE-B554-4A35F5FFE8D8}"/>
               </a:ext>
             </a:extLst>
           </p:cNvPr>
@@ -41720,7 +41739,7 @@
           <p:cNvPr id="169" name="Freeform 79">
             <a:extLst>
               <a:ext uri="{FF2B5EF4-FFF2-40B4-BE49-F238E27FC236}">
-                <a16:creationId xmlns="" xmlns:a16="http://schemas.microsoft.com/office/drawing/2014/main" id="{1C55B425-986C-4626-BE12-F131694209CD}"/>
+                <a16:creationId xmlns:a16="http://schemas.microsoft.com/office/drawing/2014/main" xmlns="" id="{1C55B425-986C-4626-BE12-F131694209CD}"/>
               </a:ext>
             </a:extLst>
           </p:cNvPr>
@@ -41857,7 +41876,7 @@
           <p:cNvPr id="170" name="Freeform 80">
             <a:extLst>
               <a:ext uri="{FF2B5EF4-FFF2-40B4-BE49-F238E27FC236}">
-                <a16:creationId xmlns="" xmlns:a16="http://schemas.microsoft.com/office/drawing/2014/main" id="{CD1E9D64-2185-4B4D-9F34-6AEF4620345B}"/>
+                <a16:creationId xmlns:a16="http://schemas.microsoft.com/office/drawing/2014/main" xmlns="" id="{CD1E9D64-2185-4B4D-9F34-6AEF4620345B}"/>
               </a:ext>
             </a:extLst>
           </p:cNvPr>
@@ -41994,7 +42013,7 @@
           <p:cNvPr id="171" name="Freeform 81">
             <a:extLst>
               <a:ext uri="{FF2B5EF4-FFF2-40B4-BE49-F238E27FC236}">
-                <a16:creationId xmlns="" xmlns:a16="http://schemas.microsoft.com/office/drawing/2014/main" id="{7C4E5F95-CDBA-4F46-A186-2DBAACF18A73}"/>
+                <a16:creationId xmlns:a16="http://schemas.microsoft.com/office/drawing/2014/main" xmlns="" id="{7C4E5F95-CDBA-4F46-A186-2DBAACF18A73}"/>
               </a:ext>
             </a:extLst>
           </p:cNvPr>
@@ -42131,7 +42150,7 @@
           <p:cNvPr id="172" name="Freeform 82">
             <a:extLst>
               <a:ext uri="{FF2B5EF4-FFF2-40B4-BE49-F238E27FC236}">
-                <a16:creationId xmlns="" xmlns:a16="http://schemas.microsoft.com/office/drawing/2014/main" id="{81C0B484-33A3-406B-B04E-CFC0254DBE8A}"/>
+                <a16:creationId xmlns:a16="http://schemas.microsoft.com/office/drawing/2014/main" xmlns="" id="{81C0B484-33A3-406B-B04E-CFC0254DBE8A}"/>
               </a:ext>
             </a:extLst>
           </p:cNvPr>
@@ -42268,7 +42287,7 @@
           <p:cNvPr id="179" name="Freeform 125">
             <a:extLst>
               <a:ext uri="{FF2B5EF4-FFF2-40B4-BE49-F238E27FC236}">
-                <a16:creationId xmlns="" xmlns:a16="http://schemas.microsoft.com/office/drawing/2014/main" id="{3AEC37DF-785A-4577-A4B2-BC98AEDE3463}"/>
+                <a16:creationId xmlns:a16="http://schemas.microsoft.com/office/drawing/2014/main" xmlns="" id="{3AEC37DF-785A-4577-A4B2-BC98AEDE3463}"/>
               </a:ext>
             </a:extLst>
           </p:cNvPr>
@@ -42371,7 +42390,7 @@
           <p:cNvPr id="180" name="Freeform 147">
             <a:extLst>
               <a:ext uri="{FF2B5EF4-FFF2-40B4-BE49-F238E27FC236}">
-                <a16:creationId xmlns="" xmlns:a16="http://schemas.microsoft.com/office/drawing/2014/main" id="{627F0F0D-8BD5-4CC8-93BC-E5E58C47EED9}"/>
+                <a16:creationId xmlns:a16="http://schemas.microsoft.com/office/drawing/2014/main" xmlns="" id="{627F0F0D-8BD5-4CC8-93BC-E5E58C47EED9}"/>
               </a:ext>
             </a:extLst>
           </p:cNvPr>
@@ -42473,7 +42492,7 @@
           <p:cNvPr id="181" name="Rectangle 165">
             <a:extLst>
               <a:ext uri="{FF2B5EF4-FFF2-40B4-BE49-F238E27FC236}">
-                <a16:creationId xmlns="" xmlns:a16="http://schemas.microsoft.com/office/drawing/2014/main" id="{A303FEC3-074A-4ACD-803B-553A8FD65C27}"/>
+                <a16:creationId xmlns:a16="http://schemas.microsoft.com/office/drawing/2014/main" xmlns="" id="{A303FEC3-074A-4ACD-803B-553A8FD65C27}"/>
               </a:ext>
             </a:extLst>
           </p:cNvPr>
@@ -42568,7 +42587,7 @@
           <p:cNvPr id="183" name="Group 182">
             <a:extLst>
               <a:ext uri="{FF2B5EF4-FFF2-40B4-BE49-F238E27FC236}">
-                <a16:creationId xmlns="" xmlns:a16="http://schemas.microsoft.com/office/drawing/2014/main" id="{B56796B2-77C0-4F7D-9C92-0A9A7861C60D}"/>
+                <a16:creationId xmlns:a16="http://schemas.microsoft.com/office/drawing/2014/main" xmlns="" id="{B56796B2-77C0-4F7D-9C92-0A9A7861C60D}"/>
               </a:ext>
             </a:extLst>
           </p:cNvPr>
@@ -42588,7 +42607,7 @@
             <p:cNvPr id="184" name="TextBox 183">
               <a:extLst>
                 <a:ext uri="{FF2B5EF4-FFF2-40B4-BE49-F238E27FC236}">
-                  <a16:creationId xmlns="" xmlns:a16="http://schemas.microsoft.com/office/drawing/2014/main" id="{39A702E4-97AF-4ECE-B64E-1E10976DE8F8}"/>
+                  <a16:creationId xmlns:a16="http://schemas.microsoft.com/office/drawing/2014/main" xmlns="" id="{39A702E4-97AF-4ECE-B64E-1E10976DE8F8}"/>
                 </a:ext>
               </a:extLst>
             </p:cNvPr>
@@ -42632,7 +42651,7 @@
             <p:cNvPr id="185" name="TextBox 184">
               <a:extLst>
                 <a:ext uri="{FF2B5EF4-FFF2-40B4-BE49-F238E27FC236}">
-                  <a16:creationId xmlns="" xmlns:a16="http://schemas.microsoft.com/office/drawing/2014/main" id="{F1436519-EE99-49AA-9481-02D3C72FC899}"/>
+                  <a16:creationId xmlns:a16="http://schemas.microsoft.com/office/drawing/2014/main" xmlns="" id="{F1436519-EE99-49AA-9481-02D3C72FC899}"/>
                 </a:ext>
               </a:extLst>
             </p:cNvPr>
@@ -42684,15 +42703,7 @@
                     <a:schemeClr val="bg1"/>
                   </a:solidFill>
                 </a:rPr>
-                <a:t>Eas</a:t>
-              </a:r>
-              <a:r>
-                <a:rPr lang="en-US" sz="1600" dirty="0" smtClean="0">
-                  <a:solidFill>
-                    <a:schemeClr val="bg1"/>
-                  </a:solidFill>
-                </a:rPr>
-                <a:t>y to create at home</a:t>
+                <a:t>Easy to create at home</a:t>
               </a:r>
               <a:endParaRPr lang="en-US" sz="1600" dirty="0">
                 <a:solidFill>
@@ -42708,7 +42719,7 @@
           <p:cNvPr id="186" name="TextBox 185">
             <a:extLst>
               <a:ext uri="{FF2B5EF4-FFF2-40B4-BE49-F238E27FC236}">
-                <a16:creationId xmlns="" xmlns:a16="http://schemas.microsoft.com/office/drawing/2014/main" id="{F1436519-EE99-49AA-9481-02D3C72FC899}"/>
+                <a16:creationId xmlns:a16="http://schemas.microsoft.com/office/drawing/2014/main" xmlns="" id="{F1436519-EE99-49AA-9481-02D3C72FC899}"/>
               </a:ext>
             </a:extLst>
           </p:cNvPr>
@@ -42751,11 +42762,6 @@
               </a:rPr>
               <a:t>Current and historic data.</a:t>
             </a:r>
-            <a:endParaRPr lang="en-US" sz="1600" dirty="0" smtClean="0">
-              <a:solidFill>
-                <a:schemeClr val="bg1"/>
-              </a:solidFill>
-            </a:endParaRPr>
           </a:p>
           <a:p>
             <a:pPr algn="just"/>

--- a/presentation.pptx
+++ b/presentation.pptx
@@ -3554,7 +3554,7 @@
               <a:t>station based on </a:t>
             </a:r>
             <a:r>
-              <a:rPr lang="en-US" sz="3200" b="1" smtClean="0">
+              <a:rPr lang="en-US" sz="3200" b="1" dirty="0" err="1" smtClean="0">
                 <a:solidFill>
                   <a:schemeClr val="bg1"/>
                 </a:solidFill>
@@ -25599,8 +25599,27 @@
                 <a:ea typeface="Helvetica" charset="0"/>
                 <a:cs typeface="Helvetica" charset="0"/>
               </a:rPr>
-              <a:t>station based on RPI</a:t>
+              <a:t>station based on </a:t>
             </a:r>
+            <a:r>
+              <a:rPr lang="en-US" sz="3200" b="1" smtClean="0">
+                <a:solidFill>
+                  <a:schemeClr val="bg1"/>
+                </a:solidFill>
+                <a:latin typeface="Helvetica" charset="0"/>
+                <a:ea typeface="Helvetica" charset="0"/>
+                <a:cs typeface="Helvetica" charset="0"/>
+              </a:rPr>
+              <a:t>RPi</a:t>
+            </a:r>
+            <a:endParaRPr lang="en-US" sz="3200" b="1" dirty="0">
+              <a:solidFill>
+                <a:schemeClr val="bg1"/>
+              </a:solidFill>
+              <a:latin typeface="Helvetica" charset="0"/>
+              <a:ea typeface="Helvetica" charset="0"/>
+              <a:cs typeface="Helvetica" charset="0"/>
+            </a:endParaRPr>
           </a:p>
         </p:txBody>
       </p:sp>
